--- a/shiny_introduction.pptx
+++ b/shiny_introduction.pptx
@@ -2,17 +2,22 @@
 <file path=ppt/presentation.xml><?xml version="1.0" encoding="utf-8"?>
 <p:presentation xmlns:a="http://schemas.openxmlformats.org/drawingml/2006/main" xmlns:r="http://schemas.openxmlformats.org/officeDocument/2006/relationships" xmlns:p="http://schemas.openxmlformats.org/presentationml/2006/main" saveSubsetFonts="1">
   <p:sldMasterIdLst>
-    <p:sldMasterId id="2147483684" r:id="rId1"/>
+    <p:sldMasterId id="2147483696" r:id="rId1"/>
   </p:sldMasterIdLst>
   <p:notesMasterIdLst>
-    <p:notesMasterId r:id="rId7"/>
+    <p:notesMasterId r:id="rId12"/>
   </p:notesMasterIdLst>
   <p:sldIdLst>
     <p:sldId id="256" r:id="rId2"/>
-    <p:sldId id="259" r:id="rId3"/>
-    <p:sldId id="260" r:id="rId4"/>
-    <p:sldId id="257" r:id="rId5"/>
-    <p:sldId id="258" r:id="rId6"/>
+    <p:sldId id="261" r:id="rId3"/>
+    <p:sldId id="262" r:id="rId4"/>
+    <p:sldId id="263" r:id="rId5"/>
+    <p:sldId id="264" r:id="rId6"/>
+    <p:sldId id="259" r:id="rId7"/>
+    <p:sldId id="260" r:id="rId8"/>
+    <p:sldId id="257" r:id="rId9"/>
+    <p:sldId id="258" r:id="rId10"/>
+    <p:sldId id="265" r:id="rId11"/>
   </p:sldIdLst>
   <p:sldSz cx="9144000" cy="6858000" type="screen4x3"/>
   <p:notesSz cx="6858000" cy="9144000"/>
@@ -508,7 +513,52 @@
           <a:bodyPr/>
           <a:lstStyle/>
           <a:p>
-            <a:endParaRPr lang="en-US"/>
+            <a:r>
+              <a:rPr lang="en-US" dirty="0" smtClean="0"/>
+              <a:t>R is unique suited for</a:t>
+            </a:r>
+            <a:r>
+              <a:rPr lang="en-US" baseline="0" dirty="0" smtClean="0"/>
+              <a:t> many problems associated with manipulating, analyzing, and visualizing data.</a:t>
+            </a:r>
+          </a:p>
+          <a:p>
+            <a:r>
+              <a:rPr lang="en-US" baseline="0" dirty="0" smtClean="0"/>
+              <a:t>	Huge headache to recreate built-in R functions in other traditional languages.</a:t>
+            </a:r>
+          </a:p>
+          <a:p>
+            <a:endParaRPr lang="en-US" baseline="0" dirty="0" smtClean="0"/>
+          </a:p>
+          <a:p>
+            <a:r>
+              <a:rPr lang="en-US" baseline="0" dirty="0" smtClean="0"/>
+              <a:t>Massive shift towards web-based applications over past decade</a:t>
+            </a:r>
+          </a:p>
+          <a:p>
+            <a:r>
+              <a:rPr lang="en-US" baseline="0" dirty="0" smtClean="0"/>
+              <a:t>	Don’t have to support one program per OS</a:t>
+            </a:r>
+          </a:p>
+          <a:p>
+            <a:r>
+              <a:rPr lang="en-US" baseline="0" dirty="0" smtClean="0"/>
+              <a:t>	Don’t have to worry about distribution – updates and </a:t>
+            </a:r>
+            <a:r>
+              <a:rPr lang="en-US" baseline="0" dirty="0" err="1" smtClean="0"/>
+              <a:t>bugfixes</a:t>
+            </a:r>
+            <a:endParaRPr lang="en-US" baseline="0" dirty="0" smtClean="0"/>
+          </a:p>
+          <a:p>
+            <a:r>
+              <a:rPr lang="en-US" baseline="0" dirty="0" smtClean="0"/>
+              <a:t>	More control</a:t>
+            </a:r>
           </a:p>
         </p:txBody>
       </p:sp>
@@ -529,7 +579,262 @@
           <a:p>
             <a:fld id="{6AFF73DF-0CB2-4BD6-AF9F-0FD25C17E598}" type="slidenum">
               <a:rPr lang="en-US" smtClean="0"/>
-              <a:t>2</a:t>
+              <a:t>3</a:t>
+            </a:fld>
+            <a:endParaRPr lang="en-US"/>
+          </a:p>
+        </p:txBody>
+      </p:sp>
+    </p:spTree>
+    <p:extLst>
+      <p:ext uri="{BB962C8B-B14F-4D97-AF65-F5344CB8AC3E}">
+        <p14:creationId xmlns:p14="http://schemas.microsoft.com/office/powerpoint/2010/main" val="2485248573"/>
+      </p:ext>
+    </p:extLst>
+  </p:cSld>
+  <p:clrMapOvr>
+    <a:masterClrMapping/>
+  </p:clrMapOvr>
+</p:notes>
+</file>
+
+<file path=ppt/notesSlides/notesSlide2.xml><?xml version="1.0" encoding="utf-8"?>
+<p:notes xmlns:a="http://schemas.openxmlformats.org/drawingml/2006/main" xmlns:r="http://schemas.openxmlformats.org/officeDocument/2006/relationships" xmlns:p="http://schemas.openxmlformats.org/presentationml/2006/main">
+  <p:cSld>
+    <p:spTree>
+      <p:nvGrpSpPr>
+        <p:cNvPr id="1" name=""/>
+        <p:cNvGrpSpPr/>
+        <p:nvPr/>
+      </p:nvGrpSpPr>
+      <p:grpSpPr>
+        <a:xfrm>
+          <a:off x="0" y="0"/>
+          <a:ext cx="0" cy="0"/>
+          <a:chOff x="0" y="0"/>
+          <a:chExt cx="0" cy="0"/>
+        </a:xfrm>
+      </p:grpSpPr>
+      <p:sp>
+        <p:nvSpPr>
+          <p:cNvPr id="2" name="Slide Image Placeholder 1"/>
+          <p:cNvSpPr>
+            <a:spLocks noGrp="1" noRot="1" noChangeAspect="1"/>
+          </p:cNvSpPr>
+          <p:nvPr>
+            <p:ph type="sldImg"/>
+          </p:nvPr>
+        </p:nvSpPr>
+        <p:spPr/>
+      </p:sp>
+      <p:sp>
+        <p:nvSpPr>
+          <p:cNvPr id="3" name="Notes Placeholder 2"/>
+          <p:cNvSpPr>
+            <a:spLocks noGrp="1"/>
+          </p:cNvSpPr>
+          <p:nvPr>
+            <p:ph type="body" idx="1"/>
+          </p:nvPr>
+        </p:nvSpPr>
+        <p:spPr/>
+        <p:txBody>
+          <a:bodyPr/>
+          <a:lstStyle/>
+          <a:p>
+            <a:r>
+              <a:rPr lang="en-US" dirty="0" err="1" smtClean="0"/>
+              <a:t>rApache</a:t>
+            </a:r>
+            <a:r>
+              <a:rPr lang="en-US" dirty="0" smtClean="0"/>
+              <a:t> required a commitment to writing a lot of web code</a:t>
+            </a:r>
+            <a:r>
+              <a:rPr lang="en-US" baseline="0" dirty="0" smtClean="0"/>
+              <a:t> in R</a:t>
+            </a:r>
+          </a:p>
+          <a:p>
+            <a:r>
+              <a:rPr lang="en-US" baseline="0" dirty="0" smtClean="0"/>
+              <a:t>	R is not well suited</a:t>
+            </a:r>
+          </a:p>
+          <a:p>
+            <a:endParaRPr lang="en-US" baseline="0" dirty="0" smtClean="0"/>
+          </a:p>
+          <a:p>
+            <a:r>
+              <a:rPr lang="en-US" baseline="0" dirty="0" err="1" smtClean="0"/>
+              <a:t>Rserve</a:t>
+            </a:r>
+            <a:r>
+              <a:rPr lang="en-US" baseline="0" dirty="0" smtClean="0"/>
+              <a:t> is great for what it intends to do</a:t>
+            </a:r>
+          </a:p>
+          <a:p>
+            <a:r>
+              <a:rPr lang="en-US" baseline="0" dirty="0" smtClean="0"/>
+              <a:t>	Makes R accessible at a very low level remotely</a:t>
+            </a:r>
+          </a:p>
+          <a:p>
+            <a:r>
+              <a:rPr lang="en-US" baseline="0" dirty="0" smtClean="0"/>
+              <a:t>	Allows for programmatic access</a:t>
+            </a:r>
+          </a:p>
+          <a:p>
+            <a:r>
+              <a:rPr lang="en-US" baseline="0" dirty="0" smtClean="0"/>
+              <a:t>	Must be built upon before anything makes it to a web browser</a:t>
+            </a:r>
+          </a:p>
+          <a:p>
+            <a:endParaRPr lang="en-US" baseline="0" dirty="0" smtClean="0"/>
+          </a:p>
+          <a:p>
+            <a:r>
+              <a:rPr lang="en-US" baseline="0" dirty="0" err="1" smtClean="0"/>
+              <a:t>deployR</a:t>
+            </a:r>
+            <a:endParaRPr lang="en-US" baseline="0" dirty="0" smtClean="0"/>
+          </a:p>
+          <a:p>
+            <a:r>
+              <a:rPr lang="en-US" baseline="0" dirty="0" smtClean="0"/>
+              <a:t>	Lots of enterprise features</a:t>
+            </a:r>
+          </a:p>
+          <a:p>
+            <a:r>
+              <a:rPr lang="en-US" baseline="0" dirty="0" smtClean="0"/>
+              <a:t>	Cumbersome.</a:t>
+            </a:r>
+          </a:p>
+          <a:p>
+            <a:r>
+              <a:rPr lang="en-US" baseline="0" dirty="0" smtClean="0"/>
+              <a:t>	Clients are poorly written</a:t>
+            </a:r>
+          </a:p>
+          <a:p>
+            <a:r>
+              <a:rPr lang="en-US" baseline="0" dirty="0" smtClean="0"/>
+              <a:t>	Java, .NET, and </a:t>
+            </a:r>
+            <a:r>
+              <a:rPr lang="en-US" baseline="0" dirty="0" err="1" smtClean="0"/>
+              <a:t>Javascript</a:t>
+            </a:r>
+            <a:endParaRPr lang="en-US" dirty="0"/>
+          </a:p>
+        </p:txBody>
+      </p:sp>
+      <p:sp>
+        <p:nvSpPr>
+          <p:cNvPr id="4" name="Slide Number Placeholder 3"/>
+          <p:cNvSpPr>
+            <a:spLocks noGrp="1"/>
+          </p:cNvSpPr>
+          <p:nvPr>
+            <p:ph type="sldNum" sz="quarter" idx="10"/>
+          </p:nvPr>
+        </p:nvSpPr>
+        <p:spPr/>
+        <p:txBody>
+          <a:bodyPr/>
+          <a:lstStyle/>
+          <a:p>
+            <a:fld id="{6AFF73DF-0CB2-4BD6-AF9F-0FD25C17E598}" type="slidenum">
+              <a:rPr lang="en-US" smtClean="0"/>
+              <a:t>4</a:t>
+            </a:fld>
+            <a:endParaRPr lang="en-US"/>
+          </a:p>
+        </p:txBody>
+      </p:sp>
+    </p:spTree>
+    <p:extLst>
+      <p:ext uri="{BB962C8B-B14F-4D97-AF65-F5344CB8AC3E}">
+        <p14:creationId xmlns:p14="http://schemas.microsoft.com/office/powerpoint/2010/main" val="2071929208"/>
+      </p:ext>
+    </p:extLst>
+  </p:cSld>
+  <p:clrMapOvr>
+    <a:masterClrMapping/>
+  </p:clrMapOvr>
+</p:notes>
+</file>
+
+<file path=ppt/notesSlides/notesSlide3.xml><?xml version="1.0" encoding="utf-8"?>
+<p:notes xmlns:a="http://schemas.openxmlformats.org/drawingml/2006/main" xmlns:r="http://schemas.openxmlformats.org/officeDocument/2006/relationships" xmlns:p="http://schemas.openxmlformats.org/presentationml/2006/main">
+  <p:cSld>
+    <p:spTree>
+      <p:nvGrpSpPr>
+        <p:cNvPr id="1" name=""/>
+        <p:cNvGrpSpPr/>
+        <p:nvPr/>
+      </p:nvGrpSpPr>
+      <p:grpSpPr>
+        <a:xfrm>
+          <a:off x="0" y="0"/>
+          <a:ext cx="0" cy="0"/>
+          <a:chOff x="0" y="0"/>
+          <a:chExt cx="0" cy="0"/>
+        </a:xfrm>
+      </p:grpSpPr>
+      <p:sp>
+        <p:nvSpPr>
+          <p:cNvPr id="2" name="Slide Image Placeholder 1"/>
+          <p:cNvSpPr>
+            <a:spLocks noGrp="1" noRot="1" noChangeAspect="1"/>
+          </p:cNvSpPr>
+          <p:nvPr>
+            <p:ph type="sldImg"/>
+          </p:nvPr>
+        </p:nvSpPr>
+        <p:spPr/>
+      </p:sp>
+      <p:sp>
+        <p:nvSpPr>
+          <p:cNvPr id="3" name="Notes Placeholder 2"/>
+          <p:cNvSpPr>
+            <a:spLocks noGrp="1"/>
+          </p:cNvSpPr>
+          <p:nvPr>
+            <p:ph type="body" idx="1"/>
+          </p:nvPr>
+        </p:nvSpPr>
+        <p:spPr/>
+        <p:txBody>
+          <a:bodyPr/>
+          <a:lstStyle/>
+          <a:p>
+            <a:endParaRPr lang="en-US"/>
+          </a:p>
+        </p:txBody>
+      </p:sp>
+      <p:sp>
+        <p:nvSpPr>
+          <p:cNvPr id="4" name="Slide Number Placeholder 3"/>
+          <p:cNvSpPr>
+            <a:spLocks noGrp="1"/>
+          </p:cNvSpPr>
+          <p:nvPr>
+            <p:ph type="sldNum" sz="quarter" idx="10"/>
+          </p:nvPr>
+        </p:nvSpPr>
+        <p:spPr/>
+        <p:txBody>
+          <a:bodyPr/>
+          <a:lstStyle/>
+          <a:p>
+            <a:fld id="{6AFF73DF-0CB2-4BD6-AF9F-0FD25C17E598}" type="slidenum">
+              <a:rPr lang="en-US" smtClean="0"/>
+              <a:t>6</a:t>
             </a:fld>
             <a:endParaRPr lang="en-US"/>
           </a:p>
@@ -549,8 +854,16 @@
 </file>
 
 <file path=ppt/slideLayouts/slideLayout1.xml><?xml version="1.0" encoding="utf-8"?>
-<p:sldLayout xmlns:a="http://schemas.openxmlformats.org/drawingml/2006/main" xmlns:r="http://schemas.openxmlformats.org/officeDocument/2006/relationships" xmlns:p="http://schemas.openxmlformats.org/presentationml/2006/main" type="title" preserve="1">
+<p:sldLayout xmlns:a="http://schemas.openxmlformats.org/drawingml/2006/main" xmlns:r="http://schemas.openxmlformats.org/officeDocument/2006/relationships" xmlns:p="http://schemas.openxmlformats.org/presentationml/2006/main" showMasterSp="0" type="title" preserve="1">
   <p:cSld name="Title Slide">
+    <p:bg>
+      <p:bgPr>
+        <a:solidFill>
+          <a:schemeClr val="bg1"/>
+        </a:solidFill>
+        <a:effectLst/>
+      </p:bgPr>
+    </p:bg>
     <p:spTree>
       <p:nvGrpSpPr>
         <p:cNvPr id="1" name=""/>
@@ -1590,7 +1903,7 @@
 </file>
 
 <file path=ppt/slideLayouts/slideLayout3.xml><?xml version="1.0" encoding="utf-8"?>
-<p:sldLayout xmlns:a="http://schemas.openxmlformats.org/drawingml/2006/main" xmlns:r="http://schemas.openxmlformats.org/officeDocument/2006/relationships" xmlns:p="http://schemas.openxmlformats.org/presentationml/2006/main" type="secHead" preserve="1">
+<p:sldLayout xmlns:a="http://schemas.openxmlformats.org/drawingml/2006/main" xmlns:r="http://schemas.openxmlformats.org/officeDocument/2006/relationships" xmlns:p="http://schemas.openxmlformats.org/presentationml/2006/main" showMasterSp="0" type="secHead" preserve="1">
   <p:cSld name="Section Header">
     <p:spTree>
       <p:nvGrpSpPr>
@@ -3797,17 +4110,17 @@
   </p:cSld>
   <p:clrMap bg1="lt1" tx1="dk1" bg2="lt2" tx2="dk2" accent1="accent1" accent2="accent2" accent3="accent3" accent4="accent4" accent5="accent5" accent6="accent6" hlink="hlink" folHlink="folHlink"/>
   <p:sldLayoutIdLst>
-    <p:sldLayoutId id="2147483685" r:id="rId1"/>
-    <p:sldLayoutId id="2147483686" r:id="rId2"/>
-    <p:sldLayoutId id="2147483687" r:id="rId3"/>
-    <p:sldLayoutId id="2147483688" r:id="rId4"/>
-    <p:sldLayoutId id="2147483689" r:id="rId5"/>
-    <p:sldLayoutId id="2147483690" r:id="rId6"/>
-    <p:sldLayoutId id="2147483691" r:id="rId7"/>
-    <p:sldLayoutId id="2147483692" r:id="rId8"/>
-    <p:sldLayoutId id="2147483693" r:id="rId9"/>
-    <p:sldLayoutId id="2147483694" r:id="rId10"/>
-    <p:sldLayoutId id="2147483695" r:id="rId11"/>
+    <p:sldLayoutId id="2147483697" r:id="rId1"/>
+    <p:sldLayoutId id="2147483698" r:id="rId2"/>
+    <p:sldLayoutId id="2147483699" r:id="rId3"/>
+    <p:sldLayoutId id="2147483700" r:id="rId4"/>
+    <p:sldLayoutId id="2147483701" r:id="rId5"/>
+    <p:sldLayoutId id="2147483702" r:id="rId6"/>
+    <p:sldLayoutId id="2147483703" r:id="rId7"/>
+    <p:sldLayoutId id="2147483704" r:id="rId8"/>
+    <p:sldLayoutId id="2147483705" r:id="rId9"/>
+    <p:sldLayoutId id="2147483706" r:id="rId10"/>
+    <p:sldLayoutId id="2147483707" r:id="rId11"/>
   </p:sldLayoutIdLst>
   <p:txStyles>
     <p:titleStyle>
@@ -4394,6 +4707,157 @@
 </p:sld>
 </file>
 
+<file path=ppt/slides/slide10.xml><?xml version="1.0" encoding="utf-8"?>
+<p:sld xmlns:a="http://schemas.openxmlformats.org/drawingml/2006/main" xmlns:r="http://schemas.openxmlformats.org/officeDocument/2006/relationships" xmlns:p="http://schemas.openxmlformats.org/presentationml/2006/main">
+  <p:cSld>
+    <p:spTree>
+      <p:nvGrpSpPr>
+        <p:cNvPr id="1" name=""/>
+        <p:cNvGrpSpPr/>
+        <p:nvPr/>
+      </p:nvGrpSpPr>
+      <p:grpSpPr>
+        <a:xfrm>
+          <a:off x="0" y="0"/>
+          <a:ext cx="0" cy="0"/>
+          <a:chOff x="0" y="0"/>
+          <a:chExt cx="0" cy="0"/>
+        </a:xfrm>
+      </p:grpSpPr>
+      <p:sp>
+        <p:nvSpPr>
+          <p:cNvPr id="2" name="Title 1"/>
+          <p:cNvSpPr>
+            <a:spLocks noGrp="1"/>
+          </p:cNvSpPr>
+          <p:nvPr>
+            <p:ph type="title"/>
+          </p:nvPr>
+        </p:nvSpPr>
+        <p:spPr/>
+        <p:txBody>
+          <a:bodyPr/>
+          <a:lstStyle/>
+          <a:p>
+            <a:r>
+              <a:rPr lang="en-US" dirty="0" smtClean="0"/>
+              <a:t>Hosting</a:t>
+            </a:r>
+            <a:endParaRPr lang="en-US" dirty="0"/>
+          </a:p>
+        </p:txBody>
+      </p:sp>
+      <p:sp>
+        <p:nvSpPr>
+          <p:cNvPr id="3" name="Content Placeholder 2"/>
+          <p:cNvSpPr>
+            <a:spLocks noGrp="1"/>
+          </p:cNvSpPr>
+          <p:nvPr>
+            <p:ph sz="quarter" idx="1"/>
+          </p:nvPr>
+        </p:nvSpPr>
+        <p:spPr/>
+        <p:txBody>
+          <a:bodyPr/>
+          <a:lstStyle/>
+          <a:p>
+            <a:r>
+              <a:rPr lang="en-US" dirty="0" err="1" smtClean="0"/>
+              <a:t>RStudio</a:t>
+            </a:r>
+            <a:r>
+              <a:rPr lang="en-US" dirty="0" smtClean="0"/>
+              <a:t> offers “Glimmer”</a:t>
+            </a:r>
+          </a:p>
+          <a:p>
+            <a:pPr lvl="1"/>
+            <a:r>
+              <a:rPr lang="en-US" dirty="0" smtClean="0"/>
+              <a:t>Free (for now) managed hosting platform for Shiny</a:t>
+            </a:r>
+          </a:p>
+          <a:p>
+            <a:r>
+              <a:rPr lang="en-US" dirty="0" err="1" smtClean="0"/>
+              <a:t>RStudio‘s</a:t>
+            </a:r>
+            <a:r>
+              <a:rPr lang="en-US" dirty="0" smtClean="0"/>
+              <a:t> Shiny-Server</a:t>
+            </a:r>
+          </a:p>
+          <a:p>
+            <a:pPr lvl="1"/>
+            <a:r>
+              <a:rPr lang="en-US" dirty="0"/>
+              <a:t>Open sourced </a:t>
+            </a:r>
+            <a:r>
+              <a:rPr lang="en-US" dirty="0" smtClean="0"/>
+              <a:t>1/22/2013</a:t>
+            </a:r>
+            <a:endParaRPr lang="en-US" dirty="0"/>
+          </a:p>
+          <a:p>
+            <a:pPr lvl="1"/>
+            <a:r>
+              <a:rPr lang="en-US" dirty="0" smtClean="0"/>
+              <a:t>Written in Node.js</a:t>
+            </a:r>
+          </a:p>
+          <a:p>
+            <a:pPr lvl="1"/>
+            <a:r>
+              <a:rPr lang="en-US" dirty="0" smtClean="0"/>
+              <a:t>Same software that powers Glimmer</a:t>
+            </a:r>
+          </a:p>
+          <a:p>
+            <a:pPr lvl="1"/>
+            <a:r>
+              <a:rPr lang="en-US" dirty="0" smtClean="0"/>
+              <a:t>“Some assembly required”</a:t>
+            </a:r>
+          </a:p>
+          <a:p>
+            <a:r>
+              <a:rPr lang="en-US" dirty="0" smtClean="0"/>
+              <a:t>Amazon </a:t>
+            </a:r>
+            <a:r>
+              <a:rPr lang="en-US" smtClean="0"/>
+              <a:t>Machine Image on EC2</a:t>
+            </a:r>
+            <a:endParaRPr lang="en-US" dirty="0" smtClean="0"/>
+          </a:p>
+          <a:p>
+            <a:pPr lvl="1"/>
+            <a:endParaRPr lang="en-US" dirty="0"/>
+          </a:p>
+        </p:txBody>
+      </p:sp>
+    </p:spTree>
+    <p:extLst>
+      <p:ext uri="{BB962C8B-B14F-4D97-AF65-F5344CB8AC3E}">
+        <p14:creationId xmlns:p14="http://schemas.microsoft.com/office/powerpoint/2010/main" val="3063863817"/>
+      </p:ext>
+    </p:extLst>
+  </p:cSld>
+  <p:clrMapOvr>
+    <a:masterClrMapping/>
+  </p:clrMapOvr>
+  <p:timing>
+    <p:tnLst>
+      <p:par>
+        <p:cTn id="1" dur="indefinite" restart="never" nodeType="tmRoot"/>
+      </p:par>
+    </p:tnLst>
+  </p:timing>
+</p:sld>
+</file>
+
 <file path=ppt/slides/slide2.xml><?xml version="1.0" encoding="utf-8"?>
 <p:sld xmlns:a="http://schemas.openxmlformats.org/drawingml/2006/main" xmlns:r="http://schemas.openxmlformats.org/officeDocument/2006/relationships" xmlns:p="http://schemas.openxmlformats.org/presentationml/2006/main">
   <p:cSld>
@@ -4413,64 +4877,6 @@
       </p:grpSpPr>
       <p:sp>
         <p:nvSpPr>
-          <p:cNvPr id="73" name="Rectangle 72"/>
-          <p:cNvSpPr/>
-          <p:nvPr/>
-        </p:nvSpPr>
-        <p:spPr>
-          <a:xfrm>
-            <a:off x="6515100" y="3124200"/>
-            <a:ext cx="2476500" cy="2487385"/>
-          </a:xfrm>
-          <a:prstGeom prst="rect">
-            <a:avLst/>
-          </a:prstGeom>
-          <a:noFill/>
-          <a:ln>
-            <a:solidFill>
-              <a:schemeClr val="tx1"/>
-            </a:solidFill>
-          </a:ln>
-        </p:spPr>
-        <p:style>
-          <a:lnRef idx="2">
-            <a:schemeClr val="accent1">
-              <a:shade val="50000"/>
-            </a:schemeClr>
-          </a:lnRef>
-          <a:fillRef idx="1">
-            <a:schemeClr val="accent1"/>
-          </a:fillRef>
-          <a:effectRef idx="0">
-            <a:schemeClr val="accent1"/>
-          </a:effectRef>
-          <a:fontRef idx="minor">
-            <a:schemeClr val="lt1"/>
-          </a:fontRef>
-        </p:style>
-        <p:txBody>
-          <a:bodyPr rtlCol="0" anchor="t"/>
-          <a:lstStyle/>
-          <a:p>
-            <a:pPr algn="ctr"/>
-            <a:r>
-              <a:rPr lang="en-US" sz="2800" dirty="0" smtClean="0">
-                <a:solidFill>
-                  <a:schemeClr val="tx1"/>
-                </a:solidFill>
-              </a:rPr>
-              <a:t>Key</a:t>
-            </a:r>
-            <a:endParaRPr lang="en-US" sz="2800" dirty="0">
-              <a:solidFill>
-                <a:schemeClr val="tx1"/>
-              </a:solidFill>
-            </a:endParaRPr>
-          </a:p>
-        </p:txBody>
-      </p:sp>
-      <p:sp>
-        <p:nvSpPr>
           <p:cNvPr id="2" name="Title 1"/>
           <p:cNvSpPr>
             <a:spLocks noGrp="1"/>
@@ -4485,647 +4891,94 @@
           <a:lstStyle/>
           <a:p>
             <a:r>
-              <a:rPr lang="en-US" dirty="0" smtClean="0">
-                <a:solidFill>
-                  <a:schemeClr val="tx1"/>
-                </a:solidFill>
-              </a:rPr>
-              <a:t>Dependency Graph – Naïve</a:t>
-            </a:r>
-            <a:endParaRPr lang="en-US" dirty="0">
-              <a:solidFill>
-                <a:schemeClr val="tx1"/>
-              </a:solidFill>
-            </a:endParaRPr>
-          </a:p>
-        </p:txBody>
-      </p:sp>
-      <p:sp>
-        <p:nvSpPr>
-          <p:cNvPr id="13" name="Rectangle 12"/>
-          <p:cNvSpPr/>
-          <p:nvPr/>
-        </p:nvSpPr>
-        <p:spPr>
-          <a:xfrm>
-            <a:off x="1143000" y="1828800"/>
-            <a:ext cx="2133600" cy="587830"/>
-          </a:xfrm>
-          <a:prstGeom prst="rect">
-            <a:avLst/>
-          </a:prstGeom>
-        </p:spPr>
-        <p:style>
-          <a:lnRef idx="2">
-            <a:schemeClr val="accent1">
-              <a:shade val="50000"/>
-            </a:schemeClr>
-          </a:lnRef>
-          <a:fillRef idx="1">
-            <a:schemeClr val="accent1"/>
-          </a:fillRef>
-          <a:effectRef idx="0">
-            <a:schemeClr val="accent1"/>
-          </a:effectRef>
-          <a:fontRef idx="minor">
-            <a:schemeClr val="lt1"/>
-          </a:fontRef>
-        </p:style>
-        <p:txBody>
-          <a:bodyPr rtlCol="0" anchor="ctr"/>
-          <a:lstStyle/>
-          <a:p>
-            <a:pPr algn="ctr"/>
-            <a:r>
-              <a:rPr lang="en-US" sz="3200" dirty="0" err="1" smtClean="0"/>
-              <a:t>shinyServer</a:t>
-            </a:r>
-            <a:endParaRPr lang="en-US" sz="3200" dirty="0"/>
-          </a:p>
-        </p:txBody>
-      </p:sp>
-      <p:cxnSp>
-        <p:nvCxnSpPr>
-          <p:cNvPr id="14" name="Straight Arrow Connector 13"/>
-          <p:cNvCxnSpPr>
-            <a:stCxn id="13" idx="2"/>
-            <a:endCxn id="4" idx="0"/>
-          </p:cNvCxnSpPr>
-          <p:nvPr/>
-        </p:nvCxnSpPr>
-        <p:spPr>
-          <a:xfrm>
-            <a:off x="2209800" y="2416630"/>
-            <a:ext cx="0" cy="326570"/>
-          </a:xfrm>
-          <a:prstGeom prst="straightConnector1">
-            <a:avLst/>
-          </a:prstGeom>
-          <a:ln w="57150">
-            <a:tailEnd type="arrow"/>
-          </a:ln>
-        </p:spPr>
-        <p:style>
-          <a:lnRef idx="1">
-            <a:schemeClr val="accent1"/>
-          </a:lnRef>
-          <a:fillRef idx="0">
-            <a:schemeClr val="accent1"/>
-          </a:fillRef>
-          <a:effectRef idx="0">
-            <a:schemeClr val="accent1"/>
-          </a:effectRef>
-          <a:fontRef idx="minor">
-            <a:schemeClr val="tx1"/>
-          </a:fontRef>
-        </p:style>
-      </p:cxnSp>
-      <p:cxnSp>
-        <p:nvCxnSpPr>
-          <p:cNvPr id="20" name="Straight Arrow Connector 19"/>
-          <p:cNvCxnSpPr>
-            <a:stCxn id="4" idx="3"/>
-            <a:endCxn id="23" idx="1"/>
-          </p:cNvCxnSpPr>
-          <p:nvPr/>
-        </p:nvCxnSpPr>
-        <p:spPr>
-          <a:xfrm>
-            <a:off x="3429000" y="3418115"/>
-            <a:ext cx="762000" cy="10885"/>
-          </a:xfrm>
-          <a:prstGeom prst="straightConnector1">
-            <a:avLst/>
-          </a:prstGeom>
-          <a:ln w="57150">
-            <a:tailEnd type="arrow"/>
-          </a:ln>
-        </p:spPr>
-        <p:style>
-          <a:lnRef idx="1">
-            <a:schemeClr val="accent1"/>
-          </a:lnRef>
-          <a:fillRef idx="0">
-            <a:schemeClr val="accent1"/>
-          </a:fillRef>
-          <a:effectRef idx="0">
-            <a:schemeClr val="accent1"/>
-          </a:effectRef>
-          <a:fontRef idx="minor">
-            <a:schemeClr val="tx1"/>
-          </a:fontRef>
-        </p:style>
-      </p:cxnSp>
-      <p:sp>
-        <p:nvSpPr>
-          <p:cNvPr id="23" name="Rectangle 22"/>
-          <p:cNvSpPr/>
-          <p:nvPr/>
-        </p:nvSpPr>
-        <p:spPr>
-          <a:xfrm>
-            <a:off x="4191000" y="3124200"/>
-            <a:ext cx="2133600" cy="609600"/>
-          </a:xfrm>
-          <a:prstGeom prst="rect">
-            <a:avLst/>
-          </a:prstGeom>
-        </p:spPr>
-        <p:style>
-          <a:lnRef idx="2">
-            <a:schemeClr val="accent2">
-              <a:shade val="50000"/>
-            </a:schemeClr>
-          </a:lnRef>
-          <a:fillRef idx="1">
-            <a:schemeClr val="accent2"/>
-          </a:fillRef>
-          <a:effectRef idx="0">
-            <a:schemeClr val="accent2"/>
-          </a:effectRef>
-          <a:fontRef idx="minor">
-            <a:schemeClr val="lt1"/>
-          </a:fontRef>
-        </p:style>
-        <p:txBody>
-          <a:bodyPr rtlCol="0" anchor="ctr"/>
-          <a:lstStyle/>
-          <a:p>
-            <a:pPr algn="ctr"/>
-            <a:r>
-              <a:rPr lang="en-US" sz="3200" dirty="0" smtClean="0"/>
-              <a:t>$dataset</a:t>
-            </a:r>
-            <a:endParaRPr lang="en-US" sz="3200" dirty="0"/>
-          </a:p>
-        </p:txBody>
-      </p:sp>
-      <p:cxnSp>
-        <p:nvCxnSpPr>
-          <p:cNvPr id="28" name="Straight Arrow Connector 27"/>
-          <p:cNvCxnSpPr/>
-          <p:nvPr/>
-        </p:nvCxnSpPr>
-        <p:spPr>
-          <a:xfrm>
-            <a:off x="2971800" y="3695702"/>
-            <a:ext cx="740229" cy="985157"/>
-          </a:xfrm>
-          <a:prstGeom prst="straightConnector1">
-            <a:avLst/>
-          </a:prstGeom>
-          <a:ln w="57150">
-            <a:tailEnd type="arrow"/>
-          </a:ln>
-        </p:spPr>
-        <p:style>
-          <a:lnRef idx="1">
-            <a:schemeClr val="accent1"/>
-          </a:lnRef>
-          <a:fillRef idx="0">
-            <a:schemeClr val="accent1"/>
-          </a:fillRef>
-          <a:effectRef idx="0">
-            <a:schemeClr val="accent1"/>
-          </a:effectRef>
-          <a:fontRef idx="minor">
-            <a:schemeClr val="tx1"/>
-          </a:fontRef>
-        </p:style>
-      </p:cxnSp>
-      <p:sp>
-        <p:nvSpPr>
-          <p:cNvPr id="29" name="Rectangle 28"/>
-          <p:cNvSpPr/>
-          <p:nvPr/>
-        </p:nvSpPr>
-        <p:spPr>
-          <a:xfrm>
-            <a:off x="3200400" y="4680859"/>
-            <a:ext cx="2133600" cy="1066800"/>
-          </a:xfrm>
-          <a:prstGeom prst="rect">
-            <a:avLst/>
-          </a:prstGeom>
-        </p:spPr>
-        <p:style>
-          <a:lnRef idx="2">
-            <a:schemeClr val="accent2">
-              <a:shade val="50000"/>
-            </a:schemeClr>
-          </a:lnRef>
-          <a:fillRef idx="1">
-            <a:schemeClr val="accent2"/>
-          </a:fillRef>
-          <a:effectRef idx="0">
-            <a:schemeClr val="accent2"/>
-          </a:effectRef>
-          <a:fontRef idx="minor">
-            <a:schemeClr val="lt1"/>
-          </a:fontRef>
-        </p:style>
-        <p:txBody>
-          <a:bodyPr rtlCol="0" anchor="ctr"/>
-          <a:lstStyle/>
-          <a:p>
-            <a:pPr algn="ctr"/>
-            <a:r>
-              <a:rPr lang="en-US" sz="3200" dirty="0" smtClean="0"/>
-              <a:t>$</a:t>
-            </a:r>
-            <a:r>
-              <a:rPr lang="en-US" sz="3200" dirty="0" err="1" smtClean="0"/>
-              <a:t>individual_obs</a:t>
-            </a:r>
-            <a:endParaRPr lang="en-US" sz="3200" dirty="0"/>
-          </a:p>
-        </p:txBody>
-      </p:sp>
-      <p:sp>
-        <p:nvSpPr>
-          <p:cNvPr id="34" name="Rectangle 33"/>
-          <p:cNvSpPr/>
-          <p:nvPr/>
-        </p:nvSpPr>
-        <p:spPr>
-          <a:xfrm>
-            <a:off x="381000" y="5998030"/>
-            <a:ext cx="2133600" cy="685800"/>
-          </a:xfrm>
-          <a:prstGeom prst="rect">
-            <a:avLst/>
-          </a:prstGeom>
-        </p:spPr>
-        <p:style>
-          <a:lnRef idx="2">
-            <a:schemeClr val="accent2">
-              <a:shade val="50000"/>
-            </a:schemeClr>
-          </a:lnRef>
-          <a:fillRef idx="1">
-            <a:schemeClr val="accent2"/>
-          </a:fillRef>
-          <a:effectRef idx="0">
-            <a:schemeClr val="accent2"/>
-          </a:effectRef>
-          <a:fontRef idx="minor">
-            <a:schemeClr val="lt1"/>
-          </a:fontRef>
-        </p:style>
-        <p:txBody>
-          <a:bodyPr rtlCol="0" anchor="ctr"/>
-          <a:lstStyle/>
-          <a:p>
-            <a:pPr algn="ctr"/>
-            <a:r>
-              <a:rPr lang="en-US" sz="3200" dirty="0" smtClean="0"/>
-              <a:t>$</a:t>
-            </a:r>
-            <a:r>
-              <a:rPr lang="en-US" sz="3200" dirty="0" err="1" smtClean="0"/>
-              <a:t>bw_adjust</a:t>
-            </a:r>
-            <a:endParaRPr lang="en-US" sz="3200" dirty="0"/>
-          </a:p>
-        </p:txBody>
-      </p:sp>
-      <p:cxnSp>
-        <p:nvCxnSpPr>
-          <p:cNvPr id="35" name="Straight Arrow Connector 34"/>
-          <p:cNvCxnSpPr/>
-          <p:nvPr/>
-        </p:nvCxnSpPr>
-        <p:spPr>
-          <a:xfrm>
-            <a:off x="2209800" y="3777344"/>
-            <a:ext cx="0" cy="2220686"/>
-          </a:xfrm>
-          <a:prstGeom prst="straightConnector1">
-            <a:avLst/>
-          </a:prstGeom>
-          <a:ln w="57150">
-            <a:tailEnd type="arrow"/>
-          </a:ln>
-        </p:spPr>
-        <p:style>
-          <a:lnRef idx="1">
-            <a:schemeClr val="accent1"/>
-          </a:lnRef>
-          <a:fillRef idx="0">
-            <a:schemeClr val="accent1"/>
-          </a:fillRef>
-          <a:effectRef idx="0">
-            <a:schemeClr val="accent1"/>
-          </a:effectRef>
-          <a:fontRef idx="minor">
-            <a:schemeClr val="tx1"/>
-          </a:fontRef>
-        </p:style>
-      </p:cxnSp>
-      <p:sp>
-        <p:nvSpPr>
-          <p:cNvPr id="64" name="Rectangle 63"/>
-          <p:cNvSpPr/>
-          <p:nvPr/>
-        </p:nvSpPr>
-        <p:spPr>
-          <a:xfrm>
-            <a:off x="76200" y="4980215"/>
-            <a:ext cx="1905000" cy="685800"/>
-          </a:xfrm>
-          <a:prstGeom prst="rect">
-            <a:avLst/>
-          </a:prstGeom>
-        </p:spPr>
-        <p:style>
-          <a:lnRef idx="2">
-            <a:schemeClr val="accent2">
-              <a:shade val="50000"/>
-            </a:schemeClr>
-          </a:lnRef>
-          <a:fillRef idx="1">
-            <a:schemeClr val="accent2"/>
-          </a:fillRef>
-          <a:effectRef idx="0">
-            <a:schemeClr val="accent2"/>
-          </a:effectRef>
-          <a:fontRef idx="minor">
-            <a:schemeClr val="lt1"/>
-          </a:fontRef>
-        </p:style>
-        <p:txBody>
-          <a:bodyPr rtlCol="0" anchor="ctr"/>
-          <a:lstStyle/>
-          <a:p>
-            <a:pPr algn="ctr"/>
-            <a:r>
-              <a:rPr lang="en-US" sz="3200" dirty="0" smtClean="0"/>
-              <a:t>$</a:t>
-            </a:r>
-            <a:r>
-              <a:rPr lang="en-US" sz="3200" dirty="0" err="1" smtClean="0"/>
-              <a:t>n_breaks</a:t>
-            </a:r>
-            <a:endParaRPr lang="en-US" sz="3200" dirty="0"/>
-          </a:p>
-        </p:txBody>
-      </p:sp>
-      <p:cxnSp>
-        <p:nvCxnSpPr>
-          <p:cNvPr id="65" name="Straight Arrow Connector 64"/>
-          <p:cNvCxnSpPr>
-            <a:endCxn id="64" idx="0"/>
-          </p:cNvCxnSpPr>
-          <p:nvPr/>
-        </p:nvCxnSpPr>
-        <p:spPr>
-          <a:xfrm flipH="1">
-            <a:off x="1028700" y="3788230"/>
-            <a:ext cx="266700" cy="1191985"/>
-          </a:xfrm>
-          <a:prstGeom prst="straightConnector1">
-            <a:avLst/>
-          </a:prstGeom>
-          <a:ln w="57150">
-            <a:tailEnd type="arrow"/>
-          </a:ln>
-        </p:spPr>
-        <p:style>
-          <a:lnRef idx="1">
-            <a:schemeClr val="accent1"/>
-          </a:lnRef>
-          <a:fillRef idx="0">
-            <a:schemeClr val="accent1"/>
-          </a:fillRef>
-          <a:effectRef idx="0">
-            <a:schemeClr val="accent1"/>
-          </a:effectRef>
-          <a:fontRef idx="minor">
-            <a:schemeClr val="tx1"/>
-          </a:fontRef>
-        </p:style>
-      </p:cxnSp>
-      <p:sp>
-        <p:nvSpPr>
-          <p:cNvPr id="71" name="Rectangle 70"/>
-          <p:cNvSpPr/>
-          <p:nvPr/>
-        </p:nvSpPr>
-        <p:spPr>
-          <a:xfrm>
-            <a:off x="6705600" y="3706585"/>
-            <a:ext cx="2133600" cy="1001485"/>
-          </a:xfrm>
-          <a:prstGeom prst="rect">
-            <a:avLst/>
-          </a:prstGeom>
-        </p:spPr>
-        <p:style>
-          <a:lnRef idx="2">
-            <a:schemeClr val="accent1">
-              <a:shade val="50000"/>
-            </a:schemeClr>
-          </a:lnRef>
-          <a:fillRef idx="1">
-            <a:schemeClr val="accent1"/>
-          </a:fillRef>
-          <a:effectRef idx="0">
-            <a:schemeClr val="accent1"/>
-          </a:effectRef>
-          <a:fontRef idx="minor">
-            <a:schemeClr val="lt1"/>
-          </a:fontRef>
-        </p:style>
-        <p:txBody>
-          <a:bodyPr rtlCol="0" anchor="ctr"/>
-          <a:lstStyle/>
-          <a:p>
-            <a:pPr algn="ctr"/>
-            <a:r>
-              <a:rPr lang="en-US" sz="3200" dirty="0" smtClean="0"/>
-              <a:t>Reactive Function</a:t>
-            </a:r>
-            <a:endParaRPr lang="en-US" sz="3200" dirty="0"/>
-          </a:p>
-        </p:txBody>
-      </p:sp>
-      <p:sp>
-        <p:nvSpPr>
-          <p:cNvPr id="72" name="Rectangle 71"/>
-          <p:cNvSpPr/>
-          <p:nvPr/>
-        </p:nvSpPr>
-        <p:spPr>
-          <a:xfrm>
-            <a:off x="6705600" y="4925785"/>
-            <a:ext cx="2133600" cy="609600"/>
-          </a:xfrm>
-          <a:prstGeom prst="rect">
-            <a:avLst/>
-          </a:prstGeom>
-        </p:spPr>
-        <p:style>
-          <a:lnRef idx="2">
-            <a:schemeClr val="accent2">
-              <a:shade val="50000"/>
-            </a:schemeClr>
-          </a:lnRef>
-          <a:fillRef idx="1">
-            <a:schemeClr val="accent2"/>
-          </a:fillRef>
-          <a:effectRef idx="0">
-            <a:schemeClr val="accent2"/>
-          </a:effectRef>
-          <a:fontRef idx="minor">
-            <a:schemeClr val="lt1"/>
-          </a:fontRef>
-        </p:style>
-        <p:txBody>
-          <a:bodyPr rtlCol="0" anchor="ctr"/>
-          <a:lstStyle/>
-          <a:p>
-            <a:pPr algn="ctr"/>
-            <a:r>
-              <a:rPr lang="en-US" sz="3200" dirty="0" smtClean="0"/>
-              <a:t>Input</a:t>
-            </a:r>
-            <a:endParaRPr lang="en-US" sz="3200" dirty="0"/>
-          </a:p>
-        </p:txBody>
-      </p:sp>
-      <p:sp>
-        <p:nvSpPr>
-          <p:cNvPr id="75" name="Rectangle 74"/>
-          <p:cNvSpPr/>
-          <p:nvPr/>
-        </p:nvSpPr>
-        <p:spPr>
-          <a:xfrm>
-            <a:off x="2743200" y="6019800"/>
-            <a:ext cx="1807029" cy="685800"/>
-          </a:xfrm>
-          <a:prstGeom prst="rect">
-            <a:avLst/>
-          </a:prstGeom>
-        </p:spPr>
-        <p:style>
-          <a:lnRef idx="2">
-            <a:schemeClr val="accent2">
-              <a:shade val="50000"/>
-            </a:schemeClr>
-          </a:lnRef>
-          <a:fillRef idx="1">
-            <a:schemeClr val="accent2"/>
-          </a:fillRef>
-          <a:effectRef idx="0">
-            <a:schemeClr val="accent2"/>
-          </a:effectRef>
-          <a:fontRef idx="minor">
-            <a:schemeClr val="lt1"/>
-          </a:fontRef>
-        </p:style>
-        <p:txBody>
-          <a:bodyPr rtlCol="0" anchor="ctr"/>
-          <a:lstStyle/>
-          <a:p>
-            <a:pPr algn="ctr"/>
-            <a:r>
-              <a:rPr lang="en-US" sz="3200" dirty="0" smtClean="0"/>
-              <a:t>$density</a:t>
-            </a:r>
-            <a:endParaRPr lang="en-US" sz="3200" dirty="0"/>
-          </a:p>
-        </p:txBody>
-      </p:sp>
-      <p:cxnSp>
-        <p:nvCxnSpPr>
-          <p:cNvPr id="76" name="Straight Arrow Connector 75"/>
-          <p:cNvCxnSpPr/>
-          <p:nvPr/>
-        </p:nvCxnSpPr>
-        <p:spPr>
-          <a:xfrm>
-            <a:off x="2819400" y="3695702"/>
-            <a:ext cx="0" cy="2324098"/>
-          </a:xfrm>
-          <a:prstGeom prst="straightConnector1">
-            <a:avLst/>
-          </a:prstGeom>
-          <a:ln w="57150">
-            <a:tailEnd type="arrow"/>
-          </a:ln>
-        </p:spPr>
-        <p:style>
-          <a:lnRef idx="1">
-            <a:schemeClr val="accent1"/>
-          </a:lnRef>
-          <a:fillRef idx="0">
-            <a:schemeClr val="accent1"/>
-          </a:fillRef>
-          <a:effectRef idx="0">
-            <a:schemeClr val="accent1"/>
-          </a:effectRef>
-          <a:fontRef idx="minor">
-            <a:schemeClr val="tx1"/>
-          </a:fontRef>
-        </p:style>
-      </p:cxnSp>
-      <p:sp>
-        <p:nvSpPr>
-          <p:cNvPr id="4" name="Rectangle 3"/>
-          <p:cNvSpPr/>
-          <p:nvPr/>
-        </p:nvSpPr>
-        <p:spPr>
-          <a:xfrm>
-            <a:off x="990600" y="2743200"/>
-            <a:ext cx="2438400" cy="1349830"/>
-          </a:xfrm>
-          <a:prstGeom prst="rect">
-            <a:avLst/>
-          </a:prstGeom>
-        </p:spPr>
-        <p:style>
-          <a:lnRef idx="2">
-            <a:schemeClr val="accent1">
-              <a:shade val="50000"/>
-            </a:schemeClr>
-          </a:lnRef>
-          <a:fillRef idx="1">
-            <a:schemeClr val="accent1"/>
-          </a:fillRef>
-          <a:effectRef idx="0">
-            <a:schemeClr val="accent1"/>
-          </a:effectRef>
-          <a:fontRef idx="minor">
-            <a:schemeClr val="lt1"/>
-          </a:fontRef>
-        </p:style>
-        <p:txBody>
-          <a:bodyPr rtlCol="0" anchor="ctr"/>
-          <a:lstStyle/>
-          <a:p>
-            <a:pPr algn="ctr"/>
-            <a:r>
-              <a:rPr lang="en-US" sz="3200" dirty="0" err="1" smtClean="0"/>
-              <a:t>main_plot</a:t>
-            </a:r>
-            <a:endParaRPr lang="en-US" sz="3200" dirty="0" smtClean="0"/>
-          </a:p>
-          <a:p>
-            <a:pPr algn="ctr"/>
-            <a:r>
-              <a:rPr lang="en-US" sz="2400" dirty="0" smtClean="0"/>
-              <a:t>(Get data, get name, plot)</a:t>
-            </a:r>
-            <a:endParaRPr lang="en-US" sz="2400" dirty="0"/>
+              <a:rPr lang="en-US" dirty="0" smtClean="0"/>
+              <a:t>Overview</a:t>
+            </a:r>
+            <a:endParaRPr lang="en-US" dirty="0"/>
+          </a:p>
+        </p:txBody>
+      </p:sp>
+      <p:sp>
+        <p:nvSpPr>
+          <p:cNvPr id="3" name="Content Placeholder 2"/>
+          <p:cNvSpPr>
+            <a:spLocks noGrp="1"/>
+          </p:cNvSpPr>
+          <p:nvPr>
+            <p:ph sz="quarter" idx="1"/>
+          </p:nvPr>
+        </p:nvSpPr>
+        <p:spPr/>
+        <p:txBody>
+          <a:bodyPr>
+            <a:normAutofit lnSpcReduction="10000"/>
+          </a:bodyPr>
+          <a:lstStyle/>
+          <a:p>
+            <a:r>
+              <a:rPr lang="en-US" dirty="0" smtClean="0"/>
+              <a:t>Motivation</a:t>
+            </a:r>
+          </a:p>
+          <a:p>
+            <a:r>
+              <a:rPr lang="en-US" dirty="0" smtClean="0"/>
+              <a:t>Shiny</a:t>
+            </a:r>
+          </a:p>
+          <a:p>
+            <a:r>
+              <a:rPr lang="en-US" dirty="0" smtClean="0"/>
+              <a:t>Reactive Programming</a:t>
+            </a:r>
+          </a:p>
+          <a:p>
+            <a:r>
+              <a:rPr lang="en-US" dirty="0" smtClean="0"/>
+              <a:t>Code Walkthroughs</a:t>
+            </a:r>
+          </a:p>
+          <a:p>
+            <a:pPr lvl="1"/>
+            <a:r>
+              <a:rPr lang="en-US" dirty="0" smtClean="0"/>
+              <a:t>Simple histogram</a:t>
+            </a:r>
+          </a:p>
+          <a:p>
+            <a:pPr lvl="1"/>
+            <a:r>
+              <a:rPr lang="en-US" dirty="0" smtClean="0"/>
+              <a:t>Advanced histogram</a:t>
+            </a:r>
+          </a:p>
+          <a:p>
+            <a:pPr lvl="1"/>
+            <a:r>
+              <a:rPr lang="en-US" dirty="0" smtClean="0"/>
+              <a:t>Reactive histogram</a:t>
+            </a:r>
+          </a:p>
+          <a:p>
+            <a:pPr lvl="1"/>
+            <a:r>
+              <a:rPr lang="en-US" dirty="0" smtClean="0"/>
+              <a:t>Custom outputs</a:t>
+            </a:r>
+          </a:p>
+          <a:p>
+            <a:r>
+              <a:rPr lang="en-US" dirty="0" smtClean="0"/>
+              <a:t>Hosting</a:t>
+            </a:r>
+            <a:endParaRPr lang="en-US" dirty="0"/>
           </a:p>
         </p:txBody>
       </p:sp>
     </p:spTree>
     <p:extLst>
       <p:ext uri="{BB962C8B-B14F-4D97-AF65-F5344CB8AC3E}">
-        <p14:creationId xmlns:p14="http://schemas.microsoft.com/office/powerpoint/2010/main" val="3443010595"/>
+        <p14:creationId xmlns:p14="http://schemas.microsoft.com/office/powerpoint/2010/main" val="579812420"/>
       </p:ext>
     </p:extLst>
   </p:cSld>
@@ -5161,65 +5014,7 @@
       </p:grpSpPr>
       <p:sp>
         <p:nvSpPr>
-          <p:cNvPr id="73" name="Rectangle 72"/>
-          <p:cNvSpPr/>
-          <p:nvPr/>
-        </p:nvSpPr>
-        <p:spPr>
-          <a:xfrm>
-            <a:off x="6515100" y="3124200"/>
-            <a:ext cx="2476500" cy="2487385"/>
-          </a:xfrm>
-          <a:prstGeom prst="rect">
-            <a:avLst/>
-          </a:prstGeom>
-          <a:noFill/>
-          <a:ln>
-            <a:solidFill>
-              <a:schemeClr val="tx1"/>
-            </a:solidFill>
-          </a:ln>
-        </p:spPr>
-        <p:style>
-          <a:lnRef idx="2">
-            <a:schemeClr val="accent1">
-              <a:shade val="50000"/>
-            </a:schemeClr>
-          </a:lnRef>
-          <a:fillRef idx="1">
-            <a:schemeClr val="accent1"/>
-          </a:fillRef>
-          <a:effectRef idx="0">
-            <a:schemeClr val="accent1"/>
-          </a:effectRef>
-          <a:fontRef idx="minor">
-            <a:schemeClr val="lt1"/>
-          </a:fontRef>
-        </p:style>
-        <p:txBody>
-          <a:bodyPr rtlCol="0" anchor="t"/>
-          <a:lstStyle/>
-          <a:p>
-            <a:pPr algn="ctr"/>
-            <a:r>
-              <a:rPr lang="en-US" sz="2800" dirty="0" smtClean="0">
-                <a:solidFill>
-                  <a:schemeClr val="tx1"/>
-                </a:solidFill>
-              </a:rPr>
-              <a:t>Key</a:t>
-            </a:r>
-            <a:endParaRPr lang="en-US" sz="2800" dirty="0">
-              <a:solidFill>
-                <a:schemeClr val="tx1"/>
-              </a:solidFill>
-            </a:endParaRPr>
-          </a:p>
-        </p:txBody>
-      </p:sp>
-      <p:sp>
-        <p:nvSpPr>
-          <p:cNvPr id="2" name="Title 1"/>
+          <p:cNvPr id="14" name="Title 13"/>
           <p:cNvSpPr>
             <a:spLocks noGrp="1"/>
           </p:cNvSpPr>
@@ -5233,655 +5028,77 @@
           <a:lstStyle/>
           <a:p>
             <a:r>
-              <a:rPr lang="en-US" dirty="0" smtClean="0">
-                <a:solidFill>
-                  <a:schemeClr val="tx1"/>
-                </a:solidFill>
-              </a:rPr>
-              <a:t>“Data Flow”– Naïve</a:t>
-            </a:r>
-            <a:endParaRPr lang="en-US" dirty="0">
-              <a:solidFill>
-                <a:schemeClr val="tx1"/>
-              </a:solidFill>
-            </a:endParaRPr>
-          </a:p>
-        </p:txBody>
-      </p:sp>
-      <p:sp>
-        <p:nvSpPr>
-          <p:cNvPr id="13" name="Rectangle 12"/>
-          <p:cNvSpPr/>
+              <a:rPr lang="en-US" dirty="0" smtClean="0"/>
+              <a:t>Motivation</a:t>
+            </a:r>
+            <a:endParaRPr lang="en-US" dirty="0"/>
+          </a:p>
+        </p:txBody>
+      </p:sp>
+      <p:sp>
+        <p:nvSpPr>
+          <p:cNvPr id="16" name="TextBox 15"/>
+          <p:cNvSpPr txBox="1"/>
           <p:nvPr/>
         </p:nvSpPr>
         <p:spPr>
           <a:xfrm>
-            <a:off x="1143000" y="1828800"/>
-            <a:ext cx="2133600" cy="587830"/>
+            <a:off x="609600" y="2514600"/>
+            <a:ext cx="4114800" cy="923330"/>
           </a:xfrm>
           <a:prstGeom prst="rect">
             <a:avLst/>
           </a:prstGeom>
-        </p:spPr>
-        <p:style>
-          <a:lnRef idx="2">
-            <a:schemeClr val="accent1">
-              <a:shade val="50000"/>
-            </a:schemeClr>
-          </a:lnRef>
-          <a:fillRef idx="1">
-            <a:schemeClr val="accent1"/>
-          </a:fillRef>
-          <a:effectRef idx="0">
-            <a:schemeClr val="accent1"/>
-          </a:effectRef>
-          <a:fontRef idx="minor">
-            <a:schemeClr val="lt1"/>
-          </a:fontRef>
-        </p:style>
-        <p:txBody>
-          <a:bodyPr rtlCol="0" anchor="ctr"/>
-          <a:lstStyle/>
-          <a:p>
-            <a:pPr algn="ctr"/>
-            <a:r>
-              <a:rPr lang="en-US" sz="3200" dirty="0" err="1" smtClean="0"/>
-              <a:t>shinyServer</a:t>
-            </a:r>
-            <a:endParaRPr lang="en-US" sz="3200" dirty="0"/>
-          </a:p>
-        </p:txBody>
-      </p:sp>
-      <p:cxnSp>
-        <p:nvCxnSpPr>
-          <p:cNvPr id="14" name="Straight Arrow Connector 13"/>
-          <p:cNvCxnSpPr>
-            <a:stCxn id="13" idx="2"/>
-            <a:endCxn id="4" idx="0"/>
-          </p:cNvCxnSpPr>
+          <a:noFill/>
+        </p:spPr>
+        <p:txBody>
+          <a:bodyPr wrap="square" rtlCol="0">
+            <a:spAutoFit/>
+          </a:bodyPr>
+          <a:lstStyle/>
+          <a:p>
+            <a:r>
+              <a:rPr lang="en-US" sz="5400" dirty="0" smtClean="0"/>
+              <a:t>“R is great!”</a:t>
+            </a:r>
+            <a:endParaRPr lang="en-US" sz="5400" dirty="0"/>
+          </a:p>
+        </p:txBody>
+      </p:sp>
+      <p:sp>
+        <p:nvSpPr>
+          <p:cNvPr id="17" name="TextBox 16"/>
+          <p:cNvSpPr txBox="1"/>
           <p:nvPr/>
-        </p:nvCxnSpPr>
-        <p:spPr>
-          <a:xfrm>
-            <a:off x="2209800" y="2416630"/>
-            <a:ext cx="0" cy="326570"/>
-          </a:xfrm>
-          <a:prstGeom prst="straightConnector1">
-            <a:avLst/>
-          </a:prstGeom>
-          <a:ln w="57150">
-            <a:headEnd type="arrow" w="med" len="med"/>
-            <a:tailEnd type="none" w="med" len="med"/>
-          </a:ln>
-        </p:spPr>
-        <p:style>
-          <a:lnRef idx="1">
-            <a:schemeClr val="accent1"/>
-          </a:lnRef>
-          <a:fillRef idx="0">
-            <a:schemeClr val="accent1"/>
-          </a:fillRef>
-          <a:effectRef idx="0">
-            <a:schemeClr val="accent1"/>
-          </a:effectRef>
-          <a:fontRef idx="minor">
-            <a:schemeClr val="tx1"/>
-          </a:fontRef>
-        </p:style>
-      </p:cxnSp>
-      <p:cxnSp>
-        <p:nvCxnSpPr>
-          <p:cNvPr id="20" name="Straight Arrow Connector 19"/>
-          <p:cNvCxnSpPr>
-            <a:stCxn id="4" idx="3"/>
-            <a:endCxn id="23" idx="1"/>
-          </p:cNvCxnSpPr>
-          <p:nvPr/>
-        </p:nvCxnSpPr>
-        <p:spPr>
-          <a:xfrm>
-            <a:off x="3429000" y="3418115"/>
-            <a:ext cx="762000" cy="10885"/>
-          </a:xfrm>
-          <a:prstGeom prst="straightConnector1">
-            <a:avLst/>
-          </a:prstGeom>
-          <a:ln w="57150">
-            <a:headEnd type="arrow" w="med" len="med"/>
-            <a:tailEnd type="none" w="med" len="med"/>
-          </a:ln>
-        </p:spPr>
-        <p:style>
-          <a:lnRef idx="1">
-            <a:schemeClr val="accent1"/>
-          </a:lnRef>
-          <a:fillRef idx="0">
-            <a:schemeClr val="accent1"/>
-          </a:fillRef>
-          <a:effectRef idx="0">
-            <a:schemeClr val="accent1"/>
-          </a:effectRef>
-          <a:fontRef idx="minor">
-            <a:schemeClr val="tx1"/>
-          </a:fontRef>
-        </p:style>
-      </p:cxnSp>
-      <p:sp>
-        <p:nvSpPr>
-          <p:cNvPr id="23" name="Rectangle 22"/>
-          <p:cNvSpPr/>
-          <p:nvPr/>
-        </p:nvSpPr>
-        <p:spPr>
-          <a:xfrm>
-            <a:off x="4191000" y="3124200"/>
-            <a:ext cx="2133600" cy="609600"/>
+        </p:nvSpPr>
+        <p:spPr>
+          <a:xfrm>
+            <a:off x="1981200" y="4114800"/>
+            <a:ext cx="7543801" cy="923330"/>
           </a:xfrm>
           <a:prstGeom prst="rect">
             <a:avLst/>
           </a:prstGeom>
-        </p:spPr>
-        <p:style>
-          <a:lnRef idx="2">
-            <a:schemeClr val="accent2">
-              <a:shade val="50000"/>
-            </a:schemeClr>
-          </a:lnRef>
-          <a:fillRef idx="1">
-            <a:schemeClr val="accent2"/>
-          </a:fillRef>
-          <a:effectRef idx="0">
-            <a:schemeClr val="accent2"/>
-          </a:effectRef>
-          <a:fontRef idx="minor">
-            <a:schemeClr val="lt1"/>
-          </a:fontRef>
-        </p:style>
-        <p:txBody>
-          <a:bodyPr rtlCol="0" anchor="ctr"/>
-          <a:lstStyle/>
-          <a:p>
-            <a:pPr algn="ctr"/>
-            <a:r>
-              <a:rPr lang="en-US" sz="3200" dirty="0" smtClean="0"/>
-              <a:t>$dataset</a:t>
-            </a:r>
-            <a:endParaRPr lang="en-US" sz="3200" dirty="0"/>
-          </a:p>
-        </p:txBody>
-      </p:sp>
-      <p:cxnSp>
-        <p:nvCxnSpPr>
-          <p:cNvPr id="28" name="Straight Arrow Connector 27"/>
-          <p:cNvCxnSpPr/>
-          <p:nvPr/>
-        </p:nvCxnSpPr>
-        <p:spPr>
-          <a:xfrm>
-            <a:off x="3276600" y="4093030"/>
-            <a:ext cx="435429" cy="587829"/>
-          </a:xfrm>
-          <a:prstGeom prst="straightConnector1">
-            <a:avLst/>
-          </a:prstGeom>
-          <a:ln w="57150">
-            <a:headEnd type="arrow" w="med" len="med"/>
-            <a:tailEnd type="none" w="med" len="med"/>
-          </a:ln>
-        </p:spPr>
-        <p:style>
-          <a:lnRef idx="1">
-            <a:schemeClr val="accent1"/>
-          </a:lnRef>
-          <a:fillRef idx="0">
-            <a:schemeClr val="accent1"/>
-          </a:fillRef>
-          <a:effectRef idx="0">
-            <a:schemeClr val="accent1"/>
-          </a:effectRef>
-          <a:fontRef idx="minor">
-            <a:schemeClr val="tx1"/>
-          </a:fontRef>
-        </p:style>
-      </p:cxnSp>
-      <p:sp>
-        <p:nvSpPr>
-          <p:cNvPr id="29" name="Rectangle 28"/>
-          <p:cNvSpPr/>
-          <p:nvPr/>
-        </p:nvSpPr>
-        <p:spPr>
-          <a:xfrm>
-            <a:off x="3200400" y="4680859"/>
-            <a:ext cx="2133600" cy="1066800"/>
-          </a:xfrm>
-          <a:prstGeom prst="rect">
-            <a:avLst/>
-          </a:prstGeom>
-        </p:spPr>
-        <p:style>
-          <a:lnRef idx="2">
-            <a:schemeClr val="accent2">
-              <a:shade val="50000"/>
-            </a:schemeClr>
-          </a:lnRef>
-          <a:fillRef idx="1">
-            <a:schemeClr val="accent2"/>
-          </a:fillRef>
-          <a:effectRef idx="0">
-            <a:schemeClr val="accent2"/>
-          </a:effectRef>
-          <a:fontRef idx="minor">
-            <a:schemeClr val="lt1"/>
-          </a:fontRef>
-        </p:style>
-        <p:txBody>
-          <a:bodyPr rtlCol="0" anchor="ctr"/>
-          <a:lstStyle/>
-          <a:p>
-            <a:pPr algn="ctr"/>
-            <a:r>
-              <a:rPr lang="en-US" sz="3200" dirty="0" smtClean="0"/>
-              <a:t>$</a:t>
-            </a:r>
-            <a:r>
-              <a:rPr lang="en-US" sz="3200" dirty="0" err="1" smtClean="0"/>
-              <a:t>individual_obs</a:t>
-            </a:r>
-            <a:endParaRPr lang="en-US" sz="3200" dirty="0"/>
-          </a:p>
-        </p:txBody>
-      </p:sp>
-      <p:sp>
-        <p:nvSpPr>
-          <p:cNvPr id="34" name="Rectangle 33"/>
-          <p:cNvSpPr/>
-          <p:nvPr/>
-        </p:nvSpPr>
-        <p:spPr>
-          <a:xfrm>
-            <a:off x="381000" y="5998030"/>
-            <a:ext cx="2133600" cy="685800"/>
-          </a:xfrm>
-          <a:prstGeom prst="rect">
-            <a:avLst/>
-          </a:prstGeom>
-        </p:spPr>
-        <p:style>
-          <a:lnRef idx="2">
-            <a:schemeClr val="accent2">
-              <a:shade val="50000"/>
-            </a:schemeClr>
-          </a:lnRef>
-          <a:fillRef idx="1">
-            <a:schemeClr val="accent2"/>
-          </a:fillRef>
-          <a:effectRef idx="0">
-            <a:schemeClr val="accent2"/>
-          </a:effectRef>
-          <a:fontRef idx="minor">
-            <a:schemeClr val="lt1"/>
-          </a:fontRef>
-        </p:style>
-        <p:txBody>
-          <a:bodyPr rtlCol="0" anchor="ctr"/>
-          <a:lstStyle/>
-          <a:p>
-            <a:pPr algn="ctr"/>
-            <a:r>
-              <a:rPr lang="en-US" sz="3200" dirty="0" smtClean="0"/>
-              <a:t>$</a:t>
-            </a:r>
-            <a:r>
-              <a:rPr lang="en-US" sz="3200" dirty="0" err="1" smtClean="0"/>
-              <a:t>bw_adjust</a:t>
-            </a:r>
-            <a:endParaRPr lang="en-US" sz="3200" dirty="0"/>
-          </a:p>
-        </p:txBody>
-      </p:sp>
-      <p:cxnSp>
-        <p:nvCxnSpPr>
-          <p:cNvPr id="35" name="Straight Arrow Connector 34"/>
-          <p:cNvCxnSpPr>
-            <a:stCxn id="4" idx="2"/>
-          </p:cNvCxnSpPr>
-          <p:nvPr/>
-        </p:nvCxnSpPr>
-        <p:spPr>
-          <a:xfrm>
-            <a:off x="2209800" y="4093030"/>
-            <a:ext cx="0" cy="1905000"/>
-          </a:xfrm>
-          <a:prstGeom prst="straightConnector1">
-            <a:avLst/>
-          </a:prstGeom>
-          <a:ln w="57150">
-            <a:headEnd type="arrow" w="med" len="med"/>
-            <a:tailEnd type="none" w="med" len="med"/>
-          </a:ln>
-        </p:spPr>
-        <p:style>
-          <a:lnRef idx="1">
-            <a:schemeClr val="accent1"/>
-          </a:lnRef>
-          <a:fillRef idx="0">
-            <a:schemeClr val="accent1"/>
-          </a:fillRef>
-          <a:effectRef idx="0">
-            <a:schemeClr val="accent1"/>
-          </a:effectRef>
-          <a:fontRef idx="minor">
-            <a:schemeClr val="tx1"/>
-          </a:fontRef>
-        </p:style>
-      </p:cxnSp>
-      <p:sp>
-        <p:nvSpPr>
-          <p:cNvPr id="64" name="Rectangle 63"/>
-          <p:cNvSpPr/>
-          <p:nvPr/>
-        </p:nvSpPr>
-        <p:spPr>
-          <a:xfrm>
-            <a:off x="76200" y="4980215"/>
-            <a:ext cx="1905000" cy="685800"/>
-          </a:xfrm>
-          <a:prstGeom prst="rect">
-            <a:avLst/>
-          </a:prstGeom>
-        </p:spPr>
-        <p:style>
-          <a:lnRef idx="2">
-            <a:schemeClr val="accent2">
-              <a:shade val="50000"/>
-            </a:schemeClr>
-          </a:lnRef>
-          <a:fillRef idx="1">
-            <a:schemeClr val="accent2"/>
-          </a:fillRef>
-          <a:effectRef idx="0">
-            <a:schemeClr val="accent2"/>
-          </a:effectRef>
-          <a:fontRef idx="minor">
-            <a:schemeClr val="lt1"/>
-          </a:fontRef>
-        </p:style>
-        <p:txBody>
-          <a:bodyPr rtlCol="0" anchor="ctr"/>
-          <a:lstStyle/>
-          <a:p>
-            <a:pPr algn="ctr"/>
-            <a:r>
-              <a:rPr lang="en-US" sz="3200" dirty="0" smtClean="0"/>
-              <a:t>$</a:t>
-            </a:r>
-            <a:r>
-              <a:rPr lang="en-US" sz="3200" dirty="0" err="1" smtClean="0"/>
-              <a:t>n_breaks</a:t>
-            </a:r>
-            <a:endParaRPr lang="en-US" sz="3200" dirty="0"/>
-          </a:p>
-        </p:txBody>
-      </p:sp>
-      <p:cxnSp>
-        <p:nvCxnSpPr>
-          <p:cNvPr id="65" name="Straight Arrow Connector 64"/>
-          <p:cNvCxnSpPr>
-            <a:endCxn id="64" idx="0"/>
-          </p:cNvCxnSpPr>
-          <p:nvPr/>
-        </p:nvCxnSpPr>
-        <p:spPr>
-          <a:xfrm flipH="1">
-            <a:off x="1028700" y="4093030"/>
-            <a:ext cx="266700" cy="887185"/>
-          </a:xfrm>
-          <a:prstGeom prst="straightConnector1">
-            <a:avLst/>
-          </a:prstGeom>
-          <a:ln w="57150">
-            <a:headEnd type="arrow" w="med" len="med"/>
-            <a:tailEnd type="none" w="med" len="med"/>
-          </a:ln>
-        </p:spPr>
-        <p:style>
-          <a:lnRef idx="1">
-            <a:schemeClr val="accent1"/>
-          </a:lnRef>
-          <a:fillRef idx="0">
-            <a:schemeClr val="accent1"/>
-          </a:fillRef>
-          <a:effectRef idx="0">
-            <a:schemeClr val="accent1"/>
-          </a:effectRef>
-          <a:fontRef idx="minor">
-            <a:schemeClr val="tx1"/>
-          </a:fontRef>
-        </p:style>
-      </p:cxnSp>
-      <p:sp>
-        <p:nvSpPr>
-          <p:cNvPr id="71" name="Rectangle 70"/>
-          <p:cNvSpPr/>
-          <p:nvPr/>
-        </p:nvSpPr>
-        <p:spPr>
-          <a:xfrm>
-            <a:off x="6705600" y="3706585"/>
-            <a:ext cx="2133600" cy="1001485"/>
-          </a:xfrm>
-          <a:prstGeom prst="rect">
-            <a:avLst/>
-          </a:prstGeom>
-        </p:spPr>
-        <p:style>
-          <a:lnRef idx="2">
-            <a:schemeClr val="accent1">
-              <a:shade val="50000"/>
-            </a:schemeClr>
-          </a:lnRef>
-          <a:fillRef idx="1">
-            <a:schemeClr val="accent1"/>
-          </a:fillRef>
-          <a:effectRef idx="0">
-            <a:schemeClr val="accent1"/>
-          </a:effectRef>
-          <a:fontRef idx="minor">
-            <a:schemeClr val="lt1"/>
-          </a:fontRef>
-        </p:style>
-        <p:txBody>
-          <a:bodyPr rtlCol="0" anchor="ctr"/>
-          <a:lstStyle/>
-          <a:p>
-            <a:pPr algn="ctr"/>
-            <a:r>
-              <a:rPr lang="en-US" sz="3200" dirty="0" smtClean="0"/>
-              <a:t>Reactive Function</a:t>
-            </a:r>
-            <a:endParaRPr lang="en-US" sz="3200" dirty="0"/>
-          </a:p>
-        </p:txBody>
-      </p:sp>
-      <p:sp>
-        <p:nvSpPr>
-          <p:cNvPr id="72" name="Rectangle 71"/>
-          <p:cNvSpPr/>
-          <p:nvPr/>
-        </p:nvSpPr>
-        <p:spPr>
-          <a:xfrm>
-            <a:off x="6705600" y="4925785"/>
-            <a:ext cx="2133600" cy="609600"/>
-          </a:xfrm>
-          <a:prstGeom prst="rect">
-            <a:avLst/>
-          </a:prstGeom>
-        </p:spPr>
-        <p:style>
-          <a:lnRef idx="2">
-            <a:schemeClr val="accent2">
-              <a:shade val="50000"/>
-            </a:schemeClr>
-          </a:lnRef>
-          <a:fillRef idx="1">
-            <a:schemeClr val="accent2"/>
-          </a:fillRef>
-          <a:effectRef idx="0">
-            <a:schemeClr val="accent2"/>
-          </a:effectRef>
-          <a:fontRef idx="minor">
-            <a:schemeClr val="lt1"/>
-          </a:fontRef>
-        </p:style>
-        <p:txBody>
-          <a:bodyPr rtlCol="0" anchor="ctr"/>
-          <a:lstStyle/>
-          <a:p>
-            <a:pPr algn="ctr"/>
-            <a:r>
-              <a:rPr lang="en-US" sz="3200" dirty="0" smtClean="0"/>
-              <a:t>Input</a:t>
-            </a:r>
-            <a:endParaRPr lang="en-US" sz="3200" dirty="0"/>
-          </a:p>
-        </p:txBody>
-      </p:sp>
-      <p:sp>
-        <p:nvSpPr>
-          <p:cNvPr id="75" name="Rectangle 74"/>
-          <p:cNvSpPr/>
-          <p:nvPr/>
-        </p:nvSpPr>
-        <p:spPr>
-          <a:xfrm>
-            <a:off x="2743200" y="6019800"/>
-            <a:ext cx="1807029" cy="685800"/>
-          </a:xfrm>
-          <a:prstGeom prst="rect">
-            <a:avLst/>
-          </a:prstGeom>
-        </p:spPr>
-        <p:style>
-          <a:lnRef idx="2">
-            <a:schemeClr val="accent2">
-              <a:shade val="50000"/>
-            </a:schemeClr>
-          </a:lnRef>
-          <a:fillRef idx="1">
-            <a:schemeClr val="accent2"/>
-          </a:fillRef>
-          <a:effectRef idx="0">
-            <a:schemeClr val="accent2"/>
-          </a:effectRef>
-          <a:fontRef idx="minor">
-            <a:schemeClr val="lt1"/>
-          </a:fontRef>
-        </p:style>
-        <p:txBody>
-          <a:bodyPr rtlCol="0" anchor="ctr"/>
-          <a:lstStyle/>
-          <a:p>
-            <a:pPr algn="ctr"/>
-            <a:r>
-              <a:rPr lang="en-US" sz="3200" dirty="0" smtClean="0"/>
-              <a:t>$density</a:t>
-            </a:r>
-            <a:endParaRPr lang="en-US" sz="3200" dirty="0"/>
-          </a:p>
-        </p:txBody>
-      </p:sp>
-      <p:cxnSp>
-        <p:nvCxnSpPr>
-          <p:cNvPr id="76" name="Straight Arrow Connector 75"/>
-          <p:cNvCxnSpPr/>
-          <p:nvPr/>
-        </p:nvCxnSpPr>
-        <p:spPr>
-          <a:xfrm>
-            <a:off x="2819400" y="4093030"/>
-            <a:ext cx="0" cy="1926770"/>
-          </a:xfrm>
-          <a:prstGeom prst="straightConnector1">
-            <a:avLst/>
-          </a:prstGeom>
-          <a:ln w="57150">
-            <a:headEnd type="arrow" w="med" len="med"/>
-            <a:tailEnd type="none" w="med" len="med"/>
-          </a:ln>
-        </p:spPr>
-        <p:style>
-          <a:lnRef idx="1">
-            <a:schemeClr val="accent1"/>
-          </a:lnRef>
-          <a:fillRef idx="0">
-            <a:schemeClr val="accent1"/>
-          </a:fillRef>
-          <a:effectRef idx="0">
-            <a:schemeClr val="accent1"/>
-          </a:effectRef>
-          <a:fontRef idx="minor">
-            <a:schemeClr val="tx1"/>
-          </a:fontRef>
-        </p:style>
-      </p:cxnSp>
-      <p:sp>
-        <p:nvSpPr>
-          <p:cNvPr id="4" name="Rectangle 3"/>
-          <p:cNvSpPr/>
-          <p:nvPr/>
-        </p:nvSpPr>
-        <p:spPr>
-          <a:xfrm>
-            <a:off x="990600" y="2743200"/>
-            <a:ext cx="2438400" cy="1349830"/>
-          </a:xfrm>
-          <a:prstGeom prst="rect">
-            <a:avLst/>
-          </a:prstGeom>
-        </p:spPr>
-        <p:style>
-          <a:lnRef idx="2">
-            <a:schemeClr val="accent1">
-              <a:shade val="50000"/>
-            </a:schemeClr>
-          </a:lnRef>
-          <a:fillRef idx="1">
-            <a:schemeClr val="accent1"/>
-          </a:fillRef>
-          <a:effectRef idx="0">
-            <a:schemeClr val="accent1"/>
-          </a:effectRef>
-          <a:fontRef idx="minor">
-            <a:schemeClr val="lt1"/>
-          </a:fontRef>
-        </p:style>
-        <p:txBody>
-          <a:bodyPr rtlCol="0" anchor="ctr"/>
-          <a:lstStyle/>
-          <a:p>
-            <a:pPr algn="ctr"/>
-            <a:r>
-              <a:rPr lang="en-US" sz="3200" dirty="0" err="1" smtClean="0"/>
-              <a:t>main_plot</a:t>
-            </a:r>
-            <a:endParaRPr lang="en-US" sz="3200" dirty="0" smtClean="0"/>
-          </a:p>
-          <a:p>
-            <a:pPr algn="ctr"/>
-            <a:r>
-              <a:rPr lang="en-US" sz="2400" dirty="0" smtClean="0"/>
-              <a:t>(Get data, get name, plot)</a:t>
-            </a:r>
-            <a:endParaRPr lang="en-US" sz="2400" dirty="0"/>
+          <a:noFill/>
+        </p:spPr>
+        <p:txBody>
+          <a:bodyPr wrap="square" rtlCol="0">
+            <a:spAutoFit/>
+          </a:bodyPr>
+          <a:lstStyle/>
+          <a:p>
+            <a:r>
+              <a:rPr lang="en-US" sz="5400" dirty="0" smtClean="0"/>
+              <a:t>“The Internet is great!”</a:t>
+            </a:r>
+            <a:endParaRPr lang="en-US" sz="5400" dirty="0"/>
           </a:p>
         </p:txBody>
       </p:sp>
     </p:spTree>
     <p:extLst>
       <p:ext uri="{BB962C8B-B14F-4D97-AF65-F5344CB8AC3E}">
-        <p14:creationId xmlns:p14="http://schemas.microsoft.com/office/powerpoint/2010/main" val="1844133764"/>
+        <p14:creationId xmlns:p14="http://schemas.microsoft.com/office/powerpoint/2010/main" val="2995579443"/>
       </p:ext>
     </p:extLst>
   </p:cSld>
@@ -5891,9 +5108,126 @@
   <p:timing>
     <p:tnLst>
       <p:par>
-        <p:cTn id="1" dur="indefinite" restart="never" nodeType="tmRoot"/>
+        <p:cTn id="1" dur="indefinite" restart="never" nodeType="tmRoot">
+          <p:childTnLst>
+            <p:seq concurrent="1" nextAc="seek">
+              <p:cTn id="2" dur="indefinite" nodeType="mainSeq">
+                <p:childTnLst>
+                  <p:par>
+                    <p:cTn id="3" fill="hold">
+                      <p:stCondLst>
+                        <p:cond delay="indefinite"/>
+                      </p:stCondLst>
+                      <p:childTnLst>
+                        <p:par>
+                          <p:cTn id="4" fill="hold">
+                            <p:stCondLst>
+                              <p:cond delay="0"/>
+                            </p:stCondLst>
+                            <p:childTnLst>
+                              <p:par>
+                                <p:cTn id="5" presetID="1" presetClass="entr" presetSubtype="0" fill="hold" grpId="0" nodeType="clickEffect">
+                                  <p:stCondLst>
+                                    <p:cond delay="0"/>
+                                  </p:stCondLst>
+                                  <p:childTnLst>
+                                    <p:set>
+                                      <p:cBhvr>
+                                        <p:cTn id="6" dur="1" fill="hold">
+                                          <p:stCondLst>
+                                            <p:cond delay="0"/>
+                                          </p:stCondLst>
+                                        </p:cTn>
+                                        <p:tgtEl>
+                                          <p:spTgt spid="16"/>
+                                        </p:tgtEl>
+                                        <p:attrNameLst>
+                                          <p:attrName>style.visibility</p:attrName>
+                                        </p:attrNameLst>
+                                      </p:cBhvr>
+                                      <p:to>
+                                        <p:strVal val="visible"/>
+                                      </p:to>
+                                    </p:set>
+                                  </p:childTnLst>
+                                </p:cTn>
+                              </p:par>
+                            </p:childTnLst>
+                          </p:cTn>
+                        </p:par>
+                      </p:childTnLst>
+                    </p:cTn>
+                  </p:par>
+                  <p:par>
+                    <p:cTn id="7" fill="hold">
+                      <p:stCondLst>
+                        <p:cond delay="indefinite"/>
+                      </p:stCondLst>
+                      <p:childTnLst>
+                        <p:par>
+                          <p:cTn id="8" fill="hold">
+                            <p:stCondLst>
+                              <p:cond delay="0"/>
+                            </p:stCondLst>
+                            <p:childTnLst>
+                              <p:par>
+                                <p:cTn id="9" presetID="1" presetClass="entr" presetSubtype="0" fill="hold" grpId="0" nodeType="clickEffect">
+                                  <p:stCondLst>
+                                    <p:cond delay="0"/>
+                                  </p:stCondLst>
+                                  <p:childTnLst>
+                                    <p:set>
+                                      <p:cBhvr>
+                                        <p:cTn id="10" dur="1" fill="hold">
+                                          <p:stCondLst>
+                                            <p:cond delay="0"/>
+                                          </p:stCondLst>
+                                        </p:cTn>
+                                        <p:tgtEl>
+                                          <p:spTgt spid="17"/>
+                                        </p:tgtEl>
+                                        <p:attrNameLst>
+                                          <p:attrName>style.visibility</p:attrName>
+                                        </p:attrNameLst>
+                                      </p:cBhvr>
+                                      <p:to>
+                                        <p:strVal val="visible"/>
+                                      </p:to>
+                                    </p:set>
+                                  </p:childTnLst>
+                                </p:cTn>
+                              </p:par>
+                            </p:childTnLst>
+                          </p:cTn>
+                        </p:par>
+                      </p:childTnLst>
+                    </p:cTn>
+                  </p:par>
+                </p:childTnLst>
+              </p:cTn>
+              <p:prevCondLst>
+                <p:cond evt="onPrev" delay="0">
+                  <p:tgtEl>
+                    <p:sldTgt/>
+                  </p:tgtEl>
+                </p:cond>
+              </p:prevCondLst>
+              <p:nextCondLst>
+                <p:cond evt="onNext" delay="0">
+                  <p:tgtEl>
+                    <p:sldTgt/>
+                  </p:tgtEl>
+                </p:cond>
+              </p:nextCondLst>
+            </p:seq>
+          </p:childTnLst>
+        </p:cTn>
       </p:par>
     </p:tnLst>
+    <p:bldLst>
+      <p:bldP spid="16" grpId="0"/>
+      <p:bldP spid="17" grpId="0"/>
+    </p:bldLst>
   </p:timing>
 </p:sld>
 </file>
@@ -5917,64 +5251,6 @@
       </p:grpSpPr>
       <p:sp>
         <p:nvSpPr>
-          <p:cNvPr id="73" name="Rectangle 72"/>
-          <p:cNvSpPr/>
-          <p:nvPr/>
-        </p:nvSpPr>
-        <p:spPr>
-          <a:xfrm>
-            <a:off x="6515100" y="3581400"/>
-            <a:ext cx="2476500" cy="2487385"/>
-          </a:xfrm>
-          <a:prstGeom prst="rect">
-            <a:avLst/>
-          </a:prstGeom>
-          <a:noFill/>
-          <a:ln>
-            <a:solidFill>
-              <a:schemeClr val="tx1"/>
-            </a:solidFill>
-          </a:ln>
-        </p:spPr>
-        <p:style>
-          <a:lnRef idx="2">
-            <a:schemeClr val="accent1">
-              <a:shade val="50000"/>
-            </a:schemeClr>
-          </a:lnRef>
-          <a:fillRef idx="1">
-            <a:schemeClr val="accent1"/>
-          </a:fillRef>
-          <a:effectRef idx="0">
-            <a:schemeClr val="accent1"/>
-          </a:effectRef>
-          <a:fontRef idx="minor">
-            <a:schemeClr val="lt1"/>
-          </a:fontRef>
-        </p:style>
-        <p:txBody>
-          <a:bodyPr rtlCol="0" anchor="t"/>
-          <a:lstStyle/>
-          <a:p>
-            <a:pPr algn="ctr"/>
-            <a:r>
-              <a:rPr lang="en-US" sz="2800" dirty="0" smtClean="0">
-                <a:solidFill>
-                  <a:schemeClr val="tx1"/>
-                </a:solidFill>
-              </a:rPr>
-              <a:t>Key</a:t>
-            </a:r>
-            <a:endParaRPr lang="en-US" sz="2800" dirty="0">
-              <a:solidFill>
-                <a:schemeClr val="tx1"/>
-              </a:solidFill>
-            </a:endParaRPr>
-          </a:p>
-        </p:txBody>
-      </p:sp>
-      <p:sp>
-        <p:nvSpPr>
           <p:cNvPr id="2" name="Title 1"/>
           <p:cNvSpPr>
             <a:spLocks noGrp="1"/>
@@ -5985,841 +5261,90 @@
         </p:nvSpPr>
         <p:spPr/>
         <p:txBody>
-          <a:bodyPr>
-            <a:normAutofit/>
-          </a:bodyPr>
-          <a:lstStyle/>
-          <a:p>
-            <a:r>
-              <a:rPr lang="en-US" dirty="0" smtClean="0">
-                <a:solidFill>
-                  <a:schemeClr val="tx1"/>
-                </a:solidFill>
-              </a:rPr>
-              <a:t>Dependency Graph – Reactive</a:t>
-            </a:r>
-            <a:endParaRPr lang="en-US" dirty="0">
-              <a:solidFill>
-                <a:schemeClr val="tx1"/>
-              </a:solidFill>
-            </a:endParaRPr>
-          </a:p>
-        </p:txBody>
-      </p:sp>
-      <p:sp>
-        <p:nvSpPr>
-          <p:cNvPr id="5" name="Rectangle 4"/>
-          <p:cNvSpPr/>
-          <p:nvPr/>
-        </p:nvSpPr>
-        <p:spPr>
-          <a:xfrm>
-            <a:off x="4038600" y="2111831"/>
-            <a:ext cx="2133600" cy="587829"/>
-          </a:xfrm>
-          <a:prstGeom prst="rect">
-            <a:avLst/>
-          </a:prstGeom>
-        </p:spPr>
-        <p:style>
-          <a:lnRef idx="2">
-            <a:schemeClr val="accent1">
-              <a:shade val="50000"/>
-            </a:schemeClr>
-          </a:lnRef>
-          <a:fillRef idx="1">
-            <a:schemeClr val="accent1"/>
-          </a:fillRef>
-          <a:effectRef idx="0">
-            <a:schemeClr val="accent1"/>
-          </a:effectRef>
-          <a:fontRef idx="minor">
-            <a:schemeClr val="lt1"/>
-          </a:fontRef>
-        </p:style>
-        <p:txBody>
-          <a:bodyPr rtlCol="0" anchor="ctr"/>
-          <a:lstStyle/>
-          <a:p>
-            <a:pPr algn="ctr"/>
-            <a:r>
-              <a:rPr lang="en-US" sz="3200" dirty="0" err="1" smtClean="0"/>
-              <a:t>getData</a:t>
-            </a:r>
-            <a:endParaRPr lang="en-US" sz="3200" dirty="0"/>
-          </a:p>
-        </p:txBody>
-      </p:sp>
-      <p:sp>
-        <p:nvSpPr>
-          <p:cNvPr id="6" name="Rectangle 5"/>
-          <p:cNvSpPr/>
-          <p:nvPr/>
-        </p:nvSpPr>
-        <p:spPr>
-          <a:xfrm>
-            <a:off x="4038600" y="3156859"/>
-            <a:ext cx="2133600" cy="631371"/>
-          </a:xfrm>
-          <a:prstGeom prst="rect">
-            <a:avLst/>
-          </a:prstGeom>
-        </p:spPr>
-        <p:style>
-          <a:lnRef idx="2">
-            <a:schemeClr val="accent1">
-              <a:shade val="50000"/>
-            </a:schemeClr>
-          </a:lnRef>
-          <a:fillRef idx="1">
-            <a:schemeClr val="accent1"/>
-          </a:fillRef>
-          <a:effectRef idx="0">
-            <a:schemeClr val="accent1"/>
-          </a:effectRef>
-          <a:fontRef idx="minor">
-            <a:schemeClr val="lt1"/>
-          </a:fontRef>
-        </p:style>
-        <p:txBody>
-          <a:bodyPr rtlCol="0" anchor="ctr"/>
-          <a:lstStyle/>
-          <a:p>
-            <a:pPr algn="ctr"/>
-            <a:r>
-              <a:rPr lang="en-US" sz="3200" dirty="0" err="1" smtClean="0"/>
-              <a:t>dataName</a:t>
-            </a:r>
-            <a:endParaRPr lang="en-US" sz="3200" dirty="0"/>
-          </a:p>
-        </p:txBody>
-      </p:sp>
-      <p:cxnSp>
-        <p:nvCxnSpPr>
-          <p:cNvPr id="8" name="Straight Arrow Connector 7"/>
-          <p:cNvCxnSpPr>
-            <a:stCxn id="4" idx="3"/>
-            <a:endCxn id="5" idx="1"/>
-          </p:cNvCxnSpPr>
-          <p:nvPr/>
-        </p:nvCxnSpPr>
-        <p:spPr>
-          <a:xfrm flipV="1">
-            <a:off x="3276600" y="2405746"/>
-            <a:ext cx="762000" cy="903514"/>
-          </a:xfrm>
-          <a:prstGeom prst="straightConnector1">
-            <a:avLst/>
-          </a:prstGeom>
-          <a:ln w="57150">
-            <a:tailEnd type="arrow"/>
-          </a:ln>
-        </p:spPr>
-        <p:style>
-          <a:lnRef idx="1">
-            <a:schemeClr val="accent1"/>
-          </a:lnRef>
-          <a:fillRef idx="0">
-            <a:schemeClr val="accent1"/>
-          </a:fillRef>
-          <a:effectRef idx="0">
-            <a:schemeClr val="accent1"/>
-          </a:effectRef>
-          <a:fontRef idx="minor">
-            <a:schemeClr val="tx1"/>
-          </a:fontRef>
-        </p:style>
-      </p:cxnSp>
-      <p:cxnSp>
-        <p:nvCxnSpPr>
-          <p:cNvPr id="9" name="Straight Arrow Connector 8"/>
-          <p:cNvCxnSpPr>
-            <a:stCxn id="4" idx="3"/>
-            <a:endCxn id="6" idx="1"/>
-          </p:cNvCxnSpPr>
-          <p:nvPr/>
-        </p:nvCxnSpPr>
-        <p:spPr>
-          <a:xfrm>
-            <a:off x="3276600" y="3309260"/>
-            <a:ext cx="762000" cy="163285"/>
-          </a:xfrm>
-          <a:prstGeom prst="straightConnector1">
-            <a:avLst/>
-          </a:prstGeom>
-          <a:ln w="57150">
-            <a:tailEnd type="arrow"/>
-          </a:ln>
-        </p:spPr>
-        <p:style>
-          <a:lnRef idx="1">
-            <a:schemeClr val="accent1"/>
-          </a:lnRef>
-          <a:fillRef idx="0">
-            <a:schemeClr val="accent1"/>
-          </a:fillRef>
-          <a:effectRef idx="0">
-            <a:schemeClr val="accent1"/>
-          </a:effectRef>
-          <a:fontRef idx="minor">
-            <a:schemeClr val="tx1"/>
-          </a:fontRef>
-        </p:style>
-      </p:cxnSp>
-      <p:sp>
-        <p:nvSpPr>
-          <p:cNvPr id="13" name="Rectangle 12"/>
-          <p:cNvSpPr/>
-          <p:nvPr/>
-        </p:nvSpPr>
-        <p:spPr>
-          <a:xfrm>
-            <a:off x="1143000" y="1883230"/>
-            <a:ext cx="2133600" cy="587830"/>
-          </a:xfrm>
-          <a:prstGeom prst="rect">
-            <a:avLst/>
-          </a:prstGeom>
-        </p:spPr>
-        <p:style>
-          <a:lnRef idx="2">
-            <a:schemeClr val="accent1">
-              <a:shade val="50000"/>
-            </a:schemeClr>
-          </a:lnRef>
-          <a:fillRef idx="1">
-            <a:schemeClr val="accent1"/>
-          </a:fillRef>
-          <a:effectRef idx="0">
-            <a:schemeClr val="accent1"/>
-          </a:effectRef>
-          <a:fontRef idx="minor">
-            <a:schemeClr val="lt1"/>
-          </a:fontRef>
-        </p:style>
-        <p:txBody>
-          <a:bodyPr rtlCol="0" anchor="ctr"/>
-          <a:lstStyle/>
-          <a:p>
-            <a:pPr algn="ctr"/>
-            <a:r>
-              <a:rPr lang="en-US" sz="3200" dirty="0" err="1" smtClean="0"/>
-              <a:t>shinyServer</a:t>
-            </a:r>
-            <a:endParaRPr lang="en-US" sz="3200" dirty="0"/>
-          </a:p>
-        </p:txBody>
-      </p:sp>
-      <p:cxnSp>
-        <p:nvCxnSpPr>
-          <p:cNvPr id="14" name="Straight Arrow Connector 13"/>
-          <p:cNvCxnSpPr>
-            <a:stCxn id="13" idx="2"/>
-            <a:endCxn id="4" idx="0"/>
-          </p:cNvCxnSpPr>
-          <p:nvPr/>
-        </p:nvCxnSpPr>
-        <p:spPr>
-          <a:xfrm>
-            <a:off x="2209800" y="2471060"/>
-            <a:ext cx="0" cy="533400"/>
-          </a:xfrm>
-          <a:prstGeom prst="straightConnector1">
-            <a:avLst/>
-          </a:prstGeom>
-          <a:ln w="57150">
-            <a:tailEnd type="arrow"/>
-          </a:ln>
-        </p:spPr>
-        <p:style>
-          <a:lnRef idx="1">
-            <a:schemeClr val="accent1"/>
-          </a:lnRef>
-          <a:fillRef idx="0">
-            <a:schemeClr val="accent1"/>
-          </a:fillRef>
-          <a:effectRef idx="0">
-            <a:schemeClr val="accent1"/>
-          </a:effectRef>
-          <a:fontRef idx="minor">
-            <a:schemeClr val="tx1"/>
-          </a:fontRef>
-        </p:style>
-      </p:cxnSp>
-      <p:cxnSp>
-        <p:nvCxnSpPr>
-          <p:cNvPr id="20" name="Straight Arrow Connector 19"/>
-          <p:cNvCxnSpPr>
-            <a:stCxn id="5" idx="3"/>
-            <a:endCxn id="23" idx="1"/>
-          </p:cNvCxnSpPr>
-          <p:nvPr/>
-        </p:nvCxnSpPr>
-        <p:spPr>
-          <a:xfrm>
-            <a:off x="6172200" y="2405746"/>
-            <a:ext cx="685800" cy="522514"/>
-          </a:xfrm>
-          <a:prstGeom prst="straightConnector1">
-            <a:avLst/>
-          </a:prstGeom>
-          <a:ln w="57150">
-            <a:tailEnd type="arrow"/>
-          </a:ln>
-        </p:spPr>
-        <p:style>
-          <a:lnRef idx="1">
-            <a:schemeClr val="accent1"/>
-          </a:lnRef>
-          <a:fillRef idx="0">
-            <a:schemeClr val="accent1"/>
-          </a:fillRef>
-          <a:effectRef idx="0">
-            <a:schemeClr val="accent1"/>
-          </a:effectRef>
-          <a:fontRef idx="minor">
-            <a:schemeClr val="tx1"/>
-          </a:fontRef>
-        </p:style>
-      </p:cxnSp>
-      <p:sp>
-        <p:nvSpPr>
-          <p:cNvPr id="23" name="Rectangle 22"/>
-          <p:cNvSpPr/>
-          <p:nvPr/>
-        </p:nvSpPr>
-        <p:spPr>
-          <a:xfrm>
-            <a:off x="6858000" y="2623460"/>
-            <a:ext cx="2133600" cy="609600"/>
-          </a:xfrm>
-          <a:prstGeom prst="rect">
-            <a:avLst/>
-          </a:prstGeom>
-        </p:spPr>
-        <p:style>
-          <a:lnRef idx="2">
-            <a:schemeClr val="accent2">
-              <a:shade val="50000"/>
-            </a:schemeClr>
-          </a:lnRef>
-          <a:fillRef idx="1">
-            <a:schemeClr val="accent2"/>
-          </a:fillRef>
-          <a:effectRef idx="0">
-            <a:schemeClr val="accent2"/>
-          </a:effectRef>
-          <a:fontRef idx="minor">
-            <a:schemeClr val="lt1"/>
-          </a:fontRef>
-        </p:style>
-        <p:txBody>
-          <a:bodyPr rtlCol="0" anchor="ctr"/>
-          <a:lstStyle/>
-          <a:p>
-            <a:pPr algn="ctr"/>
-            <a:r>
-              <a:rPr lang="en-US" sz="3200" dirty="0" smtClean="0"/>
-              <a:t>$dataset</a:t>
-            </a:r>
-            <a:endParaRPr lang="en-US" sz="3200" dirty="0"/>
-          </a:p>
-        </p:txBody>
-      </p:sp>
-      <p:cxnSp>
-        <p:nvCxnSpPr>
-          <p:cNvPr id="25" name="Straight Arrow Connector 24"/>
-          <p:cNvCxnSpPr>
-            <a:stCxn id="6" idx="3"/>
-            <a:endCxn id="23" idx="1"/>
-          </p:cNvCxnSpPr>
-          <p:nvPr/>
-        </p:nvCxnSpPr>
-        <p:spPr>
-          <a:xfrm flipV="1">
-            <a:off x="6172200" y="2928260"/>
-            <a:ext cx="685800" cy="544285"/>
-          </a:xfrm>
-          <a:prstGeom prst="straightConnector1">
-            <a:avLst/>
-          </a:prstGeom>
-          <a:ln w="57150">
-            <a:tailEnd type="arrow"/>
-          </a:ln>
-        </p:spPr>
-        <p:style>
-          <a:lnRef idx="1">
-            <a:schemeClr val="accent1"/>
-          </a:lnRef>
-          <a:fillRef idx="0">
-            <a:schemeClr val="accent1"/>
-          </a:fillRef>
-          <a:effectRef idx="0">
-            <a:schemeClr val="accent1"/>
-          </a:effectRef>
-          <a:fontRef idx="minor">
-            <a:schemeClr val="tx1"/>
-          </a:fontRef>
-        </p:style>
-      </p:cxnSp>
-      <p:cxnSp>
-        <p:nvCxnSpPr>
-          <p:cNvPr id="28" name="Straight Arrow Connector 27"/>
-          <p:cNvCxnSpPr/>
-          <p:nvPr/>
-        </p:nvCxnSpPr>
-        <p:spPr>
-          <a:xfrm>
-            <a:off x="2971800" y="3390902"/>
-            <a:ext cx="740229" cy="985157"/>
-          </a:xfrm>
-          <a:prstGeom prst="straightConnector1">
-            <a:avLst/>
-          </a:prstGeom>
-          <a:ln w="57150">
-            <a:tailEnd type="arrow"/>
-          </a:ln>
-        </p:spPr>
-        <p:style>
-          <a:lnRef idx="1">
-            <a:schemeClr val="accent1"/>
-          </a:lnRef>
-          <a:fillRef idx="0">
-            <a:schemeClr val="accent1"/>
-          </a:fillRef>
-          <a:effectRef idx="0">
-            <a:schemeClr val="accent1"/>
-          </a:effectRef>
-          <a:fontRef idx="minor">
-            <a:schemeClr val="tx1"/>
-          </a:fontRef>
-        </p:style>
-      </p:cxnSp>
-      <p:sp>
-        <p:nvSpPr>
-          <p:cNvPr id="29" name="Rectangle 28"/>
-          <p:cNvSpPr/>
-          <p:nvPr/>
-        </p:nvSpPr>
-        <p:spPr>
-          <a:xfrm>
-            <a:off x="3200400" y="4376059"/>
-            <a:ext cx="2133600" cy="1066800"/>
-          </a:xfrm>
-          <a:prstGeom prst="rect">
-            <a:avLst/>
-          </a:prstGeom>
-        </p:spPr>
-        <p:style>
-          <a:lnRef idx="2">
-            <a:schemeClr val="accent2">
-              <a:shade val="50000"/>
-            </a:schemeClr>
-          </a:lnRef>
-          <a:fillRef idx="1">
-            <a:schemeClr val="accent2"/>
-          </a:fillRef>
-          <a:effectRef idx="0">
-            <a:schemeClr val="accent2"/>
-          </a:effectRef>
-          <a:fontRef idx="minor">
-            <a:schemeClr val="lt1"/>
-          </a:fontRef>
-        </p:style>
-        <p:txBody>
-          <a:bodyPr rtlCol="0" anchor="ctr"/>
-          <a:lstStyle/>
-          <a:p>
-            <a:pPr algn="ctr"/>
-            <a:r>
-              <a:rPr lang="en-US" sz="3200" dirty="0" smtClean="0"/>
-              <a:t>$</a:t>
-            </a:r>
-            <a:r>
-              <a:rPr lang="en-US" sz="3200" dirty="0" err="1" smtClean="0"/>
-              <a:t>individual_obs</a:t>
-            </a:r>
-            <a:endParaRPr lang="en-US" sz="3200" dirty="0"/>
-          </a:p>
-        </p:txBody>
-      </p:sp>
-      <p:sp>
-        <p:nvSpPr>
-          <p:cNvPr id="34" name="Rectangle 33"/>
-          <p:cNvSpPr/>
-          <p:nvPr/>
-        </p:nvSpPr>
-        <p:spPr>
-          <a:xfrm>
-            <a:off x="381000" y="5693230"/>
-            <a:ext cx="2133600" cy="685800"/>
-          </a:xfrm>
-          <a:prstGeom prst="rect">
-            <a:avLst/>
-          </a:prstGeom>
-        </p:spPr>
-        <p:style>
-          <a:lnRef idx="2">
-            <a:schemeClr val="accent2">
-              <a:shade val="50000"/>
-            </a:schemeClr>
-          </a:lnRef>
-          <a:fillRef idx="1">
-            <a:schemeClr val="accent2"/>
-          </a:fillRef>
-          <a:effectRef idx="0">
-            <a:schemeClr val="accent2"/>
-          </a:effectRef>
-          <a:fontRef idx="minor">
-            <a:schemeClr val="lt1"/>
-          </a:fontRef>
-        </p:style>
-        <p:txBody>
-          <a:bodyPr rtlCol="0" anchor="ctr"/>
-          <a:lstStyle/>
-          <a:p>
-            <a:pPr algn="ctr"/>
-            <a:r>
-              <a:rPr lang="en-US" sz="3200" dirty="0" smtClean="0"/>
-              <a:t>$</a:t>
-            </a:r>
-            <a:r>
-              <a:rPr lang="en-US" sz="3200" dirty="0" err="1" smtClean="0"/>
-              <a:t>bw_adjust</a:t>
-            </a:r>
-            <a:endParaRPr lang="en-US" sz="3200" dirty="0"/>
-          </a:p>
-        </p:txBody>
-      </p:sp>
-      <p:cxnSp>
-        <p:nvCxnSpPr>
-          <p:cNvPr id="35" name="Straight Arrow Connector 34"/>
-          <p:cNvCxnSpPr/>
-          <p:nvPr/>
-        </p:nvCxnSpPr>
-        <p:spPr>
-          <a:xfrm>
-            <a:off x="2209800" y="3472544"/>
-            <a:ext cx="0" cy="2220686"/>
-          </a:xfrm>
-          <a:prstGeom prst="straightConnector1">
-            <a:avLst/>
-          </a:prstGeom>
-          <a:ln w="57150">
-            <a:tailEnd type="arrow"/>
-          </a:ln>
-        </p:spPr>
-        <p:style>
-          <a:lnRef idx="1">
-            <a:schemeClr val="accent1"/>
-          </a:lnRef>
-          <a:fillRef idx="0">
-            <a:schemeClr val="accent1"/>
-          </a:fillRef>
-          <a:effectRef idx="0">
-            <a:schemeClr val="accent1"/>
-          </a:effectRef>
-          <a:fontRef idx="minor">
-            <a:schemeClr val="tx1"/>
-          </a:fontRef>
-        </p:style>
-      </p:cxnSp>
-      <p:sp>
-        <p:nvSpPr>
-          <p:cNvPr id="64" name="Rectangle 63"/>
-          <p:cNvSpPr/>
-          <p:nvPr/>
-        </p:nvSpPr>
-        <p:spPr>
-          <a:xfrm>
-            <a:off x="76200" y="4675415"/>
-            <a:ext cx="1905000" cy="685800"/>
-          </a:xfrm>
-          <a:prstGeom prst="rect">
-            <a:avLst/>
-          </a:prstGeom>
-        </p:spPr>
-        <p:style>
-          <a:lnRef idx="2">
-            <a:schemeClr val="accent2">
-              <a:shade val="50000"/>
-            </a:schemeClr>
-          </a:lnRef>
-          <a:fillRef idx="1">
-            <a:schemeClr val="accent2"/>
-          </a:fillRef>
-          <a:effectRef idx="0">
-            <a:schemeClr val="accent2"/>
-          </a:effectRef>
-          <a:fontRef idx="minor">
-            <a:schemeClr val="lt1"/>
-          </a:fontRef>
-        </p:style>
-        <p:txBody>
-          <a:bodyPr rtlCol="0" anchor="ctr"/>
-          <a:lstStyle/>
-          <a:p>
-            <a:pPr algn="ctr"/>
-            <a:r>
-              <a:rPr lang="en-US" sz="3200" dirty="0" smtClean="0"/>
-              <a:t>$</a:t>
-            </a:r>
-            <a:r>
-              <a:rPr lang="en-US" sz="3200" dirty="0" err="1" smtClean="0"/>
-              <a:t>n_breaks</a:t>
-            </a:r>
-            <a:endParaRPr lang="en-US" sz="3200" dirty="0"/>
-          </a:p>
-        </p:txBody>
-      </p:sp>
-      <p:cxnSp>
-        <p:nvCxnSpPr>
-          <p:cNvPr id="65" name="Straight Arrow Connector 64"/>
-          <p:cNvCxnSpPr>
-            <a:endCxn id="64" idx="0"/>
-          </p:cNvCxnSpPr>
-          <p:nvPr/>
-        </p:nvCxnSpPr>
-        <p:spPr>
-          <a:xfrm flipH="1">
-            <a:off x="1028700" y="3483430"/>
-            <a:ext cx="266700" cy="1191985"/>
-          </a:xfrm>
-          <a:prstGeom prst="straightConnector1">
-            <a:avLst/>
-          </a:prstGeom>
-          <a:ln w="57150">
-            <a:tailEnd type="arrow"/>
-          </a:ln>
-        </p:spPr>
-        <p:style>
-          <a:lnRef idx="1">
-            <a:schemeClr val="accent1"/>
-          </a:lnRef>
-          <a:fillRef idx="0">
-            <a:schemeClr val="accent1"/>
-          </a:fillRef>
-          <a:effectRef idx="0">
-            <a:schemeClr val="accent1"/>
-          </a:effectRef>
-          <a:fontRef idx="minor">
-            <a:schemeClr val="tx1"/>
-          </a:fontRef>
-        </p:style>
-      </p:cxnSp>
-      <p:sp>
-        <p:nvSpPr>
-          <p:cNvPr id="71" name="Rectangle 70"/>
-          <p:cNvSpPr/>
-          <p:nvPr/>
-        </p:nvSpPr>
-        <p:spPr>
-          <a:xfrm>
-            <a:off x="6705600" y="4163785"/>
-            <a:ext cx="2133600" cy="1001485"/>
-          </a:xfrm>
-          <a:prstGeom prst="rect">
-            <a:avLst/>
-          </a:prstGeom>
-        </p:spPr>
-        <p:style>
-          <a:lnRef idx="2">
-            <a:schemeClr val="accent1">
-              <a:shade val="50000"/>
-            </a:schemeClr>
-          </a:lnRef>
-          <a:fillRef idx="1">
-            <a:schemeClr val="accent1"/>
-          </a:fillRef>
-          <a:effectRef idx="0">
-            <a:schemeClr val="accent1"/>
-          </a:effectRef>
-          <a:fontRef idx="minor">
-            <a:schemeClr val="lt1"/>
-          </a:fontRef>
-        </p:style>
-        <p:txBody>
-          <a:bodyPr rtlCol="0" anchor="ctr"/>
-          <a:lstStyle/>
-          <a:p>
-            <a:pPr algn="ctr"/>
-            <a:r>
-              <a:rPr lang="en-US" sz="3200" dirty="0" smtClean="0"/>
-              <a:t>Reactive Function</a:t>
-            </a:r>
-            <a:endParaRPr lang="en-US" sz="3200" dirty="0"/>
-          </a:p>
-        </p:txBody>
-      </p:sp>
-      <p:sp>
-        <p:nvSpPr>
-          <p:cNvPr id="72" name="Rectangle 71"/>
-          <p:cNvSpPr/>
-          <p:nvPr/>
-        </p:nvSpPr>
-        <p:spPr>
-          <a:xfrm>
-            <a:off x="6705600" y="5382985"/>
-            <a:ext cx="2133600" cy="609600"/>
-          </a:xfrm>
-          <a:prstGeom prst="rect">
-            <a:avLst/>
-          </a:prstGeom>
-        </p:spPr>
-        <p:style>
-          <a:lnRef idx="2">
-            <a:schemeClr val="accent2">
-              <a:shade val="50000"/>
-            </a:schemeClr>
-          </a:lnRef>
-          <a:fillRef idx="1">
-            <a:schemeClr val="accent2"/>
-          </a:fillRef>
-          <a:effectRef idx="0">
-            <a:schemeClr val="accent2"/>
-          </a:effectRef>
-          <a:fontRef idx="minor">
-            <a:schemeClr val="lt1"/>
-          </a:fontRef>
-        </p:style>
-        <p:txBody>
-          <a:bodyPr rtlCol="0" anchor="ctr"/>
-          <a:lstStyle/>
-          <a:p>
-            <a:pPr algn="ctr"/>
-            <a:r>
-              <a:rPr lang="en-US" sz="3200" dirty="0" smtClean="0"/>
-              <a:t>Input</a:t>
-            </a:r>
-            <a:endParaRPr lang="en-US" sz="3200" dirty="0"/>
-          </a:p>
-        </p:txBody>
-      </p:sp>
-      <p:sp>
-        <p:nvSpPr>
-          <p:cNvPr id="75" name="Rectangle 74"/>
-          <p:cNvSpPr/>
-          <p:nvPr/>
-        </p:nvSpPr>
-        <p:spPr>
-          <a:xfrm>
-            <a:off x="2743200" y="5715000"/>
-            <a:ext cx="1807029" cy="685800"/>
-          </a:xfrm>
-          <a:prstGeom prst="rect">
-            <a:avLst/>
-          </a:prstGeom>
-        </p:spPr>
-        <p:style>
-          <a:lnRef idx="2">
-            <a:schemeClr val="accent2">
-              <a:shade val="50000"/>
-            </a:schemeClr>
-          </a:lnRef>
-          <a:fillRef idx="1">
-            <a:schemeClr val="accent2"/>
-          </a:fillRef>
-          <a:effectRef idx="0">
-            <a:schemeClr val="accent2"/>
-          </a:effectRef>
-          <a:fontRef idx="minor">
-            <a:schemeClr val="lt1"/>
-          </a:fontRef>
-        </p:style>
-        <p:txBody>
-          <a:bodyPr rtlCol="0" anchor="ctr"/>
-          <a:lstStyle/>
-          <a:p>
-            <a:pPr algn="ctr"/>
-            <a:r>
-              <a:rPr lang="en-US" sz="3200" dirty="0" smtClean="0"/>
-              <a:t>$density</a:t>
-            </a:r>
-            <a:endParaRPr lang="en-US" sz="3200" dirty="0"/>
-          </a:p>
-        </p:txBody>
-      </p:sp>
-      <p:cxnSp>
-        <p:nvCxnSpPr>
-          <p:cNvPr id="76" name="Straight Arrow Connector 75"/>
-          <p:cNvCxnSpPr/>
-          <p:nvPr/>
-        </p:nvCxnSpPr>
-        <p:spPr>
-          <a:xfrm>
-            <a:off x="2819400" y="3390902"/>
-            <a:ext cx="0" cy="2324098"/>
-          </a:xfrm>
-          <a:prstGeom prst="straightConnector1">
-            <a:avLst/>
-          </a:prstGeom>
-          <a:ln w="57150">
-            <a:tailEnd type="arrow"/>
-          </a:ln>
-        </p:spPr>
-        <p:style>
-          <a:lnRef idx="1">
-            <a:schemeClr val="accent1"/>
-          </a:lnRef>
-          <a:fillRef idx="0">
-            <a:schemeClr val="accent1"/>
-          </a:fillRef>
-          <a:effectRef idx="0">
-            <a:schemeClr val="accent1"/>
-          </a:effectRef>
-          <a:fontRef idx="minor">
-            <a:schemeClr val="tx1"/>
-          </a:fontRef>
-        </p:style>
-      </p:cxnSp>
-      <p:sp>
-        <p:nvSpPr>
-          <p:cNvPr id="4" name="Rectangle 3"/>
-          <p:cNvSpPr/>
-          <p:nvPr/>
-        </p:nvSpPr>
-        <p:spPr>
-          <a:xfrm>
-            <a:off x="1143000" y="3004460"/>
-            <a:ext cx="2133600" cy="609600"/>
-          </a:xfrm>
-          <a:prstGeom prst="rect">
-            <a:avLst/>
-          </a:prstGeom>
-        </p:spPr>
-        <p:style>
-          <a:lnRef idx="2">
-            <a:schemeClr val="accent1">
-              <a:shade val="50000"/>
-            </a:schemeClr>
-          </a:lnRef>
-          <a:fillRef idx="1">
-            <a:schemeClr val="accent1"/>
-          </a:fillRef>
-          <a:effectRef idx="0">
-            <a:schemeClr val="accent1"/>
-          </a:effectRef>
-          <a:fontRef idx="minor">
-            <a:schemeClr val="lt1"/>
-          </a:fontRef>
-        </p:style>
-        <p:txBody>
-          <a:bodyPr rtlCol="0" anchor="ctr"/>
-          <a:lstStyle/>
-          <a:p>
-            <a:pPr algn="ctr"/>
-            <a:r>
-              <a:rPr lang="en-US" sz="3200" dirty="0" err="1" smtClean="0"/>
-              <a:t>main_plot</a:t>
-            </a:r>
-            <a:endParaRPr lang="en-US" sz="3200" dirty="0"/>
+          <a:bodyPr/>
+          <a:lstStyle/>
+          <a:p>
+            <a:r>
+              <a:rPr lang="en-US" dirty="0" smtClean="0"/>
+              <a:t>Motivation</a:t>
+            </a:r>
+            <a:endParaRPr lang="en-US" dirty="0"/>
+          </a:p>
+        </p:txBody>
+      </p:sp>
+      <p:sp>
+        <p:nvSpPr>
+          <p:cNvPr id="3" name="Content Placeholder 2"/>
+          <p:cNvSpPr>
+            <a:spLocks noGrp="1"/>
+          </p:cNvSpPr>
+          <p:nvPr>
+            <p:ph sz="quarter" idx="1"/>
+          </p:nvPr>
+        </p:nvSpPr>
+        <p:spPr/>
+        <p:txBody>
+          <a:bodyPr/>
+          <a:lstStyle/>
+          <a:p>
+            <a:r>
+              <a:rPr lang="en-US" dirty="0" smtClean="0"/>
+              <a:t>Want to get R into web browsers</a:t>
+            </a:r>
+          </a:p>
+          <a:p>
+            <a:r>
+              <a:rPr lang="en-US" dirty="0" smtClean="0"/>
+              <a:t>Previous approaches</a:t>
+            </a:r>
+          </a:p>
+          <a:p>
+            <a:pPr lvl="1"/>
+            <a:r>
+              <a:rPr lang="en-US" dirty="0" err="1" smtClean="0"/>
+              <a:t>rApache</a:t>
+            </a:r>
+            <a:endParaRPr lang="en-US" dirty="0" smtClean="0"/>
+          </a:p>
+          <a:p>
+            <a:pPr lvl="1"/>
+            <a:r>
+              <a:rPr lang="en-US" dirty="0" err="1" smtClean="0"/>
+              <a:t>Rserve</a:t>
+            </a:r>
+            <a:r>
+              <a:rPr lang="en-US" dirty="0" smtClean="0"/>
+              <a:t> (Java, C++, C#, Python, Ruby, .NET)</a:t>
+            </a:r>
+          </a:p>
+          <a:p>
+            <a:pPr lvl="1"/>
+            <a:r>
+              <a:rPr lang="en-US" dirty="0" err="1" smtClean="0"/>
+              <a:t>deployR</a:t>
+            </a:r>
+            <a:endParaRPr lang="en-US" dirty="0" smtClean="0"/>
+          </a:p>
+          <a:p>
+            <a:pPr lvl="1"/>
+            <a:r>
+              <a:rPr lang="en-US" dirty="0" smtClean="0"/>
+              <a:t>Custom hacks</a:t>
+            </a:r>
+          </a:p>
+          <a:p>
+            <a:r>
+              <a:rPr lang="en-US" dirty="0" smtClean="0"/>
+              <a:t>Just make R accessible to server-side programming languages (PHP, Ruby, Java, etc.)</a:t>
+            </a:r>
+            <a:endParaRPr lang="en-US" dirty="0"/>
           </a:p>
         </p:txBody>
       </p:sp>
     </p:spTree>
     <p:extLst>
       <p:ext uri="{BB962C8B-B14F-4D97-AF65-F5344CB8AC3E}">
-        <p14:creationId xmlns:p14="http://schemas.microsoft.com/office/powerpoint/2010/main" val="3880102440"/>
+        <p14:creationId xmlns:p14="http://schemas.microsoft.com/office/powerpoint/2010/main" val="894566061"/>
       </p:ext>
     </p:extLst>
   </p:cSld>
@@ -6855,6 +5380,2541 @@
       </p:grpSpPr>
       <p:sp>
         <p:nvSpPr>
+          <p:cNvPr id="2" name="Title 1"/>
+          <p:cNvSpPr>
+            <a:spLocks noGrp="1"/>
+          </p:cNvSpPr>
+          <p:nvPr>
+            <p:ph type="title"/>
+          </p:nvPr>
+        </p:nvSpPr>
+        <p:spPr/>
+        <p:txBody>
+          <a:bodyPr/>
+          <a:lstStyle/>
+          <a:p>
+            <a:r>
+              <a:rPr lang="en-US" dirty="0" smtClean="0"/>
+              <a:t>Shiny</a:t>
+            </a:r>
+            <a:endParaRPr lang="en-US" dirty="0"/>
+          </a:p>
+        </p:txBody>
+      </p:sp>
+      <p:sp>
+        <p:nvSpPr>
+          <p:cNvPr id="3" name="Content Placeholder 2"/>
+          <p:cNvSpPr>
+            <a:spLocks noGrp="1"/>
+          </p:cNvSpPr>
+          <p:nvPr>
+            <p:ph sz="quarter" idx="1"/>
+          </p:nvPr>
+        </p:nvSpPr>
+        <p:spPr/>
+        <p:txBody>
+          <a:bodyPr/>
+          <a:lstStyle/>
+          <a:p>
+            <a:r>
+              <a:rPr lang="en-US" dirty="0" smtClean="0"/>
+              <a:t>Open-Sourced by </a:t>
+            </a:r>
+            <a:r>
+              <a:rPr lang="en-US" dirty="0" err="1" smtClean="0"/>
+              <a:t>RStudio</a:t>
+            </a:r>
+            <a:r>
+              <a:rPr lang="en-US" dirty="0" smtClean="0"/>
+              <a:t> 11/2012 on CRAN</a:t>
+            </a:r>
+          </a:p>
+          <a:p>
+            <a:endParaRPr lang="en-US" dirty="0"/>
+          </a:p>
+        </p:txBody>
+      </p:sp>
+    </p:spTree>
+    <p:extLst>
+      <p:ext uri="{BB962C8B-B14F-4D97-AF65-F5344CB8AC3E}">
+        <p14:creationId xmlns:p14="http://schemas.microsoft.com/office/powerpoint/2010/main" val="2011817154"/>
+      </p:ext>
+    </p:extLst>
+  </p:cSld>
+  <p:clrMapOvr>
+    <a:masterClrMapping/>
+  </p:clrMapOvr>
+  <p:timing>
+    <p:tnLst>
+      <p:par>
+        <p:cTn id="1" dur="indefinite" restart="never" nodeType="tmRoot"/>
+      </p:par>
+    </p:tnLst>
+  </p:timing>
+</p:sld>
+</file>
+
+<file path=ppt/slides/slide6.xml><?xml version="1.0" encoding="utf-8"?>
+<p:sld xmlns:a="http://schemas.openxmlformats.org/drawingml/2006/main" xmlns:r="http://schemas.openxmlformats.org/officeDocument/2006/relationships" xmlns:p="http://schemas.openxmlformats.org/presentationml/2006/main">
+  <p:cSld>
+    <p:spTree>
+      <p:nvGrpSpPr>
+        <p:cNvPr id="1" name=""/>
+        <p:cNvGrpSpPr/>
+        <p:nvPr/>
+      </p:nvGrpSpPr>
+      <p:grpSpPr>
+        <a:xfrm>
+          <a:off x="0" y="0"/>
+          <a:ext cx="0" cy="0"/>
+          <a:chOff x="0" y="0"/>
+          <a:chExt cx="0" cy="0"/>
+        </a:xfrm>
+      </p:grpSpPr>
+      <p:sp>
+        <p:nvSpPr>
+          <p:cNvPr id="73" name="Rectangle 72"/>
+          <p:cNvSpPr/>
+          <p:nvPr/>
+        </p:nvSpPr>
+        <p:spPr>
+          <a:xfrm>
+            <a:off x="6515100" y="3124200"/>
+            <a:ext cx="2476500" cy="2487385"/>
+          </a:xfrm>
+          <a:prstGeom prst="rect">
+            <a:avLst/>
+          </a:prstGeom>
+          <a:noFill/>
+          <a:ln>
+            <a:solidFill>
+              <a:schemeClr val="tx1"/>
+            </a:solidFill>
+          </a:ln>
+        </p:spPr>
+        <p:style>
+          <a:lnRef idx="2">
+            <a:schemeClr val="accent1">
+              <a:shade val="50000"/>
+            </a:schemeClr>
+          </a:lnRef>
+          <a:fillRef idx="1">
+            <a:schemeClr val="accent1"/>
+          </a:fillRef>
+          <a:effectRef idx="0">
+            <a:schemeClr val="accent1"/>
+          </a:effectRef>
+          <a:fontRef idx="minor">
+            <a:schemeClr val="lt1"/>
+          </a:fontRef>
+        </p:style>
+        <p:txBody>
+          <a:bodyPr rtlCol="0" anchor="t"/>
+          <a:lstStyle/>
+          <a:p>
+            <a:pPr algn="ctr"/>
+            <a:r>
+              <a:rPr lang="en-US" sz="2800" dirty="0" smtClean="0">
+                <a:solidFill>
+                  <a:schemeClr val="tx1"/>
+                </a:solidFill>
+              </a:rPr>
+              <a:t>Key</a:t>
+            </a:r>
+            <a:endParaRPr lang="en-US" sz="2800" dirty="0">
+              <a:solidFill>
+                <a:schemeClr val="tx1"/>
+              </a:solidFill>
+            </a:endParaRPr>
+          </a:p>
+        </p:txBody>
+      </p:sp>
+      <p:sp>
+        <p:nvSpPr>
+          <p:cNvPr id="2" name="Title 1"/>
+          <p:cNvSpPr>
+            <a:spLocks noGrp="1"/>
+          </p:cNvSpPr>
+          <p:nvPr>
+            <p:ph type="title"/>
+          </p:nvPr>
+        </p:nvSpPr>
+        <p:spPr/>
+        <p:txBody>
+          <a:bodyPr/>
+          <a:lstStyle/>
+          <a:p>
+            <a:r>
+              <a:rPr lang="en-US" dirty="0" smtClean="0">
+                <a:solidFill>
+                  <a:schemeClr val="tx1"/>
+                </a:solidFill>
+              </a:rPr>
+              <a:t>Dependency Graph – Naïve</a:t>
+            </a:r>
+            <a:endParaRPr lang="en-US" dirty="0">
+              <a:solidFill>
+                <a:schemeClr val="tx1"/>
+              </a:solidFill>
+            </a:endParaRPr>
+          </a:p>
+        </p:txBody>
+      </p:sp>
+      <p:sp>
+        <p:nvSpPr>
+          <p:cNvPr id="13" name="Rectangle 12"/>
+          <p:cNvSpPr/>
+          <p:nvPr/>
+        </p:nvSpPr>
+        <p:spPr>
+          <a:xfrm>
+            <a:off x="1143000" y="1828800"/>
+            <a:ext cx="2133600" cy="587830"/>
+          </a:xfrm>
+          <a:prstGeom prst="rect">
+            <a:avLst/>
+          </a:prstGeom>
+        </p:spPr>
+        <p:style>
+          <a:lnRef idx="2">
+            <a:schemeClr val="accent1">
+              <a:shade val="50000"/>
+            </a:schemeClr>
+          </a:lnRef>
+          <a:fillRef idx="1">
+            <a:schemeClr val="accent1"/>
+          </a:fillRef>
+          <a:effectRef idx="0">
+            <a:schemeClr val="accent1"/>
+          </a:effectRef>
+          <a:fontRef idx="minor">
+            <a:schemeClr val="lt1"/>
+          </a:fontRef>
+        </p:style>
+        <p:txBody>
+          <a:bodyPr rtlCol="0" anchor="ctr"/>
+          <a:lstStyle/>
+          <a:p>
+            <a:pPr algn="ctr"/>
+            <a:r>
+              <a:rPr lang="en-US" sz="3200" dirty="0" err="1" smtClean="0"/>
+              <a:t>shinyServer</a:t>
+            </a:r>
+            <a:endParaRPr lang="en-US" sz="3200" dirty="0"/>
+          </a:p>
+        </p:txBody>
+      </p:sp>
+      <p:cxnSp>
+        <p:nvCxnSpPr>
+          <p:cNvPr id="14" name="Straight Arrow Connector 13"/>
+          <p:cNvCxnSpPr>
+            <a:stCxn id="13" idx="2"/>
+            <a:endCxn id="4" idx="0"/>
+          </p:cNvCxnSpPr>
+          <p:nvPr/>
+        </p:nvCxnSpPr>
+        <p:spPr>
+          <a:xfrm>
+            <a:off x="2209800" y="2416630"/>
+            <a:ext cx="0" cy="326570"/>
+          </a:xfrm>
+          <a:prstGeom prst="straightConnector1">
+            <a:avLst/>
+          </a:prstGeom>
+          <a:ln w="57150">
+            <a:tailEnd type="arrow"/>
+          </a:ln>
+        </p:spPr>
+        <p:style>
+          <a:lnRef idx="1">
+            <a:schemeClr val="accent1"/>
+          </a:lnRef>
+          <a:fillRef idx="0">
+            <a:schemeClr val="accent1"/>
+          </a:fillRef>
+          <a:effectRef idx="0">
+            <a:schemeClr val="accent1"/>
+          </a:effectRef>
+          <a:fontRef idx="minor">
+            <a:schemeClr val="tx1"/>
+          </a:fontRef>
+        </p:style>
+      </p:cxnSp>
+      <p:cxnSp>
+        <p:nvCxnSpPr>
+          <p:cNvPr id="20" name="Straight Arrow Connector 19"/>
+          <p:cNvCxnSpPr>
+            <a:stCxn id="4" idx="3"/>
+            <a:endCxn id="23" idx="1"/>
+          </p:cNvCxnSpPr>
+          <p:nvPr/>
+        </p:nvCxnSpPr>
+        <p:spPr>
+          <a:xfrm>
+            <a:off x="3429000" y="3418115"/>
+            <a:ext cx="762000" cy="10885"/>
+          </a:xfrm>
+          <a:prstGeom prst="straightConnector1">
+            <a:avLst/>
+          </a:prstGeom>
+          <a:ln w="57150">
+            <a:tailEnd type="arrow"/>
+          </a:ln>
+        </p:spPr>
+        <p:style>
+          <a:lnRef idx="1">
+            <a:schemeClr val="accent1"/>
+          </a:lnRef>
+          <a:fillRef idx="0">
+            <a:schemeClr val="accent1"/>
+          </a:fillRef>
+          <a:effectRef idx="0">
+            <a:schemeClr val="accent1"/>
+          </a:effectRef>
+          <a:fontRef idx="minor">
+            <a:schemeClr val="tx1"/>
+          </a:fontRef>
+        </p:style>
+      </p:cxnSp>
+      <p:sp>
+        <p:nvSpPr>
+          <p:cNvPr id="23" name="Rectangle 22"/>
+          <p:cNvSpPr/>
+          <p:nvPr/>
+        </p:nvSpPr>
+        <p:spPr>
+          <a:xfrm>
+            <a:off x="4191000" y="3124200"/>
+            <a:ext cx="2133600" cy="609600"/>
+          </a:xfrm>
+          <a:prstGeom prst="rect">
+            <a:avLst/>
+          </a:prstGeom>
+        </p:spPr>
+        <p:style>
+          <a:lnRef idx="2">
+            <a:schemeClr val="accent2">
+              <a:shade val="50000"/>
+            </a:schemeClr>
+          </a:lnRef>
+          <a:fillRef idx="1">
+            <a:schemeClr val="accent2"/>
+          </a:fillRef>
+          <a:effectRef idx="0">
+            <a:schemeClr val="accent2"/>
+          </a:effectRef>
+          <a:fontRef idx="minor">
+            <a:schemeClr val="lt1"/>
+          </a:fontRef>
+        </p:style>
+        <p:txBody>
+          <a:bodyPr rtlCol="0" anchor="ctr"/>
+          <a:lstStyle/>
+          <a:p>
+            <a:pPr algn="ctr"/>
+            <a:r>
+              <a:rPr lang="en-US" sz="3200" dirty="0" smtClean="0"/>
+              <a:t>$dataset</a:t>
+            </a:r>
+            <a:endParaRPr lang="en-US" sz="3200" dirty="0"/>
+          </a:p>
+        </p:txBody>
+      </p:sp>
+      <p:cxnSp>
+        <p:nvCxnSpPr>
+          <p:cNvPr id="28" name="Straight Arrow Connector 27"/>
+          <p:cNvCxnSpPr/>
+          <p:nvPr/>
+        </p:nvCxnSpPr>
+        <p:spPr>
+          <a:xfrm>
+            <a:off x="2971800" y="3695702"/>
+            <a:ext cx="740229" cy="985157"/>
+          </a:xfrm>
+          <a:prstGeom prst="straightConnector1">
+            <a:avLst/>
+          </a:prstGeom>
+          <a:ln w="57150">
+            <a:tailEnd type="arrow"/>
+          </a:ln>
+        </p:spPr>
+        <p:style>
+          <a:lnRef idx="1">
+            <a:schemeClr val="accent1"/>
+          </a:lnRef>
+          <a:fillRef idx="0">
+            <a:schemeClr val="accent1"/>
+          </a:fillRef>
+          <a:effectRef idx="0">
+            <a:schemeClr val="accent1"/>
+          </a:effectRef>
+          <a:fontRef idx="minor">
+            <a:schemeClr val="tx1"/>
+          </a:fontRef>
+        </p:style>
+      </p:cxnSp>
+      <p:sp>
+        <p:nvSpPr>
+          <p:cNvPr id="29" name="Rectangle 28"/>
+          <p:cNvSpPr/>
+          <p:nvPr/>
+        </p:nvSpPr>
+        <p:spPr>
+          <a:xfrm>
+            <a:off x="3200400" y="4680859"/>
+            <a:ext cx="2133600" cy="1066800"/>
+          </a:xfrm>
+          <a:prstGeom prst="rect">
+            <a:avLst/>
+          </a:prstGeom>
+        </p:spPr>
+        <p:style>
+          <a:lnRef idx="2">
+            <a:schemeClr val="accent2">
+              <a:shade val="50000"/>
+            </a:schemeClr>
+          </a:lnRef>
+          <a:fillRef idx="1">
+            <a:schemeClr val="accent2"/>
+          </a:fillRef>
+          <a:effectRef idx="0">
+            <a:schemeClr val="accent2"/>
+          </a:effectRef>
+          <a:fontRef idx="minor">
+            <a:schemeClr val="lt1"/>
+          </a:fontRef>
+        </p:style>
+        <p:txBody>
+          <a:bodyPr rtlCol="0" anchor="ctr"/>
+          <a:lstStyle/>
+          <a:p>
+            <a:pPr algn="ctr"/>
+            <a:r>
+              <a:rPr lang="en-US" sz="3200" dirty="0" smtClean="0"/>
+              <a:t>$</a:t>
+            </a:r>
+            <a:r>
+              <a:rPr lang="en-US" sz="3200" dirty="0" err="1" smtClean="0"/>
+              <a:t>individual_obs</a:t>
+            </a:r>
+            <a:endParaRPr lang="en-US" sz="3200" dirty="0"/>
+          </a:p>
+        </p:txBody>
+      </p:sp>
+      <p:sp>
+        <p:nvSpPr>
+          <p:cNvPr id="34" name="Rectangle 33"/>
+          <p:cNvSpPr/>
+          <p:nvPr/>
+        </p:nvSpPr>
+        <p:spPr>
+          <a:xfrm>
+            <a:off x="381000" y="5998030"/>
+            <a:ext cx="2133600" cy="685800"/>
+          </a:xfrm>
+          <a:prstGeom prst="rect">
+            <a:avLst/>
+          </a:prstGeom>
+        </p:spPr>
+        <p:style>
+          <a:lnRef idx="2">
+            <a:schemeClr val="accent2">
+              <a:shade val="50000"/>
+            </a:schemeClr>
+          </a:lnRef>
+          <a:fillRef idx="1">
+            <a:schemeClr val="accent2"/>
+          </a:fillRef>
+          <a:effectRef idx="0">
+            <a:schemeClr val="accent2"/>
+          </a:effectRef>
+          <a:fontRef idx="minor">
+            <a:schemeClr val="lt1"/>
+          </a:fontRef>
+        </p:style>
+        <p:txBody>
+          <a:bodyPr rtlCol="0" anchor="ctr"/>
+          <a:lstStyle/>
+          <a:p>
+            <a:pPr algn="ctr"/>
+            <a:r>
+              <a:rPr lang="en-US" sz="3200" dirty="0" smtClean="0"/>
+              <a:t>$</a:t>
+            </a:r>
+            <a:r>
+              <a:rPr lang="en-US" sz="3200" dirty="0" err="1" smtClean="0"/>
+              <a:t>bw_adjust</a:t>
+            </a:r>
+            <a:endParaRPr lang="en-US" sz="3200" dirty="0"/>
+          </a:p>
+        </p:txBody>
+      </p:sp>
+      <p:cxnSp>
+        <p:nvCxnSpPr>
+          <p:cNvPr id="35" name="Straight Arrow Connector 34"/>
+          <p:cNvCxnSpPr/>
+          <p:nvPr/>
+        </p:nvCxnSpPr>
+        <p:spPr>
+          <a:xfrm>
+            <a:off x="2209800" y="3777344"/>
+            <a:ext cx="0" cy="2220686"/>
+          </a:xfrm>
+          <a:prstGeom prst="straightConnector1">
+            <a:avLst/>
+          </a:prstGeom>
+          <a:ln w="57150">
+            <a:tailEnd type="arrow"/>
+          </a:ln>
+        </p:spPr>
+        <p:style>
+          <a:lnRef idx="1">
+            <a:schemeClr val="accent1"/>
+          </a:lnRef>
+          <a:fillRef idx="0">
+            <a:schemeClr val="accent1"/>
+          </a:fillRef>
+          <a:effectRef idx="0">
+            <a:schemeClr val="accent1"/>
+          </a:effectRef>
+          <a:fontRef idx="minor">
+            <a:schemeClr val="tx1"/>
+          </a:fontRef>
+        </p:style>
+      </p:cxnSp>
+      <p:sp>
+        <p:nvSpPr>
+          <p:cNvPr id="64" name="Rectangle 63"/>
+          <p:cNvSpPr/>
+          <p:nvPr/>
+        </p:nvSpPr>
+        <p:spPr>
+          <a:xfrm>
+            <a:off x="76200" y="4980215"/>
+            <a:ext cx="1905000" cy="685800"/>
+          </a:xfrm>
+          <a:prstGeom prst="rect">
+            <a:avLst/>
+          </a:prstGeom>
+        </p:spPr>
+        <p:style>
+          <a:lnRef idx="2">
+            <a:schemeClr val="accent2">
+              <a:shade val="50000"/>
+            </a:schemeClr>
+          </a:lnRef>
+          <a:fillRef idx="1">
+            <a:schemeClr val="accent2"/>
+          </a:fillRef>
+          <a:effectRef idx="0">
+            <a:schemeClr val="accent2"/>
+          </a:effectRef>
+          <a:fontRef idx="minor">
+            <a:schemeClr val="lt1"/>
+          </a:fontRef>
+        </p:style>
+        <p:txBody>
+          <a:bodyPr rtlCol="0" anchor="ctr"/>
+          <a:lstStyle/>
+          <a:p>
+            <a:pPr algn="ctr"/>
+            <a:r>
+              <a:rPr lang="en-US" sz="3200" dirty="0" smtClean="0"/>
+              <a:t>$</a:t>
+            </a:r>
+            <a:r>
+              <a:rPr lang="en-US" sz="3200" dirty="0" err="1" smtClean="0"/>
+              <a:t>n_breaks</a:t>
+            </a:r>
+            <a:endParaRPr lang="en-US" sz="3200" dirty="0"/>
+          </a:p>
+        </p:txBody>
+      </p:sp>
+      <p:cxnSp>
+        <p:nvCxnSpPr>
+          <p:cNvPr id="65" name="Straight Arrow Connector 64"/>
+          <p:cNvCxnSpPr>
+            <a:endCxn id="64" idx="0"/>
+          </p:cNvCxnSpPr>
+          <p:nvPr/>
+        </p:nvCxnSpPr>
+        <p:spPr>
+          <a:xfrm flipH="1">
+            <a:off x="1028700" y="3788230"/>
+            <a:ext cx="266700" cy="1191985"/>
+          </a:xfrm>
+          <a:prstGeom prst="straightConnector1">
+            <a:avLst/>
+          </a:prstGeom>
+          <a:ln w="57150">
+            <a:tailEnd type="arrow"/>
+          </a:ln>
+        </p:spPr>
+        <p:style>
+          <a:lnRef idx="1">
+            <a:schemeClr val="accent1"/>
+          </a:lnRef>
+          <a:fillRef idx="0">
+            <a:schemeClr val="accent1"/>
+          </a:fillRef>
+          <a:effectRef idx="0">
+            <a:schemeClr val="accent1"/>
+          </a:effectRef>
+          <a:fontRef idx="minor">
+            <a:schemeClr val="tx1"/>
+          </a:fontRef>
+        </p:style>
+      </p:cxnSp>
+      <p:sp>
+        <p:nvSpPr>
+          <p:cNvPr id="71" name="Rectangle 70"/>
+          <p:cNvSpPr/>
+          <p:nvPr/>
+        </p:nvSpPr>
+        <p:spPr>
+          <a:xfrm>
+            <a:off x="6705600" y="3706585"/>
+            <a:ext cx="2133600" cy="1001485"/>
+          </a:xfrm>
+          <a:prstGeom prst="rect">
+            <a:avLst/>
+          </a:prstGeom>
+        </p:spPr>
+        <p:style>
+          <a:lnRef idx="2">
+            <a:schemeClr val="accent1">
+              <a:shade val="50000"/>
+            </a:schemeClr>
+          </a:lnRef>
+          <a:fillRef idx="1">
+            <a:schemeClr val="accent1"/>
+          </a:fillRef>
+          <a:effectRef idx="0">
+            <a:schemeClr val="accent1"/>
+          </a:effectRef>
+          <a:fontRef idx="minor">
+            <a:schemeClr val="lt1"/>
+          </a:fontRef>
+        </p:style>
+        <p:txBody>
+          <a:bodyPr rtlCol="0" anchor="ctr"/>
+          <a:lstStyle/>
+          <a:p>
+            <a:pPr algn="ctr"/>
+            <a:r>
+              <a:rPr lang="en-US" sz="3200" dirty="0" smtClean="0"/>
+              <a:t>Reactive Function</a:t>
+            </a:r>
+            <a:endParaRPr lang="en-US" sz="3200" dirty="0"/>
+          </a:p>
+        </p:txBody>
+      </p:sp>
+      <p:sp>
+        <p:nvSpPr>
+          <p:cNvPr id="72" name="Rectangle 71"/>
+          <p:cNvSpPr/>
+          <p:nvPr/>
+        </p:nvSpPr>
+        <p:spPr>
+          <a:xfrm>
+            <a:off x="6705600" y="4925785"/>
+            <a:ext cx="2133600" cy="609600"/>
+          </a:xfrm>
+          <a:prstGeom prst="rect">
+            <a:avLst/>
+          </a:prstGeom>
+        </p:spPr>
+        <p:style>
+          <a:lnRef idx="2">
+            <a:schemeClr val="accent2">
+              <a:shade val="50000"/>
+            </a:schemeClr>
+          </a:lnRef>
+          <a:fillRef idx="1">
+            <a:schemeClr val="accent2"/>
+          </a:fillRef>
+          <a:effectRef idx="0">
+            <a:schemeClr val="accent2"/>
+          </a:effectRef>
+          <a:fontRef idx="minor">
+            <a:schemeClr val="lt1"/>
+          </a:fontRef>
+        </p:style>
+        <p:txBody>
+          <a:bodyPr rtlCol="0" anchor="ctr"/>
+          <a:lstStyle/>
+          <a:p>
+            <a:pPr algn="ctr"/>
+            <a:r>
+              <a:rPr lang="en-US" sz="3200" dirty="0" smtClean="0"/>
+              <a:t>Input</a:t>
+            </a:r>
+            <a:endParaRPr lang="en-US" sz="3200" dirty="0"/>
+          </a:p>
+        </p:txBody>
+      </p:sp>
+      <p:sp>
+        <p:nvSpPr>
+          <p:cNvPr id="75" name="Rectangle 74"/>
+          <p:cNvSpPr/>
+          <p:nvPr/>
+        </p:nvSpPr>
+        <p:spPr>
+          <a:xfrm>
+            <a:off x="2743200" y="6019800"/>
+            <a:ext cx="1807029" cy="685800"/>
+          </a:xfrm>
+          <a:prstGeom prst="rect">
+            <a:avLst/>
+          </a:prstGeom>
+        </p:spPr>
+        <p:style>
+          <a:lnRef idx="2">
+            <a:schemeClr val="accent2">
+              <a:shade val="50000"/>
+            </a:schemeClr>
+          </a:lnRef>
+          <a:fillRef idx="1">
+            <a:schemeClr val="accent2"/>
+          </a:fillRef>
+          <a:effectRef idx="0">
+            <a:schemeClr val="accent2"/>
+          </a:effectRef>
+          <a:fontRef idx="minor">
+            <a:schemeClr val="lt1"/>
+          </a:fontRef>
+        </p:style>
+        <p:txBody>
+          <a:bodyPr rtlCol="0" anchor="ctr"/>
+          <a:lstStyle/>
+          <a:p>
+            <a:pPr algn="ctr"/>
+            <a:r>
+              <a:rPr lang="en-US" sz="3200" dirty="0" smtClean="0"/>
+              <a:t>$density</a:t>
+            </a:r>
+            <a:endParaRPr lang="en-US" sz="3200" dirty="0"/>
+          </a:p>
+        </p:txBody>
+      </p:sp>
+      <p:cxnSp>
+        <p:nvCxnSpPr>
+          <p:cNvPr id="76" name="Straight Arrow Connector 75"/>
+          <p:cNvCxnSpPr/>
+          <p:nvPr/>
+        </p:nvCxnSpPr>
+        <p:spPr>
+          <a:xfrm>
+            <a:off x="2819400" y="3695702"/>
+            <a:ext cx="0" cy="2324098"/>
+          </a:xfrm>
+          <a:prstGeom prst="straightConnector1">
+            <a:avLst/>
+          </a:prstGeom>
+          <a:ln w="57150">
+            <a:tailEnd type="arrow"/>
+          </a:ln>
+        </p:spPr>
+        <p:style>
+          <a:lnRef idx="1">
+            <a:schemeClr val="accent1"/>
+          </a:lnRef>
+          <a:fillRef idx="0">
+            <a:schemeClr val="accent1"/>
+          </a:fillRef>
+          <a:effectRef idx="0">
+            <a:schemeClr val="accent1"/>
+          </a:effectRef>
+          <a:fontRef idx="minor">
+            <a:schemeClr val="tx1"/>
+          </a:fontRef>
+        </p:style>
+      </p:cxnSp>
+      <p:sp>
+        <p:nvSpPr>
+          <p:cNvPr id="4" name="Rectangle 3"/>
+          <p:cNvSpPr/>
+          <p:nvPr/>
+        </p:nvSpPr>
+        <p:spPr>
+          <a:xfrm>
+            <a:off x="990600" y="2743200"/>
+            <a:ext cx="2438400" cy="1349830"/>
+          </a:xfrm>
+          <a:prstGeom prst="rect">
+            <a:avLst/>
+          </a:prstGeom>
+        </p:spPr>
+        <p:style>
+          <a:lnRef idx="2">
+            <a:schemeClr val="accent1">
+              <a:shade val="50000"/>
+            </a:schemeClr>
+          </a:lnRef>
+          <a:fillRef idx="1">
+            <a:schemeClr val="accent1"/>
+          </a:fillRef>
+          <a:effectRef idx="0">
+            <a:schemeClr val="accent1"/>
+          </a:effectRef>
+          <a:fontRef idx="minor">
+            <a:schemeClr val="lt1"/>
+          </a:fontRef>
+        </p:style>
+        <p:txBody>
+          <a:bodyPr rtlCol="0" anchor="ctr"/>
+          <a:lstStyle/>
+          <a:p>
+            <a:pPr algn="ctr"/>
+            <a:r>
+              <a:rPr lang="en-US" sz="3200" dirty="0" err="1" smtClean="0"/>
+              <a:t>main_plot</a:t>
+            </a:r>
+            <a:endParaRPr lang="en-US" sz="3200" dirty="0" smtClean="0"/>
+          </a:p>
+          <a:p>
+            <a:pPr algn="ctr"/>
+            <a:r>
+              <a:rPr lang="en-US" sz="2400" dirty="0" smtClean="0"/>
+              <a:t>(Get data, get name, plot)</a:t>
+            </a:r>
+            <a:endParaRPr lang="en-US" sz="2400" dirty="0"/>
+          </a:p>
+        </p:txBody>
+      </p:sp>
+    </p:spTree>
+    <p:extLst>
+      <p:ext uri="{BB962C8B-B14F-4D97-AF65-F5344CB8AC3E}">
+        <p14:creationId xmlns:p14="http://schemas.microsoft.com/office/powerpoint/2010/main" val="3443010595"/>
+      </p:ext>
+    </p:extLst>
+  </p:cSld>
+  <p:clrMapOvr>
+    <a:masterClrMapping/>
+  </p:clrMapOvr>
+  <p:timing>
+    <p:tnLst>
+      <p:par>
+        <p:cTn id="1" dur="indefinite" restart="never" nodeType="tmRoot"/>
+      </p:par>
+    </p:tnLst>
+  </p:timing>
+</p:sld>
+</file>
+
+<file path=ppt/slides/slide7.xml><?xml version="1.0" encoding="utf-8"?>
+<p:sld xmlns:a="http://schemas.openxmlformats.org/drawingml/2006/main" xmlns:r="http://schemas.openxmlformats.org/officeDocument/2006/relationships" xmlns:p="http://schemas.openxmlformats.org/presentationml/2006/main">
+  <p:cSld>
+    <p:spTree>
+      <p:nvGrpSpPr>
+        <p:cNvPr id="1" name=""/>
+        <p:cNvGrpSpPr/>
+        <p:nvPr/>
+      </p:nvGrpSpPr>
+      <p:grpSpPr>
+        <a:xfrm>
+          <a:off x="0" y="0"/>
+          <a:ext cx="0" cy="0"/>
+          <a:chOff x="0" y="0"/>
+          <a:chExt cx="0" cy="0"/>
+        </a:xfrm>
+      </p:grpSpPr>
+      <p:sp>
+        <p:nvSpPr>
+          <p:cNvPr id="73" name="Rectangle 72"/>
+          <p:cNvSpPr/>
+          <p:nvPr/>
+        </p:nvSpPr>
+        <p:spPr>
+          <a:xfrm>
+            <a:off x="6515100" y="3124200"/>
+            <a:ext cx="2476500" cy="2487385"/>
+          </a:xfrm>
+          <a:prstGeom prst="rect">
+            <a:avLst/>
+          </a:prstGeom>
+          <a:noFill/>
+          <a:ln>
+            <a:solidFill>
+              <a:schemeClr val="tx1"/>
+            </a:solidFill>
+          </a:ln>
+        </p:spPr>
+        <p:style>
+          <a:lnRef idx="2">
+            <a:schemeClr val="accent1">
+              <a:shade val="50000"/>
+            </a:schemeClr>
+          </a:lnRef>
+          <a:fillRef idx="1">
+            <a:schemeClr val="accent1"/>
+          </a:fillRef>
+          <a:effectRef idx="0">
+            <a:schemeClr val="accent1"/>
+          </a:effectRef>
+          <a:fontRef idx="minor">
+            <a:schemeClr val="lt1"/>
+          </a:fontRef>
+        </p:style>
+        <p:txBody>
+          <a:bodyPr rtlCol="0" anchor="t"/>
+          <a:lstStyle/>
+          <a:p>
+            <a:pPr algn="ctr"/>
+            <a:r>
+              <a:rPr lang="en-US" sz="2800" dirty="0" smtClean="0">
+                <a:solidFill>
+                  <a:schemeClr val="tx1"/>
+                </a:solidFill>
+              </a:rPr>
+              <a:t>Key</a:t>
+            </a:r>
+            <a:endParaRPr lang="en-US" sz="2800" dirty="0">
+              <a:solidFill>
+                <a:schemeClr val="tx1"/>
+              </a:solidFill>
+            </a:endParaRPr>
+          </a:p>
+        </p:txBody>
+      </p:sp>
+      <p:sp>
+        <p:nvSpPr>
+          <p:cNvPr id="2" name="Title 1"/>
+          <p:cNvSpPr>
+            <a:spLocks noGrp="1"/>
+          </p:cNvSpPr>
+          <p:nvPr>
+            <p:ph type="title"/>
+          </p:nvPr>
+        </p:nvSpPr>
+        <p:spPr/>
+        <p:txBody>
+          <a:bodyPr/>
+          <a:lstStyle/>
+          <a:p>
+            <a:r>
+              <a:rPr lang="en-US" dirty="0" smtClean="0">
+                <a:solidFill>
+                  <a:schemeClr val="tx1"/>
+                </a:solidFill>
+              </a:rPr>
+              <a:t>“Data Flow”– Naïve</a:t>
+            </a:r>
+            <a:endParaRPr lang="en-US" dirty="0">
+              <a:solidFill>
+                <a:schemeClr val="tx1"/>
+              </a:solidFill>
+            </a:endParaRPr>
+          </a:p>
+        </p:txBody>
+      </p:sp>
+      <p:sp>
+        <p:nvSpPr>
+          <p:cNvPr id="13" name="Rectangle 12"/>
+          <p:cNvSpPr/>
+          <p:nvPr/>
+        </p:nvSpPr>
+        <p:spPr>
+          <a:xfrm>
+            <a:off x="1143000" y="1828800"/>
+            <a:ext cx="2133600" cy="587830"/>
+          </a:xfrm>
+          <a:prstGeom prst="rect">
+            <a:avLst/>
+          </a:prstGeom>
+        </p:spPr>
+        <p:style>
+          <a:lnRef idx="2">
+            <a:schemeClr val="accent1">
+              <a:shade val="50000"/>
+            </a:schemeClr>
+          </a:lnRef>
+          <a:fillRef idx="1">
+            <a:schemeClr val="accent1"/>
+          </a:fillRef>
+          <a:effectRef idx="0">
+            <a:schemeClr val="accent1"/>
+          </a:effectRef>
+          <a:fontRef idx="minor">
+            <a:schemeClr val="lt1"/>
+          </a:fontRef>
+        </p:style>
+        <p:txBody>
+          <a:bodyPr rtlCol="0" anchor="ctr"/>
+          <a:lstStyle/>
+          <a:p>
+            <a:pPr algn="ctr"/>
+            <a:r>
+              <a:rPr lang="en-US" sz="3200" dirty="0" err="1" smtClean="0"/>
+              <a:t>shinyServer</a:t>
+            </a:r>
+            <a:endParaRPr lang="en-US" sz="3200" dirty="0"/>
+          </a:p>
+        </p:txBody>
+      </p:sp>
+      <p:cxnSp>
+        <p:nvCxnSpPr>
+          <p:cNvPr id="14" name="Straight Arrow Connector 13"/>
+          <p:cNvCxnSpPr>
+            <a:stCxn id="13" idx="2"/>
+            <a:endCxn id="4" idx="0"/>
+          </p:cNvCxnSpPr>
+          <p:nvPr/>
+        </p:nvCxnSpPr>
+        <p:spPr>
+          <a:xfrm>
+            <a:off x="2209800" y="2416630"/>
+            <a:ext cx="0" cy="326570"/>
+          </a:xfrm>
+          <a:prstGeom prst="straightConnector1">
+            <a:avLst/>
+          </a:prstGeom>
+          <a:ln w="57150">
+            <a:headEnd type="arrow" w="med" len="med"/>
+            <a:tailEnd type="none" w="med" len="med"/>
+          </a:ln>
+        </p:spPr>
+        <p:style>
+          <a:lnRef idx="1">
+            <a:schemeClr val="accent1"/>
+          </a:lnRef>
+          <a:fillRef idx="0">
+            <a:schemeClr val="accent1"/>
+          </a:fillRef>
+          <a:effectRef idx="0">
+            <a:schemeClr val="accent1"/>
+          </a:effectRef>
+          <a:fontRef idx="minor">
+            <a:schemeClr val="tx1"/>
+          </a:fontRef>
+        </p:style>
+      </p:cxnSp>
+      <p:cxnSp>
+        <p:nvCxnSpPr>
+          <p:cNvPr id="20" name="Straight Arrow Connector 19"/>
+          <p:cNvCxnSpPr>
+            <a:stCxn id="4" idx="3"/>
+            <a:endCxn id="23" idx="1"/>
+          </p:cNvCxnSpPr>
+          <p:nvPr/>
+        </p:nvCxnSpPr>
+        <p:spPr>
+          <a:xfrm>
+            <a:off x="3429000" y="3418115"/>
+            <a:ext cx="762000" cy="10885"/>
+          </a:xfrm>
+          <a:prstGeom prst="straightConnector1">
+            <a:avLst/>
+          </a:prstGeom>
+          <a:ln w="57150">
+            <a:headEnd type="arrow" w="med" len="med"/>
+            <a:tailEnd type="none" w="med" len="med"/>
+          </a:ln>
+        </p:spPr>
+        <p:style>
+          <a:lnRef idx="1">
+            <a:schemeClr val="accent1"/>
+          </a:lnRef>
+          <a:fillRef idx="0">
+            <a:schemeClr val="accent1"/>
+          </a:fillRef>
+          <a:effectRef idx="0">
+            <a:schemeClr val="accent1"/>
+          </a:effectRef>
+          <a:fontRef idx="minor">
+            <a:schemeClr val="tx1"/>
+          </a:fontRef>
+        </p:style>
+      </p:cxnSp>
+      <p:sp>
+        <p:nvSpPr>
+          <p:cNvPr id="23" name="Rectangle 22"/>
+          <p:cNvSpPr/>
+          <p:nvPr/>
+        </p:nvSpPr>
+        <p:spPr>
+          <a:xfrm>
+            <a:off x="4191000" y="3124200"/>
+            <a:ext cx="2133600" cy="609600"/>
+          </a:xfrm>
+          <a:prstGeom prst="rect">
+            <a:avLst/>
+          </a:prstGeom>
+        </p:spPr>
+        <p:style>
+          <a:lnRef idx="2">
+            <a:schemeClr val="accent2">
+              <a:shade val="50000"/>
+            </a:schemeClr>
+          </a:lnRef>
+          <a:fillRef idx="1">
+            <a:schemeClr val="accent2"/>
+          </a:fillRef>
+          <a:effectRef idx="0">
+            <a:schemeClr val="accent2"/>
+          </a:effectRef>
+          <a:fontRef idx="minor">
+            <a:schemeClr val="lt1"/>
+          </a:fontRef>
+        </p:style>
+        <p:txBody>
+          <a:bodyPr rtlCol="0" anchor="ctr"/>
+          <a:lstStyle/>
+          <a:p>
+            <a:pPr algn="ctr"/>
+            <a:r>
+              <a:rPr lang="en-US" sz="3200" dirty="0" smtClean="0"/>
+              <a:t>$dataset</a:t>
+            </a:r>
+            <a:endParaRPr lang="en-US" sz="3200" dirty="0"/>
+          </a:p>
+        </p:txBody>
+      </p:sp>
+      <p:cxnSp>
+        <p:nvCxnSpPr>
+          <p:cNvPr id="28" name="Straight Arrow Connector 27"/>
+          <p:cNvCxnSpPr/>
+          <p:nvPr/>
+        </p:nvCxnSpPr>
+        <p:spPr>
+          <a:xfrm>
+            <a:off x="3276600" y="4093030"/>
+            <a:ext cx="435429" cy="587829"/>
+          </a:xfrm>
+          <a:prstGeom prst="straightConnector1">
+            <a:avLst/>
+          </a:prstGeom>
+          <a:ln w="57150">
+            <a:headEnd type="arrow" w="med" len="med"/>
+            <a:tailEnd type="none" w="med" len="med"/>
+          </a:ln>
+        </p:spPr>
+        <p:style>
+          <a:lnRef idx="1">
+            <a:schemeClr val="accent1"/>
+          </a:lnRef>
+          <a:fillRef idx="0">
+            <a:schemeClr val="accent1"/>
+          </a:fillRef>
+          <a:effectRef idx="0">
+            <a:schemeClr val="accent1"/>
+          </a:effectRef>
+          <a:fontRef idx="minor">
+            <a:schemeClr val="tx1"/>
+          </a:fontRef>
+        </p:style>
+      </p:cxnSp>
+      <p:sp>
+        <p:nvSpPr>
+          <p:cNvPr id="29" name="Rectangle 28"/>
+          <p:cNvSpPr/>
+          <p:nvPr/>
+        </p:nvSpPr>
+        <p:spPr>
+          <a:xfrm>
+            <a:off x="3200400" y="4680859"/>
+            <a:ext cx="2133600" cy="1066800"/>
+          </a:xfrm>
+          <a:prstGeom prst="rect">
+            <a:avLst/>
+          </a:prstGeom>
+        </p:spPr>
+        <p:style>
+          <a:lnRef idx="2">
+            <a:schemeClr val="accent2">
+              <a:shade val="50000"/>
+            </a:schemeClr>
+          </a:lnRef>
+          <a:fillRef idx="1">
+            <a:schemeClr val="accent2"/>
+          </a:fillRef>
+          <a:effectRef idx="0">
+            <a:schemeClr val="accent2"/>
+          </a:effectRef>
+          <a:fontRef idx="minor">
+            <a:schemeClr val="lt1"/>
+          </a:fontRef>
+        </p:style>
+        <p:txBody>
+          <a:bodyPr rtlCol="0" anchor="ctr"/>
+          <a:lstStyle/>
+          <a:p>
+            <a:pPr algn="ctr"/>
+            <a:r>
+              <a:rPr lang="en-US" sz="3200" dirty="0" smtClean="0"/>
+              <a:t>$</a:t>
+            </a:r>
+            <a:r>
+              <a:rPr lang="en-US" sz="3200" dirty="0" err="1" smtClean="0"/>
+              <a:t>individual_obs</a:t>
+            </a:r>
+            <a:endParaRPr lang="en-US" sz="3200" dirty="0"/>
+          </a:p>
+        </p:txBody>
+      </p:sp>
+      <p:sp>
+        <p:nvSpPr>
+          <p:cNvPr id="34" name="Rectangle 33"/>
+          <p:cNvSpPr/>
+          <p:nvPr/>
+        </p:nvSpPr>
+        <p:spPr>
+          <a:xfrm>
+            <a:off x="381000" y="5998030"/>
+            <a:ext cx="2133600" cy="685800"/>
+          </a:xfrm>
+          <a:prstGeom prst="rect">
+            <a:avLst/>
+          </a:prstGeom>
+        </p:spPr>
+        <p:style>
+          <a:lnRef idx="2">
+            <a:schemeClr val="accent2">
+              <a:shade val="50000"/>
+            </a:schemeClr>
+          </a:lnRef>
+          <a:fillRef idx="1">
+            <a:schemeClr val="accent2"/>
+          </a:fillRef>
+          <a:effectRef idx="0">
+            <a:schemeClr val="accent2"/>
+          </a:effectRef>
+          <a:fontRef idx="minor">
+            <a:schemeClr val="lt1"/>
+          </a:fontRef>
+        </p:style>
+        <p:txBody>
+          <a:bodyPr rtlCol="0" anchor="ctr"/>
+          <a:lstStyle/>
+          <a:p>
+            <a:pPr algn="ctr"/>
+            <a:r>
+              <a:rPr lang="en-US" sz="3200" dirty="0" smtClean="0"/>
+              <a:t>$</a:t>
+            </a:r>
+            <a:r>
+              <a:rPr lang="en-US" sz="3200" dirty="0" err="1" smtClean="0"/>
+              <a:t>bw_adjust</a:t>
+            </a:r>
+            <a:endParaRPr lang="en-US" sz="3200" dirty="0"/>
+          </a:p>
+        </p:txBody>
+      </p:sp>
+      <p:cxnSp>
+        <p:nvCxnSpPr>
+          <p:cNvPr id="35" name="Straight Arrow Connector 34"/>
+          <p:cNvCxnSpPr>
+            <a:stCxn id="4" idx="2"/>
+          </p:cNvCxnSpPr>
+          <p:nvPr/>
+        </p:nvCxnSpPr>
+        <p:spPr>
+          <a:xfrm>
+            <a:off x="2209800" y="4093030"/>
+            <a:ext cx="0" cy="1905000"/>
+          </a:xfrm>
+          <a:prstGeom prst="straightConnector1">
+            <a:avLst/>
+          </a:prstGeom>
+          <a:ln w="57150">
+            <a:headEnd type="arrow" w="med" len="med"/>
+            <a:tailEnd type="none" w="med" len="med"/>
+          </a:ln>
+        </p:spPr>
+        <p:style>
+          <a:lnRef idx="1">
+            <a:schemeClr val="accent1"/>
+          </a:lnRef>
+          <a:fillRef idx="0">
+            <a:schemeClr val="accent1"/>
+          </a:fillRef>
+          <a:effectRef idx="0">
+            <a:schemeClr val="accent1"/>
+          </a:effectRef>
+          <a:fontRef idx="minor">
+            <a:schemeClr val="tx1"/>
+          </a:fontRef>
+        </p:style>
+      </p:cxnSp>
+      <p:sp>
+        <p:nvSpPr>
+          <p:cNvPr id="64" name="Rectangle 63"/>
+          <p:cNvSpPr/>
+          <p:nvPr/>
+        </p:nvSpPr>
+        <p:spPr>
+          <a:xfrm>
+            <a:off x="76200" y="4980215"/>
+            <a:ext cx="1905000" cy="685800"/>
+          </a:xfrm>
+          <a:prstGeom prst="rect">
+            <a:avLst/>
+          </a:prstGeom>
+        </p:spPr>
+        <p:style>
+          <a:lnRef idx="2">
+            <a:schemeClr val="accent2">
+              <a:shade val="50000"/>
+            </a:schemeClr>
+          </a:lnRef>
+          <a:fillRef idx="1">
+            <a:schemeClr val="accent2"/>
+          </a:fillRef>
+          <a:effectRef idx="0">
+            <a:schemeClr val="accent2"/>
+          </a:effectRef>
+          <a:fontRef idx="minor">
+            <a:schemeClr val="lt1"/>
+          </a:fontRef>
+        </p:style>
+        <p:txBody>
+          <a:bodyPr rtlCol="0" anchor="ctr"/>
+          <a:lstStyle/>
+          <a:p>
+            <a:pPr algn="ctr"/>
+            <a:r>
+              <a:rPr lang="en-US" sz="3200" dirty="0" smtClean="0"/>
+              <a:t>$</a:t>
+            </a:r>
+            <a:r>
+              <a:rPr lang="en-US" sz="3200" dirty="0" err="1" smtClean="0"/>
+              <a:t>n_breaks</a:t>
+            </a:r>
+            <a:endParaRPr lang="en-US" sz="3200" dirty="0"/>
+          </a:p>
+        </p:txBody>
+      </p:sp>
+      <p:cxnSp>
+        <p:nvCxnSpPr>
+          <p:cNvPr id="65" name="Straight Arrow Connector 64"/>
+          <p:cNvCxnSpPr>
+            <a:endCxn id="64" idx="0"/>
+          </p:cNvCxnSpPr>
+          <p:nvPr/>
+        </p:nvCxnSpPr>
+        <p:spPr>
+          <a:xfrm flipH="1">
+            <a:off x="1028700" y="4093030"/>
+            <a:ext cx="266700" cy="887185"/>
+          </a:xfrm>
+          <a:prstGeom prst="straightConnector1">
+            <a:avLst/>
+          </a:prstGeom>
+          <a:ln w="57150">
+            <a:headEnd type="arrow" w="med" len="med"/>
+            <a:tailEnd type="none" w="med" len="med"/>
+          </a:ln>
+        </p:spPr>
+        <p:style>
+          <a:lnRef idx="1">
+            <a:schemeClr val="accent1"/>
+          </a:lnRef>
+          <a:fillRef idx="0">
+            <a:schemeClr val="accent1"/>
+          </a:fillRef>
+          <a:effectRef idx="0">
+            <a:schemeClr val="accent1"/>
+          </a:effectRef>
+          <a:fontRef idx="minor">
+            <a:schemeClr val="tx1"/>
+          </a:fontRef>
+        </p:style>
+      </p:cxnSp>
+      <p:sp>
+        <p:nvSpPr>
+          <p:cNvPr id="71" name="Rectangle 70"/>
+          <p:cNvSpPr/>
+          <p:nvPr/>
+        </p:nvSpPr>
+        <p:spPr>
+          <a:xfrm>
+            <a:off x="6705600" y="3706585"/>
+            <a:ext cx="2133600" cy="1001485"/>
+          </a:xfrm>
+          <a:prstGeom prst="rect">
+            <a:avLst/>
+          </a:prstGeom>
+        </p:spPr>
+        <p:style>
+          <a:lnRef idx="2">
+            <a:schemeClr val="accent1">
+              <a:shade val="50000"/>
+            </a:schemeClr>
+          </a:lnRef>
+          <a:fillRef idx="1">
+            <a:schemeClr val="accent1"/>
+          </a:fillRef>
+          <a:effectRef idx="0">
+            <a:schemeClr val="accent1"/>
+          </a:effectRef>
+          <a:fontRef idx="minor">
+            <a:schemeClr val="lt1"/>
+          </a:fontRef>
+        </p:style>
+        <p:txBody>
+          <a:bodyPr rtlCol="0" anchor="ctr"/>
+          <a:lstStyle/>
+          <a:p>
+            <a:pPr algn="ctr"/>
+            <a:r>
+              <a:rPr lang="en-US" sz="3200" dirty="0" smtClean="0"/>
+              <a:t>Reactive Function</a:t>
+            </a:r>
+            <a:endParaRPr lang="en-US" sz="3200" dirty="0"/>
+          </a:p>
+        </p:txBody>
+      </p:sp>
+      <p:sp>
+        <p:nvSpPr>
+          <p:cNvPr id="72" name="Rectangle 71"/>
+          <p:cNvSpPr/>
+          <p:nvPr/>
+        </p:nvSpPr>
+        <p:spPr>
+          <a:xfrm>
+            <a:off x="6705600" y="4925785"/>
+            <a:ext cx="2133600" cy="609600"/>
+          </a:xfrm>
+          <a:prstGeom prst="rect">
+            <a:avLst/>
+          </a:prstGeom>
+        </p:spPr>
+        <p:style>
+          <a:lnRef idx="2">
+            <a:schemeClr val="accent2">
+              <a:shade val="50000"/>
+            </a:schemeClr>
+          </a:lnRef>
+          <a:fillRef idx="1">
+            <a:schemeClr val="accent2"/>
+          </a:fillRef>
+          <a:effectRef idx="0">
+            <a:schemeClr val="accent2"/>
+          </a:effectRef>
+          <a:fontRef idx="minor">
+            <a:schemeClr val="lt1"/>
+          </a:fontRef>
+        </p:style>
+        <p:txBody>
+          <a:bodyPr rtlCol="0" anchor="ctr"/>
+          <a:lstStyle/>
+          <a:p>
+            <a:pPr algn="ctr"/>
+            <a:r>
+              <a:rPr lang="en-US" sz="3200" dirty="0" smtClean="0"/>
+              <a:t>Input</a:t>
+            </a:r>
+            <a:endParaRPr lang="en-US" sz="3200" dirty="0"/>
+          </a:p>
+        </p:txBody>
+      </p:sp>
+      <p:sp>
+        <p:nvSpPr>
+          <p:cNvPr id="75" name="Rectangle 74"/>
+          <p:cNvSpPr/>
+          <p:nvPr/>
+        </p:nvSpPr>
+        <p:spPr>
+          <a:xfrm>
+            <a:off x="2743200" y="6019800"/>
+            <a:ext cx="1807029" cy="685800"/>
+          </a:xfrm>
+          <a:prstGeom prst="rect">
+            <a:avLst/>
+          </a:prstGeom>
+        </p:spPr>
+        <p:style>
+          <a:lnRef idx="2">
+            <a:schemeClr val="accent2">
+              <a:shade val="50000"/>
+            </a:schemeClr>
+          </a:lnRef>
+          <a:fillRef idx="1">
+            <a:schemeClr val="accent2"/>
+          </a:fillRef>
+          <a:effectRef idx="0">
+            <a:schemeClr val="accent2"/>
+          </a:effectRef>
+          <a:fontRef idx="minor">
+            <a:schemeClr val="lt1"/>
+          </a:fontRef>
+        </p:style>
+        <p:txBody>
+          <a:bodyPr rtlCol="0" anchor="ctr"/>
+          <a:lstStyle/>
+          <a:p>
+            <a:pPr algn="ctr"/>
+            <a:r>
+              <a:rPr lang="en-US" sz="3200" dirty="0" smtClean="0"/>
+              <a:t>$density</a:t>
+            </a:r>
+            <a:endParaRPr lang="en-US" sz="3200" dirty="0"/>
+          </a:p>
+        </p:txBody>
+      </p:sp>
+      <p:cxnSp>
+        <p:nvCxnSpPr>
+          <p:cNvPr id="76" name="Straight Arrow Connector 75"/>
+          <p:cNvCxnSpPr/>
+          <p:nvPr/>
+        </p:nvCxnSpPr>
+        <p:spPr>
+          <a:xfrm>
+            <a:off x="2819400" y="4093030"/>
+            <a:ext cx="0" cy="1926770"/>
+          </a:xfrm>
+          <a:prstGeom prst="straightConnector1">
+            <a:avLst/>
+          </a:prstGeom>
+          <a:ln w="57150">
+            <a:headEnd type="arrow" w="med" len="med"/>
+            <a:tailEnd type="none" w="med" len="med"/>
+          </a:ln>
+        </p:spPr>
+        <p:style>
+          <a:lnRef idx="1">
+            <a:schemeClr val="accent1"/>
+          </a:lnRef>
+          <a:fillRef idx="0">
+            <a:schemeClr val="accent1"/>
+          </a:fillRef>
+          <a:effectRef idx="0">
+            <a:schemeClr val="accent1"/>
+          </a:effectRef>
+          <a:fontRef idx="minor">
+            <a:schemeClr val="tx1"/>
+          </a:fontRef>
+        </p:style>
+      </p:cxnSp>
+      <p:sp>
+        <p:nvSpPr>
+          <p:cNvPr id="4" name="Rectangle 3"/>
+          <p:cNvSpPr/>
+          <p:nvPr/>
+        </p:nvSpPr>
+        <p:spPr>
+          <a:xfrm>
+            <a:off x="990600" y="2743200"/>
+            <a:ext cx="2438400" cy="1349830"/>
+          </a:xfrm>
+          <a:prstGeom prst="rect">
+            <a:avLst/>
+          </a:prstGeom>
+        </p:spPr>
+        <p:style>
+          <a:lnRef idx="2">
+            <a:schemeClr val="accent1">
+              <a:shade val="50000"/>
+            </a:schemeClr>
+          </a:lnRef>
+          <a:fillRef idx="1">
+            <a:schemeClr val="accent1"/>
+          </a:fillRef>
+          <a:effectRef idx="0">
+            <a:schemeClr val="accent1"/>
+          </a:effectRef>
+          <a:fontRef idx="minor">
+            <a:schemeClr val="lt1"/>
+          </a:fontRef>
+        </p:style>
+        <p:txBody>
+          <a:bodyPr rtlCol="0" anchor="ctr"/>
+          <a:lstStyle/>
+          <a:p>
+            <a:pPr algn="ctr"/>
+            <a:r>
+              <a:rPr lang="en-US" sz="3200" dirty="0" err="1" smtClean="0"/>
+              <a:t>main_plot</a:t>
+            </a:r>
+            <a:endParaRPr lang="en-US" sz="3200" dirty="0" smtClean="0"/>
+          </a:p>
+          <a:p>
+            <a:pPr algn="ctr"/>
+            <a:r>
+              <a:rPr lang="en-US" sz="2400" dirty="0" smtClean="0"/>
+              <a:t>(Get data, get name, plot)</a:t>
+            </a:r>
+            <a:endParaRPr lang="en-US" sz="2400" dirty="0"/>
+          </a:p>
+        </p:txBody>
+      </p:sp>
+    </p:spTree>
+    <p:extLst>
+      <p:ext uri="{BB962C8B-B14F-4D97-AF65-F5344CB8AC3E}">
+        <p14:creationId xmlns:p14="http://schemas.microsoft.com/office/powerpoint/2010/main" val="1844133764"/>
+      </p:ext>
+    </p:extLst>
+  </p:cSld>
+  <p:clrMapOvr>
+    <a:masterClrMapping/>
+  </p:clrMapOvr>
+  <p:timing>
+    <p:tnLst>
+      <p:par>
+        <p:cTn id="1" dur="indefinite" restart="never" nodeType="tmRoot"/>
+      </p:par>
+    </p:tnLst>
+  </p:timing>
+</p:sld>
+</file>
+
+<file path=ppt/slides/slide8.xml><?xml version="1.0" encoding="utf-8"?>
+<p:sld xmlns:a="http://schemas.openxmlformats.org/drawingml/2006/main" xmlns:r="http://schemas.openxmlformats.org/officeDocument/2006/relationships" xmlns:p="http://schemas.openxmlformats.org/presentationml/2006/main">
+  <p:cSld>
+    <p:spTree>
+      <p:nvGrpSpPr>
+        <p:cNvPr id="1" name=""/>
+        <p:cNvGrpSpPr/>
+        <p:nvPr/>
+      </p:nvGrpSpPr>
+      <p:grpSpPr>
+        <a:xfrm>
+          <a:off x="0" y="0"/>
+          <a:ext cx="0" cy="0"/>
+          <a:chOff x="0" y="0"/>
+          <a:chExt cx="0" cy="0"/>
+        </a:xfrm>
+      </p:grpSpPr>
+      <p:sp>
+        <p:nvSpPr>
+          <p:cNvPr id="73" name="Rectangle 72"/>
+          <p:cNvSpPr/>
+          <p:nvPr/>
+        </p:nvSpPr>
+        <p:spPr>
+          <a:xfrm>
+            <a:off x="6515100" y="3581400"/>
+            <a:ext cx="2476500" cy="2487385"/>
+          </a:xfrm>
+          <a:prstGeom prst="rect">
+            <a:avLst/>
+          </a:prstGeom>
+          <a:noFill/>
+          <a:ln>
+            <a:solidFill>
+              <a:schemeClr val="tx1"/>
+            </a:solidFill>
+          </a:ln>
+        </p:spPr>
+        <p:style>
+          <a:lnRef idx="2">
+            <a:schemeClr val="accent1">
+              <a:shade val="50000"/>
+            </a:schemeClr>
+          </a:lnRef>
+          <a:fillRef idx="1">
+            <a:schemeClr val="accent1"/>
+          </a:fillRef>
+          <a:effectRef idx="0">
+            <a:schemeClr val="accent1"/>
+          </a:effectRef>
+          <a:fontRef idx="minor">
+            <a:schemeClr val="lt1"/>
+          </a:fontRef>
+        </p:style>
+        <p:txBody>
+          <a:bodyPr rtlCol="0" anchor="t"/>
+          <a:lstStyle/>
+          <a:p>
+            <a:pPr algn="ctr"/>
+            <a:r>
+              <a:rPr lang="en-US" sz="2800" dirty="0" smtClean="0">
+                <a:solidFill>
+                  <a:schemeClr val="tx1"/>
+                </a:solidFill>
+              </a:rPr>
+              <a:t>Key</a:t>
+            </a:r>
+            <a:endParaRPr lang="en-US" sz="2800" dirty="0">
+              <a:solidFill>
+                <a:schemeClr val="tx1"/>
+              </a:solidFill>
+            </a:endParaRPr>
+          </a:p>
+        </p:txBody>
+      </p:sp>
+      <p:sp>
+        <p:nvSpPr>
+          <p:cNvPr id="2" name="Title 1"/>
+          <p:cNvSpPr>
+            <a:spLocks noGrp="1"/>
+          </p:cNvSpPr>
+          <p:nvPr>
+            <p:ph type="title"/>
+          </p:nvPr>
+        </p:nvSpPr>
+        <p:spPr/>
+        <p:txBody>
+          <a:bodyPr>
+            <a:normAutofit/>
+          </a:bodyPr>
+          <a:lstStyle/>
+          <a:p>
+            <a:r>
+              <a:rPr lang="en-US" dirty="0" smtClean="0">
+                <a:solidFill>
+                  <a:schemeClr val="tx1"/>
+                </a:solidFill>
+              </a:rPr>
+              <a:t>Dependency Graph – Reactive</a:t>
+            </a:r>
+            <a:endParaRPr lang="en-US" dirty="0">
+              <a:solidFill>
+                <a:schemeClr val="tx1"/>
+              </a:solidFill>
+            </a:endParaRPr>
+          </a:p>
+        </p:txBody>
+      </p:sp>
+      <p:sp>
+        <p:nvSpPr>
+          <p:cNvPr id="5" name="Rectangle 4"/>
+          <p:cNvSpPr/>
+          <p:nvPr/>
+        </p:nvSpPr>
+        <p:spPr>
+          <a:xfrm>
+            <a:off x="4038600" y="2111831"/>
+            <a:ext cx="2133600" cy="587829"/>
+          </a:xfrm>
+          <a:prstGeom prst="rect">
+            <a:avLst/>
+          </a:prstGeom>
+        </p:spPr>
+        <p:style>
+          <a:lnRef idx="2">
+            <a:schemeClr val="accent1">
+              <a:shade val="50000"/>
+            </a:schemeClr>
+          </a:lnRef>
+          <a:fillRef idx="1">
+            <a:schemeClr val="accent1"/>
+          </a:fillRef>
+          <a:effectRef idx="0">
+            <a:schemeClr val="accent1"/>
+          </a:effectRef>
+          <a:fontRef idx="minor">
+            <a:schemeClr val="lt1"/>
+          </a:fontRef>
+        </p:style>
+        <p:txBody>
+          <a:bodyPr rtlCol="0" anchor="ctr"/>
+          <a:lstStyle/>
+          <a:p>
+            <a:pPr algn="ctr"/>
+            <a:r>
+              <a:rPr lang="en-US" sz="3200" dirty="0" err="1" smtClean="0"/>
+              <a:t>getData</a:t>
+            </a:r>
+            <a:endParaRPr lang="en-US" sz="3200" dirty="0"/>
+          </a:p>
+        </p:txBody>
+      </p:sp>
+      <p:sp>
+        <p:nvSpPr>
+          <p:cNvPr id="6" name="Rectangle 5"/>
+          <p:cNvSpPr/>
+          <p:nvPr/>
+        </p:nvSpPr>
+        <p:spPr>
+          <a:xfrm>
+            <a:off x="4038600" y="3156859"/>
+            <a:ext cx="2133600" cy="631371"/>
+          </a:xfrm>
+          <a:prstGeom prst="rect">
+            <a:avLst/>
+          </a:prstGeom>
+        </p:spPr>
+        <p:style>
+          <a:lnRef idx="2">
+            <a:schemeClr val="accent1">
+              <a:shade val="50000"/>
+            </a:schemeClr>
+          </a:lnRef>
+          <a:fillRef idx="1">
+            <a:schemeClr val="accent1"/>
+          </a:fillRef>
+          <a:effectRef idx="0">
+            <a:schemeClr val="accent1"/>
+          </a:effectRef>
+          <a:fontRef idx="minor">
+            <a:schemeClr val="lt1"/>
+          </a:fontRef>
+        </p:style>
+        <p:txBody>
+          <a:bodyPr rtlCol="0" anchor="ctr"/>
+          <a:lstStyle/>
+          <a:p>
+            <a:pPr algn="ctr"/>
+            <a:r>
+              <a:rPr lang="en-US" sz="3200" dirty="0" err="1" smtClean="0"/>
+              <a:t>dataName</a:t>
+            </a:r>
+            <a:endParaRPr lang="en-US" sz="3200" dirty="0"/>
+          </a:p>
+        </p:txBody>
+      </p:sp>
+      <p:cxnSp>
+        <p:nvCxnSpPr>
+          <p:cNvPr id="8" name="Straight Arrow Connector 7"/>
+          <p:cNvCxnSpPr>
+            <a:stCxn id="4" idx="3"/>
+            <a:endCxn id="5" idx="1"/>
+          </p:cNvCxnSpPr>
+          <p:nvPr/>
+        </p:nvCxnSpPr>
+        <p:spPr>
+          <a:xfrm flipV="1">
+            <a:off x="3276600" y="2405746"/>
+            <a:ext cx="762000" cy="903514"/>
+          </a:xfrm>
+          <a:prstGeom prst="straightConnector1">
+            <a:avLst/>
+          </a:prstGeom>
+          <a:ln w="57150">
+            <a:tailEnd type="arrow"/>
+          </a:ln>
+        </p:spPr>
+        <p:style>
+          <a:lnRef idx="1">
+            <a:schemeClr val="accent1"/>
+          </a:lnRef>
+          <a:fillRef idx="0">
+            <a:schemeClr val="accent1"/>
+          </a:fillRef>
+          <a:effectRef idx="0">
+            <a:schemeClr val="accent1"/>
+          </a:effectRef>
+          <a:fontRef idx="minor">
+            <a:schemeClr val="tx1"/>
+          </a:fontRef>
+        </p:style>
+      </p:cxnSp>
+      <p:cxnSp>
+        <p:nvCxnSpPr>
+          <p:cNvPr id="9" name="Straight Arrow Connector 8"/>
+          <p:cNvCxnSpPr>
+            <a:stCxn id="4" idx="3"/>
+            <a:endCxn id="6" idx="1"/>
+          </p:cNvCxnSpPr>
+          <p:nvPr/>
+        </p:nvCxnSpPr>
+        <p:spPr>
+          <a:xfrm>
+            <a:off x="3276600" y="3309260"/>
+            <a:ext cx="762000" cy="163285"/>
+          </a:xfrm>
+          <a:prstGeom prst="straightConnector1">
+            <a:avLst/>
+          </a:prstGeom>
+          <a:ln w="57150">
+            <a:tailEnd type="arrow"/>
+          </a:ln>
+        </p:spPr>
+        <p:style>
+          <a:lnRef idx="1">
+            <a:schemeClr val="accent1"/>
+          </a:lnRef>
+          <a:fillRef idx="0">
+            <a:schemeClr val="accent1"/>
+          </a:fillRef>
+          <a:effectRef idx="0">
+            <a:schemeClr val="accent1"/>
+          </a:effectRef>
+          <a:fontRef idx="minor">
+            <a:schemeClr val="tx1"/>
+          </a:fontRef>
+        </p:style>
+      </p:cxnSp>
+      <p:sp>
+        <p:nvSpPr>
+          <p:cNvPr id="13" name="Rectangle 12"/>
+          <p:cNvSpPr/>
+          <p:nvPr/>
+        </p:nvSpPr>
+        <p:spPr>
+          <a:xfrm>
+            <a:off x="1143000" y="1883230"/>
+            <a:ext cx="2133600" cy="587830"/>
+          </a:xfrm>
+          <a:prstGeom prst="rect">
+            <a:avLst/>
+          </a:prstGeom>
+        </p:spPr>
+        <p:style>
+          <a:lnRef idx="2">
+            <a:schemeClr val="accent1">
+              <a:shade val="50000"/>
+            </a:schemeClr>
+          </a:lnRef>
+          <a:fillRef idx="1">
+            <a:schemeClr val="accent1"/>
+          </a:fillRef>
+          <a:effectRef idx="0">
+            <a:schemeClr val="accent1"/>
+          </a:effectRef>
+          <a:fontRef idx="minor">
+            <a:schemeClr val="lt1"/>
+          </a:fontRef>
+        </p:style>
+        <p:txBody>
+          <a:bodyPr rtlCol="0" anchor="ctr"/>
+          <a:lstStyle/>
+          <a:p>
+            <a:pPr algn="ctr"/>
+            <a:r>
+              <a:rPr lang="en-US" sz="3200" dirty="0" err="1" smtClean="0"/>
+              <a:t>shinyServer</a:t>
+            </a:r>
+            <a:endParaRPr lang="en-US" sz="3200" dirty="0"/>
+          </a:p>
+        </p:txBody>
+      </p:sp>
+      <p:cxnSp>
+        <p:nvCxnSpPr>
+          <p:cNvPr id="14" name="Straight Arrow Connector 13"/>
+          <p:cNvCxnSpPr>
+            <a:stCxn id="13" idx="2"/>
+            <a:endCxn id="4" idx="0"/>
+          </p:cNvCxnSpPr>
+          <p:nvPr/>
+        </p:nvCxnSpPr>
+        <p:spPr>
+          <a:xfrm>
+            <a:off x="2209800" y="2471060"/>
+            <a:ext cx="0" cy="533400"/>
+          </a:xfrm>
+          <a:prstGeom prst="straightConnector1">
+            <a:avLst/>
+          </a:prstGeom>
+          <a:ln w="57150">
+            <a:tailEnd type="arrow"/>
+          </a:ln>
+        </p:spPr>
+        <p:style>
+          <a:lnRef idx="1">
+            <a:schemeClr val="accent1"/>
+          </a:lnRef>
+          <a:fillRef idx="0">
+            <a:schemeClr val="accent1"/>
+          </a:fillRef>
+          <a:effectRef idx="0">
+            <a:schemeClr val="accent1"/>
+          </a:effectRef>
+          <a:fontRef idx="minor">
+            <a:schemeClr val="tx1"/>
+          </a:fontRef>
+        </p:style>
+      </p:cxnSp>
+      <p:cxnSp>
+        <p:nvCxnSpPr>
+          <p:cNvPr id="20" name="Straight Arrow Connector 19"/>
+          <p:cNvCxnSpPr>
+            <a:stCxn id="5" idx="3"/>
+            <a:endCxn id="23" idx="1"/>
+          </p:cNvCxnSpPr>
+          <p:nvPr/>
+        </p:nvCxnSpPr>
+        <p:spPr>
+          <a:xfrm>
+            <a:off x="6172200" y="2405746"/>
+            <a:ext cx="685800" cy="522514"/>
+          </a:xfrm>
+          <a:prstGeom prst="straightConnector1">
+            <a:avLst/>
+          </a:prstGeom>
+          <a:ln w="57150">
+            <a:tailEnd type="arrow"/>
+          </a:ln>
+        </p:spPr>
+        <p:style>
+          <a:lnRef idx="1">
+            <a:schemeClr val="accent1"/>
+          </a:lnRef>
+          <a:fillRef idx="0">
+            <a:schemeClr val="accent1"/>
+          </a:fillRef>
+          <a:effectRef idx="0">
+            <a:schemeClr val="accent1"/>
+          </a:effectRef>
+          <a:fontRef idx="minor">
+            <a:schemeClr val="tx1"/>
+          </a:fontRef>
+        </p:style>
+      </p:cxnSp>
+      <p:sp>
+        <p:nvSpPr>
+          <p:cNvPr id="23" name="Rectangle 22"/>
+          <p:cNvSpPr/>
+          <p:nvPr/>
+        </p:nvSpPr>
+        <p:spPr>
+          <a:xfrm>
+            <a:off x="6858000" y="2623460"/>
+            <a:ext cx="2133600" cy="609600"/>
+          </a:xfrm>
+          <a:prstGeom prst="rect">
+            <a:avLst/>
+          </a:prstGeom>
+        </p:spPr>
+        <p:style>
+          <a:lnRef idx="2">
+            <a:schemeClr val="accent2">
+              <a:shade val="50000"/>
+            </a:schemeClr>
+          </a:lnRef>
+          <a:fillRef idx="1">
+            <a:schemeClr val="accent2"/>
+          </a:fillRef>
+          <a:effectRef idx="0">
+            <a:schemeClr val="accent2"/>
+          </a:effectRef>
+          <a:fontRef idx="minor">
+            <a:schemeClr val="lt1"/>
+          </a:fontRef>
+        </p:style>
+        <p:txBody>
+          <a:bodyPr rtlCol="0" anchor="ctr"/>
+          <a:lstStyle/>
+          <a:p>
+            <a:pPr algn="ctr"/>
+            <a:r>
+              <a:rPr lang="en-US" sz="3200" dirty="0" smtClean="0"/>
+              <a:t>$dataset</a:t>
+            </a:r>
+            <a:endParaRPr lang="en-US" sz="3200" dirty="0"/>
+          </a:p>
+        </p:txBody>
+      </p:sp>
+      <p:cxnSp>
+        <p:nvCxnSpPr>
+          <p:cNvPr id="25" name="Straight Arrow Connector 24"/>
+          <p:cNvCxnSpPr>
+            <a:stCxn id="6" idx="3"/>
+            <a:endCxn id="23" idx="1"/>
+          </p:cNvCxnSpPr>
+          <p:nvPr/>
+        </p:nvCxnSpPr>
+        <p:spPr>
+          <a:xfrm flipV="1">
+            <a:off x="6172200" y="2928260"/>
+            <a:ext cx="685800" cy="544285"/>
+          </a:xfrm>
+          <a:prstGeom prst="straightConnector1">
+            <a:avLst/>
+          </a:prstGeom>
+          <a:ln w="57150">
+            <a:tailEnd type="arrow"/>
+          </a:ln>
+        </p:spPr>
+        <p:style>
+          <a:lnRef idx="1">
+            <a:schemeClr val="accent1"/>
+          </a:lnRef>
+          <a:fillRef idx="0">
+            <a:schemeClr val="accent1"/>
+          </a:fillRef>
+          <a:effectRef idx="0">
+            <a:schemeClr val="accent1"/>
+          </a:effectRef>
+          <a:fontRef idx="minor">
+            <a:schemeClr val="tx1"/>
+          </a:fontRef>
+        </p:style>
+      </p:cxnSp>
+      <p:cxnSp>
+        <p:nvCxnSpPr>
+          <p:cNvPr id="28" name="Straight Arrow Connector 27"/>
+          <p:cNvCxnSpPr/>
+          <p:nvPr/>
+        </p:nvCxnSpPr>
+        <p:spPr>
+          <a:xfrm>
+            <a:off x="2971800" y="3390902"/>
+            <a:ext cx="740229" cy="985157"/>
+          </a:xfrm>
+          <a:prstGeom prst="straightConnector1">
+            <a:avLst/>
+          </a:prstGeom>
+          <a:ln w="57150">
+            <a:tailEnd type="arrow"/>
+          </a:ln>
+        </p:spPr>
+        <p:style>
+          <a:lnRef idx="1">
+            <a:schemeClr val="accent1"/>
+          </a:lnRef>
+          <a:fillRef idx="0">
+            <a:schemeClr val="accent1"/>
+          </a:fillRef>
+          <a:effectRef idx="0">
+            <a:schemeClr val="accent1"/>
+          </a:effectRef>
+          <a:fontRef idx="minor">
+            <a:schemeClr val="tx1"/>
+          </a:fontRef>
+        </p:style>
+      </p:cxnSp>
+      <p:sp>
+        <p:nvSpPr>
+          <p:cNvPr id="29" name="Rectangle 28"/>
+          <p:cNvSpPr/>
+          <p:nvPr/>
+        </p:nvSpPr>
+        <p:spPr>
+          <a:xfrm>
+            <a:off x="3200400" y="4376059"/>
+            <a:ext cx="2133600" cy="1066800"/>
+          </a:xfrm>
+          <a:prstGeom prst="rect">
+            <a:avLst/>
+          </a:prstGeom>
+        </p:spPr>
+        <p:style>
+          <a:lnRef idx="2">
+            <a:schemeClr val="accent2">
+              <a:shade val="50000"/>
+            </a:schemeClr>
+          </a:lnRef>
+          <a:fillRef idx="1">
+            <a:schemeClr val="accent2"/>
+          </a:fillRef>
+          <a:effectRef idx="0">
+            <a:schemeClr val="accent2"/>
+          </a:effectRef>
+          <a:fontRef idx="minor">
+            <a:schemeClr val="lt1"/>
+          </a:fontRef>
+        </p:style>
+        <p:txBody>
+          <a:bodyPr rtlCol="0" anchor="ctr"/>
+          <a:lstStyle/>
+          <a:p>
+            <a:pPr algn="ctr"/>
+            <a:r>
+              <a:rPr lang="en-US" sz="3200" dirty="0" smtClean="0"/>
+              <a:t>$</a:t>
+            </a:r>
+            <a:r>
+              <a:rPr lang="en-US" sz="3200" dirty="0" err="1" smtClean="0"/>
+              <a:t>individual_obs</a:t>
+            </a:r>
+            <a:endParaRPr lang="en-US" sz="3200" dirty="0"/>
+          </a:p>
+        </p:txBody>
+      </p:sp>
+      <p:sp>
+        <p:nvSpPr>
+          <p:cNvPr id="34" name="Rectangle 33"/>
+          <p:cNvSpPr/>
+          <p:nvPr/>
+        </p:nvSpPr>
+        <p:spPr>
+          <a:xfrm>
+            <a:off x="381000" y="5693230"/>
+            <a:ext cx="2133600" cy="685800"/>
+          </a:xfrm>
+          <a:prstGeom prst="rect">
+            <a:avLst/>
+          </a:prstGeom>
+        </p:spPr>
+        <p:style>
+          <a:lnRef idx="2">
+            <a:schemeClr val="accent2">
+              <a:shade val="50000"/>
+            </a:schemeClr>
+          </a:lnRef>
+          <a:fillRef idx="1">
+            <a:schemeClr val="accent2"/>
+          </a:fillRef>
+          <a:effectRef idx="0">
+            <a:schemeClr val="accent2"/>
+          </a:effectRef>
+          <a:fontRef idx="minor">
+            <a:schemeClr val="lt1"/>
+          </a:fontRef>
+        </p:style>
+        <p:txBody>
+          <a:bodyPr rtlCol="0" anchor="ctr"/>
+          <a:lstStyle/>
+          <a:p>
+            <a:pPr algn="ctr"/>
+            <a:r>
+              <a:rPr lang="en-US" sz="3200" dirty="0" smtClean="0"/>
+              <a:t>$</a:t>
+            </a:r>
+            <a:r>
+              <a:rPr lang="en-US" sz="3200" dirty="0" err="1" smtClean="0"/>
+              <a:t>bw_adjust</a:t>
+            </a:r>
+            <a:endParaRPr lang="en-US" sz="3200" dirty="0"/>
+          </a:p>
+        </p:txBody>
+      </p:sp>
+      <p:cxnSp>
+        <p:nvCxnSpPr>
+          <p:cNvPr id="35" name="Straight Arrow Connector 34"/>
+          <p:cNvCxnSpPr/>
+          <p:nvPr/>
+        </p:nvCxnSpPr>
+        <p:spPr>
+          <a:xfrm>
+            <a:off x="2209800" y="3472544"/>
+            <a:ext cx="0" cy="2220686"/>
+          </a:xfrm>
+          <a:prstGeom prst="straightConnector1">
+            <a:avLst/>
+          </a:prstGeom>
+          <a:ln w="57150">
+            <a:tailEnd type="arrow"/>
+          </a:ln>
+        </p:spPr>
+        <p:style>
+          <a:lnRef idx="1">
+            <a:schemeClr val="accent1"/>
+          </a:lnRef>
+          <a:fillRef idx="0">
+            <a:schemeClr val="accent1"/>
+          </a:fillRef>
+          <a:effectRef idx="0">
+            <a:schemeClr val="accent1"/>
+          </a:effectRef>
+          <a:fontRef idx="minor">
+            <a:schemeClr val="tx1"/>
+          </a:fontRef>
+        </p:style>
+      </p:cxnSp>
+      <p:sp>
+        <p:nvSpPr>
+          <p:cNvPr id="64" name="Rectangle 63"/>
+          <p:cNvSpPr/>
+          <p:nvPr/>
+        </p:nvSpPr>
+        <p:spPr>
+          <a:xfrm>
+            <a:off x="76200" y="4675415"/>
+            <a:ext cx="1905000" cy="685800"/>
+          </a:xfrm>
+          <a:prstGeom prst="rect">
+            <a:avLst/>
+          </a:prstGeom>
+        </p:spPr>
+        <p:style>
+          <a:lnRef idx="2">
+            <a:schemeClr val="accent2">
+              <a:shade val="50000"/>
+            </a:schemeClr>
+          </a:lnRef>
+          <a:fillRef idx="1">
+            <a:schemeClr val="accent2"/>
+          </a:fillRef>
+          <a:effectRef idx="0">
+            <a:schemeClr val="accent2"/>
+          </a:effectRef>
+          <a:fontRef idx="minor">
+            <a:schemeClr val="lt1"/>
+          </a:fontRef>
+        </p:style>
+        <p:txBody>
+          <a:bodyPr rtlCol="0" anchor="ctr"/>
+          <a:lstStyle/>
+          <a:p>
+            <a:pPr algn="ctr"/>
+            <a:r>
+              <a:rPr lang="en-US" sz="3200" dirty="0" smtClean="0"/>
+              <a:t>$</a:t>
+            </a:r>
+            <a:r>
+              <a:rPr lang="en-US" sz="3200" dirty="0" err="1" smtClean="0"/>
+              <a:t>n_breaks</a:t>
+            </a:r>
+            <a:endParaRPr lang="en-US" sz="3200" dirty="0"/>
+          </a:p>
+        </p:txBody>
+      </p:sp>
+      <p:cxnSp>
+        <p:nvCxnSpPr>
+          <p:cNvPr id="65" name="Straight Arrow Connector 64"/>
+          <p:cNvCxnSpPr>
+            <a:endCxn id="64" idx="0"/>
+          </p:cNvCxnSpPr>
+          <p:nvPr/>
+        </p:nvCxnSpPr>
+        <p:spPr>
+          <a:xfrm flipH="1">
+            <a:off x="1028700" y="3483430"/>
+            <a:ext cx="266700" cy="1191985"/>
+          </a:xfrm>
+          <a:prstGeom prst="straightConnector1">
+            <a:avLst/>
+          </a:prstGeom>
+          <a:ln w="57150">
+            <a:tailEnd type="arrow"/>
+          </a:ln>
+        </p:spPr>
+        <p:style>
+          <a:lnRef idx="1">
+            <a:schemeClr val="accent1"/>
+          </a:lnRef>
+          <a:fillRef idx="0">
+            <a:schemeClr val="accent1"/>
+          </a:fillRef>
+          <a:effectRef idx="0">
+            <a:schemeClr val="accent1"/>
+          </a:effectRef>
+          <a:fontRef idx="minor">
+            <a:schemeClr val="tx1"/>
+          </a:fontRef>
+        </p:style>
+      </p:cxnSp>
+      <p:sp>
+        <p:nvSpPr>
+          <p:cNvPr id="71" name="Rectangle 70"/>
+          <p:cNvSpPr/>
+          <p:nvPr/>
+        </p:nvSpPr>
+        <p:spPr>
+          <a:xfrm>
+            <a:off x="6705600" y="4163785"/>
+            <a:ext cx="2133600" cy="1001485"/>
+          </a:xfrm>
+          <a:prstGeom prst="rect">
+            <a:avLst/>
+          </a:prstGeom>
+        </p:spPr>
+        <p:style>
+          <a:lnRef idx="2">
+            <a:schemeClr val="accent1">
+              <a:shade val="50000"/>
+            </a:schemeClr>
+          </a:lnRef>
+          <a:fillRef idx="1">
+            <a:schemeClr val="accent1"/>
+          </a:fillRef>
+          <a:effectRef idx="0">
+            <a:schemeClr val="accent1"/>
+          </a:effectRef>
+          <a:fontRef idx="minor">
+            <a:schemeClr val="lt1"/>
+          </a:fontRef>
+        </p:style>
+        <p:txBody>
+          <a:bodyPr rtlCol="0" anchor="ctr"/>
+          <a:lstStyle/>
+          <a:p>
+            <a:pPr algn="ctr"/>
+            <a:r>
+              <a:rPr lang="en-US" sz="3200" dirty="0" smtClean="0"/>
+              <a:t>Reactive Function</a:t>
+            </a:r>
+            <a:endParaRPr lang="en-US" sz="3200" dirty="0"/>
+          </a:p>
+        </p:txBody>
+      </p:sp>
+      <p:sp>
+        <p:nvSpPr>
+          <p:cNvPr id="72" name="Rectangle 71"/>
+          <p:cNvSpPr/>
+          <p:nvPr/>
+        </p:nvSpPr>
+        <p:spPr>
+          <a:xfrm>
+            <a:off x="6705600" y="5382985"/>
+            <a:ext cx="2133600" cy="609600"/>
+          </a:xfrm>
+          <a:prstGeom prst="rect">
+            <a:avLst/>
+          </a:prstGeom>
+        </p:spPr>
+        <p:style>
+          <a:lnRef idx="2">
+            <a:schemeClr val="accent2">
+              <a:shade val="50000"/>
+            </a:schemeClr>
+          </a:lnRef>
+          <a:fillRef idx="1">
+            <a:schemeClr val="accent2"/>
+          </a:fillRef>
+          <a:effectRef idx="0">
+            <a:schemeClr val="accent2"/>
+          </a:effectRef>
+          <a:fontRef idx="minor">
+            <a:schemeClr val="lt1"/>
+          </a:fontRef>
+        </p:style>
+        <p:txBody>
+          <a:bodyPr rtlCol="0" anchor="ctr"/>
+          <a:lstStyle/>
+          <a:p>
+            <a:pPr algn="ctr"/>
+            <a:r>
+              <a:rPr lang="en-US" sz="3200" dirty="0" smtClean="0"/>
+              <a:t>Input</a:t>
+            </a:r>
+            <a:endParaRPr lang="en-US" sz="3200" dirty="0"/>
+          </a:p>
+        </p:txBody>
+      </p:sp>
+      <p:sp>
+        <p:nvSpPr>
+          <p:cNvPr id="75" name="Rectangle 74"/>
+          <p:cNvSpPr/>
+          <p:nvPr/>
+        </p:nvSpPr>
+        <p:spPr>
+          <a:xfrm>
+            <a:off x="2743200" y="5715000"/>
+            <a:ext cx="1807029" cy="685800"/>
+          </a:xfrm>
+          <a:prstGeom prst="rect">
+            <a:avLst/>
+          </a:prstGeom>
+        </p:spPr>
+        <p:style>
+          <a:lnRef idx="2">
+            <a:schemeClr val="accent2">
+              <a:shade val="50000"/>
+            </a:schemeClr>
+          </a:lnRef>
+          <a:fillRef idx="1">
+            <a:schemeClr val="accent2"/>
+          </a:fillRef>
+          <a:effectRef idx="0">
+            <a:schemeClr val="accent2"/>
+          </a:effectRef>
+          <a:fontRef idx="minor">
+            <a:schemeClr val="lt1"/>
+          </a:fontRef>
+        </p:style>
+        <p:txBody>
+          <a:bodyPr rtlCol="0" anchor="ctr"/>
+          <a:lstStyle/>
+          <a:p>
+            <a:pPr algn="ctr"/>
+            <a:r>
+              <a:rPr lang="en-US" sz="3200" dirty="0" smtClean="0"/>
+              <a:t>$density</a:t>
+            </a:r>
+            <a:endParaRPr lang="en-US" sz="3200" dirty="0"/>
+          </a:p>
+        </p:txBody>
+      </p:sp>
+      <p:cxnSp>
+        <p:nvCxnSpPr>
+          <p:cNvPr id="76" name="Straight Arrow Connector 75"/>
+          <p:cNvCxnSpPr/>
+          <p:nvPr/>
+        </p:nvCxnSpPr>
+        <p:spPr>
+          <a:xfrm>
+            <a:off x="2819400" y="3390902"/>
+            <a:ext cx="0" cy="2324098"/>
+          </a:xfrm>
+          <a:prstGeom prst="straightConnector1">
+            <a:avLst/>
+          </a:prstGeom>
+          <a:ln w="57150">
+            <a:tailEnd type="arrow"/>
+          </a:ln>
+        </p:spPr>
+        <p:style>
+          <a:lnRef idx="1">
+            <a:schemeClr val="accent1"/>
+          </a:lnRef>
+          <a:fillRef idx="0">
+            <a:schemeClr val="accent1"/>
+          </a:fillRef>
+          <a:effectRef idx="0">
+            <a:schemeClr val="accent1"/>
+          </a:effectRef>
+          <a:fontRef idx="minor">
+            <a:schemeClr val="tx1"/>
+          </a:fontRef>
+        </p:style>
+      </p:cxnSp>
+      <p:sp>
+        <p:nvSpPr>
+          <p:cNvPr id="4" name="Rectangle 3"/>
+          <p:cNvSpPr/>
+          <p:nvPr/>
+        </p:nvSpPr>
+        <p:spPr>
+          <a:xfrm>
+            <a:off x="1143000" y="3004460"/>
+            <a:ext cx="2133600" cy="609600"/>
+          </a:xfrm>
+          <a:prstGeom prst="rect">
+            <a:avLst/>
+          </a:prstGeom>
+        </p:spPr>
+        <p:style>
+          <a:lnRef idx="2">
+            <a:schemeClr val="accent1">
+              <a:shade val="50000"/>
+            </a:schemeClr>
+          </a:lnRef>
+          <a:fillRef idx="1">
+            <a:schemeClr val="accent1"/>
+          </a:fillRef>
+          <a:effectRef idx="0">
+            <a:schemeClr val="accent1"/>
+          </a:effectRef>
+          <a:fontRef idx="minor">
+            <a:schemeClr val="lt1"/>
+          </a:fontRef>
+        </p:style>
+        <p:txBody>
+          <a:bodyPr rtlCol="0" anchor="ctr"/>
+          <a:lstStyle/>
+          <a:p>
+            <a:pPr algn="ctr"/>
+            <a:r>
+              <a:rPr lang="en-US" sz="3200" dirty="0" err="1" smtClean="0"/>
+              <a:t>main_plot</a:t>
+            </a:r>
+            <a:endParaRPr lang="en-US" sz="3200" dirty="0"/>
+          </a:p>
+        </p:txBody>
+      </p:sp>
+    </p:spTree>
+    <p:extLst>
+      <p:ext uri="{BB962C8B-B14F-4D97-AF65-F5344CB8AC3E}">
+        <p14:creationId xmlns:p14="http://schemas.microsoft.com/office/powerpoint/2010/main" val="3880102440"/>
+      </p:ext>
+    </p:extLst>
+  </p:cSld>
+  <p:clrMapOvr>
+    <a:masterClrMapping/>
+  </p:clrMapOvr>
+  <p:timing>
+    <p:tnLst>
+      <p:par>
+        <p:cTn id="1" dur="indefinite" restart="never" nodeType="tmRoot"/>
+      </p:par>
+    </p:tnLst>
+  </p:timing>
+</p:sld>
+</file>
+
+<file path=ppt/slides/slide9.xml><?xml version="1.0" encoding="utf-8"?>
+<p:sld xmlns:a="http://schemas.openxmlformats.org/drawingml/2006/main" xmlns:r="http://schemas.openxmlformats.org/officeDocument/2006/relationships" xmlns:p="http://schemas.openxmlformats.org/presentationml/2006/main">
+  <p:cSld>
+    <p:spTree>
+      <p:nvGrpSpPr>
+        <p:cNvPr id="1" name=""/>
+        <p:cNvGrpSpPr/>
+        <p:nvPr/>
+      </p:nvGrpSpPr>
+      <p:grpSpPr>
+        <a:xfrm>
+          <a:off x="0" y="0"/>
+          <a:ext cx="0" cy="0"/>
+          <a:chOff x="0" y="0"/>
+          <a:chExt cx="0" cy="0"/>
+        </a:xfrm>
+      </p:grpSpPr>
+      <p:sp>
+        <p:nvSpPr>
           <p:cNvPr id="73" name="Rectangle 72"/>
           <p:cNvSpPr/>
           <p:nvPr/>
@@ -7783,7 +8843,7 @@
 </file>
 
 <file path=ppt/theme/theme1.xml><?xml version="1.0" encoding="utf-8"?>
-<a:theme xmlns:a="http://schemas.openxmlformats.org/drawingml/2006/main" name="Median">
+<a:theme xmlns:a="http://schemas.openxmlformats.org/drawingml/2006/main" name="TrestleTheme">
   <a:themeElements>
     <a:clrScheme name="Trestle">
       <a:dk1>
@@ -7793,7 +8853,7 @@
         <a:srgbClr val="F2F2F2"/>
       </a:lt1>
       <a:dk2>
-        <a:srgbClr val="A5AB81"/>
+        <a:srgbClr val="877E79"/>
       </a:dk2>
       <a:lt2>
         <a:srgbClr val="FFFFFF"/>

--- a/shiny_introduction.pptx
+++ b/shiny_introduction.pptx
@@ -5,7 +5,7 @@
     <p:sldMasterId id="2147483696" r:id="rId1"/>
   </p:sldMasterIdLst>
   <p:notesMasterIdLst>
-    <p:notesMasterId r:id="rId12"/>
+    <p:notesMasterId r:id="rId17"/>
   </p:notesMasterIdLst>
   <p:sldIdLst>
     <p:sldId id="256" r:id="rId2"/>
@@ -13,11 +13,16 @@
     <p:sldId id="262" r:id="rId4"/>
     <p:sldId id="263" r:id="rId5"/>
     <p:sldId id="264" r:id="rId6"/>
-    <p:sldId id="259" r:id="rId7"/>
-    <p:sldId id="260" r:id="rId8"/>
-    <p:sldId id="257" r:id="rId9"/>
-    <p:sldId id="258" r:id="rId10"/>
-    <p:sldId id="265" r:id="rId11"/>
+    <p:sldId id="266" r:id="rId7"/>
+    <p:sldId id="267" r:id="rId8"/>
+    <p:sldId id="268" r:id="rId9"/>
+    <p:sldId id="269" r:id="rId10"/>
+    <p:sldId id="259" r:id="rId11"/>
+    <p:sldId id="260" r:id="rId12"/>
+    <p:sldId id="270" r:id="rId13"/>
+    <p:sldId id="257" r:id="rId14"/>
+    <p:sldId id="258" r:id="rId15"/>
+    <p:sldId id="265" r:id="rId16"/>
   </p:sldIdLst>
   <p:sldSz cx="9144000" cy="6858000" type="screen4x3"/>
   <p:notesSz cx="6858000" cy="9144000"/>
@@ -813,7 +818,30 @@
           <a:bodyPr/>
           <a:lstStyle/>
           <a:p>
-            <a:endParaRPr lang="en-US"/>
+            <a:r>
+              <a:rPr lang="en-US" dirty="0" smtClean="0"/>
+              <a:t>In imperative programming,</a:t>
+            </a:r>
+            <a:r>
+              <a:rPr lang="en-US" baseline="0" dirty="0" smtClean="0"/>
+              <a:t> b = 5</a:t>
+            </a:r>
+          </a:p>
+          <a:p>
+            <a:r>
+              <a:rPr lang="en-US" baseline="0" dirty="0" smtClean="0"/>
+              <a:t>In reactive programming, b = 9</a:t>
+            </a:r>
+          </a:p>
+          <a:p>
+            <a:endParaRPr lang="en-US" baseline="0" dirty="0" smtClean="0"/>
+          </a:p>
+          <a:p>
+            <a:r>
+              <a:rPr lang="en-US" baseline="0" dirty="0" smtClean="0"/>
+              <a:t>R, like most languages, is imperative. Will always get b = 5</a:t>
+            </a:r>
+            <a:endParaRPr lang="en-US" dirty="0"/>
           </a:p>
         </p:txBody>
       </p:sp>
@@ -843,7 +871,375 @@
     </p:spTree>
     <p:extLst>
       <p:ext uri="{BB962C8B-B14F-4D97-AF65-F5344CB8AC3E}">
+        <p14:creationId xmlns:p14="http://schemas.microsoft.com/office/powerpoint/2010/main" val="3320967549"/>
+      </p:ext>
+    </p:extLst>
+  </p:cSld>
+  <p:clrMapOvr>
+    <a:masterClrMapping/>
+  </p:clrMapOvr>
+</p:notes>
+</file>
+
+<file path=ppt/notesSlides/notesSlide4.xml><?xml version="1.0" encoding="utf-8"?>
+<p:notes xmlns:a="http://schemas.openxmlformats.org/drawingml/2006/main" xmlns:r="http://schemas.openxmlformats.org/officeDocument/2006/relationships" xmlns:p="http://schemas.openxmlformats.org/presentationml/2006/main">
+  <p:cSld>
+    <p:spTree>
+      <p:nvGrpSpPr>
+        <p:cNvPr id="1" name=""/>
+        <p:cNvGrpSpPr/>
+        <p:nvPr/>
+      </p:nvGrpSpPr>
+      <p:grpSpPr>
+        <a:xfrm>
+          <a:off x="0" y="0"/>
+          <a:ext cx="0" cy="0"/>
+          <a:chOff x="0" y="0"/>
+          <a:chExt cx="0" cy="0"/>
+        </a:xfrm>
+      </p:grpSpPr>
+      <p:sp>
+        <p:nvSpPr>
+          <p:cNvPr id="2" name="Slide Image Placeholder 1"/>
+          <p:cNvSpPr>
+            <a:spLocks noGrp="1" noRot="1" noChangeAspect="1"/>
+          </p:cNvSpPr>
+          <p:nvPr>
+            <p:ph type="sldImg"/>
+          </p:nvPr>
+        </p:nvSpPr>
+        <p:spPr/>
+      </p:sp>
+      <p:sp>
+        <p:nvSpPr>
+          <p:cNvPr id="3" name="Notes Placeholder 2"/>
+          <p:cNvSpPr>
+            <a:spLocks noGrp="1"/>
+          </p:cNvSpPr>
+          <p:nvPr>
+            <p:ph type="body" idx="1"/>
+          </p:nvPr>
+        </p:nvSpPr>
+        <p:spPr/>
+        <p:txBody>
+          <a:bodyPr/>
+          <a:lstStyle/>
+          <a:p>
+            <a:r>
+              <a:rPr lang="en-US" dirty="0" smtClean="0"/>
+              <a:t>Demo </a:t>
+            </a:r>
+            <a:r>
+              <a:rPr lang="en-US" dirty="0" err="1" smtClean="0"/>
+              <a:t>simpleGeyeser</a:t>
+            </a:r>
+            <a:r>
+              <a:rPr lang="en-US" dirty="0" smtClean="0"/>
+              <a:t> app</a:t>
+            </a:r>
+            <a:endParaRPr lang="en-US" dirty="0"/>
+          </a:p>
+        </p:txBody>
+      </p:sp>
+      <p:sp>
+        <p:nvSpPr>
+          <p:cNvPr id="4" name="Slide Number Placeholder 3"/>
+          <p:cNvSpPr>
+            <a:spLocks noGrp="1"/>
+          </p:cNvSpPr>
+          <p:nvPr>
+            <p:ph type="sldNum" sz="quarter" idx="10"/>
+          </p:nvPr>
+        </p:nvSpPr>
+        <p:spPr/>
+        <p:txBody>
+          <a:bodyPr/>
+          <a:lstStyle/>
+          <a:p>
+            <a:fld id="{6AFF73DF-0CB2-4BD6-AF9F-0FD25C17E598}" type="slidenum">
+              <a:rPr lang="en-US" smtClean="0"/>
+              <a:t>8</a:t>
+            </a:fld>
+            <a:endParaRPr lang="en-US"/>
+          </a:p>
+        </p:txBody>
+      </p:sp>
+    </p:spTree>
+    <p:extLst>
+      <p:ext uri="{BB962C8B-B14F-4D97-AF65-F5344CB8AC3E}">
+        <p14:creationId xmlns:p14="http://schemas.microsoft.com/office/powerpoint/2010/main" val="3327642187"/>
+      </p:ext>
+    </p:extLst>
+  </p:cSld>
+  <p:clrMapOvr>
+    <a:masterClrMapping/>
+  </p:clrMapOvr>
+</p:notes>
+</file>
+
+<file path=ppt/notesSlides/notesSlide5.xml><?xml version="1.0" encoding="utf-8"?>
+<p:notes xmlns:a="http://schemas.openxmlformats.org/drawingml/2006/main" xmlns:r="http://schemas.openxmlformats.org/officeDocument/2006/relationships" xmlns:p="http://schemas.openxmlformats.org/presentationml/2006/main">
+  <p:cSld>
+    <p:spTree>
+      <p:nvGrpSpPr>
+        <p:cNvPr id="1" name=""/>
+        <p:cNvGrpSpPr/>
+        <p:nvPr/>
+      </p:nvGrpSpPr>
+      <p:grpSpPr>
+        <a:xfrm>
+          <a:off x="0" y="0"/>
+          <a:ext cx="0" cy="0"/>
+          <a:chOff x="0" y="0"/>
+          <a:chExt cx="0" cy="0"/>
+        </a:xfrm>
+      </p:grpSpPr>
+      <p:sp>
+        <p:nvSpPr>
+          <p:cNvPr id="2" name="Slide Image Placeholder 1"/>
+          <p:cNvSpPr>
+            <a:spLocks noGrp="1" noRot="1" noChangeAspect="1"/>
+          </p:cNvSpPr>
+          <p:nvPr>
+            <p:ph type="sldImg"/>
+          </p:nvPr>
+        </p:nvSpPr>
+        <p:spPr/>
+      </p:sp>
+      <p:sp>
+        <p:nvSpPr>
+          <p:cNvPr id="3" name="Notes Placeholder 2"/>
+          <p:cNvSpPr>
+            <a:spLocks noGrp="1"/>
+          </p:cNvSpPr>
+          <p:nvPr>
+            <p:ph type="body" idx="1"/>
+          </p:nvPr>
+        </p:nvSpPr>
+        <p:spPr/>
+        <p:txBody>
+          <a:bodyPr/>
+          <a:lstStyle/>
+          <a:p>
+            <a:r>
+              <a:rPr lang="en-US" dirty="0" smtClean="0"/>
+              <a:t>Demo </a:t>
+            </a:r>
+            <a:r>
+              <a:rPr lang="en-US" dirty="0" err="1" smtClean="0"/>
+              <a:t>naiveGeyser</a:t>
+            </a:r>
+            <a:r>
+              <a:rPr lang="en-US" baseline="0" dirty="0" smtClean="0"/>
+              <a:t> app</a:t>
+            </a:r>
+            <a:endParaRPr lang="en-US" dirty="0"/>
+          </a:p>
+        </p:txBody>
+      </p:sp>
+      <p:sp>
+        <p:nvSpPr>
+          <p:cNvPr id="4" name="Slide Number Placeholder 3"/>
+          <p:cNvSpPr>
+            <a:spLocks noGrp="1"/>
+          </p:cNvSpPr>
+          <p:nvPr>
+            <p:ph type="sldNum" sz="quarter" idx="10"/>
+          </p:nvPr>
+        </p:nvSpPr>
+        <p:spPr/>
+        <p:txBody>
+          <a:bodyPr/>
+          <a:lstStyle/>
+          <a:p>
+            <a:fld id="{6AFF73DF-0CB2-4BD6-AF9F-0FD25C17E598}" type="slidenum">
+              <a:rPr lang="en-US" smtClean="0"/>
+              <a:t>9</a:t>
+            </a:fld>
+            <a:endParaRPr lang="en-US"/>
+          </a:p>
+        </p:txBody>
+      </p:sp>
+    </p:spTree>
+    <p:extLst>
+      <p:ext uri="{BB962C8B-B14F-4D97-AF65-F5344CB8AC3E}">
+        <p14:creationId xmlns:p14="http://schemas.microsoft.com/office/powerpoint/2010/main" val="2357611467"/>
+      </p:ext>
+    </p:extLst>
+  </p:cSld>
+  <p:clrMapOvr>
+    <a:masterClrMapping/>
+  </p:clrMapOvr>
+</p:notes>
+</file>
+
+<file path=ppt/notesSlides/notesSlide6.xml><?xml version="1.0" encoding="utf-8"?>
+<p:notes xmlns:a="http://schemas.openxmlformats.org/drawingml/2006/main" xmlns:r="http://schemas.openxmlformats.org/officeDocument/2006/relationships" xmlns:p="http://schemas.openxmlformats.org/presentationml/2006/main">
+  <p:cSld>
+    <p:spTree>
+      <p:nvGrpSpPr>
+        <p:cNvPr id="1" name=""/>
+        <p:cNvGrpSpPr/>
+        <p:nvPr/>
+      </p:nvGrpSpPr>
+      <p:grpSpPr>
+        <a:xfrm>
+          <a:off x="0" y="0"/>
+          <a:ext cx="0" cy="0"/>
+          <a:chOff x="0" y="0"/>
+          <a:chExt cx="0" cy="0"/>
+        </a:xfrm>
+      </p:grpSpPr>
+      <p:sp>
+        <p:nvSpPr>
+          <p:cNvPr id="2" name="Slide Image Placeholder 1"/>
+          <p:cNvSpPr>
+            <a:spLocks noGrp="1" noRot="1" noChangeAspect="1"/>
+          </p:cNvSpPr>
+          <p:nvPr>
+            <p:ph type="sldImg"/>
+          </p:nvPr>
+        </p:nvSpPr>
+        <p:spPr/>
+      </p:sp>
+      <p:sp>
+        <p:nvSpPr>
+          <p:cNvPr id="3" name="Notes Placeholder 2"/>
+          <p:cNvSpPr>
+            <a:spLocks noGrp="1"/>
+          </p:cNvSpPr>
+          <p:nvPr>
+            <p:ph type="body" idx="1"/>
+          </p:nvPr>
+        </p:nvSpPr>
+        <p:spPr/>
+        <p:txBody>
+          <a:bodyPr/>
+          <a:lstStyle/>
+          <a:p>
+            <a:endParaRPr lang="en-US"/>
+          </a:p>
+        </p:txBody>
+      </p:sp>
+      <p:sp>
+        <p:nvSpPr>
+          <p:cNvPr id="4" name="Slide Number Placeholder 3"/>
+          <p:cNvSpPr>
+            <a:spLocks noGrp="1"/>
+          </p:cNvSpPr>
+          <p:nvPr>
+            <p:ph type="sldNum" sz="quarter" idx="10"/>
+          </p:nvPr>
+        </p:nvSpPr>
+        <p:spPr/>
+        <p:txBody>
+          <a:bodyPr/>
+          <a:lstStyle/>
+          <a:p>
+            <a:fld id="{6AFF73DF-0CB2-4BD6-AF9F-0FD25C17E598}" type="slidenum">
+              <a:rPr lang="en-US" smtClean="0"/>
+              <a:t>10</a:t>
+            </a:fld>
+            <a:endParaRPr lang="en-US"/>
+          </a:p>
+        </p:txBody>
+      </p:sp>
+    </p:spTree>
+    <p:extLst>
+      <p:ext uri="{BB962C8B-B14F-4D97-AF65-F5344CB8AC3E}">
         <p14:creationId xmlns:p14="http://schemas.microsoft.com/office/powerpoint/2010/main" val="2195041220"/>
+      </p:ext>
+    </p:extLst>
+  </p:cSld>
+  <p:clrMapOvr>
+    <a:masterClrMapping/>
+  </p:clrMapOvr>
+</p:notes>
+</file>
+
+<file path=ppt/notesSlides/notesSlide7.xml><?xml version="1.0" encoding="utf-8"?>
+<p:notes xmlns:a="http://schemas.openxmlformats.org/drawingml/2006/main" xmlns:r="http://schemas.openxmlformats.org/officeDocument/2006/relationships" xmlns:p="http://schemas.openxmlformats.org/presentationml/2006/main">
+  <p:cSld>
+    <p:spTree>
+      <p:nvGrpSpPr>
+        <p:cNvPr id="1" name=""/>
+        <p:cNvGrpSpPr/>
+        <p:nvPr/>
+      </p:nvGrpSpPr>
+      <p:grpSpPr>
+        <a:xfrm>
+          <a:off x="0" y="0"/>
+          <a:ext cx="0" cy="0"/>
+          <a:chOff x="0" y="0"/>
+          <a:chExt cx="0" cy="0"/>
+        </a:xfrm>
+      </p:grpSpPr>
+      <p:sp>
+        <p:nvSpPr>
+          <p:cNvPr id="2" name="Slide Image Placeholder 1"/>
+          <p:cNvSpPr>
+            <a:spLocks noGrp="1" noRot="1" noChangeAspect="1"/>
+          </p:cNvSpPr>
+          <p:nvPr>
+            <p:ph type="sldImg"/>
+          </p:nvPr>
+        </p:nvSpPr>
+        <p:spPr/>
+      </p:sp>
+      <p:sp>
+        <p:nvSpPr>
+          <p:cNvPr id="3" name="Notes Placeholder 2"/>
+          <p:cNvSpPr>
+            <a:spLocks noGrp="1"/>
+          </p:cNvSpPr>
+          <p:nvPr>
+            <p:ph type="body" idx="1"/>
+          </p:nvPr>
+        </p:nvSpPr>
+        <p:spPr/>
+        <p:txBody>
+          <a:bodyPr/>
+          <a:lstStyle/>
+          <a:p>
+            <a:r>
+              <a:rPr lang="en-US" dirty="0" smtClean="0"/>
+              <a:t>Demo </a:t>
+            </a:r>
+            <a:r>
+              <a:rPr lang="en-US" dirty="0" err="1" smtClean="0"/>
+              <a:t>reactiveGeyser</a:t>
+            </a:r>
+            <a:endParaRPr lang="en-US" dirty="0"/>
+          </a:p>
+        </p:txBody>
+      </p:sp>
+      <p:sp>
+        <p:nvSpPr>
+          <p:cNvPr id="4" name="Slide Number Placeholder 3"/>
+          <p:cNvSpPr>
+            <a:spLocks noGrp="1"/>
+          </p:cNvSpPr>
+          <p:nvPr>
+            <p:ph type="sldNum" sz="quarter" idx="10"/>
+          </p:nvPr>
+        </p:nvSpPr>
+        <p:spPr/>
+        <p:txBody>
+          <a:bodyPr/>
+          <a:lstStyle/>
+          <a:p>
+            <a:fld id="{6AFF73DF-0CB2-4BD6-AF9F-0FD25C17E598}" type="slidenum">
+              <a:rPr lang="en-US" smtClean="0"/>
+              <a:t>12</a:t>
+            </a:fld>
+            <a:endParaRPr lang="en-US"/>
+          </a:p>
+        </p:txBody>
+      </p:sp>
+    </p:spTree>
+    <p:extLst>
+      <p:ext uri="{BB962C8B-B14F-4D97-AF65-F5344CB8AC3E}">
+        <p14:creationId xmlns:p14="http://schemas.microsoft.com/office/powerpoint/2010/main" val="2379361351"/>
       </p:ext>
     </p:extLst>
   </p:cSld>
@@ -4726,6 +5122,3481 @@
       </p:grpSpPr>
       <p:sp>
         <p:nvSpPr>
+          <p:cNvPr id="73" name="Rectangle 72"/>
+          <p:cNvSpPr/>
+          <p:nvPr/>
+        </p:nvSpPr>
+        <p:spPr>
+          <a:xfrm>
+            <a:off x="6515100" y="3124200"/>
+            <a:ext cx="2476500" cy="2487385"/>
+          </a:xfrm>
+          <a:prstGeom prst="rect">
+            <a:avLst/>
+          </a:prstGeom>
+          <a:noFill/>
+          <a:ln>
+            <a:solidFill>
+              <a:schemeClr val="tx1"/>
+            </a:solidFill>
+          </a:ln>
+        </p:spPr>
+        <p:style>
+          <a:lnRef idx="2">
+            <a:schemeClr val="accent1">
+              <a:shade val="50000"/>
+            </a:schemeClr>
+          </a:lnRef>
+          <a:fillRef idx="1">
+            <a:schemeClr val="accent1"/>
+          </a:fillRef>
+          <a:effectRef idx="0">
+            <a:schemeClr val="accent1"/>
+          </a:effectRef>
+          <a:fontRef idx="minor">
+            <a:schemeClr val="lt1"/>
+          </a:fontRef>
+        </p:style>
+        <p:txBody>
+          <a:bodyPr rtlCol="0" anchor="t"/>
+          <a:lstStyle/>
+          <a:p>
+            <a:pPr algn="ctr"/>
+            <a:r>
+              <a:rPr lang="en-US" sz="2800" dirty="0" smtClean="0">
+                <a:solidFill>
+                  <a:schemeClr val="tx1"/>
+                </a:solidFill>
+              </a:rPr>
+              <a:t>Key</a:t>
+            </a:r>
+            <a:endParaRPr lang="en-US" sz="2800" dirty="0">
+              <a:solidFill>
+                <a:schemeClr val="tx1"/>
+              </a:solidFill>
+            </a:endParaRPr>
+          </a:p>
+        </p:txBody>
+      </p:sp>
+      <p:sp>
+        <p:nvSpPr>
+          <p:cNvPr id="2" name="Title 1"/>
+          <p:cNvSpPr>
+            <a:spLocks noGrp="1"/>
+          </p:cNvSpPr>
+          <p:nvPr>
+            <p:ph type="title"/>
+          </p:nvPr>
+        </p:nvSpPr>
+        <p:spPr/>
+        <p:txBody>
+          <a:bodyPr/>
+          <a:lstStyle/>
+          <a:p>
+            <a:r>
+              <a:rPr lang="en-US" dirty="0" smtClean="0">
+                <a:solidFill>
+                  <a:schemeClr val="tx1"/>
+                </a:solidFill>
+              </a:rPr>
+              <a:t>Dependency Graph – Naïve</a:t>
+            </a:r>
+            <a:endParaRPr lang="en-US" dirty="0">
+              <a:solidFill>
+                <a:schemeClr val="tx1"/>
+              </a:solidFill>
+            </a:endParaRPr>
+          </a:p>
+        </p:txBody>
+      </p:sp>
+      <p:sp>
+        <p:nvSpPr>
+          <p:cNvPr id="13" name="Rectangle 12"/>
+          <p:cNvSpPr/>
+          <p:nvPr/>
+        </p:nvSpPr>
+        <p:spPr>
+          <a:xfrm>
+            <a:off x="1143000" y="1828800"/>
+            <a:ext cx="2133600" cy="587830"/>
+          </a:xfrm>
+          <a:prstGeom prst="rect">
+            <a:avLst/>
+          </a:prstGeom>
+        </p:spPr>
+        <p:style>
+          <a:lnRef idx="2">
+            <a:schemeClr val="accent1">
+              <a:shade val="50000"/>
+            </a:schemeClr>
+          </a:lnRef>
+          <a:fillRef idx="1">
+            <a:schemeClr val="accent1"/>
+          </a:fillRef>
+          <a:effectRef idx="0">
+            <a:schemeClr val="accent1"/>
+          </a:effectRef>
+          <a:fontRef idx="minor">
+            <a:schemeClr val="lt1"/>
+          </a:fontRef>
+        </p:style>
+        <p:txBody>
+          <a:bodyPr rtlCol="0" anchor="ctr"/>
+          <a:lstStyle/>
+          <a:p>
+            <a:pPr algn="ctr"/>
+            <a:r>
+              <a:rPr lang="en-US" sz="3200" dirty="0" err="1" smtClean="0"/>
+              <a:t>shinyServer</a:t>
+            </a:r>
+            <a:endParaRPr lang="en-US" sz="3200" dirty="0"/>
+          </a:p>
+        </p:txBody>
+      </p:sp>
+      <p:cxnSp>
+        <p:nvCxnSpPr>
+          <p:cNvPr id="14" name="Straight Arrow Connector 13"/>
+          <p:cNvCxnSpPr>
+            <a:stCxn id="13" idx="2"/>
+            <a:endCxn id="4" idx="0"/>
+          </p:cNvCxnSpPr>
+          <p:nvPr/>
+        </p:nvCxnSpPr>
+        <p:spPr>
+          <a:xfrm>
+            <a:off x="2209800" y="2416630"/>
+            <a:ext cx="0" cy="326570"/>
+          </a:xfrm>
+          <a:prstGeom prst="straightConnector1">
+            <a:avLst/>
+          </a:prstGeom>
+          <a:ln w="57150">
+            <a:tailEnd type="arrow"/>
+          </a:ln>
+        </p:spPr>
+        <p:style>
+          <a:lnRef idx="1">
+            <a:schemeClr val="accent1"/>
+          </a:lnRef>
+          <a:fillRef idx="0">
+            <a:schemeClr val="accent1"/>
+          </a:fillRef>
+          <a:effectRef idx="0">
+            <a:schemeClr val="accent1"/>
+          </a:effectRef>
+          <a:fontRef idx="minor">
+            <a:schemeClr val="tx1"/>
+          </a:fontRef>
+        </p:style>
+      </p:cxnSp>
+      <p:cxnSp>
+        <p:nvCxnSpPr>
+          <p:cNvPr id="20" name="Straight Arrow Connector 19"/>
+          <p:cNvCxnSpPr>
+            <a:stCxn id="4" idx="3"/>
+            <a:endCxn id="23" idx="1"/>
+          </p:cNvCxnSpPr>
+          <p:nvPr/>
+        </p:nvCxnSpPr>
+        <p:spPr>
+          <a:xfrm>
+            <a:off x="3429000" y="3418115"/>
+            <a:ext cx="762000" cy="10885"/>
+          </a:xfrm>
+          <a:prstGeom prst="straightConnector1">
+            <a:avLst/>
+          </a:prstGeom>
+          <a:ln w="57150">
+            <a:tailEnd type="arrow"/>
+          </a:ln>
+        </p:spPr>
+        <p:style>
+          <a:lnRef idx="1">
+            <a:schemeClr val="accent1"/>
+          </a:lnRef>
+          <a:fillRef idx="0">
+            <a:schemeClr val="accent1"/>
+          </a:fillRef>
+          <a:effectRef idx="0">
+            <a:schemeClr val="accent1"/>
+          </a:effectRef>
+          <a:fontRef idx="minor">
+            <a:schemeClr val="tx1"/>
+          </a:fontRef>
+        </p:style>
+      </p:cxnSp>
+      <p:sp>
+        <p:nvSpPr>
+          <p:cNvPr id="23" name="Rectangle 22"/>
+          <p:cNvSpPr/>
+          <p:nvPr/>
+        </p:nvSpPr>
+        <p:spPr>
+          <a:xfrm>
+            <a:off x="4191000" y="3124200"/>
+            <a:ext cx="2133600" cy="609600"/>
+          </a:xfrm>
+          <a:prstGeom prst="rect">
+            <a:avLst/>
+          </a:prstGeom>
+        </p:spPr>
+        <p:style>
+          <a:lnRef idx="2">
+            <a:schemeClr val="accent2">
+              <a:shade val="50000"/>
+            </a:schemeClr>
+          </a:lnRef>
+          <a:fillRef idx="1">
+            <a:schemeClr val="accent2"/>
+          </a:fillRef>
+          <a:effectRef idx="0">
+            <a:schemeClr val="accent2"/>
+          </a:effectRef>
+          <a:fontRef idx="minor">
+            <a:schemeClr val="lt1"/>
+          </a:fontRef>
+        </p:style>
+        <p:txBody>
+          <a:bodyPr rtlCol="0" anchor="ctr"/>
+          <a:lstStyle/>
+          <a:p>
+            <a:pPr algn="ctr"/>
+            <a:r>
+              <a:rPr lang="en-US" sz="3200" dirty="0" smtClean="0"/>
+              <a:t>$dataset</a:t>
+            </a:r>
+            <a:endParaRPr lang="en-US" sz="3200" dirty="0"/>
+          </a:p>
+        </p:txBody>
+      </p:sp>
+      <p:cxnSp>
+        <p:nvCxnSpPr>
+          <p:cNvPr id="28" name="Straight Arrow Connector 27"/>
+          <p:cNvCxnSpPr/>
+          <p:nvPr/>
+        </p:nvCxnSpPr>
+        <p:spPr>
+          <a:xfrm>
+            <a:off x="2971800" y="3695702"/>
+            <a:ext cx="740229" cy="985157"/>
+          </a:xfrm>
+          <a:prstGeom prst="straightConnector1">
+            <a:avLst/>
+          </a:prstGeom>
+          <a:ln w="57150">
+            <a:tailEnd type="arrow"/>
+          </a:ln>
+        </p:spPr>
+        <p:style>
+          <a:lnRef idx="1">
+            <a:schemeClr val="accent1"/>
+          </a:lnRef>
+          <a:fillRef idx="0">
+            <a:schemeClr val="accent1"/>
+          </a:fillRef>
+          <a:effectRef idx="0">
+            <a:schemeClr val="accent1"/>
+          </a:effectRef>
+          <a:fontRef idx="minor">
+            <a:schemeClr val="tx1"/>
+          </a:fontRef>
+        </p:style>
+      </p:cxnSp>
+      <p:sp>
+        <p:nvSpPr>
+          <p:cNvPr id="29" name="Rectangle 28"/>
+          <p:cNvSpPr/>
+          <p:nvPr/>
+        </p:nvSpPr>
+        <p:spPr>
+          <a:xfrm>
+            <a:off x="3200400" y="4680859"/>
+            <a:ext cx="2133600" cy="1066800"/>
+          </a:xfrm>
+          <a:prstGeom prst="rect">
+            <a:avLst/>
+          </a:prstGeom>
+        </p:spPr>
+        <p:style>
+          <a:lnRef idx="2">
+            <a:schemeClr val="accent2">
+              <a:shade val="50000"/>
+            </a:schemeClr>
+          </a:lnRef>
+          <a:fillRef idx="1">
+            <a:schemeClr val="accent2"/>
+          </a:fillRef>
+          <a:effectRef idx="0">
+            <a:schemeClr val="accent2"/>
+          </a:effectRef>
+          <a:fontRef idx="minor">
+            <a:schemeClr val="lt1"/>
+          </a:fontRef>
+        </p:style>
+        <p:txBody>
+          <a:bodyPr rtlCol="0" anchor="ctr"/>
+          <a:lstStyle/>
+          <a:p>
+            <a:pPr algn="ctr"/>
+            <a:r>
+              <a:rPr lang="en-US" sz="3200" dirty="0" smtClean="0"/>
+              <a:t>$</a:t>
+            </a:r>
+            <a:r>
+              <a:rPr lang="en-US" sz="3200" dirty="0" err="1" smtClean="0"/>
+              <a:t>individual_obs</a:t>
+            </a:r>
+            <a:endParaRPr lang="en-US" sz="3200" dirty="0"/>
+          </a:p>
+        </p:txBody>
+      </p:sp>
+      <p:sp>
+        <p:nvSpPr>
+          <p:cNvPr id="34" name="Rectangle 33"/>
+          <p:cNvSpPr/>
+          <p:nvPr/>
+        </p:nvSpPr>
+        <p:spPr>
+          <a:xfrm>
+            <a:off x="381000" y="5998030"/>
+            <a:ext cx="2133600" cy="685800"/>
+          </a:xfrm>
+          <a:prstGeom prst="rect">
+            <a:avLst/>
+          </a:prstGeom>
+        </p:spPr>
+        <p:style>
+          <a:lnRef idx="2">
+            <a:schemeClr val="accent2">
+              <a:shade val="50000"/>
+            </a:schemeClr>
+          </a:lnRef>
+          <a:fillRef idx="1">
+            <a:schemeClr val="accent2"/>
+          </a:fillRef>
+          <a:effectRef idx="0">
+            <a:schemeClr val="accent2"/>
+          </a:effectRef>
+          <a:fontRef idx="minor">
+            <a:schemeClr val="lt1"/>
+          </a:fontRef>
+        </p:style>
+        <p:txBody>
+          <a:bodyPr rtlCol="0" anchor="ctr"/>
+          <a:lstStyle/>
+          <a:p>
+            <a:pPr algn="ctr"/>
+            <a:r>
+              <a:rPr lang="en-US" sz="3200" dirty="0" smtClean="0"/>
+              <a:t>$</a:t>
+            </a:r>
+            <a:r>
+              <a:rPr lang="en-US" sz="3200" dirty="0" err="1" smtClean="0"/>
+              <a:t>bw_adjust</a:t>
+            </a:r>
+            <a:endParaRPr lang="en-US" sz="3200" dirty="0"/>
+          </a:p>
+        </p:txBody>
+      </p:sp>
+      <p:cxnSp>
+        <p:nvCxnSpPr>
+          <p:cNvPr id="35" name="Straight Arrow Connector 34"/>
+          <p:cNvCxnSpPr/>
+          <p:nvPr/>
+        </p:nvCxnSpPr>
+        <p:spPr>
+          <a:xfrm>
+            <a:off x="2209800" y="3777344"/>
+            <a:ext cx="0" cy="2220686"/>
+          </a:xfrm>
+          <a:prstGeom prst="straightConnector1">
+            <a:avLst/>
+          </a:prstGeom>
+          <a:ln w="57150">
+            <a:tailEnd type="arrow"/>
+          </a:ln>
+        </p:spPr>
+        <p:style>
+          <a:lnRef idx="1">
+            <a:schemeClr val="accent1"/>
+          </a:lnRef>
+          <a:fillRef idx="0">
+            <a:schemeClr val="accent1"/>
+          </a:fillRef>
+          <a:effectRef idx="0">
+            <a:schemeClr val="accent1"/>
+          </a:effectRef>
+          <a:fontRef idx="minor">
+            <a:schemeClr val="tx1"/>
+          </a:fontRef>
+        </p:style>
+      </p:cxnSp>
+      <p:sp>
+        <p:nvSpPr>
+          <p:cNvPr id="64" name="Rectangle 63"/>
+          <p:cNvSpPr/>
+          <p:nvPr/>
+        </p:nvSpPr>
+        <p:spPr>
+          <a:xfrm>
+            <a:off x="76200" y="4980215"/>
+            <a:ext cx="1905000" cy="685800"/>
+          </a:xfrm>
+          <a:prstGeom prst="rect">
+            <a:avLst/>
+          </a:prstGeom>
+        </p:spPr>
+        <p:style>
+          <a:lnRef idx="2">
+            <a:schemeClr val="accent2">
+              <a:shade val="50000"/>
+            </a:schemeClr>
+          </a:lnRef>
+          <a:fillRef idx="1">
+            <a:schemeClr val="accent2"/>
+          </a:fillRef>
+          <a:effectRef idx="0">
+            <a:schemeClr val="accent2"/>
+          </a:effectRef>
+          <a:fontRef idx="minor">
+            <a:schemeClr val="lt1"/>
+          </a:fontRef>
+        </p:style>
+        <p:txBody>
+          <a:bodyPr rtlCol="0" anchor="ctr"/>
+          <a:lstStyle/>
+          <a:p>
+            <a:pPr algn="ctr"/>
+            <a:r>
+              <a:rPr lang="en-US" sz="3200" dirty="0" smtClean="0"/>
+              <a:t>$</a:t>
+            </a:r>
+            <a:r>
+              <a:rPr lang="en-US" sz="3200" dirty="0" err="1" smtClean="0"/>
+              <a:t>n_breaks</a:t>
+            </a:r>
+            <a:endParaRPr lang="en-US" sz="3200" dirty="0"/>
+          </a:p>
+        </p:txBody>
+      </p:sp>
+      <p:cxnSp>
+        <p:nvCxnSpPr>
+          <p:cNvPr id="65" name="Straight Arrow Connector 64"/>
+          <p:cNvCxnSpPr>
+            <a:endCxn id="64" idx="0"/>
+          </p:cNvCxnSpPr>
+          <p:nvPr/>
+        </p:nvCxnSpPr>
+        <p:spPr>
+          <a:xfrm flipH="1">
+            <a:off x="1028700" y="3788230"/>
+            <a:ext cx="266700" cy="1191985"/>
+          </a:xfrm>
+          <a:prstGeom prst="straightConnector1">
+            <a:avLst/>
+          </a:prstGeom>
+          <a:ln w="57150">
+            <a:tailEnd type="arrow"/>
+          </a:ln>
+        </p:spPr>
+        <p:style>
+          <a:lnRef idx="1">
+            <a:schemeClr val="accent1"/>
+          </a:lnRef>
+          <a:fillRef idx="0">
+            <a:schemeClr val="accent1"/>
+          </a:fillRef>
+          <a:effectRef idx="0">
+            <a:schemeClr val="accent1"/>
+          </a:effectRef>
+          <a:fontRef idx="minor">
+            <a:schemeClr val="tx1"/>
+          </a:fontRef>
+        </p:style>
+      </p:cxnSp>
+      <p:sp>
+        <p:nvSpPr>
+          <p:cNvPr id="71" name="Rectangle 70"/>
+          <p:cNvSpPr/>
+          <p:nvPr/>
+        </p:nvSpPr>
+        <p:spPr>
+          <a:xfrm>
+            <a:off x="6705600" y="3706585"/>
+            <a:ext cx="2133600" cy="1001485"/>
+          </a:xfrm>
+          <a:prstGeom prst="rect">
+            <a:avLst/>
+          </a:prstGeom>
+        </p:spPr>
+        <p:style>
+          <a:lnRef idx="2">
+            <a:schemeClr val="accent1">
+              <a:shade val="50000"/>
+            </a:schemeClr>
+          </a:lnRef>
+          <a:fillRef idx="1">
+            <a:schemeClr val="accent1"/>
+          </a:fillRef>
+          <a:effectRef idx="0">
+            <a:schemeClr val="accent1"/>
+          </a:effectRef>
+          <a:fontRef idx="minor">
+            <a:schemeClr val="lt1"/>
+          </a:fontRef>
+        </p:style>
+        <p:txBody>
+          <a:bodyPr rtlCol="0" anchor="ctr"/>
+          <a:lstStyle/>
+          <a:p>
+            <a:pPr algn="ctr"/>
+            <a:r>
+              <a:rPr lang="en-US" sz="3200" dirty="0" smtClean="0"/>
+              <a:t>Reactive Function</a:t>
+            </a:r>
+            <a:endParaRPr lang="en-US" sz="3200" dirty="0"/>
+          </a:p>
+        </p:txBody>
+      </p:sp>
+      <p:sp>
+        <p:nvSpPr>
+          <p:cNvPr id="72" name="Rectangle 71"/>
+          <p:cNvSpPr/>
+          <p:nvPr/>
+        </p:nvSpPr>
+        <p:spPr>
+          <a:xfrm>
+            <a:off x="6705600" y="4925785"/>
+            <a:ext cx="2133600" cy="609600"/>
+          </a:xfrm>
+          <a:prstGeom prst="rect">
+            <a:avLst/>
+          </a:prstGeom>
+        </p:spPr>
+        <p:style>
+          <a:lnRef idx="2">
+            <a:schemeClr val="accent2">
+              <a:shade val="50000"/>
+            </a:schemeClr>
+          </a:lnRef>
+          <a:fillRef idx="1">
+            <a:schemeClr val="accent2"/>
+          </a:fillRef>
+          <a:effectRef idx="0">
+            <a:schemeClr val="accent2"/>
+          </a:effectRef>
+          <a:fontRef idx="minor">
+            <a:schemeClr val="lt1"/>
+          </a:fontRef>
+        </p:style>
+        <p:txBody>
+          <a:bodyPr rtlCol="0" anchor="ctr"/>
+          <a:lstStyle/>
+          <a:p>
+            <a:pPr algn="ctr"/>
+            <a:r>
+              <a:rPr lang="en-US" sz="3200" dirty="0" smtClean="0"/>
+              <a:t>Input</a:t>
+            </a:r>
+            <a:endParaRPr lang="en-US" sz="3200" dirty="0"/>
+          </a:p>
+        </p:txBody>
+      </p:sp>
+      <p:sp>
+        <p:nvSpPr>
+          <p:cNvPr id="75" name="Rectangle 74"/>
+          <p:cNvSpPr/>
+          <p:nvPr/>
+        </p:nvSpPr>
+        <p:spPr>
+          <a:xfrm>
+            <a:off x="2743200" y="6019800"/>
+            <a:ext cx="1807029" cy="685800"/>
+          </a:xfrm>
+          <a:prstGeom prst="rect">
+            <a:avLst/>
+          </a:prstGeom>
+        </p:spPr>
+        <p:style>
+          <a:lnRef idx="2">
+            <a:schemeClr val="accent2">
+              <a:shade val="50000"/>
+            </a:schemeClr>
+          </a:lnRef>
+          <a:fillRef idx="1">
+            <a:schemeClr val="accent2"/>
+          </a:fillRef>
+          <a:effectRef idx="0">
+            <a:schemeClr val="accent2"/>
+          </a:effectRef>
+          <a:fontRef idx="minor">
+            <a:schemeClr val="lt1"/>
+          </a:fontRef>
+        </p:style>
+        <p:txBody>
+          <a:bodyPr rtlCol="0" anchor="ctr"/>
+          <a:lstStyle/>
+          <a:p>
+            <a:pPr algn="ctr"/>
+            <a:r>
+              <a:rPr lang="en-US" sz="3200" dirty="0" smtClean="0"/>
+              <a:t>$density</a:t>
+            </a:r>
+            <a:endParaRPr lang="en-US" sz="3200" dirty="0"/>
+          </a:p>
+        </p:txBody>
+      </p:sp>
+      <p:cxnSp>
+        <p:nvCxnSpPr>
+          <p:cNvPr id="76" name="Straight Arrow Connector 75"/>
+          <p:cNvCxnSpPr/>
+          <p:nvPr/>
+        </p:nvCxnSpPr>
+        <p:spPr>
+          <a:xfrm>
+            <a:off x="2819400" y="3695702"/>
+            <a:ext cx="0" cy="2324098"/>
+          </a:xfrm>
+          <a:prstGeom prst="straightConnector1">
+            <a:avLst/>
+          </a:prstGeom>
+          <a:ln w="57150">
+            <a:tailEnd type="arrow"/>
+          </a:ln>
+        </p:spPr>
+        <p:style>
+          <a:lnRef idx="1">
+            <a:schemeClr val="accent1"/>
+          </a:lnRef>
+          <a:fillRef idx="0">
+            <a:schemeClr val="accent1"/>
+          </a:fillRef>
+          <a:effectRef idx="0">
+            <a:schemeClr val="accent1"/>
+          </a:effectRef>
+          <a:fontRef idx="minor">
+            <a:schemeClr val="tx1"/>
+          </a:fontRef>
+        </p:style>
+      </p:cxnSp>
+      <p:sp>
+        <p:nvSpPr>
+          <p:cNvPr id="4" name="Rectangle 3"/>
+          <p:cNvSpPr/>
+          <p:nvPr/>
+        </p:nvSpPr>
+        <p:spPr>
+          <a:xfrm>
+            <a:off x="990600" y="2743200"/>
+            <a:ext cx="2438400" cy="1349830"/>
+          </a:xfrm>
+          <a:prstGeom prst="rect">
+            <a:avLst/>
+          </a:prstGeom>
+        </p:spPr>
+        <p:style>
+          <a:lnRef idx="2">
+            <a:schemeClr val="accent1">
+              <a:shade val="50000"/>
+            </a:schemeClr>
+          </a:lnRef>
+          <a:fillRef idx="1">
+            <a:schemeClr val="accent1"/>
+          </a:fillRef>
+          <a:effectRef idx="0">
+            <a:schemeClr val="accent1"/>
+          </a:effectRef>
+          <a:fontRef idx="minor">
+            <a:schemeClr val="lt1"/>
+          </a:fontRef>
+        </p:style>
+        <p:txBody>
+          <a:bodyPr rtlCol="0" anchor="ctr"/>
+          <a:lstStyle/>
+          <a:p>
+            <a:pPr algn="ctr"/>
+            <a:r>
+              <a:rPr lang="en-US" sz="3200" dirty="0" err="1" smtClean="0"/>
+              <a:t>main_plot</a:t>
+            </a:r>
+            <a:endParaRPr lang="en-US" sz="3200" dirty="0" smtClean="0"/>
+          </a:p>
+          <a:p>
+            <a:pPr algn="ctr"/>
+            <a:r>
+              <a:rPr lang="en-US" sz="2400" dirty="0" smtClean="0"/>
+              <a:t>(Get data, get name, plot)</a:t>
+            </a:r>
+            <a:endParaRPr lang="en-US" sz="2400" dirty="0"/>
+          </a:p>
+        </p:txBody>
+      </p:sp>
+    </p:spTree>
+    <p:extLst>
+      <p:ext uri="{BB962C8B-B14F-4D97-AF65-F5344CB8AC3E}">
+        <p14:creationId xmlns:p14="http://schemas.microsoft.com/office/powerpoint/2010/main" val="3443010595"/>
+      </p:ext>
+    </p:extLst>
+  </p:cSld>
+  <p:clrMapOvr>
+    <a:masterClrMapping/>
+  </p:clrMapOvr>
+  <p:timing>
+    <p:tnLst>
+      <p:par>
+        <p:cTn id="1" dur="indefinite" restart="never" nodeType="tmRoot"/>
+      </p:par>
+    </p:tnLst>
+  </p:timing>
+</p:sld>
+</file>
+
+<file path=ppt/slides/slide11.xml><?xml version="1.0" encoding="utf-8"?>
+<p:sld xmlns:a="http://schemas.openxmlformats.org/drawingml/2006/main" xmlns:r="http://schemas.openxmlformats.org/officeDocument/2006/relationships" xmlns:p="http://schemas.openxmlformats.org/presentationml/2006/main">
+  <p:cSld>
+    <p:spTree>
+      <p:nvGrpSpPr>
+        <p:cNvPr id="1" name=""/>
+        <p:cNvGrpSpPr/>
+        <p:nvPr/>
+      </p:nvGrpSpPr>
+      <p:grpSpPr>
+        <a:xfrm>
+          <a:off x="0" y="0"/>
+          <a:ext cx="0" cy="0"/>
+          <a:chOff x="0" y="0"/>
+          <a:chExt cx="0" cy="0"/>
+        </a:xfrm>
+      </p:grpSpPr>
+      <p:sp>
+        <p:nvSpPr>
+          <p:cNvPr id="73" name="Rectangle 72"/>
+          <p:cNvSpPr/>
+          <p:nvPr/>
+        </p:nvSpPr>
+        <p:spPr>
+          <a:xfrm>
+            <a:off x="6515100" y="3124200"/>
+            <a:ext cx="2476500" cy="2487385"/>
+          </a:xfrm>
+          <a:prstGeom prst="rect">
+            <a:avLst/>
+          </a:prstGeom>
+          <a:noFill/>
+          <a:ln>
+            <a:solidFill>
+              <a:schemeClr val="tx1"/>
+            </a:solidFill>
+          </a:ln>
+        </p:spPr>
+        <p:style>
+          <a:lnRef idx="2">
+            <a:schemeClr val="accent1">
+              <a:shade val="50000"/>
+            </a:schemeClr>
+          </a:lnRef>
+          <a:fillRef idx="1">
+            <a:schemeClr val="accent1"/>
+          </a:fillRef>
+          <a:effectRef idx="0">
+            <a:schemeClr val="accent1"/>
+          </a:effectRef>
+          <a:fontRef idx="minor">
+            <a:schemeClr val="lt1"/>
+          </a:fontRef>
+        </p:style>
+        <p:txBody>
+          <a:bodyPr rtlCol="0" anchor="t"/>
+          <a:lstStyle/>
+          <a:p>
+            <a:pPr algn="ctr"/>
+            <a:r>
+              <a:rPr lang="en-US" sz="2800" dirty="0" smtClean="0">
+                <a:solidFill>
+                  <a:schemeClr val="tx1"/>
+                </a:solidFill>
+              </a:rPr>
+              <a:t>Key</a:t>
+            </a:r>
+            <a:endParaRPr lang="en-US" sz="2800" dirty="0">
+              <a:solidFill>
+                <a:schemeClr val="tx1"/>
+              </a:solidFill>
+            </a:endParaRPr>
+          </a:p>
+        </p:txBody>
+      </p:sp>
+      <p:sp>
+        <p:nvSpPr>
+          <p:cNvPr id="2" name="Title 1"/>
+          <p:cNvSpPr>
+            <a:spLocks noGrp="1"/>
+          </p:cNvSpPr>
+          <p:nvPr>
+            <p:ph type="title"/>
+          </p:nvPr>
+        </p:nvSpPr>
+        <p:spPr/>
+        <p:txBody>
+          <a:bodyPr/>
+          <a:lstStyle/>
+          <a:p>
+            <a:r>
+              <a:rPr lang="en-US" dirty="0" smtClean="0">
+                <a:solidFill>
+                  <a:schemeClr val="tx1"/>
+                </a:solidFill>
+              </a:rPr>
+              <a:t>“Data Flow”– Naïve</a:t>
+            </a:r>
+            <a:endParaRPr lang="en-US" dirty="0">
+              <a:solidFill>
+                <a:schemeClr val="tx1"/>
+              </a:solidFill>
+            </a:endParaRPr>
+          </a:p>
+        </p:txBody>
+      </p:sp>
+      <p:sp>
+        <p:nvSpPr>
+          <p:cNvPr id="13" name="Rectangle 12"/>
+          <p:cNvSpPr/>
+          <p:nvPr/>
+        </p:nvSpPr>
+        <p:spPr>
+          <a:xfrm>
+            <a:off x="1143000" y="1828800"/>
+            <a:ext cx="2133600" cy="587830"/>
+          </a:xfrm>
+          <a:prstGeom prst="rect">
+            <a:avLst/>
+          </a:prstGeom>
+        </p:spPr>
+        <p:style>
+          <a:lnRef idx="2">
+            <a:schemeClr val="accent1">
+              <a:shade val="50000"/>
+            </a:schemeClr>
+          </a:lnRef>
+          <a:fillRef idx="1">
+            <a:schemeClr val="accent1"/>
+          </a:fillRef>
+          <a:effectRef idx="0">
+            <a:schemeClr val="accent1"/>
+          </a:effectRef>
+          <a:fontRef idx="minor">
+            <a:schemeClr val="lt1"/>
+          </a:fontRef>
+        </p:style>
+        <p:txBody>
+          <a:bodyPr rtlCol="0" anchor="ctr"/>
+          <a:lstStyle/>
+          <a:p>
+            <a:pPr algn="ctr"/>
+            <a:r>
+              <a:rPr lang="en-US" sz="3200" dirty="0" err="1" smtClean="0"/>
+              <a:t>shinyServer</a:t>
+            </a:r>
+            <a:endParaRPr lang="en-US" sz="3200" dirty="0"/>
+          </a:p>
+        </p:txBody>
+      </p:sp>
+      <p:cxnSp>
+        <p:nvCxnSpPr>
+          <p:cNvPr id="14" name="Straight Arrow Connector 13"/>
+          <p:cNvCxnSpPr>
+            <a:stCxn id="13" idx="2"/>
+            <a:endCxn id="4" idx="0"/>
+          </p:cNvCxnSpPr>
+          <p:nvPr/>
+        </p:nvCxnSpPr>
+        <p:spPr>
+          <a:xfrm>
+            <a:off x="2209800" y="2416630"/>
+            <a:ext cx="0" cy="326570"/>
+          </a:xfrm>
+          <a:prstGeom prst="straightConnector1">
+            <a:avLst/>
+          </a:prstGeom>
+          <a:ln w="57150">
+            <a:headEnd type="arrow" w="med" len="med"/>
+            <a:tailEnd type="none" w="med" len="med"/>
+          </a:ln>
+        </p:spPr>
+        <p:style>
+          <a:lnRef idx="1">
+            <a:schemeClr val="accent1"/>
+          </a:lnRef>
+          <a:fillRef idx="0">
+            <a:schemeClr val="accent1"/>
+          </a:fillRef>
+          <a:effectRef idx="0">
+            <a:schemeClr val="accent1"/>
+          </a:effectRef>
+          <a:fontRef idx="minor">
+            <a:schemeClr val="tx1"/>
+          </a:fontRef>
+        </p:style>
+      </p:cxnSp>
+      <p:cxnSp>
+        <p:nvCxnSpPr>
+          <p:cNvPr id="20" name="Straight Arrow Connector 19"/>
+          <p:cNvCxnSpPr>
+            <a:stCxn id="4" idx="3"/>
+            <a:endCxn id="23" idx="1"/>
+          </p:cNvCxnSpPr>
+          <p:nvPr/>
+        </p:nvCxnSpPr>
+        <p:spPr>
+          <a:xfrm>
+            <a:off x="3429000" y="3418115"/>
+            <a:ext cx="762000" cy="10885"/>
+          </a:xfrm>
+          <a:prstGeom prst="straightConnector1">
+            <a:avLst/>
+          </a:prstGeom>
+          <a:ln w="57150">
+            <a:headEnd type="arrow" w="med" len="med"/>
+            <a:tailEnd type="none" w="med" len="med"/>
+          </a:ln>
+        </p:spPr>
+        <p:style>
+          <a:lnRef idx="1">
+            <a:schemeClr val="accent1"/>
+          </a:lnRef>
+          <a:fillRef idx="0">
+            <a:schemeClr val="accent1"/>
+          </a:fillRef>
+          <a:effectRef idx="0">
+            <a:schemeClr val="accent1"/>
+          </a:effectRef>
+          <a:fontRef idx="minor">
+            <a:schemeClr val="tx1"/>
+          </a:fontRef>
+        </p:style>
+      </p:cxnSp>
+      <p:sp>
+        <p:nvSpPr>
+          <p:cNvPr id="23" name="Rectangle 22"/>
+          <p:cNvSpPr/>
+          <p:nvPr/>
+        </p:nvSpPr>
+        <p:spPr>
+          <a:xfrm>
+            <a:off x="4191000" y="3124200"/>
+            <a:ext cx="2133600" cy="609600"/>
+          </a:xfrm>
+          <a:prstGeom prst="rect">
+            <a:avLst/>
+          </a:prstGeom>
+        </p:spPr>
+        <p:style>
+          <a:lnRef idx="2">
+            <a:schemeClr val="accent2">
+              <a:shade val="50000"/>
+            </a:schemeClr>
+          </a:lnRef>
+          <a:fillRef idx="1">
+            <a:schemeClr val="accent2"/>
+          </a:fillRef>
+          <a:effectRef idx="0">
+            <a:schemeClr val="accent2"/>
+          </a:effectRef>
+          <a:fontRef idx="minor">
+            <a:schemeClr val="lt1"/>
+          </a:fontRef>
+        </p:style>
+        <p:txBody>
+          <a:bodyPr rtlCol="0" anchor="ctr"/>
+          <a:lstStyle/>
+          <a:p>
+            <a:pPr algn="ctr"/>
+            <a:r>
+              <a:rPr lang="en-US" sz="3200" dirty="0" smtClean="0"/>
+              <a:t>$dataset</a:t>
+            </a:r>
+            <a:endParaRPr lang="en-US" sz="3200" dirty="0"/>
+          </a:p>
+        </p:txBody>
+      </p:sp>
+      <p:cxnSp>
+        <p:nvCxnSpPr>
+          <p:cNvPr id="28" name="Straight Arrow Connector 27"/>
+          <p:cNvCxnSpPr/>
+          <p:nvPr/>
+        </p:nvCxnSpPr>
+        <p:spPr>
+          <a:xfrm>
+            <a:off x="3276600" y="4093030"/>
+            <a:ext cx="435429" cy="587829"/>
+          </a:xfrm>
+          <a:prstGeom prst="straightConnector1">
+            <a:avLst/>
+          </a:prstGeom>
+          <a:ln w="57150">
+            <a:headEnd type="arrow" w="med" len="med"/>
+            <a:tailEnd type="none" w="med" len="med"/>
+          </a:ln>
+        </p:spPr>
+        <p:style>
+          <a:lnRef idx="1">
+            <a:schemeClr val="accent1"/>
+          </a:lnRef>
+          <a:fillRef idx="0">
+            <a:schemeClr val="accent1"/>
+          </a:fillRef>
+          <a:effectRef idx="0">
+            <a:schemeClr val="accent1"/>
+          </a:effectRef>
+          <a:fontRef idx="minor">
+            <a:schemeClr val="tx1"/>
+          </a:fontRef>
+        </p:style>
+      </p:cxnSp>
+      <p:sp>
+        <p:nvSpPr>
+          <p:cNvPr id="29" name="Rectangle 28"/>
+          <p:cNvSpPr/>
+          <p:nvPr/>
+        </p:nvSpPr>
+        <p:spPr>
+          <a:xfrm>
+            <a:off x="3200400" y="4680859"/>
+            <a:ext cx="2133600" cy="1066800"/>
+          </a:xfrm>
+          <a:prstGeom prst="rect">
+            <a:avLst/>
+          </a:prstGeom>
+        </p:spPr>
+        <p:style>
+          <a:lnRef idx="2">
+            <a:schemeClr val="accent2">
+              <a:shade val="50000"/>
+            </a:schemeClr>
+          </a:lnRef>
+          <a:fillRef idx="1">
+            <a:schemeClr val="accent2"/>
+          </a:fillRef>
+          <a:effectRef idx="0">
+            <a:schemeClr val="accent2"/>
+          </a:effectRef>
+          <a:fontRef idx="minor">
+            <a:schemeClr val="lt1"/>
+          </a:fontRef>
+        </p:style>
+        <p:txBody>
+          <a:bodyPr rtlCol="0" anchor="ctr"/>
+          <a:lstStyle/>
+          <a:p>
+            <a:pPr algn="ctr"/>
+            <a:r>
+              <a:rPr lang="en-US" sz="3200" dirty="0" smtClean="0"/>
+              <a:t>$</a:t>
+            </a:r>
+            <a:r>
+              <a:rPr lang="en-US" sz="3200" dirty="0" err="1" smtClean="0"/>
+              <a:t>individual_obs</a:t>
+            </a:r>
+            <a:endParaRPr lang="en-US" sz="3200" dirty="0"/>
+          </a:p>
+        </p:txBody>
+      </p:sp>
+      <p:sp>
+        <p:nvSpPr>
+          <p:cNvPr id="34" name="Rectangle 33"/>
+          <p:cNvSpPr/>
+          <p:nvPr/>
+        </p:nvSpPr>
+        <p:spPr>
+          <a:xfrm>
+            <a:off x="381000" y="5998030"/>
+            <a:ext cx="2133600" cy="685800"/>
+          </a:xfrm>
+          <a:prstGeom prst="rect">
+            <a:avLst/>
+          </a:prstGeom>
+        </p:spPr>
+        <p:style>
+          <a:lnRef idx="2">
+            <a:schemeClr val="accent2">
+              <a:shade val="50000"/>
+            </a:schemeClr>
+          </a:lnRef>
+          <a:fillRef idx="1">
+            <a:schemeClr val="accent2"/>
+          </a:fillRef>
+          <a:effectRef idx="0">
+            <a:schemeClr val="accent2"/>
+          </a:effectRef>
+          <a:fontRef idx="minor">
+            <a:schemeClr val="lt1"/>
+          </a:fontRef>
+        </p:style>
+        <p:txBody>
+          <a:bodyPr rtlCol="0" anchor="ctr"/>
+          <a:lstStyle/>
+          <a:p>
+            <a:pPr algn="ctr"/>
+            <a:r>
+              <a:rPr lang="en-US" sz="3200" dirty="0" smtClean="0"/>
+              <a:t>$</a:t>
+            </a:r>
+            <a:r>
+              <a:rPr lang="en-US" sz="3200" dirty="0" err="1" smtClean="0"/>
+              <a:t>bw_adjust</a:t>
+            </a:r>
+            <a:endParaRPr lang="en-US" sz="3200" dirty="0"/>
+          </a:p>
+        </p:txBody>
+      </p:sp>
+      <p:cxnSp>
+        <p:nvCxnSpPr>
+          <p:cNvPr id="35" name="Straight Arrow Connector 34"/>
+          <p:cNvCxnSpPr>
+            <a:stCxn id="4" idx="2"/>
+          </p:cNvCxnSpPr>
+          <p:nvPr/>
+        </p:nvCxnSpPr>
+        <p:spPr>
+          <a:xfrm>
+            <a:off x="2209800" y="4093030"/>
+            <a:ext cx="0" cy="1905000"/>
+          </a:xfrm>
+          <a:prstGeom prst="straightConnector1">
+            <a:avLst/>
+          </a:prstGeom>
+          <a:ln w="57150">
+            <a:headEnd type="arrow" w="med" len="med"/>
+            <a:tailEnd type="none" w="med" len="med"/>
+          </a:ln>
+        </p:spPr>
+        <p:style>
+          <a:lnRef idx="1">
+            <a:schemeClr val="accent1"/>
+          </a:lnRef>
+          <a:fillRef idx="0">
+            <a:schemeClr val="accent1"/>
+          </a:fillRef>
+          <a:effectRef idx="0">
+            <a:schemeClr val="accent1"/>
+          </a:effectRef>
+          <a:fontRef idx="minor">
+            <a:schemeClr val="tx1"/>
+          </a:fontRef>
+        </p:style>
+      </p:cxnSp>
+      <p:sp>
+        <p:nvSpPr>
+          <p:cNvPr id="64" name="Rectangle 63"/>
+          <p:cNvSpPr/>
+          <p:nvPr/>
+        </p:nvSpPr>
+        <p:spPr>
+          <a:xfrm>
+            <a:off x="76200" y="4980215"/>
+            <a:ext cx="1905000" cy="685800"/>
+          </a:xfrm>
+          <a:prstGeom prst="rect">
+            <a:avLst/>
+          </a:prstGeom>
+        </p:spPr>
+        <p:style>
+          <a:lnRef idx="2">
+            <a:schemeClr val="accent2">
+              <a:shade val="50000"/>
+            </a:schemeClr>
+          </a:lnRef>
+          <a:fillRef idx="1">
+            <a:schemeClr val="accent2"/>
+          </a:fillRef>
+          <a:effectRef idx="0">
+            <a:schemeClr val="accent2"/>
+          </a:effectRef>
+          <a:fontRef idx="minor">
+            <a:schemeClr val="lt1"/>
+          </a:fontRef>
+        </p:style>
+        <p:txBody>
+          <a:bodyPr rtlCol="0" anchor="ctr"/>
+          <a:lstStyle/>
+          <a:p>
+            <a:pPr algn="ctr"/>
+            <a:r>
+              <a:rPr lang="en-US" sz="3200" dirty="0" smtClean="0"/>
+              <a:t>$</a:t>
+            </a:r>
+            <a:r>
+              <a:rPr lang="en-US" sz="3200" dirty="0" err="1" smtClean="0"/>
+              <a:t>n_breaks</a:t>
+            </a:r>
+            <a:endParaRPr lang="en-US" sz="3200" dirty="0"/>
+          </a:p>
+        </p:txBody>
+      </p:sp>
+      <p:cxnSp>
+        <p:nvCxnSpPr>
+          <p:cNvPr id="65" name="Straight Arrow Connector 64"/>
+          <p:cNvCxnSpPr>
+            <a:endCxn id="64" idx="0"/>
+          </p:cNvCxnSpPr>
+          <p:nvPr/>
+        </p:nvCxnSpPr>
+        <p:spPr>
+          <a:xfrm flipH="1">
+            <a:off x="1028700" y="4093030"/>
+            <a:ext cx="266700" cy="887185"/>
+          </a:xfrm>
+          <a:prstGeom prst="straightConnector1">
+            <a:avLst/>
+          </a:prstGeom>
+          <a:ln w="57150">
+            <a:headEnd type="arrow" w="med" len="med"/>
+            <a:tailEnd type="none" w="med" len="med"/>
+          </a:ln>
+        </p:spPr>
+        <p:style>
+          <a:lnRef idx="1">
+            <a:schemeClr val="accent1"/>
+          </a:lnRef>
+          <a:fillRef idx="0">
+            <a:schemeClr val="accent1"/>
+          </a:fillRef>
+          <a:effectRef idx="0">
+            <a:schemeClr val="accent1"/>
+          </a:effectRef>
+          <a:fontRef idx="minor">
+            <a:schemeClr val="tx1"/>
+          </a:fontRef>
+        </p:style>
+      </p:cxnSp>
+      <p:sp>
+        <p:nvSpPr>
+          <p:cNvPr id="71" name="Rectangle 70"/>
+          <p:cNvSpPr/>
+          <p:nvPr/>
+        </p:nvSpPr>
+        <p:spPr>
+          <a:xfrm>
+            <a:off x="6705600" y="3706585"/>
+            <a:ext cx="2133600" cy="1001485"/>
+          </a:xfrm>
+          <a:prstGeom prst="rect">
+            <a:avLst/>
+          </a:prstGeom>
+        </p:spPr>
+        <p:style>
+          <a:lnRef idx="2">
+            <a:schemeClr val="accent1">
+              <a:shade val="50000"/>
+            </a:schemeClr>
+          </a:lnRef>
+          <a:fillRef idx="1">
+            <a:schemeClr val="accent1"/>
+          </a:fillRef>
+          <a:effectRef idx="0">
+            <a:schemeClr val="accent1"/>
+          </a:effectRef>
+          <a:fontRef idx="minor">
+            <a:schemeClr val="lt1"/>
+          </a:fontRef>
+        </p:style>
+        <p:txBody>
+          <a:bodyPr rtlCol="0" anchor="ctr"/>
+          <a:lstStyle/>
+          <a:p>
+            <a:pPr algn="ctr"/>
+            <a:r>
+              <a:rPr lang="en-US" sz="3200" dirty="0" smtClean="0"/>
+              <a:t>Reactive Function</a:t>
+            </a:r>
+            <a:endParaRPr lang="en-US" sz="3200" dirty="0"/>
+          </a:p>
+        </p:txBody>
+      </p:sp>
+      <p:sp>
+        <p:nvSpPr>
+          <p:cNvPr id="72" name="Rectangle 71"/>
+          <p:cNvSpPr/>
+          <p:nvPr/>
+        </p:nvSpPr>
+        <p:spPr>
+          <a:xfrm>
+            <a:off x="6705600" y="4925785"/>
+            <a:ext cx="2133600" cy="609600"/>
+          </a:xfrm>
+          <a:prstGeom prst="rect">
+            <a:avLst/>
+          </a:prstGeom>
+        </p:spPr>
+        <p:style>
+          <a:lnRef idx="2">
+            <a:schemeClr val="accent2">
+              <a:shade val="50000"/>
+            </a:schemeClr>
+          </a:lnRef>
+          <a:fillRef idx="1">
+            <a:schemeClr val="accent2"/>
+          </a:fillRef>
+          <a:effectRef idx="0">
+            <a:schemeClr val="accent2"/>
+          </a:effectRef>
+          <a:fontRef idx="minor">
+            <a:schemeClr val="lt1"/>
+          </a:fontRef>
+        </p:style>
+        <p:txBody>
+          <a:bodyPr rtlCol="0" anchor="ctr"/>
+          <a:lstStyle/>
+          <a:p>
+            <a:pPr algn="ctr"/>
+            <a:r>
+              <a:rPr lang="en-US" sz="3200" dirty="0" smtClean="0"/>
+              <a:t>Input</a:t>
+            </a:r>
+            <a:endParaRPr lang="en-US" sz="3200" dirty="0"/>
+          </a:p>
+        </p:txBody>
+      </p:sp>
+      <p:sp>
+        <p:nvSpPr>
+          <p:cNvPr id="75" name="Rectangle 74"/>
+          <p:cNvSpPr/>
+          <p:nvPr/>
+        </p:nvSpPr>
+        <p:spPr>
+          <a:xfrm>
+            <a:off x="2743200" y="6019800"/>
+            <a:ext cx="1807029" cy="685800"/>
+          </a:xfrm>
+          <a:prstGeom prst="rect">
+            <a:avLst/>
+          </a:prstGeom>
+        </p:spPr>
+        <p:style>
+          <a:lnRef idx="2">
+            <a:schemeClr val="accent2">
+              <a:shade val="50000"/>
+            </a:schemeClr>
+          </a:lnRef>
+          <a:fillRef idx="1">
+            <a:schemeClr val="accent2"/>
+          </a:fillRef>
+          <a:effectRef idx="0">
+            <a:schemeClr val="accent2"/>
+          </a:effectRef>
+          <a:fontRef idx="minor">
+            <a:schemeClr val="lt1"/>
+          </a:fontRef>
+        </p:style>
+        <p:txBody>
+          <a:bodyPr rtlCol="0" anchor="ctr"/>
+          <a:lstStyle/>
+          <a:p>
+            <a:pPr algn="ctr"/>
+            <a:r>
+              <a:rPr lang="en-US" sz="3200" dirty="0" smtClean="0"/>
+              <a:t>$density</a:t>
+            </a:r>
+            <a:endParaRPr lang="en-US" sz="3200" dirty="0"/>
+          </a:p>
+        </p:txBody>
+      </p:sp>
+      <p:cxnSp>
+        <p:nvCxnSpPr>
+          <p:cNvPr id="76" name="Straight Arrow Connector 75"/>
+          <p:cNvCxnSpPr/>
+          <p:nvPr/>
+        </p:nvCxnSpPr>
+        <p:spPr>
+          <a:xfrm>
+            <a:off x="2819400" y="4093030"/>
+            <a:ext cx="0" cy="1926770"/>
+          </a:xfrm>
+          <a:prstGeom prst="straightConnector1">
+            <a:avLst/>
+          </a:prstGeom>
+          <a:ln w="57150">
+            <a:headEnd type="arrow" w="med" len="med"/>
+            <a:tailEnd type="none" w="med" len="med"/>
+          </a:ln>
+        </p:spPr>
+        <p:style>
+          <a:lnRef idx="1">
+            <a:schemeClr val="accent1"/>
+          </a:lnRef>
+          <a:fillRef idx="0">
+            <a:schemeClr val="accent1"/>
+          </a:fillRef>
+          <a:effectRef idx="0">
+            <a:schemeClr val="accent1"/>
+          </a:effectRef>
+          <a:fontRef idx="minor">
+            <a:schemeClr val="tx1"/>
+          </a:fontRef>
+        </p:style>
+      </p:cxnSp>
+      <p:sp>
+        <p:nvSpPr>
+          <p:cNvPr id="4" name="Rectangle 3"/>
+          <p:cNvSpPr/>
+          <p:nvPr/>
+        </p:nvSpPr>
+        <p:spPr>
+          <a:xfrm>
+            <a:off x="990600" y="2743200"/>
+            <a:ext cx="2438400" cy="1349830"/>
+          </a:xfrm>
+          <a:prstGeom prst="rect">
+            <a:avLst/>
+          </a:prstGeom>
+        </p:spPr>
+        <p:style>
+          <a:lnRef idx="2">
+            <a:schemeClr val="accent1">
+              <a:shade val="50000"/>
+            </a:schemeClr>
+          </a:lnRef>
+          <a:fillRef idx="1">
+            <a:schemeClr val="accent1"/>
+          </a:fillRef>
+          <a:effectRef idx="0">
+            <a:schemeClr val="accent1"/>
+          </a:effectRef>
+          <a:fontRef idx="minor">
+            <a:schemeClr val="lt1"/>
+          </a:fontRef>
+        </p:style>
+        <p:txBody>
+          <a:bodyPr rtlCol="0" anchor="ctr"/>
+          <a:lstStyle/>
+          <a:p>
+            <a:pPr algn="ctr"/>
+            <a:r>
+              <a:rPr lang="en-US" sz="3200" dirty="0" err="1" smtClean="0"/>
+              <a:t>main_plot</a:t>
+            </a:r>
+            <a:endParaRPr lang="en-US" sz="3200" dirty="0" smtClean="0"/>
+          </a:p>
+          <a:p>
+            <a:pPr algn="ctr"/>
+            <a:r>
+              <a:rPr lang="en-US" sz="2400" dirty="0" smtClean="0"/>
+              <a:t>(Get data, get name, plot)</a:t>
+            </a:r>
+            <a:endParaRPr lang="en-US" sz="2400" dirty="0"/>
+          </a:p>
+        </p:txBody>
+      </p:sp>
+    </p:spTree>
+    <p:extLst>
+      <p:ext uri="{BB962C8B-B14F-4D97-AF65-F5344CB8AC3E}">
+        <p14:creationId xmlns:p14="http://schemas.microsoft.com/office/powerpoint/2010/main" val="1844133764"/>
+      </p:ext>
+    </p:extLst>
+  </p:cSld>
+  <p:clrMapOvr>
+    <a:masterClrMapping/>
+  </p:clrMapOvr>
+  <p:timing>
+    <p:tnLst>
+      <p:par>
+        <p:cTn id="1" dur="indefinite" restart="never" nodeType="tmRoot"/>
+      </p:par>
+    </p:tnLst>
+  </p:timing>
+</p:sld>
+</file>
+
+<file path=ppt/slides/slide12.xml><?xml version="1.0" encoding="utf-8"?>
+<p:sld xmlns:a="http://schemas.openxmlformats.org/drawingml/2006/main" xmlns:r="http://schemas.openxmlformats.org/officeDocument/2006/relationships" xmlns:p="http://schemas.openxmlformats.org/presentationml/2006/main">
+  <p:cSld>
+    <p:spTree>
+      <p:nvGrpSpPr>
+        <p:cNvPr id="1" name=""/>
+        <p:cNvGrpSpPr/>
+        <p:nvPr/>
+      </p:nvGrpSpPr>
+      <p:grpSpPr>
+        <a:xfrm>
+          <a:off x="0" y="0"/>
+          <a:ext cx="0" cy="0"/>
+          <a:chOff x="0" y="0"/>
+          <a:chExt cx="0" cy="0"/>
+        </a:xfrm>
+      </p:grpSpPr>
+      <p:sp>
+        <p:nvSpPr>
+          <p:cNvPr id="5" name="Text Placeholder 4"/>
+          <p:cNvSpPr>
+            <a:spLocks noGrp="1"/>
+          </p:cNvSpPr>
+          <p:nvPr>
+            <p:ph type="body" idx="1"/>
+          </p:nvPr>
+        </p:nvSpPr>
+        <p:spPr/>
+        <p:txBody>
+          <a:bodyPr/>
+          <a:lstStyle/>
+          <a:p>
+            <a:r>
+              <a:rPr lang="en-US" dirty="0" smtClean="0"/>
+              <a:t>Optimized </a:t>
+            </a:r>
+            <a:r>
+              <a:rPr lang="en-US" smtClean="0"/>
+              <a:t>Reactive Server</a:t>
+            </a:r>
+            <a:endParaRPr lang="en-US"/>
+          </a:p>
+        </p:txBody>
+      </p:sp>
+      <p:sp>
+        <p:nvSpPr>
+          <p:cNvPr id="4" name="Title 3"/>
+          <p:cNvSpPr>
+            <a:spLocks noGrp="1"/>
+          </p:cNvSpPr>
+          <p:nvPr>
+            <p:ph type="title"/>
+          </p:nvPr>
+        </p:nvSpPr>
+        <p:spPr/>
+        <p:txBody>
+          <a:bodyPr/>
+          <a:lstStyle/>
+          <a:p>
+            <a:r>
+              <a:rPr lang="en-US" dirty="0" smtClean="0"/>
+              <a:t>Reactive Shiny Example</a:t>
+            </a:r>
+            <a:endParaRPr lang="en-US" dirty="0"/>
+          </a:p>
+        </p:txBody>
+      </p:sp>
+    </p:spTree>
+    <p:extLst>
+      <p:ext uri="{BB962C8B-B14F-4D97-AF65-F5344CB8AC3E}">
+        <p14:creationId xmlns:p14="http://schemas.microsoft.com/office/powerpoint/2010/main" val="474294274"/>
+      </p:ext>
+    </p:extLst>
+  </p:cSld>
+  <p:clrMapOvr>
+    <a:masterClrMapping/>
+  </p:clrMapOvr>
+  <p:timing>
+    <p:tnLst>
+      <p:par>
+        <p:cTn id="1" dur="indefinite" restart="never" nodeType="tmRoot"/>
+      </p:par>
+    </p:tnLst>
+  </p:timing>
+</p:sld>
+</file>
+
+<file path=ppt/slides/slide13.xml><?xml version="1.0" encoding="utf-8"?>
+<p:sld xmlns:a="http://schemas.openxmlformats.org/drawingml/2006/main" xmlns:r="http://schemas.openxmlformats.org/officeDocument/2006/relationships" xmlns:p="http://schemas.openxmlformats.org/presentationml/2006/main">
+  <p:cSld>
+    <p:spTree>
+      <p:nvGrpSpPr>
+        <p:cNvPr id="1" name=""/>
+        <p:cNvGrpSpPr/>
+        <p:nvPr/>
+      </p:nvGrpSpPr>
+      <p:grpSpPr>
+        <a:xfrm>
+          <a:off x="0" y="0"/>
+          <a:ext cx="0" cy="0"/>
+          <a:chOff x="0" y="0"/>
+          <a:chExt cx="0" cy="0"/>
+        </a:xfrm>
+      </p:grpSpPr>
+      <p:sp>
+        <p:nvSpPr>
+          <p:cNvPr id="73" name="Rectangle 72"/>
+          <p:cNvSpPr/>
+          <p:nvPr/>
+        </p:nvSpPr>
+        <p:spPr>
+          <a:xfrm>
+            <a:off x="6515100" y="3581400"/>
+            <a:ext cx="2476500" cy="2487385"/>
+          </a:xfrm>
+          <a:prstGeom prst="rect">
+            <a:avLst/>
+          </a:prstGeom>
+          <a:noFill/>
+          <a:ln>
+            <a:solidFill>
+              <a:schemeClr val="tx1"/>
+            </a:solidFill>
+          </a:ln>
+        </p:spPr>
+        <p:style>
+          <a:lnRef idx="2">
+            <a:schemeClr val="accent1">
+              <a:shade val="50000"/>
+            </a:schemeClr>
+          </a:lnRef>
+          <a:fillRef idx="1">
+            <a:schemeClr val="accent1"/>
+          </a:fillRef>
+          <a:effectRef idx="0">
+            <a:schemeClr val="accent1"/>
+          </a:effectRef>
+          <a:fontRef idx="minor">
+            <a:schemeClr val="lt1"/>
+          </a:fontRef>
+        </p:style>
+        <p:txBody>
+          <a:bodyPr rtlCol="0" anchor="t"/>
+          <a:lstStyle/>
+          <a:p>
+            <a:pPr algn="ctr"/>
+            <a:r>
+              <a:rPr lang="en-US" sz="2800" dirty="0" smtClean="0">
+                <a:solidFill>
+                  <a:schemeClr val="tx1"/>
+                </a:solidFill>
+              </a:rPr>
+              <a:t>Key</a:t>
+            </a:r>
+            <a:endParaRPr lang="en-US" sz="2800" dirty="0">
+              <a:solidFill>
+                <a:schemeClr val="tx1"/>
+              </a:solidFill>
+            </a:endParaRPr>
+          </a:p>
+        </p:txBody>
+      </p:sp>
+      <p:sp>
+        <p:nvSpPr>
+          <p:cNvPr id="2" name="Title 1"/>
+          <p:cNvSpPr>
+            <a:spLocks noGrp="1"/>
+          </p:cNvSpPr>
+          <p:nvPr>
+            <p:ph type="title"/>
+          </p:nvPr>
+        </p:nvSpPr>
+        <p:spPr/>
+        <p:txBody>
+          <a:bodyPr>
+            <a:normAutofit/>
+          </a:bodyPr>
+          <a:lstStyle/>
+          <a:p>
+            <a:r>
+              <a:rPr lang="en-US" dirty="0" smtClean="0">
+                <a:solidFill>
+                  <a:schemeClr val="tx1"/>
+                </a:solidFill>
+              </a:rPr>
+              <a:t>Dependency Graph – Reactive</a:t>
+            </a:r>
+            <a:endParaRPr lang="en-US" dirty="0">
+              <a:solidFill>
+                <a:schemeClr val="tx1"/>
+              </a:solidFill>
+            </a:endParaRPr>
+          </a:p>
+        </p:txBody>
+      </p:sp>
+      <p:sp>
+        <p:nvSpPr>
+          <p:cNvPr id="5" name="Rectangle 4"/>
+          <p:cNvSpPr/>
+          <p:nvPr/>
+        </p:nvSpPr>
+        <p:spPr>
+          <a:xfrm>
+            <a:off x="4038600" y="2111831"/>
+            <a:ext cx="2133600" cy="587829"/>
+          </a:xfrm>
+          <a:prstGeom prst="rect">
+            <a:avLst/>
+          </a:prstGeom>
+        </p:spPr>
+        <p:style>
+          <a:lnRef idx="2">
+            <a:schemeClr val="accent1">
+              <a:shade val="50000"/>
+            </a:schemeClr>
+          </a:lnRef>
+          <a:fillRef idx="1">
+            <a:schemeClr val="accent1"/>
+          </a:fillRef>
+          <a:effectRef idx="0">
+            <a:schemeClr val="accent1"/>
+          </a:effectRef>
+          <a:fontRef idx="minor">
+            <a:schemeClr val="lt1"/>
+          </a:fontRef>
+        </p:style>
+        <p:txBody>
+          <a:bodyPr rtlCol="0" anchor="ctr"/>
+          <a:lstStyle/>
+          <a:p>
+            <a:pPr algn="ctr"/>
+            <a:r>
+              <a:rPr lang="en-US" sz="3200" dirty="0" err="1" smtClean="0"/>
+              <a:t>getData</a:t>
+            </a:r>
+            <a:endParaRPr lang="en-US" sz="3200" dirty="0"/>
+          </a:p>
+        </p:txBody>
+      </p:sp>
+      <p:sp>
+        <p:nvSpPr>
+          <p:cNvPr id="6" name="Rectangle 5"/>
+          <p:cNvSpPr/>
+          <p:nvPr/>
+        </p:nvSpPr>
+        <p:spPr>
+          <a:xfrm>
+            <a:off x="4038600" y="3156859"/>
+            <a:ext cx="2133600" cy="631371"/>
+          </a:xfrm>
+          <a:prstGeom prst="rect">
+            <a:avLst/>
+          </a:prstGeom>
+        </p:spPr>
+        <p:style>
+          <a:lnRef idx="2">
+            <a:schemeClr val="accent1">
+              <a:shade val="50000"/>
+            </a:schemeClr>
+          </a:lnRef>
+          <a:fillRef idx="1">
+            <a:schemeClr val="accent1"/>
+          </a:fillRef>
+          <a:effectRef idx="0">
+            <a:schemeClr val="accent1"/>
+          </a:effectRef>
+          <a:fontRef idx="minor">
+            <a:schemeClr val="lt1"/>
+          </a:fontRef>
+        </p:style>
+        <p:txBody>
+          <a:bodyPr rtlCol="0" anchor="ctr"/>
+          <a:lstStyle/>
+          <a:p>
+            <a:pPr algn="ctr"/>
+            <a:r>
+              <a:rPr lang="en-US" sz="3200" dirty="0" err="1" smtClean="0"/>
+              <a:t>dataName</a:t>
+            </a:r>
+            <a:endParaRPr lang="en-US" sz="3200" dirty="0"/>
+          </a:p>
+        </p:txBody>
+      </p:sp>
+      <p:cxnSp>
+        <p:nvCxnSpPr>
+          <p:cNvPr id="8" name="Straight Arrow Connector 7"/>
+          <p:cNvCxnSpPr>
+            <a:stCxn id="4" idx="3"/>
+            <a:endCxn id="5" idx="1"/>
+          </p:cNvCxnSpPr>
+          <p:nvPr/>
+        </p:nvCxnSpPr>
+        <p:spPr>
+          <a:xfrm flipV="1">
+            <a:off x="3276600" y="2405746"/>
+            <a:ext cx="762000" cy="903514"/>
+          </a:xfrm>
+          <a:prstGeom prst="straightConnector1">
+            <a:avLst/>
+          </a:prstGeom>
+          <a:ln w="57150">
+            <a:tailEnd type="arrow"/>
+          </a:ln>
+        </p:spPr>
+        <p:style>
+          <a:lnRef idx="1">
+            <a:schemeClr val="accent1"/>
+          </a:lnRef>
+          <a:fillRef idx="0">
+            <a:schemeClr val="accent1"/>
+          </a:fillRef>
+          <a:effectRef idx="0">
+            <a:schemeClr val="accent1"/>
+          </a:effectRef>
+          <a:fontRef idx="minor">
+            <a:schemeClr val="tx1"/>
+          </a:fontRef>
+        </p:style>
+      </p:cxnSp>
+      <p:cxnSp>
+        <p:nvCxnSpPr>
+          <p:cNvPr id="9" name="Straight Arrow Connector 8"/>
+          <p:cNvCxnSpPr>
+            <a:stCxn id="4" idx="3"/>
+            <a:endCxn id="6" idx="1"/>
+          </p:cNvCxnSpPr>
+          <p:nvPr/>
+        </p:nvCxnSpPr>
+        <p:spPr>
+          <a:xfrm>
+            <a:off x="3276600" y="3309260"/>
+            <a:ext cx="762000" cy="163285"/>
+          </a:xfrm>
+          <a:prstGeom prst="straightConnector1">
+            <a:avLst/>
+          </a:prstGeom>
+          <a:ln w="57150">
+            <a:tailEnd type="arrow"/>
+          </a:ln>
+        </p:spPr>
+        <p:style>
+          <a:lnRef idx="1">
+            <a:schemeClr val="accent1"/>
+          </a:lnRef>
+          <a:fillRef idx="0">
+            <a:schemeClr val="accent1"/>
+          </a:fillRef>
+          <a:effectRef idx="0">
+            <a:schemeClr val="accent1"/>
+          </a:effectRef>
+          <a:fontRef idx="minor">
+            <a:schemeClr val="tx1"/>
+          </a:fontRef>
+        </p:style>
+      </p:cxnSp>
+      <p:sp>
+        <p:nvSpPr>
+          <p:cNvPr id="13" name="Rectangle 12"/>
+          <p:cNvSpPr/>
+          <p:nvPr/>
+        </p:nvSpPr>
+        <p:spPr>
+          <a:xfrm>
+            <a:off x="1143000" y="1883230"/>
+            <a:ext cx="2133600" cy="587830"/>
+          </a:xfrm>
+          <a:prstGeom prst="rect">
+            <a:avLst/>
+          </a:prstGeom>
+        </p:spPr>
+        <p:style>
+          <a:lnRef idx="2">
+            <a:schemeClr val="accent1">
+              <a:shade val="50000"/>
+            </a:schemeClr>
+          </a:lnRef>
+          <a:fillRef idx="1">
+            <a:schemeClr val="accent1"/>
+          </a:fillRef>
+          <a:effectRef idx="0">
+            <a:schemeClr val="accent1"/>
+          </a:effectRef>
+          <a:fontRef idx="minor">
+            <a:schemeClr val="lt1"/>
+          </a:fontRef>
+        </p:style>
+        <p:txBody>
+          <a:bodyPr rtlCol="0" anchor="ctr"/>
+          <a:lstStyle/>
+          <a:p>
+            <a:pPr algn="ctr"/>
+            <a:r>
+              <a:rPr lang="en-US" sz="3200" dirty="0" err="1" smtClean="0"/>
+              <a:t>shinyServer</a:t>
+            </a:r>
+            <a:endParaRPr lang="en-US" sz="3200" dirty="0"/>
+          </a:p>
+        </p:txBody>
+      </p:sp>
+      <p:cxnSp>
+        <p:nvCxnSpPr>
+          <p:cNvPr id="14" name="Straight Arrow Connector 13"/>
+          <p:cNvCxnSpPr>
+            <a:stCxn id="13" idx="2"/>
+            <a:endCxn id="4" idx="0"/>
+          </p:cNvCxnSpPr>
+          <p:nvPr/>
+        </p:nvCxnSpPr>
+        <p:spPr>
+          <a:xfrm>
+            <a:off x="2209800" y="2471060"/>
+            <a:ext cx="0" cy="533400"/>
+          </a:xfrm>
+          <a:prstGeom prst="straightConnector1">
+            <a:avLst/>
+          </a:prstGeom>
+          <a:ln w="57150">
+            <a:tailEnd type="arrow"/>
+          </a:ln>
+        </p:spPr>
+        <p:style>
+          <a:lnRef idx="1">
+            <a:schemeClr val="accent1"/>
+          </a:lnRef>
+          <a:fillRef idx="0">
+            <a:schemeClr val="accent1"/>
+          </a:fillRef>
+          <a:effectRef idx="0">
+            <a:schemeClr val="accent1"/>
+          </a:effectRef>
+          <a:fontRef idx="minor">
+            <a:schemeClr val="tx1"/>
+          </a:fontRef>
+        </p:style>
+      </p:cxnSp>
+      <p:cxnSp>
+        <p:nvCxnSpPr>
+          <p:cNvPr id="20" name="Straight Arrow Connector 19"/>
+          <p:cNvCxnSpPr>
+            <a:stCxn id="5" idx="3"/>
+            <a:endCxn id="23" idx="1"/>
+          </p:cNvCxnSpPr>
+          <p:nvPr/>
+        </p:nvCxnSpPr>
+        <p:spPr>
+          <a:xfrm>
+            <a:off x="6172200" y="2405746"/>
+            <a:ext cx="685800" cy="522514"/>
+          </a:xfrm>
+          <a:prstGeom prst="straightConnector1">
+            <a:avLst/>
+          </a:prstGeom>
+          <a:ln w="57150">
+            <a:tailEnd type="arrow"/>
+          </a:ln>
+        </p:spPr>
+        <p:style>
+          <a:lnRef idx="1">
+            <a:schemeClr val="accent1"/>
+          </a:lnRef>
+          <a:fillRef idx="0">
+            <a:schemeClr val="accent1"/>
+          </a:fillRef>
+          <a:effectRef idx="0">
+            <a:schemeClr val="accent1"/>
+          </a:effectRef>
+          <a:fontRef idx="minor">
+            <a:schemeClr val="tx1"/>
+          </a:fontRef>
+        </p:style>
+      </p:cxnSp>
+      <p:sp>
+        <p:nvSpPr>
+          <p:cNvPr id="23" name="Rectangle 22"/>
+          <p:cNvSpPr/>
+          <p:nvPr/>
+        </p:nvSpPr>
+        <p:spPr>
+          <a:xfrm>
+            <a:off x="6858000" y="2623460"/>
+            <a:ext cx="2133600" cy="609600"/>
+          </a:xfrm>
+          <a:prstGeom prst="rect">
+            <a:avLst/>
+          </a:prstGeom>
+        </p:spPr>
+        <p:style>
+          <a:lnRef idx="2">
+            <a:schemeClr val="accent2">
+              <a:shade val="50000"/>
+            </a:schemeClr>
+          </a:lnRef>
+          <a:fillRef idx="1">
+            <a:schemeClr val="accent2"/>
+          </a:fillRef>
+          <a:effectRef idx="0">
+            <a:schemeClr val="accent2"/>
+          </a:effectRef>
+          <a:fontRef idx="minor">
+            <a:schemeClr val="lt1"/>
+          </a:fontRef>
+        </p:style>
+        <p:txBody>
+          <a:bodyPr rtlCol="0" anchor="ctr"/>
+          <a:lstStyle/>
+          <a:p>
+            <a:pPr algn="ctr"/>
+            <a:r>
+              <a:rPr lang="en-US" sz="3200" dirty="0" smtClean="0"/>
+              <a:t>$dataset</a:t>
+            </a:r>
+            <a:endParaRPr lang="en-US" sz="3200" dirty="0"/>
+          </a:p>
+        </p:txBody>
+      </p:sp>
+      <p:cxnSp>
+        <p:nvCxnSpPr>
+          <p:cNvPr id="25" name="Straight Arrow Connector 24"/>
+          <p:cNvCxnSpPr>
+            <a:stCxn id="6" idx="3"/>
+            <a:endCxn id="23" idx="1"/>
+          </p:cNvCxnSpPr>
+          <p:nvPr/>
+        </p:nvCxnSpPr>
+        <p:spPr>
+          <a:xfrm flipV="1">
+            <a:off x="6172200" y="2928260"/>
+            <a:ext cx="685800" cy="544285"/>
+          </a:xfrm>
+          <a:prstGeom prst="straightConnector1">
+            <a:avLst/>
+          </a:prstGeom>
+          <a:ln w="57150">
+            <a:tailEnd type="arrow"/>
+          </a:ln>
+        </p:spPr>
+        <p:style>
+          <a:lnRef idx="1">
+            <a:schemeClr val="accent1"/>
+          </a:lnRef>
+          <a:fillRef idx="0">
+            <a:schemeClr val="accent1"/>
+          </a:fillRef>
+          <a:effectRef idx="0">
+            <a:schemeClr val="accent1"/>
+          </a:effectRef>
+          <a:fontRef idx="minor">
+            <a:schemeClr val="tx1"/>
+          </a:fontRef>
+        </p:style>
+      </p:cxnSp>
+      <p:cxnSp>
+        <p:nvCxnSpPr>
+          <p:cNvPr id="28" name="Straight Arrow Connector 27"/>
+          <p:cNvCxnSpPr/>
+          <p:nvPr/>
+        </p:nvCxnSpPr>
+        <p:spPr>
+          <a:xfrm>
+            <a:off x="2971800" y="3390902"/>
+            <a:ext cx="740229" cy="985157"/>
+          </a:xfrm>
+          <a:prstGeom prst="straightConnector1">
+            <a:avLst/>
+          </a:prstGeom>
+          <a:ln w="57150">
+            <a:tailEnd type="arrow"/>
+          </a:ln>
+        </p:spPr>
+        <p:style>
+          <a:lnRef idx="1">
+            <a:schemeClr val="accent1"/>
+          </a:lnRef>
+          <a:fillRef idx="0">
+            <a:schemeClr val="accent1"/>
+          </a:fillRef>
+          <a:effectRef idx="0">
+            <a:schemeClr val="accent1"/>
+          </a:effectRef>
+          <a:fontRef idx="minor">
+            <a:schemeClr val="tx1"/>
+          </a:fontRef>
+        </p:style>
+      </p:cxnSp>
+      <p:sp>
+        <p:nvSpPr>
+          <p:cNvPr id="29" name="Rectangle 28"/>
+          <p:cNvSpPr/>
+          <p:nvPr/>
+        </p:nvSpPr>
+        <p:spPr>
+          <a:xfrm>
+            <a:off x="3200400" y="4376059"/>
+            <a:ext cx="2133600" cy="1066800"/>
+          </a:xfrm>
+          <a:prstGeom prst="rect">
+            <a:avLst/>
+          </a:prstGeom>
+        </p:spPr>
+        <p:style>
+          <a:lnRef idx="2">
+            <a:schemeClr val="accent2">
+              <a:shade val="50000"/>
+            </a:schemeClr>
+          </a:lnRef>
+          <a:fillRef idx="1">
+            <a:schemeClr val="accent2"/>
+          </a:fillRef>
+          <a:effectRef idx="0">
+            <a:schemeClr val="accent2"/>
+          </a:effectRef>
+          <a:fontRef idx="minor">
+            <a:schemeClr val="lt1"/>
+          </a:fontRef>
+        </p:style>
+        <p:txBody>
+          <a:bodyPr rtlCol="0" anchor="ctr"/>
+          <a:lstStyle/>
+          <a:p>
+            <a:pPr algn="ctr"/>
+            <a:r>
+              <a:rPr lang="en-US" sz="3200" dirty="0" smtClean="0"/>
+              <a:t>$</a:t>
+            </a:r>
+            <a:r>
+              <a:rPr lang="en-US" sz="3200" dirty="0" err="1" smtClean="0"/>
+              <a:t>individual_obs</a:t>
+            </a:r>
+            <a:endParaRPr lang="en-US" sz="3200" dirty="0"/>
+          </a:p>
+        </p:txBody>
+      </p:sp>
+      <p:sp>
+        <p:nvSpPr>
+          <p:cNvPr id="34" name="Rectangle 33"/>
+          <p:cNvSpPr/>
+          <p:nvPr/>
+        </p:nvSpPr>
+        <p:spPr>
+          <a:xfrm>
+            <a:off x="381000" y="5693230"/>
+            <a:ext cx="2133600" cy="685800"/>
+          </a:xfrm>
+          <a:prstGeom prst="rect">
+            <a:avLst/>
+          </a:prstGeom>
+        </p:spPr>
+        <p:style>
+          <a:lnRef idx="2">
+            <a:schemeClr val="accent2">
+              <a:shade val="50000"/>
+            </a:schemeClr>
+          </a:lnRef>
+          <a:fillRef idx="1">
+            <a:schemeClr val="accent2"/>
+          </a:fillRef>
+          <a:effectRef idx="0">
+            <a:schemeClr val="accent2"/>
+          </a:effectRef>
+          <a:fontRef idx="minor">
+            <a:schemeClr val="lt1"/>
+          </a:fontRef>
+        </p:style>
+        <p:txBody>
+          <a:bodyPr rtlCol="0" anchor="ctr"/>
+          <a:lstStyle/>
+          <a:p>
+            <a:pPr algn="ctr"/>
+            <a:r>
+              <a:rPr lang="en-US" sz="3200" dirty="0" smtClean="0"/>
+              <a:t>$</a:t>
+            </a:r>
+            <a:r>
+              <a:rPr lang="en-US" sz="3200" dirty="0" err="1" smtClean="0"/>
+              <a:t>bw_adjust</a:t>
+            </a:r>
+            <a:endParaRPr lang="en-US" sz="3200" dirty="0"/>
+          </a:p>
+        </p:txBody>
+      </p:sp>
+      <p:cxnSp>
+        <p:nvCxnSpPr>
+          <p:cNvPr id="35" name="Straight Arrow Connector 34"/>
+          <p:cNvCxnSpPr/>
+          <p:nvPr/>
+        </p:nvCxnSpPr>
+        <p:spPr>
+          <a:xfrm>
+            <a:off x="2209800" y="3472544"/>
+            <a:ext cx="0" cy="2220686"/>
+          </a:xfrm>
+          <a:prstGeom prst="straightConnector1">
+            <a:avLst/>
+          </a:prstGeom>
+          <a:ln w="57150">
+            <a:tailEnd type="arrow"/>
+          </a:ln>
+        </p:spPr>
+        <p:style>
+          <a:lnRef idx="1">
+            <a:schemeClr val="accent1"/>
+          </a:lnRef>
+          <a:fillRef idx="0">
+            <a:schemeClr val="accent1"/>
+          </a:fillRef>
+          <a:effectRef idx="0">
+            <a:schemeClr val="accent1"/>
+          </a:effectRef>
+          <a:fontRef idx="minor">
+            <a:schemeClr val="tx1"/>
+          </a:fontRef>
+        </p:style>
+      </p:cxnSp>
+      <p:sp>
+        <p:nvSpPr>
+          <p:cNvPr id="64" name="Rectangle 63"/>
+          <p:cNvSpPr/>
+          <p:nvPr/>
+        </p:nvSpPr>
+        <p:spPr>
+          <a:xfrm>
+            <a:off x="76200" y="4675415"/>
+            <a:ext cx="1905000" cy="685800"/>
+          </a:xfrm>
+          <a:prstGeom prst="rect">
+            <a:avLst/>
+          </a:prstGeom>
+        </p:spPr>
+        <p:style>
+          <a:lnRef idx="2">
+            <a:schemeClr val="accent2">
+              <a:shade val="50000"/>
+            </a:schemeClr>
+          </a:lnRef>
+          <a:fillRef idx="1">
+            <a:schemeClr val="accent2"/>
+          </a:fillRef>
+          <a:effectRef idx="0">
+            <a:schemeClr val="accent2"/>
+          </a:effectRef>
+          <a:fontRef idx="minor">
+            <a:schemeClr val="lt1"/>
+          </a:fontRef>
+        </p:style>
+        <p:txBody>
+          <a:bodyPr rtlCol="0" anchor="ctr"/>
+          <a:lstStyle/>
+          <a:p>
+            <a:pPr algn="ctr"/>
+            <a:r>
+              <a:rPr lang="en-US" sz="3200" dirty="0" smtClean="0"/>
+              <a:t>$</a:t>
+            </a:r>
+            <a:r>
+              <a:rPr lang="en-US" sz="3200" dirty="0" err="1" smtClean="0"/>
+              <a:t>n_breaks</a:t>
+            </a:r>
+            <a:endParaRPr lang="en-US" sz="3200" dirty="0"/>
+          </a:p>
+        </p:txBody>
+      </p:sp>
+      <p:cxnSp>
+        <p:nvCxnSpPr>
+          <p:cNvPr id="65" name="Straight Arrow Connector 64"/>
+          <p:cNvCxnSpPr>
+            <a:endCxn id="64" idx="0"/>
+          </p:cNvCxnSpPr>
+          <p:nvPr/>
+        </p:nvCxnSpPr>
+        <p:spPr>
+          <a:xfrm flipH="1">
+            <a:off x="1028700" y="3483430"/>
+            <a:ext cx="266700" cy="1191985"/>
+          </a:xfrm>
+          <a:prstGeom prst="straightConnector1">
+            <a:avLst/>
+          </a:prstGeom>
+          <a:ln w="57150">
+            <a:tailEnd type="arrow"/>
+          </a:ln>
+        </p:spPr>
+        <p:style>
+          <a:lnRef idx="1">
+            <a:schemeClr val="accent1"/>
+          </a:lnRef>
+          <a:fillRef idx="0">
+            <a:schemeClr val="accent1"/>
+          </a:fillRef>
+          <a:effectRef idx="0">
+            <a:schemeClr val="accent1"/>
+          </a:effectRef>
+          <a:fontRef idx="minor">
+            <a:schemeClr val="tx1"/>
+          </a:fontRef>
+        </p:style>
+      </p:cxnSp>
+      <p:sp>
+        <p:nvSpPr>
+          <p:cNvPr id="71" name="Rectangle 70"/>
+          <p:cNvSpPr/>
+          <p:nvPr/>
+        </p:nvSpPr>
+        <p:spPr>
+          <a:xfrm>
+            <a:off x="6705600" y="4163785"/>
+            <a:ext cx="2133600" cy="1001485"/>
+          </a:xfrm>
+          <a:prstGeom prst="rect">
+            <a:avLst/>
+          </a:prstGeom>
+        </p:spPr>
+        <p:style>
+          <a:lnRef idx="2">
+            <a:schemeClr val="accent1">
+              <a:shade val="50000"/>
+            </a:schemeClr>
+          </a:lnRef>
+          <a:fillRef idx="1">
+            <a:schemeClr val="accent1"/>
+          </a:fillRef>
+          <a:effectRef idx="0">
+            <a:schemeClr val="accent1"/>
+          </a:effectRef>
+          <a:fontRef idx="minor">
+            <a:schemeClr val="lt1"/>
+          </a:fontRef>
+        </p:style>
+        <p:txBody>
+          <a:bodyPr rtlCol="0" anchor="ctr"/>
+          <a:lstStyle/>
+          <a:p>
+            <a:pPr algn="ctr"/>
+            <a:r>
+              <a:rPr lang="en-US" sz="3200" dirty="0" smtClean="0"/>
+              <a:t>Reactive Function</a:t>
+            </a:r>
+            <a:endParaRPr lang="en-US" sz="3200" dirty="0"/>
+          </a:p>
+        </p:txBody>
+      </p:sp>
+      <p:sp>
+        <p:nvSpPr>
+          <p:cNvPr id="72" name="Rectangle 71"/>
+          <p:cNvSpPr/>
+          <p:nvPr/>
+        </p:nvSpPr>
+        <p:spPr>
+          <a:xfrm>
+            <a:off x="6705600" y="5382985"/>
+            <a:ext cx="2133600" cy="609600"/>
+          </a:xfrm>
+          <a:prstGeom prst="rect">
+            <a:avLst/>
+          </a:prstGeom>
+        </p:spPr>
+        <p:style>
+          <a:lnRef idx="2">
+            <a:schemeClr val="accent2">
+              <a:shade val="50000"/>
+            </a:schemeClr>
+          </a:lnRef>
+          <a:fillRef idx="1">
+            <a:schemeClr val="accent2"/>
+          </a:fillRef>
+          <a:effectRef idx="0">
+            <a:schemeClr val="accent2"/>
+          </a:effectRef>
+          <a:fontRef idx="minor">
+            <a:schemeClr val="lt1"/>
+          </a:fontRef>
+        </p:style>
+        <p:txBody>
+          <a:bodyPr rtlCol="0" anchor="ctr"/>
+          <a:lstStyle/>
+          <a:p>
+            <a:pPr algn="ctr"/>
+            <a:r>
+              <a:rPr lang="en-US" sz="3200" dirty="0" smtClean="0"/>
+              <a:t>Input</a:t>
+            </a:r>
+            <a:endParaRPr lang="en-US" sz="3200" dirty="0"/>
+          </a:p>
+        </p:txBody>
+      </p:sp>
+      <p:sp>
+        <p:nvSpPr>
+          <p:cNvPr id="75" name="Rectangle 74"/>
+          <p:cNvSpPr/>
+          <p:nvPr/>
+        </p:nvSpPr>
+        <p:spPr>
+          <a:xfrm>
+            <a:off x="2743200" y="5715000"/>
+            <a:ext cx="1807029" cy="685800"/>
+          </a:xfrm>
+          <a:prstGeom prst="rect">
+            <a:avLst/>
+          </a:prstGeom>
+        </p:spPr>
+        <p:style>
+          <a:lnRef idx="2">
+            <a:schemeClr val="accent2">
+              <a:shade val="50000"/>
+            </a:schemeClr>
+          </a:lnRef>
+          <a:fillRef idx="1">
+            <a:schemeClr val="accent2"/>
+          </a:fillRef>
+          <a:effectRef idx="0">
+            <a:schemeClr val="accent2"/>
+          </a:effectRef>
+          <a:fontRef idx="minor">
+            <a:schemeClr val="lt1"/>
+          </a:fontRef>
+        </p:style>
+        <p:txBody>
+          <a:bodyPr rtlCol="0" anchor="ctr"/>
+          <a:lstStyle/>
+          <a:p>
+            <a:pPr algn="ctr"/>
+            <a:r>
+              <a:rPr lang="en-US" sz="3200" dirty="0" smtClean="0"/>
+              <a:t>$density</a:t>
+            </a:r>
+            <a:endParaRPr lang="en-US" sz="3200" dirty="0"/>
+          </a:p>
+        </p:txBody>
+      </p:sp>
+      <p:cxnSp>
+        <p:nvCxnSpPr>
+          <p:cNvPr id="76" name="Straight Arrow Connector 75"/>
+          <p:cNvCxnSpPr/>
+          <p:nvPr/>
+        </p:nvCxnSpPr>
+        <p:spPr>
+          <a:xfrm>
+            <a:off x="2819400" y="3390902"/>
+            <a:ext cx="0" cy="2324098"/>
+          </a:xfrm>
+          <a:prstGeom prst="straightConnector1">
+            <a:avLst/>
+          </a:prstGeom>
+          <a:ln w="57150">
+            <a:tailEnd type="arrow"/>
+          </a:ln>
+        </p:spPr>
+        <p:style>
+          <a:lnRef idx="1">
+            <a:schemeClr val="accent1"/>
+          </a:lnRef>
+          <a:fillRef idx="0">
+            <a:schemeClr val="accent1"/>
+          </a:fillRef>
+          <a:effectRef idx="0">
+            <a:schemeClr val="accent1"/>
+          </a:effectRef>
+          <a:fontRef idx="minor">
+            <a:schemeClr val="tx1"/>
+          </a:fontRef>
+        </p:style>
+      </p:cxnSp>
+      <p:sp>
+        <p:nvSpPr>
+          <p:cNvPr id="4" name="Rectangle 3"/>
+          <p:cNvSpPr/>
+          <p:nvPr/>
+        </p:nvSpPr>
+        <p:spPr>
+          <a:xfrm>
+            <a:off x="1143000" y="3004460"/>
+            <a:ext cx="2133600" cy="609600"/>
+          </a:xfrm>
+          <a:prstGeom prst="rect">
+            <a:avLst/>
+          </a:prstGeom>
+        </p:spPr>
+        <p:style>
+          <a:lnRef idx="2">
+            <a:schemeClr val="accent1">
+              <a:shade val="50000"/>
+            </a:schemeClr>
+          </a:lnRef>
+          <a:fillRef idx="1">
+            <a:schemeClr val="accent1"/>
+          </a:fillRef>
+          <a:effectRef idx="0">
+            <a:schemeClr val="accent1"/>
+          </a:effectRef>
+          <a:fontRef idx="minor">
+            <a:schemeClr val="lt1"/>
+          </a:fontRef>
+        </p:style>
+        <p:txBody>
+          <a:bodyPr rtlCol="0" anchor="ctr"/>
+          <a:lstStyle/>
+          <a:p>
+            <a:pPr algn="ctr"/>
+            <a:r>
+              <a:rPr lang="en-US" sz="3200" dirty="0" err="1" smtClean="0"/>
+              <a:t>main_plot</a:t>
+            </a:r>
+            <a:endParaRPr lang="en-US" sz="3200" dirty="0"/>
+          </a:p>
+        </p:txBody>
+      </p:sp>
+    </p:spTree>
+    <p:extLst>
+      <p:ext uri="{BB962C8B-B14F-4D97-AF65-F5344CB8AC3E}">
+        <p14:creationId xmlns:p14="http://schemas.microsoft.com/office/powerpoint/2010/main" val="3880102440"/>
+      </p:ext>
+    </p:extLst>
+  </p:cSld>
+  <p:clrMapOvr>
+    <a:masterClrMapping/>
+  </p:clrMapOvr>
+  <p:timing>
+    <p:tnLst>
+      <p:par>
+        <p:cTn id="1" dur="indefinite" restart="never" nodeType="tmRoot"/>
+      </p:par>
+    </p:tnLst>
+  </p:timing>
+</p:sld>
+</file>
+
+<file path=ppt/slides/slide14.xml><?xml version="1.0" encoding="utf-8"?>
+<p:sld xmlns:a="http://schemas.openxmlformats.org/drawingml/2006/main" xmlns:r="http://schemas.openxmlformats.org/officeDocument/2006/relationships" xmlns:p="http://schemas.openxmlformats.org/presentationml/2006/main">
+  <p:cSld>
+    <p:spTree>
+      <p:nvGrpSpPr>
+        <p:cNvPr id="1" name=""/>
+        <p:cNvGrpSpPr/>
+        <p:nvPr/>
+      </p:nvGrpSpPr>
+      <p:grpSpPr>
+        <a:xfrm>
+          <a:off x="0" y="0"/>
+          <a:ext cx="0" cy="0"/>
+          <a:chOff x="0" y="0"/>
+          <a:chExt cx="0" cy="0"/>
+        </a:xfrm>
+      </p:grpSpPr>
+      <p:sp>
+        <p:nvSpPr>
+          <p:cNvPr id="73" name="Rectangle 72"/>
+          <p:cNvSpPr/>
+          <p:nvPr/>
+        </p:nvSpPr>
+        <p:spPr>
+          <a:xfrm>
+            <a:off x="6515100" y="3581400"/>
+            <a:ext cx="2476500" cy="2487385"/>
+          </a:xfrm>
+          <a:prstGeom prst="rect">
+            <a:avLst/>
+          </a:prstGeom>
+          <a:noFill/>
+          <a:ln>
+            <a:solidFill>
+              <a:schemeClr val="tx1"/>
+            </a:solidFill>
+          </a:ln>
+        </p:spPr>
+        <p:style>
+          <a:lnRef idx="2">
+            <a:schemeClr val="accent1">
+              <a:shade val="50000"/>
+            </a:schemeClr>
+          </a:lnRef>
+          <a:fillRef idx="1">
+            <a:schemeClr val="accent1"/>
+          </a:fillRef>
+          <a:effectRef idx="0">
+            <a:schemeClr val="accent1"/>
+          </a:effectRef>
+          <a:fontRef idx="minor">
+            <a:schemeClr val="lt1"/>
+          </a:fontRef>
+        </p:style>
+        <p:txBody>
+          <a:bodyPr rtlCol="0" anchor="t"/>
+          <a:lstStyle/>
+          <a:p>
+            <a:pPr algn="ctr"/>
+            <a:r>
+              <a:rPr lang="en-US" sz="2800" dirty="0" smtClean="0">
+                <a:solidFill>
+                  <a:schemeClr val="tx1"/>
+                </a:solidFill>
+              </a:rPr>
+              <a:t>Key</a:t>
+            </a:r>
+            <a:endParaRPr lang="en-US" sz="2800" dirty="0">
+              <a:solidFill>
+                <a:schemeClr val="tx1"/>
+              </a:solidFill>
+            </a:endParaRPr>
+          </a:p>
+        </p:txBody>
+      </p:sp>
+      <p:sp>
+        <p:nvSpPr>
+          <p:cNvPr id="2" name="Title 1"/>
+          <p:cNvSpPr>
+            <a:spLocks noGrp="1"/>
+          </p:cNvSpPr>
+          <p:nvPr>
+            <p:ph type="title"/>
+          </p:nvPr>
+        </p:nvSpPr>
+        <p:spPr/>
+        <p:txBody>
+          <a:bodyPr/>
+          <a:lstStyle/>
+          <a:p>
+            <a:r>
+              <a:rPr lang="en-US" dirty="0" smtClean="0">
+                <a:solidFill>
+                  <a:schemeClr val="tx1"/>
+                </a:solidFill>
+              </a:rPr>
+              <a:t>“Data Flow” – Reactive</a:t>
+            </a:r>
+            <a:endParaRPr lang="en-US" dirty="0">
+              <a:solidFill>
+                <a:schemeClr val="tx1"/>
+              </a:solidFill>
+            </a:endParaRPr>
+          </a:p>
+        </p:txBody>
+      </p:sp>
+      <p:sp>
+        <p:nvSpPr>
+          <p:cNvPr id="5" name="Rectangle 4"/>
+          <p:cNvSpPr/>
+          <p:nvPr/>
+        </p:nvSpPr>
+        <p:spPr>
+          <a:xfrm>
+            <a:off x="4038600" y="2111831"/>
+            <a:ext cx="2133600" cy="587829"/>
+          </a:xfrm>
+          <a:prstGeom prst="rect">
+            <a:avLst/>
+          </a:prstGeom>
+        </p:spPr>
+        <p:style>
+          <a:lnRef idx="2">
+            <a:schemeClr val="accent1">
+              <a:shade val="50000"/>
+            </a:schemeClr>
+          </a:lnRef>
+          <a:fillRef idx="1">
+            <a:schemeClr val="accent1"/>
+          </a:fillRef>
+          <a:effectRef idx="0">
+            <a:schemeClr val="accent1"/>
+          </a:effectRef>
+          <a:fontRef idx="minor">
+            <a:schemeClr val="lt1"/>
+          </a:fontRef>
+        </p:style>
+        <p:txBody>
+          <a:bodyPr rtlCol="0" anchor="ctr"/>
+          <a:lstStyle/>
+          <a:p>
+            <a:pPr algn="ctr"/>
+            <a:r>
+              <a:rPr lang="en-US" sz="3200" dirty="0" err="1" smtClean="0"/>
+              <a:t>getData</a:t>
+            </a:r>
+            <a:endParaRPr lang="en-US" sz="3200" dirty="0"/>
+          </a:p>
+        </p:txBody>
+      </p:sp>
+      <p:sp>
+        <p:nvSpPr>
+          <p:cNvPr id="6" name="Rectangle 5"/>
+          <p:cNvSpPr/>
+          <p:nvPr/>
+        </p:nvSpPr>
+        <p:spPr>
+          <a:xfrm>
+            <a:off x="4038600" y="3156859"/>
+            <a:ext cx="2133600" cy="631371"/>
+          </a:xfrm>
+          <a:prstGeom prst="rect">
+            <a:avLst/>
+          </a:prstGeom>
+        </p:spPr>
+        <p:style>
+          <a:lnRef idx="2">
+            <a:schemeClr val="accent1">
+              <a:shade val="50000"/>
+            </a:schemeClr>
+          </a:lnRef>
+          <a:fillRef idx="1">
+            <a:schemeClr val="accent1"/>
+          </a:fillRef>
+          <a:effectRef idx="0">
+            <a:schemeClr val="accent1"/>
+          </a:effectRef>
+          <a:fontRef idx="minor">
+            <a:schemeClr val="lt1"/>
+          </a:fontRef>
+        </p:style>
+        <p:txBody>
+          <a:bodyPr rtlCol="0" anchor="ctr"/>
+          <a:lstStyle/>
+          <a:p>
+            <a:pPr algn="ctr"/>
+            <a:r>
+              <a:rPr lang="en-US" sz="3200" dirty="0" err="1" smtClean="0"/>
+              <a:t>dataName</a:t>
+            </a:r>
+            <a:endParaRPr lang="en-US" sz="3200" dirty="0"/>
+          </a:p>
+        </p:txBody>
+      </p:sp>
+      <p:cxnSp>
+        <p:nvCxnSpPr>
+          <p:cNvPr id="8" name="Straight Arrow Connector 7"/>
+          <p:cNvCxnSpPr>
+            <a:stCxn id="4" idx="3"/>
+            <a:endCxn id="5" idx="1"/>
+          </p:cNvCxnSpPr>
+          <p:nvPr/>
+        </p:nvCxnSpPr>
+        <p:spPr>
+          <a:xfrm flipV="1">
+            <a:off x="3276600" y="2405746"/>
+            <a:ext cx="762000" cy="903514"/>
+          </a:xfrm>
+          <a:prstGeom prst="straightConnector1">
+            <a:avLst/>
+          </a:prstGeom>
+          <a:ln w="57150">
+            <a:headEnd type="arrow" w="med" len="med"/>
+            <a:tailEnd type="none" w="med" len="med"/>
+          </a:ln>
+        </p:spPr>
+        <p:style>
+          <a:lnRef idx="1">
+            <a:schemeClr val="accent1"/>
+          </a:lnRef>
+          <a:fillRef idx="0">
+            <a:schemeClr val="accent1"/>
+          </a:fillRef>
+          <a:effectRef idx="0">
+            <a:schemeClr val="accent1"/>
+          </a:effectRef>
+          <a:fontRef idx="minor">
+            <a:schemeClr val="tx1"/>
+          </a:fontRef>
+        </p:style>
+      </p:cxnSp>
+      <p:cxnSp>
+        <p:nvCxnSpPr>
+          <p:cNvPr id="9" name="Straight Arrow Connector 8"/>
+          <p:cNvCxnSpPr>
+            <a:endCxn id="6" idx="1"/>
+          </p:cNvCxnSpPr>
+          <p:nvPr/>
+        </p:nvCxnSpPr>
+        <p:spPr>
+          <a:xfrm>
+            <a:off x="3276600" y="3472544"/>
+            <a:ext cx="762000" cy="1"/>
+          </a:xfrm>
+          <a:prstGeom prst="straightConnector1">
+            <a:avLst/>
+          </a:prstGeom>
+          <a:ln w="57150">
+            <a:headEnd type="arrow" w="med" len="med"/>
+            <a:tailEnd type="none" w="med" len="med"/>
+          </a:ln>
+        </p:spPr>
+        <p:style>
+          <a:lnRef idx="1">
+            <a:schemeClr val="accent1"/>
+          </a:lnRef>
+          <a:fillRef idx="0">
+            <a:schemeClr val="accent1"/>
+          </a:fillRef>
+          <a:effectRef idx="0">
+            <a:schemeClr val="accent1"/>
+          </a:effectRef>
+          <a:fontRef idx="minor">
+            <a:schemeClr val="tx1"/>
+          </a:fontRef>
+        </p:style>
+      </p:cxnSp>
+      <p:sp>
+        <p:nvSpPr>
+          <p:cNvPr id="13" name="Rectangle 12"/>
+          <p:cNvSpPr/>
+          <p:nvPr/>
+        </p:nvSpPr>
+        <p:spPr>
+          <a:xfrm>
+            <a:off x="1143000" y="1883230"/>
+            <a:ext cx="2133600" cy="587830"/>
+          </a:xfrm>
+          <a:prstGeom prst="rect">
+            <a:avLst/>
+          </a:prstGeom>
+        </p:spPr>
+        <p:style>
+          <a:lnRef idx="2">
+            <a:schemeClr val="accent1">
+              <a:shade val="50000"/>
+            </a:schemeClr>
+          </a:lnRef>
+          <a:fillRef idx="1">
+            <a:schemeClr val="accent1"/>
+          </a:fillRef>
+          <a:effectRef idx="0">
+            <a:schemeClr val="accent1"/>
+          </a:effectRef>
+          <a:fontRef idx="minor">
+            <a:schemeClr val="lt1"/>
+          </a:fontRef>
+        </p:style>
+        <p:txBody>
+          <a:bodyPr rtlCol="0" anchor="ctr"/>
+          <a:lstStyle/>
+          <a:p>
+            <a:pPr algn="ctr"/>
+            <a:r>
+              <a:rPr lang="en-US" sz="3200" dirty="0" err="1" smtClean="0"/>
+              <a:t>shinyServer</a:t>
+            </a:r>
+            <a:endParaRPr lang="en-US" sz="3200" dirty="0"/>
+          </a:p>
+        </p:txBody>
+      </p:sp>
+      <p:cxnSp>
+        <p:nvCxnSpPr>
+          <p:cNvPr id="14" name="Straight Arrow Connector 13"/>
+          <p:cNvCxnSpPr>
+            <a:stCxn id="13" idx="2"/>
+            <a:endCxn id="4" idx="0"/>
+          </p:cNvCxnSpPr>
+          <p:nvPr/>
+        </p:nvCxnSpPr>
+        <p:spPr>
+          <a:xfrm>
+            <a:off x="2209800" y="2471060"/>
+            <a:ext cx="0" cy="533400"/>
+          </a:xfrm>
+          <a:prstGeom prst="straightConnector1">
+            <a:avLst/>
+          </a:prstGeom>
+          <a:ln w="57150">
+            <a:headEnd type="arrow" w="med" len="med"/>
+            <a:tailEnd type="none" w="med" len="med"/>
+          </a:ln>
+        </p:spPr>
+        <p:style>
+          <a:lnRef idx="1">
+            <a:schemeClr val="accent1"/>
+          </a:lnRef>
+          <a:fillRef idx="0">
+            <a:schemeClr val="accent1"/>
+          </a:fillRef>
+          <a:effectRef idx="0">
+            <a:schemeClr val="accent1"/>
+          </a:effectRef>
+          <a:fontRef idx="minor">
+            <a:schemeClr val="tx1"/>
+          </a:fontRef>
+        </p:style>
+      </p:cxnSp>
+      <p:cxnSp>
+        <p:nvCxnSpPr>
+          <p:cNvPr id="20" name="Straight Arrow Connector 19"/>
+          <p:cNvCxnSpPr>
+            <a:stCxn id="5" idx="3"/>
+            <a:endCxn id="23" idx="1"/>
+          </p:cNvCxnSpPr>
+          <p:nvPr/>
+        </p:nvCxnSpPr>
+        <p:spPr>
+          <a:xfrm>
+            <a:off x="6172200" y="2405746"/>
+            <a:ext cx="685800" cy="522514"/>
+          </a:xfrm>
+          <a:prstGeom prst="straightConnector1">
+            <a:avLst/>
+          </a:prstGeom>
+          <a:ln w="57150">
+            <a:headEnd type="arrow" w="med" len="med"/>
+            <a:tailEnd type="none" w="med" len="med"/>
+          </a:ln>
+        </p:spPr>
+        <p:style>
+          <a:lnRef idx="1">
+            <a:schemeClr val="accent1"/>
+          </a:lnRef>
+          <a:fillRef idx="0">
+            <a:schemeClr val="accent1"/>
+          </a:fillRef>
+          <a:effectRef idx="0">
+            <a:schemeClr val="accent1"/>
+          </a:effectRef>
+          <a:fontRef idx="minor">
+            <a:schemeClr val="tx1"/>
+          </a:fontRef>
+        </p:style>
+      </p:cxnSp>
+      <p:sp>
+        <p:nvSpPr>
+          <p:cNvPr id="23" name="Rectangle 22"/>
+          <p:cNvSpPr/>
+          <p:nvPr/>
+        </p:nvSpPr>
+        <p:spPr>
+          <a:xfrm>
+            <a:off x="6858000" y="2623460"/>
+            <a:ext cx="2133600" cy="609600"/>
+          </a:xfrm>
+          <a:prstGeom prst="rect">
+            <a:avLst/>
+          </a:prstGeom>
+        </p:spPr>
+        <p:style>
+          <a:lnRef idx="2">
+            <a:schemeClr val="accent2">
+              <a:shade val="50000"/>
+            </a:schemeClr>
+          </a:lnRef>
+          <a:fillRef idx="1">
+            <a:schemeClr val="accent2"/>
+          </a:fillRef>
+          <a:effectRef idx="0">
+            <a:schemeClr val="accent2"/>
+          </a:effectRef>
+          <a:fontRef idx="minor">
+            <a:schemeClr val="lt1"/>
+          </a:fontRef>
+        </p:style>
+        <p:txBody>
+          <a:bodyPr rtlCol="0" anchor="ctr"/>
+          <a:lstStyle/>
+          <a:p>
+            <a:pPr algn="ctr"/>
+            <a:r>
+              <a:rPr lang="en-US" sz="3200" dirty="0" smtClean="0"/>
+              <a:t>$dataset</a:t>
+            </a:r>
+            <a:endParaRPr lang="en-US" sz="3200" dirty="0"/>
+          </a:p>
+        </p:txBody>
+      </p:sp>
+      <p:cxnSp>
+        <p:nvCxnSpPr>
+          <p:cNvPr id="25" name="Straight Arrow Connector 24"/>
+          <p:cNvCxnSpPr>
+            <a:stCxn id="6" idx="3"/>
+            <a:endCxn id="23" idx="1"/>
+          </p:cNvCxnSpPr>
+          <p:nvPr/>
+        </p:nvCxnSpPr>
+        <p:spPr>
+          <a:xfrm flipV="1">
+            <a:off x="6172200" y="2928260"/>
+            <a:ext cx="685800" cy="544285"/>
+          </a:xfrm>
+          <a:prstGeom prst="straightConnector1">
+            <a:avLst/>
+          </a:prstGeom>
+          <a:ln w="57150">
+            <a:headEnd type="arrow" w="med" len="med"/>
+            <a:tailEnd type="none" w="med" len="med"/>
+          </a:ln>
+        </p:spPr>
+        <p:style>
+          <a:lnRef idx="1">
+            <a:schemeClr val="accent1"/>
+          </a:lnRef>
+          <a:fillRef idx="0">
+            <a:schemeClr val="accent1"/>
+          </a:fillRef>
+          <a:effectRef idx="0">
+            <a:schemeClr val="accent1"/>
+          </a:effectRef>
+          <a:fontRef idx="minor">
+            <a:schemeClr val="tx1"/>
+          </a:fontRef>
+        </p:style>
+      </p:cxnSp>
+      <p:cxnSp>
+        <p:nvCxnSpPr>
+          <p:cNvPr id="28" name="Straight Arrow Connector 27"/>
+          <p:cNvCxnSpPr/>
+          <p:nvPr/>
+        </p:nvCxnSpPr>
+        <p:spPr>
+          <a:xfrm>
+            <a:off x="3200400" y="3614060"/>
+            <a:ext cx="511629" cy="761999"/>
+          </a:xfrm>
+          <a:prstGeom prst="straightConnector1">
+            <a:avLst/>
+          </a:prstGeom>
+          <a:ln w="57150">
+            <a:headEnd type="arrow" w="med" len="med"/>
+            <a:tailEnd type="none" w="med" len="med"/>
+          </a:ln>
+        </p:spPr>
+        <p:style>
+          <a:lnRef idx="1">
+            <a:schemeClr val="accent1"/>
+          </a:lnRef>
+          <a:fillRef idx="0">
+            <a:schemeClr val="accent1"/>
+          </a:fillRef>
+          <a:effectRef idx="0">
+            <a:schemeClr val="accent1"/>
+          </a:effectRef>
+          <a:fontRef idx="minor">
+            <a:schemeClr val="tx1"/>
+          </a:fontRef>
+        </p:style>
+      </p:cxnSp>
+      <p:sp>
+        <p:nvSpPr>
+          <p:cNvPr id="29" name="Rectangle 28"/>
+          <p:cNvSpPr/>
+          <p:nvPr/>
+        </p:nvSpPr>
+        <p:spPr>
+          <a:xfrm>
+            <a:off x="3200400" y="4376059"/>
+            <a:ext cx="2133600" cy="1066800"/>
+          </a:xfrm>
+          <a:prstGeom prst="rect">
+            <a:avLst/>
+          </a:prstGeom>
+        </p:spPr>
+        <p:style>
+          <a:lnRef idx="2">
+            <a:schemeClr val="accent2">
+              <a:shade val="50000"/>
+            </a:schemeClr>
+          </a:lnRef>
+          <a:fillRef idx="1">
+            <a:schemeClr val="accent2"/>
+          </a:fillRef>
+          <a:effectRef idx="0">
+            <a:schemeClr val="accent2"/>
+          </a:effectRef>
+          <a:fontRef idx="minor">
+            <a:schemeClr val="lt1"/>
+          </a:fontRef>
+        </p:style>
+        <p:txBody>
+          <a:bodyPr rtlCol="0" anchor="ctr"/>
+          <a:lstStyle/>
+          <a:p>
+            <a:pPr algn="ctr"/>
+            <a:r>
+              <a:rPr lang="en-US" sz="3200" dirty="0" smtClean="0"/>
+              <a:t>$</a:t>
+            </a:r>
+            <a:r>
+              <a:rPr lang="en-US" sz="3200" dirty="0" err="1" smtClean="0"/>
+              <a:t>individual_obs</a:t>
+            </a:r>
+            <a:endParaRPr lang="en-US" sz="3200" dirty="0"/>
+          </a:p>
+        </p:txBody>
+      </p:sp>
+      <p:sp>
+        <p:nvSpPr>
+          <p:cNvPr id="34" name="Rectangle 33"/>
+          <p:cNvSpPr/>
+          <p:nvPr/>
+        </p:nvSpPr>
+        <p:spPr>
+          <a:xfrm>
+            <a:off x="381000" y="5693230"/>
+            <a:ext cx="2133600" cy="685800"/>
+          </a:xfrm>
+          <a:prstGeom prst="rect">
+            <a:avLst/>
+          </a:prstGeom>
+        </p:spPr>
+        <p:style>
+          <a:lnRef idx="2">
+            <a:schemeClr val="accent2">
+              <a:shade val="50000"/>
+            </a:schemeClr>
+          </a:lnRef>
+          <a:fillRef idx="1">
+            <a:schemeClr val="accent2"/>
+          </a:fillRef>
+          <a:effectRef idx="0">
+            <a:schemeClr val="accent2"/>
+          </a:effectRef>
+          <a:fontRef idx="minor">
+            <a:schemeClr val="lt1"/>
+          </a:fontRef>
+        </p:style>
+        <p:txBody>
+          <a:bodyPr rtlCol="0" anchor="ctr"/>
+          <a:lstStyle/>
+          <a:p>
+            <a:pPr algn="ctr"/>
+            <a:r>
+              <a:rPr lang="en-US" sz="3200" dirty="0" smtClean="0"/>
+              <a:t>$</a:t>
+            </a:r>
+            <a:r>
+              <a:rPr lang="en-US" sz="3200" dirty="0" err="1" smtClean="0"/>
+              <a:t>bw_adjust</a:t>
+            </a:r>
+            <a:endParaRPr lang="en-US" sz="3200" dirty="0"/>
+          </a:p>
+        </p:txBody>
+      </p:sp>
+      <p:cxnSp>
+        <p:nvCxnSpPr>
+          <p:cNvPr id="35" name="Straight Arrow Connector 34"/>
+          <p:cNvCxnSpPr>
+            <a:stCxn id="4" idx="2"/>
+          </p:cNvCxnSpPr>
+          <p:nvPr/>
+        </p:nvCxnSpPr>
+        <p:spPr>
+          <a:xfrm>
+            <a:off x="2209800" y="3614060"/>
+            <a:ext cx="0" cy="2079170"/>
+          </a:xfrm>
+          <a:prstGeom prst="straightConnector1">
+            <a:avLst/>
+          </a:prstGeom>
+          <a:ln w="57150">
+            <a:headEnd type="arrow" w="med" len="med"/>
+            <a:tailEnd type="none" w="med" len="med"/>
+          </a:ln>
+        </p:spPr>
+        <p:style>
+          <a:lnRef idx="1">
+            <a:schemeClr val="accent1"/>
+          </a:lnRef>
+          <a:fillRef idx="0">
+            <a:schemeClr val="accent1"/>
+          </a:fillRef>
+          <a:effectRef idx="0">
+            <a:schemeClr val="accent1"/>
+          </a:effectRef>
+          <a:fontRef idx="minor">
+            <a:schemeClr val="tx1"/>
+          </a:fontRef>
+        </p:style>
+      </p:cxnSp>
+      <p:sp>
+        <p:nvSpPr>
+          <p:cNvPr id="64" name="Rectangle 63"/>
+          <p:cNvSpPr/>
+          <p:nvPr/>
+        </p:nvSpPr>
+        <p:spPr>
+          <a:xfrm>
+            <a:off x="76200" y="4675415"/>
+            <a:ext cx="1905000" cy="685800"/>
+          </a:xfrm>
+          <a:prstGeom prst="rect">
+            <a:avLst/>
+          </a:prstGeom>
+        </p:spPr>
+        <p:style>
+          <a:lnRef idx="2">
+            <a:schemeClr val="accent2">
+              <a:shade val="50000"/>
+            </a:schemeClr>
+          </a:lnRef>
+          <a:fillRef idx="1">
+            <a:schemeClr val="accent2"/>
+          </a:fillRef>
+          <a:effectRef idx="0">
+            <a:schemeClr val="accent2"/>
+          </a:effectRef>
+          <a:fontRef idx="minor">
+            <a:schemeClr val="lt1"/>
+          </a:fontRef>
+        </p:style>
+        <p:txBody>
+          <a:bodyPr rtlCol="0" anchor="ctr"/>
+          <a:lstStyle/>
+          <a:p>
+            <a:pPr algn="ctr"/>
+            <a:r>
+              <a:rPr lang="en-US" sz="3200" dirty="0" smtClean="0"/>
+              <a:t>$</a:t>
+            </a:r>
+            <a:r>
+              <a:rPr lang="en-US" sz="3200" dirty="0" err="1" smtClean="0"/>
+              <a:t>n_breaks</a:t>
+            </a:r>
+            <a:endParaRPr lang="en-US" sz="3200" dirty="0"/>
+          </a:p>
+        </p:txBody>
+      </p:sp>
+      <p:cxnSp>
+        <p:nvCxnSpPr>
+          <p:cNvPr id="65" name="Straight Arrow Connector 64"/>
+          <p:cNvCxnSpPr>
+            <a:endCxn id="64" idx="0"/>
+          </p:cNvCxnSpPr>
+          <p:nvPr/>
+        </p:nvCxnSpPr>
+        <p:spPr>
+          <a:xfrm flipH="1">
+            <a:off x="1028700" y="3614060"/>
+            <a:ext cx="266700" cy="1061355"/>
+          </a:xfrm>
+          <a:prstGeom prst="straightConnector1">
+            <a:avLst/>
+          </a:prstGeom>
+          <a:ln w="57150">
+            <a:headEnd type="arrow" w="med" len="med"/>
+            <a:tailEnd type="none" w="med" len="med"/>
+          </a:ln>
+        </p:spPr>
+        <p:style>
+          <a:lnRef idx="1">
+            <a:schemeClr val="accent1"/>
+          </a:lnRef>
+          <a:fillRef idx="0">
+            <a:schemeClr val="accent1"/>
+          </a:fillRef>
+          <a:effectRef idx="0">
+            <a:schemeClr val="accent1"/>
+          </a:effectRef>
+          <a:fontRef idx="minor">
+            <a:schemeClr val="tx1"/>
+          </a:fontRef>
+        </p:style>
+      </p:cxnSp>
+      <p:sp>
+        <p:nvSpPr>
+          <p:cNvPr id="71" name="Rectangle 70"/>
+          <p:cNvSpPr/>
+          <p:nvPr/>
+        </p:nvSpPr>
+        <p:spPr>
+          <a:xfrm>
+            <a:off x="6705600" y="4163785"/>
+            <a:ext cx="2133600" cy="1001485"/>
+          </a:xfrm>
+          <a:prstGeom prst="rect">
+            <a:avLst/>
+          </a:prstGeom>
+        </p:spPr>
+        <p:style>
+          <a:lnRef idx="2">
+            <a:schemeClr val="accent1">
+              <a:shade val="50000"/>
+            </a:schemeClr>
+          </a:lnRef>
+          <a:fillRef idx="1">
+            <a:schemeClr val="accent1"/>
+          </a:fillRef>
+          <a:effectRef idx="0">
+            <a:schemeClr val="accent1"/>
+          </a:effectRef>
+          <a:fontRef idx="minor">
+            <a:schemeClr val="lt1"/>
+          </a:fontRef>
+        </p:style>
+        <p:txBody>
+          <a:bodyPr rtlCol="0" anchor="ctr"/>
+          <a:lstStyle/>
+          <a:p>
+            <a:pPr algn="ctr"/>
+            <a:r>
+              <a:rPr lang="en-US" sz="3200" dirty="0" smtClean="0"/>
+              <a:t>Reactive Function</a:t>
+            </a:r>
+            <a:endParaRPr lang="en-US" sz="3200" dirty="0"/>
+          </a:p>
+        </p:txBody>
+      </p:sp>
+      <p:sp>
+        <p:nvSpPr>
+          <p:cNvPr id="72" name="Rectangle 71"/>
+          <p:cNvSpPr/>
+          <p:nvPr/>
+        </p:nvSpPr>
+        <p:spPr>
+          <a:xfrm>
+            <a:off x="6705600" y="5382985"/>
+            <a:ext cx="2133600" cy="609600"/>
+          </a:xfrm>
+          <a:prstGeom prst="rect">
+            <a:avLst/>
+          </a:prstGeom>
+        </p:spPr>
+        <p:style>
+          <a:lnRef idx="2">
+            <a:schemeClr val="accent2">
+              <a:shade val="50000"/>
+            </a:schemeClr>
+          </a:lnRef>
+          <a:fillRef idx="1">
+            <a:schemeClr val="accent2"/>
+          </a:fillRef>
+          <a:effectRef idx="0">
+            <a:schemeClr val="accent2"/>
+          </a:effectRef>
+          <a:fontRef idx="minor">
+            <a:schemeClr val="lt1"/>
+          </a:fontRef>
+        </p:style>
+        <p:txBody>
+          <a:bodyPr rtlCol="0" anchor="ctr"/>
+          <a:lstStyle/>
+          <a:p>
+            <a:pPr algn="ctr"/>
+            <a:r>
+              <a:rPr lang="en-US" sz="3200" dirty="0" smtClean="0"/>
+              <a:t>Input</a:t>
+            </a:r>
+            <a:endParaRPr lang="en-US" sz="3200" dirty="0"/>
+          </a:p>
+        </p:txBody>
+      </p:sp>
+      <p:sp>
+        <p:nvSpPr>
+          <p:cNvPr id="75" name="Rectangle 74"/>
+          <p:cNvSpPr/>
+          <p:nvPr/>
+        </p:nvSpPr>
+        <p:spPr>
+          <a:xfrm>
+            <a:off x="2743200" y="5715000"/>
+            <a:ext cx="1807029" cy="685800"/>
+          </a:xfrm>
+          <a:prstGeom prst="rect">
+            <a:avLst/>
+          </a:prstGeom>
+        </p:spPr>
+        <p:style>
+          <a:lnRef idx="2">
+            <a:schemeClr val="accent2">
+              <a:shade val="50000"/>
+            </a:schemeClr>
+          </a:lnRef>
+          <a:fillRef idx="1">
+            <a:schemeClr val="accent2"/>
+          </a:fillRef>
+          <a:effectRef idx="0">
+            <a:schemeClr val="accent2"/>
+          </a:effectRef>
+          <a:fontRef idx="minor">
+            <a:schemeClr val="lt1"/>
+          </a:fontRef>
+        </p:style>
+        <p:txBody>
+          <a:bodyPr rtlCol="0" anchor="ctr"/>
+          <a:lstStyle/>
+          <a:p>
+            <a:pPr algn="ctr"/>
+            <a:r>
+              <a:rPr lang="en-US" sz="3200" dirty="0" smtClean="0"/>
+              <a:t>$density</a:t>
+            </a:r>
+            <a:endParaRPr lang="en-US" sz="3200" dirty="0"/>
+          </a:p>
+        </p:txBody>
+      </p:sp>
+      <p:cxnSp>
+        <p:nvCxnSpPr>
+          <p:cNvPr id="76" name="Straight Arrow Connector 75"/>
+          <p:cNvCxnSpPr/>
+          <p:nvPr/>
+        </p:nvCxnSpPr>
+        <p:spPr>
+          <a:xfrm>
+            <a:off x="2819400" y="3614060"/>
+            <a:ext cx="0" cy="2100940"/>
+          </a:xfrm>
+          <a:prstGeom prst="straightConnector1">
+            <a:avLst/>
+          </a:prstGeom>
+          <a:ln w="57150">
+            <a:headEnd type="arrow" w="med" len="med"/>
+            <a:tailEnd type="none" w="med" len="med"/>
+          </a:ln>
+        </p:spPr>
+        <p:style>
+          <a:lnRef idx="1">
+            <a:schemeClr val="accent1"/>
+          </a:lnRef>
+          <a:fillRef idx="0">
+            <a:schemeClr val="accent1"/>
+          </a:fillRef>
+          <a:effectRef idx="0">
+            <a:schemeClr val="accent1"/>
+          </a:effectRef>
+          <a:fontRef idx="minor">
+            <a:schemeClr val="tx1"/>
+          </a:fontRef>
+        </p:style>
+      </p:cxnSp>
+      <p:sp>
+        <p:nvSpPr>
+          <p:cNvPr id="4" name="Rectangle 3"/>
+          <p:cNvSpPr/>
+          <p:nvPr/>
+        </p:nvSpPr>
+        <p:spPr>
+          <a:xfrm>
+            <a:off x="1143000" y="3004460"/>
+            <a:ext cx="2133600" cy="609600"/>
+          </a:xfrm>
+          <a:prstGeom prst="rect">
+            <a:avLst/>
+          </a:prstGeom>
+        </p:spPr>
+        <p:style>
+          <a:lnRef idx="2">
+            <a:schemeClr val="accent1">
+              <a:shade val="50000"/>
+            </a:schemeClr>
+          </a:lnRef>
+          <a:fillRef idx="1">
+            <a:schemeClr val="accent1"/>
+          </a:fillRef>
+          <a:effectRef idx="0">
+            <a:schemeClr val="accent1"/>
+          </a:effectRef>
+          <a:fontRef idx="minor">
+            <a:schemeClr val="lt1"/>
+          </a:fontRef>
+        </p:style>
+        <p:txBody>
+          <a:bodyPr rtlCol="0" anchor="ctr"/>
+          <a:lstStyle/>
+          <a:p>
+            <a:pPr algn="ctr"/>
+            <a:r>
+              <a:rPr lang="en-US" sz="3200" dirty="0" err="1" smtClean="0"/>
+              <a:t>main_plot</a:t>
+            </a:r>
+            <a:endParaRPr lang="en-US" sz="3200" dirty="0"/>
+          </a:p>
+        </p:txBody>
+      </p:sp>
+    </p:spTree>
+    <p:extLst>
+      <p:ext uri="{BB962C8B-B14F-4D97-AF65-F5344CB8AC3E}">
+        <p14:creationId xmlns:p14="http://schemas.microsoft.com/office/powerpoint/2010/main" val="76375430"/>
+      </p:ext>
+    </p:extLst>
+  </p:cSld>
+  <p:clrMapOvr>
+    <a:masterClrMapping/>
+  </p:clrMapOvr>
+  <p:timing>
+    <p:tnLst>
+      <p:par>
+        <p:cTn id="1" dur="indefinite" restart="never" nodeType="tmRoot"/>
+      </p:par>
+    </p:tnLst>
+  </p:timing>
+</p:sld>
+</file>
+
+<file path=ppt/slides/slide15.xml><?xml version="1.0" encoding="utf-8"?>
+<p:sld xmlns:a="http://schemas.openxmlformats.org/drawingml/2006/main" xmlns:r="http://schemas.openxmlformats.org/officeDocument/2006/relationships" xmlns:p="http://schemas.openxmlformats.org/presentationml/2006/main">
+  <p:cSld>
+    <p:spTree>
+      <p:nvGrpSpPr>
+        <p:cNvPr id="1" name=""/>
+        <p:cNvGrpSpPr/>
+        <p:nvPr/>
+      </p:nvGrpSpPr>
+      <p:grpSpPr>
+        <a:xfrm>
+          <a:off x="0" y="0"/>
+          <a:ext cx="0" cy="0"/>
+          <a:chOff x="0" y="0"/>
+          <a:chExt cx="0" cy="0"/>
+        </a:xfrm>
+      </p:grpSpPr>
+      <p:sp>
+        <p:nvSpPr>
           <p:cNvPr id="2" name="Title 1"/>
           <p:cNvSpPr>
             <a:spLocks noGrp="1"/>
@@ -4822,15 +8693,17 @@
             </a:r>
           </a:p>
           <a:p>
+            <a:pPr lvl="1"/>
             <a:r>
               <a:rPr lang="en-US" dirty="0" smtClean="0"/>
-              <a:t>Amazon </a:t>
-            </a:r>
-            <a:r>
-              <a:rPr lang="en-US" smtClean="0"/>
-              <a:t>Machine Image on EC2</a:t>
-            </a:r>
-            <a:endParaRPr lang="en-US" dirty="0" smtClean="0"/>
+              <a:t>Hacks to support older IEs</a:t>
+            </a:r>
+          </a:p>
+          <a:p>
+            <a:r>
+              <a:rPr lang="en-US" dirty="0" smtClean="0"/>
+              <a:t>Amazon Machine Image on EC2</a:t>
+            </a:r>
           </a:p>
           <a:p>
             <a:pPr lvl="1"/>
@@ -5430,6 +9303,37 @@
             </a:r>
           </a:p>
           <a:p>
+            <a:r>
+              <a:rPr lang="en-US" dirty="0" smtClean="0"/>
+              <a:t>New model for web-accessible R code</a:t>
+            </a:r>
+          </a:p>
+          <a:p>
+            <a:r>
+              <a:rPr lang="en-US" dirty="0" smtClean="0"/>
+              <a:t>Able to generate basic web UIs</a:t>
+            </a:r>
+          </a:p>
+          <a:p>
+            <a:r>
+              <a:rPr lang="en-US" dirty="0" smtClean="0"/>
+              <a:t>Uses web sockets</a:t>
+            </a:r>
+          </a:p>
+          <a:p>
+            <a:pPr lvl="1"/>
+            <a:r>
+              <a:rPr lang="en-US" dirty="0" smtClean="0"/>
+              <a:t>“The new HTTP”</a:t>
+            </a:r>
+          </a:p>
+          <a:p>
+            <a:r>
+              <a:rPr lang="en-US" dirty="0" smtClean="0"/>
+              <a:t>Built on a “Reactive Programming” model</a:t>
+            </a:r>
+          </a:p>
+          <a:p>
             <a:endParaRPr lang="en-US" dirty="0"/>
           </a:p>
         </p:txBody>
@@ -5473,719 +9377,143 @@
       </p:grpSpPr>
       <p:sp>
         <p:nvSpPr>
-          <p:cNvPr id="73" name="Rectangle 72"/>
-          <p:cNvSpPr/>
-          <p:nvPr/>
-        </p:nvSpPr>
-        <p:spPr>
-          <a:xfrm>
-            <a:off x="6515100" y="3124200"/>
-            <a:ext cx="2476500" cy="2487385"/>
-          </a:xfrm>
-          <a:prstGeom prst="rect">
-            <a:avLst/>
-          </a:prstGeom>
-          <a:noFill/>
-          <a:ln>
-            <a:solidFill>
-              <a:schemeClr val="tx1"/>
-            </a:solidFill>
-          </a:ln>
-        </p:spPr>
-        <p:style>
-          <a:lnRef idx="2">
-            <a:schemeClr val="accent1">
-              <a:shade val="50000"/>
-            </a:schemeClr>
-          </a:lnRef>
-          <a:fillRef idx="1">
-            <a:schemeClr val="accent1"/>
-          </a:fillRef>
-          <a:effectRef idx="0">
-            <a:schemeClr val="accent1"/>
-          </a:effectRef>
-          <a:fontRef idx="minor">
-            <a:schemeClr val="lt1"/>
-          </a:fontRef>
-        </p:style>
-        <p:txBody>
-          <a:bodyPr rtlCol="0" anchor="t"/>
-          <a:lstStyle/>
-          <a:p>
-            <a:pPr algn="ctr"/>
-            <a:r>
-              <a:rPr lang="en-US" sz="2800" dirty="0" smtClean="0">
-                <a:solidFill>
-                  <a:schemeClr val="tx1"/>
-                </a:solidFill>
+          <p:cNvPr id="2" name="Title 1"/>
+          <p:cNvSpPr>
+            <a:spLocks noGrp="1"/>
+          </p:cNvSpPr>
+          <p:nvPr>
+            <p:ph type="title"/>
+          </p:nvPr>
+        </p:nvSpPr>
+        <p:spPr/>
+        <p:txBody>
+          <a:bodyPr/>
+          <a:lstStyle/>
+          <a:p>
+            <a:r>
+              <a:rPr lang="en-US" dirty="0" smtClean="0"/>
+              <a:t>Reactive Programming</a:t>
+            </a:r>
+            <a:endParaRPr lang="en-US" dirty="0"/>
+          </a:p>
+        </p:txBody>
+      </p:sp>
+      <p:sp>
+        <p:nvSpPr>
+          <p:cNvPr id="3" name="Content Placeholder 2"/>
+          <p:cNvSpPr>
+            <a:spLocks noGrp="1"/>
+          </p:cNvSpPr>
+          <p:nvPr>
+            <p:ph sz="quarter" idx="1"/>
+          </p:nvPr>
+        </p:nvSpPr>
+        <p:spPr/>
+        <p:txBody>
+          <a:bodyPr anchor="ctr">
+            <a:normAutofit/>
+          </a:bodyPr>
+          <a:lstStyle/>
+          <a:p>
+            <a:pPr marL="0" indent="0">
+              <a:lnSpc>
+                <a:spcPct val="150000"/>
+              </a:lnSpc>
+              <a:buNone/>
+            </a:pPr>
+            <a:r>
+              <a:rPr lang="en-US" sz="4000" dirty="0" smtClean="0">
+                <a:latin typeface="Lucida Console" pitchFamily="49" charset="0"/>
               </a:rPr>
-              <a:t>Key</a:t>
-            </a:r>
-            <a:endParaRPr lang="en-US" sz="2800" dirty="0">
-              <a:solidFill>
-                <a:schemeClr val="tx1"/>
-              </a:solidFill>
+              <a:t>a &lt;- 3</a:t>
+            </a:r>
+          </a:p>
+          <a:p>
+            <a:pPr marL="0" indent="0">
+              <a:lnSpc>
+                <a:spcPct val="150000"/>
+              </a:lnSpc>
+              <a:buNone/>
+            </a:pPr>
+            <a:r>
+              <a:rPr lang="en-US" sz="4000" dirty="0" smtClean="0">
+                <a:latin typeface="Lucida Console" pitchFamily="49" charset="0"/>
+              </a:rPr>
+              <a:t>b &lt;- a + 2</a:t>
+            </a:r>
+          </a:p>
+          <a:p>
+            <a:pPr marL="0" indent="0">
+              <a:lnSpc>
+                <a:spcPct val="150000"/>
+              </a:lnSpc>
+              <a:buNone/>
+            </a:pPr>
+            <a:r>
+              <a:rPr lang="en-US" sz="4000" dirty="0" smtClean="0">
+                <a:latin typeface="Lucida Console" pitchFamily="49" charset="0"/>
+              </a:rPr>
+              <a:t>a &lt;- 7</a:t>
+            </a:r>
+          </a:p>
+          <a:p>
+            <a:pPr marL="0" indent="0">
+              <a:lnSpc>
+                <a:spcPct val="150000"/>
+              </a:lnSpc>
+              <a:buNone/>
+            </a:pPr>
+            <a:r>
+              <a:rPr lang="en-US" sz="4000" dirty="0" smtClean="0">
+                <a:latin typeface="Lucida Console" pitchFamily="49" charset="0"/>
+              </a:rPr>
+              <a:t>b == ?</a:t>
+            </a:r>
+            <a:endParaRPr lang="en-US" sz="4000" dirty="0">
+              <a:latin typeface="Lucida Console" pitchFamily="49" charset="0"/>
             </a:endParaRPr>
           </a:p>
         </p:txBody>
       </p:sp>
       <p:sp>
         <p:nvSpPr>
-          <p:cNvPr id="2" name="Title 1"/>
+          <p:cNvPr id="4" name="Content Placeholder 3"/>
           <p:cNvSpPr>
             <a:spLocks noGrp="1"/>
           </p:cNvSpPr>
           <p:nvPr>
-            <p:ph type="title"/>
+            <p:ph sz="quarter" idx="2"/>
           </p:nvPr>
         </p:nvSpPr>
         <p:spPr/>
         <p:txBody>
-          <a:bodyPr/>
-          <a:lstStyle/>
-          <a:p>
-            <a:r>
-              <a:rPr lang="en-US" dirty="0" smtClean="0">
-                <a:solidFill>
-                  <a:schemeClr val="tx1"/>
-                </a:solidFill>
-              </a:rPr>
-              <a:t>Dependency Graph – Naïve</a:t>
-            </a:r>
-            <a:endParaRPr lang="en-US" dirty="0">
-              <a:solidFill>
-                <a:schemeClr val="tx1"/>
-              </a:solidFill>
-            </a:endParaRPr>
-          </a:p>
-        </p:txBody>
-      </p:sp>
-      <p:sp>
-        <p:nvSpPr>
-          <p:cNvPr id="13" name="Rectangle 12"/>
-          <p:cNvSpPr/>
-          <p:nvPr/>
-        </p:nvSpPr>
-        <p:spPr>
-          <a:xfrm>
-            <a:off x="1143000" y="1828800"/>
-            <a:ext cx="2133600" cy="587830"/>
-          </a:xfrm>
-          <a:prstGeom prst="rect">
-            <a:avLst/>
-          </a:prstGeom>
-        </p:spPr>
-        <p:style>
-          <a:lnRef idx="2">
-            <a:schemeClr val="accent1">
-              <a:shade val="50000"/>
-            </a:schemeClr>
-          </a:lnRef>
-          <a:fillRef idx="1">
-            <a:schemeClr val="accent1"/>
-          </a:fillRef>
-          <a:effectRef idx="0">
-            <a:schemeClr val="accent1"/>
-          </a:effectRef>
-          <a:fontRef idx="minor">
-            <a:schemeClr val="lt1"/>
-          </a:fontRef>
-        </p:style>
-        <p:txBody>
-          <a:bodyPr rtlCol="0" anchor="ctr"/>
-          <a:lstStyle/>
-          <a:p>
-            <a:pPr algn="ctr"/>
-            <a:r>
-              <a:rPr lang="en-US" sz="3200" dirty="0" err="1" smtClean="0"/>
-              <a:t>shinyServer</a:t>
-            </a:r>
-            <a:endParaRPr lang="en-US" sz="3200" dirty="0"/>
-          </a:p>
-        </p:txBody>
-      </p:sp>
-      <p:cxnSp>
-        <p:nvCxnSpPr>
-          <p:cNvPr id="14" name="Straight Arrow Connector 13"/>
-          <p:cNvCxnSpPr>
-            <a:stCxn id="13" idx="2"/>
-            <a:endCxn id="4" idx="0"/>
-          </p:cNvCxnSpPr>
-          <p:nvPr/>
-        </p:nvCxnSpPr>
-        <p:spPr>
-          <a:xfrm>
-            <a:off x="2209800" y="2416630"/>
-            <a:ext cx="0" cy="326570"/>
-          </a:xfrm>
-          <a:prstGeom prst="straightConnector1">
-            <a:avLst/>
-          </a:prstGeom>
-          <a:ln w="57150">
-            <a:tailEnd type="arrow"/>
-          </a:ln>
-        </p:spPr>
-        <p:style>
-          <a:lnRef idx="1">
-            <a:schemeClr val="accent1"/>
-          </a:lnRef>
-          <a:fillRef idx="0">
-            <a:schemeClr val="accent1"/>
-          </a:fillRef>
-          <a:effectRef idx="0">
-            <a:schemeClr val="accent1"/>
-          </a:effectRef>
-          <a:fontRef idx="minor">
-            <a:schemeClr val="tx1"/>
-          </a:fontRef>
-        </p:style>
-      </p:cxnSp>
-      <p:cxnSp>
-        <p:nvCxnSpPr>
-          <p:cNvPr id="20" name="Straight Arrow Connector 19"/>
-          <p:cNvCxnSpPr>
-            <a:stCxn id="4" idx="3"/>
-            <a:endCxn id="23" idx="1"/>
-          </p:cNvCxnSpPr>
-          <p:nvPr/>
-        </p:nvCxnSpPr>
-        <p:spPr>
-          <a:xfrm>
-            <a:off x="3429000" y="3418115"/>
-            <a:ext cx="762000" cy="10885"/>
-          </a:xfrm>
-          <a:prstGeom prst="straightConnector1">
-            <a:avLst/>
-          </a:prstGeom>
-          <a:ln w="57150">
-            <a:tailEnd type="arrow"/>
-          </a:ln>
-        </p:spPr>
-        <p:style>
-          <a:lnRef idx="1">
-            <a:schemeClr val="accent1"/>
-          </a:lnRef>
-          <a:fillRef idx="0">
-            <a:schemeClr val="accent1"/>
-          </a:fillRef>
-          <a:effectRef idx="0">
-            <a:schemeClr val="accent1"/>
-          </a:effectRef>
-          <a:fontRef idx="minor">
-            <a:schemeClr val="tx1"/>
-          </a:fontRef>
-        </p:style>
-      </p:cxnSp>
-      <p:sp>
-        <p:nvSpPr>
-          <p:cNvPr id="23" name="Rectangle 22"/>
-          <p:cNvSpPr/>
-          <p:nvPr/>
-        </p:nvSpPr>
-        <p:spPr>
-          <a:xfrm>
-            <a:off x="4191000" y="3124200"/>
-            <a:ext cx="2133600" cy="609600"/>
-          </a:xfrm>
-          <a:prstGeom prst="rect">
-            <a:avLst/>
-          </a:prstGeom>
-        </p:spPr>
-        <p:style>
-          <a:lnRef idx="2">
-            <a:schemeClr val="accent2">
-              <a:shade val="50000"/>
-            </a:schemeClr>
-          </a:lnRef>
-          <a:fillRef idx="1">
-            <a:schemeClr val="accent2"/>
-          </a:fillRef>
-          <a:effectRef idx="0">
-            <a:schemeClr val="accent2"/>
-          </a:effectRef>
-          <a:fontRef idx="minor">
-            <a:schemeClr val="lt1"/>
-          </a:fontRef>
-        </p:style>
-        <p:txBody>
-          <a:bodyPr rtlCol="0" anchor="ctr"/>
-          <a:lstStyle/>
-          <a:p>
-            <a:pPr algn="ctr"/>
-            <a:r>
-              <a:rPr lang="en-US" sz="3200" dirty="0" smtClean="0"/>
-              <a:t>$dataset</a:t>
-            </a:r>
-            <a:endParaRPr lang="en-US" sz="3200" dirty="0"/>
-          </a:p>
-        </p:txBody>
-      </p:sp>
-      <p:cxnSp>
-        <p:nvCxnSpPr>
-          <p:cNvPr id="28" name="Straight Arrow Connector 27"/>
-          <p:cNvCxnSpPr/>
-          <p:nvPr/>
-        </p:nvCxnSpPr>
-        <p:spPr>
-          <a:xfrm>
-            <a:off x="2971800" y="3695702"/>
-            <a:ext cx="740229" cy="985157"/>
-          </a:xfrm>
-          <a:prstGeom prst="straightConnector1">
-            <a:avLst/>
-          </a:prstGeom>
-          <a:ln w="57150">
-            <a:tailEnd type="arrow"/>
-          </a:ln>
-        </p:spPr>
-        <p:style>
-          <a:lnRef idx="1">
-            <a:schemeClr val="accent1"/>
-          </a:lnRef>
-          <a:fillRef idx="0">
-            <a:schemeClr val="accent1"/>
-          </a:fillRef>
-          <a:effectRef idx="0">
-            <a:schemeClr val="accent1"/>
-          </a:effectRef>
-          <a:fontRef idx="minor">
-            <a:schemeClr val="tx1"/>
-          </a:fontRef>
-        </p:style>
-      </p:cxnSp>
-      <p:sp>
-        <p:nvSpPr>
-          <p:cNvPr id="29" name="Rectangle 28"/>
-          <p:cNvSpPr/>
-          <p:nvPr/>
-        </p:nvSpPr>
-        <p:spPr>
-          <a:xfrm>
-            <a:off x="3200400" y="4680859"/>
-            <a:ext cx="2133600" cy="1066800"/>
-          </a:xfrm>
-          <a:prstGeom prst="rect">
-            <a:avLst/>
-          </a:prstGeom>
-        </p:spPr>
-        <p:style>
-          <a:lnRef idx="2">
-            <a:schemeClr val="accent2">
-              <a:shade val="50000"/>
-            </a:schemeClr>
-          </a:lnRef>
-          <a:fillRef idx="1">
-            <a:schemeClr val="accent2"/>
-          </a:fillRef>
-          <a:effectRef idx="0">
-            <a:schemeClr val="accent2"/>
-          </a:effectRef>
-          <a:fontRef idx="minor">
-            <a:schemeClr val="lt1"/>
-          </a:fontRef>
-        </p:style>
-        <p:txBody>
-          <a:bodyPr rtlCol="0" anchor="ctr"/>
-          <a:lstStyle/>
-          <a:p>
-            <a:pPr algn="ctr"/>
-            <a:r>
-              <a:rPr lang="en-US" sz="3200" dirty="0" smtClean="0"/>
-              <a:t>$</a:t>
-            </a:r>
-            <a:r>
-              <a:rPr lang="en-US" sz="3200" dirty="0" err="1" smtClean="0"/>
-              <a:t>individual_obs</a:t>
-            </a:r>
-            <a:endParaRPr lang="en-US" sz="3200" dirty="0"/>
-          </a:p>
-        </p:txBody>
-      </p:sp>
-      <p:sp>
-        <p:nvSpPr>
-          <p:cNvPr id="34" name="Rectangle 33"/>
-          <p:cNvSpPr/>
-          <p:nvPr/>
-        </p:nvSpPr>
-        <p:spPr>
-          <a:xfrm>
-            <a:off x="381000" y="5998030"/>
-            <a:ext cx="2133600" cy="685800"/>
-          </a:xfrm>
-          <a:prstGeom prst="rect">
-            <a:avLst/>
-          </a:prstGeom>
-        </p:spPr>
-        <p:style>
-          <a:lnRef idx="2">
-            <a:schemeClr val="accent2">
-              <a:shade val="50000"/>
-            </a:schemeClr>
-          </a:lnRef>
-          <a:fillRef idx="1">
-            <a:schemeClr val="accent2"/>
-          </a:fillRef>
-          <a:effectRef idx="0">
-            <a:schemeClr val="accent2"/>
-          </a:effectRef>
-          <a:fontRef idx="minor">
-            <a:schemeClr val="lt1"/>
-          </a:fontRef>
-        </p:style>
-        <p:txBody>
-          <a:bodyPr rtlCol="0" anchor="ctr"/>
-          <a:lstStyle/>
-          <a:p>
-            <a:pPr algn="ctr"/>
-            <a:r>
-              <a:rPr lang="en-US" sz="3200" dirty="0" smtClean="0"/>
-              <a:t>$</a:t>
-            </a:r>
-            <a:r>
-              <a:rPr lang="en-US" sz="3200" dirty="0" err="1" smtClean="0"/>
-              <a:t>bw_adjust</a:t>
-            </a:r>
-            <a:endParaRPr lang="en-US" sz="3200" dirty="0"/>
-          </a:p>
-        </p:txBody>
-      </p:sp>
-      <p:cxnSp>
-        <p:nvCxnSpPr>
-          <p:cNvPr id="35" name="Straight Arrow Connector 34"/>
-          <p:cNvCxnSpPr/>
-          <p:nvPr/>
-        </p:nvCxnSpPr>
-        <p:spPr>
-          <a:xfrm>
-            <a:off x="2209800" y="3777344"/>
-            <a:ext cx="0" cy="2220686"/>
-          </a:xfrm>
-          <a:prstGeom prst="straightConnector1">
-            <a:avLst/>
-          </a:prstGeom>
-          <a:ln w="57150">
-            <a:tailEnd type="arrow"/>
-          </a:ln>
-        </p:spPr>
-        <p:style>
-          <a:lnRef idx="1">
-            <a:schemeClr val="accent1"/>
-          </a:lnRef>
-          <a:fillRef idx="0">
-            <a:schemeClr val="accent1"/>
-          </a:fillRef>
-          <a:effectRef idx="0">
-            <a:schemeClr val="accent1"/>
-          </a:effectRef>
-          <a:fontRef idx="minor">
-            <a:schemeClr val="tx1"/>
-          </a:fontRef>
-        </p:style>
-      </p:cxnSp>
-      <p:sp>
-        <p:nvSpPr>
-          <p:cNvPr id="64" name="Rectangle 63"/>
-          <p:cNvSpPr/>
-          <p:nvPr/>
-        </p:nvSpPr>
-        <p:spPr>
-          <a:xfrm>
-            <a:off x="76200" y="4980215"/>
-            <a:ext cx="1905000" cy="685800"/>
-          </a:xfrm>
-          <a:prstGeom prst="rect">
-            <a:avLst/>
-          </a:prstGeom>
-        </p:spPr>
-        <p:style>
-          <a:lnRef idx="2">
-            <a:schemeClr val="accent2">
-              <a:shade val="50000"/>
-            </a:schemeClr>
-          </a:lnRef>
-          <a:fillRef idx="1">
-            <a:schemeClr val="accent2"/>
-          </a:fillRef>
-          <a:effectRef idx="0">
-            <a:schemeClr val="accent2"/>
-          </a:effectRef>
-          <a:fontRef idx="minor">
-            <a:schemeClr val="lt1"/>
-          </a:fontRef>
-        </p:style>
-        <p:txBody>
-          <a:bodyPr rtlCol="0" anchor="ctr"/>
-          <a:lstStyle/>
-          <a:p>
-            <a:pPr algn="ctr"/>
-            <a:r>
-              <a:rPr lang="en-US" sz="3200" dirty="0" smtClean="0"/>
-              <a:t>$</a:t>
-            </a:r>
-            <a:r>
-              <a:rPr lang="en-US" sz="3200" dirty="0" err="1" smtClean="0"/>
-              <a:t>n_breaks</a:t>
-            </a:r>
-            <a:endParaRPr lang="en-US" sz="3200" dirty="0"/>
-          </a:p>
-        </p:txBody>
-      </p:sp>
-      <p:cxnSp>
-        <p:nvCxnSpPr>
-          <p:cNvPr id="65" name="Straight Arrow Connector 64"/>
-          <p:cNvCxnSpPr>
-            <a:endCxn id="64" idx="0"/>
-          </p:cNvCxnSpPr>
-          <p:nvPr/>
-        </p:nvCxnSpPr>
-        <p:spPr>
-          <a:xfrm flipH="1">
-            <a:off x="1028700" y="3788230"/>
-            <a:ext cx="266700" cy="1191985"/>
-          </a:xfrm>
-          <a:prstGeom prst="straightConnector1">
-            <a:avLst/>
-          </a:prstGeom>
-          <a:ln w="57150">
-            <a:tailEnd type="arrow"/>
-          </a:ln>
-        </p:spPr>
-        <p:style>
-          <a:lnRef idx="1">
-            <a:schemeClr val="accent1"/>
-          </a:lnRef>
-          <a:fillRef idx="0">
-            <a:schemeClr val="accent1"/>
-          </a:fillRef>
-          <a:effectRef idx="0">
-            <a:schemeClr val="accent1"/>
-          </a:effectRef>
-          <a:fontRef idx="minor">
-            <a:schemeClr val="tx1"/>
-          </a:fontRef>
-        </p:style>
-      </p:cxnSp>
-      <p:sp>
-        <p:nvSpPr>
-          <p:cNvPr id="71" name="Rectangle 70"/>
-          <p:cNvSpPr/>
-          <p:nvPr/>
-        </p:nvSpPr>
-        <p:spPr>
-          <a:xfrm>
-            <a:off x="6705600" y="3706585"/>
-            <a:ext cx="2133600" cy="1001485"/>
-          </a:xfrm>
-          <a:prstGeom prst="rect">
-            <a:avLst/>
-          </a:prstGeom>
-        </p:spPr>
-        <p:style>
-          <a:lnRef idx="2">
-            <a:schemeClr val="accent1">
-              <a:shade val="50000"/>
-            </a:schemeClr>
-          </a:lnRef>
-          <a:fillRef idx="1">
-            <a:schemeClr val="accent1"/>
-          </a:fillRef>
-          <a:effectRef idx="0">
-            <a:schemeClr val="accent1"/>
-          </a:effectRef>
-          <a:fontRef idx="minor">
-            <a:schemeClr val="lt1"/>
-          </a:fontRef>
-        </p:style>
-        <p:txBody>
-          <a:bodyPr rtlCol="0" anchor="ctr"/>
-          <a:lstStyle/>
-          <a:p>
-            <a:pPr algn="ctr"/>
-            <a:r>
-              <a:rPr lang="en-US" sz="3200" dirty="0" smtClean="0"/>
-              <a:t>Reactive Function</a:t>
-            </a:r>
-            <a:endParaRPr lang="en-US" sz="3200" dirty="0"/>
-          </a:p>
-        </p:txBody>
-      </p:sp>
-      <p:sp>
-        <p:nvSpPr>
-          <p:cNvPr id="72" name="Rectangle 71"/>
-          <p:cNvSpPr/>
-          <p:nvPr/>
-        </p:nvSpPr>
-        <p:spPr>
-          <a:xfrm>
-            <a:off x="6705600" y="4925785"/>
-            <a:ext cx="2133600" cy="609600"/>
-          </a:xfrm>
-          <a:prstGeom prst="rect">
-            <a:avLst/>
-          </a:prstGeom>
-        </p:spPr>
-        <p:style>
-          <a:lnRef idx="2">
-            <a:schemeClr val="accent2">
-              <a:shade val="50000"/>
-            </a:schemeClr>
-          </a:lnRef>
-          <a:fillRef idx="1">
-            <a:schemeClr val="accent2"/>
-          </a:fillRef>
-          <a:effectRef idx="0">
-            <a:schemeClr val="accent2"/>
-          </a:effectRef>
-          <a:fontRef idx="minor">
-            <a:schemeClr val="lt1"/>
-          </a:fontRef>
-        </p:style>
-        <p:txBody>
-          <a:bodyPr rtlCol="0" anchor="ctr"/>
-          <a:lstStyle/>
-          <a:p>
-            <a:pPr algn="ctr"/>
-            <a:r>
-              <a:rPr lang="en-US" sz="3200" dirty="0" smtClean="0"/>
-              <a:t>Input</a:t>
-            </a:r>
-            <a:endParaRPr lang="en-US" sz="3200" dirty="0"/>
-          </a:p>
-        </p:txBody>
-      </p:sp>
-      <p:sp>
-        <p:nvSpPr>
-          <p:cNvPr id="75" name="Rectangle 74"/>
-          <p:cNvSpPr/>
-          <p:nvPr/>
-        </p:nvSpPr>
-        <p:spPr>
-          <a:xfrm>
-            <a:off x="2743200" y="6019800"/>
-            <a:ext cx="1807029" cy="685800"/>
-          </a:xfrm>
-          <a:prstGeom prst="rect">
-            <a:avLst/>
-          </a:prstGeom>
-        </p:spPr>
-        <p:style>
-          <a:lnRef idx="2">
-            <a:schemeClr val="accent2">
-              <a:shade val="50000"/>
-            </a:schemeClr>
-          </a:lnRef>
-          <a:fillRef idx="1">
-            <a:schemeClr val="accent2"/>
-          </a:fillRef>
-          <a:effectRef idx="0">
-            <a:schemeClr val="accent2"/>
-          </a:effectRef>
-          <a:fontRef idx="minor">
-            <a:schemeClr val="lt1"/>
-          </a:fontRef>
-        </p:style>
-        <p:txBody>
-          <a:bodyPr rtlCol="0" anchor="ctr"/>
-          <a:lstStyle/>
-          <a:p>
-            <a:pPr algn="ctr"/>
-            <a:r>
-              <a:rPr lang="en-US" sz="3200" dirty="0" smtClean="0"/>
-              <a:t>$density</a:t>
-            </a:r>
-            <a:endParaRPr lang="en-US" sz="3200" dirty="0"/>
-          </a:p>
-        </p:txBody>
-      </p:sp>
-      <p:cxnSp>
-        <p:nvCxnSpPr>
-          <p:cNvPr id="76" name="Straight Arrow Connector 75"/>
-          <p:cNvCxnSpPr/>
-          <p:nvPr/>
-        </p:nvCxnSpPr>
-        <p:spPr>
-          <a:xfrm>
-            <a:off x="2819400" y="3695702"/>
-            <a:ext cx="0" cy="2324098"/>
-          </a:xfrm>
-          <a:prstGeom prst="straightConnector1">
-            <a:avLst/>
-          </a:prstGeom>
-          <a:ln w="57150">
-            <a:tailEnd type="arrow"/>
-          </a:ln>
-        </p:spPr>
-        <p:style>
-          <a:lnRef idx="1">
-            <a:schemeClr val="accent1"/>
-          </a:lnRef>
-          <a:fillRef idx="0">
-            <a:schemeClr val="accent1"/>
-          </a:fillRef>
-          <a:effectRef idx="0">
-            <a:schemeClr val="accent1"/>
-          </a:effectRef>
-          <a:fontRef idx="minor">
-            <a:schemeClr val="tx1"/>
-          </a:fontRef>
-        </p:style>
-      </p:cxnSp>
-      <p:sp>
-        <p:nvSpPr>
-          <p:cNvPr id="4" name="Rectangle 3"/>
-          <p:cNvSpPr/>
-          <p:nvPr/>
-        </p:nvSpPr>
-        <p:spPr>
-          <a:xfrm>
-            <a:off x="990600" y="2743200"/>
-            <a:ext cx="2438400" cy="1349830"/>
-          </a:xfrm>
-          <a:prstGeom prst="rect">
-            <a:avLst/>
-          </a:prstGeom>
-        </p:spPr>
-        <p:style>
-          <a:lnRef idx="2">
-            <a:schemeClr val="accent1">
-              <a:shade val="50000"/>
-            </a:schemeClr>
-          </a:lnRef>
-          <a:fillRef idx="1">
-            <a:schemeClr val="accent1"/>
-          </a:fillRef>
-          <a:effectRef idx="0">
-            <a:schemeClr val="accent1"/>
-          </a:effectRef>
-          <a:fontRef idx="minor">
-            <a:schemeClr val="lt1"/>
-          </a:fontRef>
-        </p:style>
-        <p:txBody>
-          <a:bodyPr rtlCol="0" anchor="ctr"/>
-          <a:lstStyle/>
-          <a:p>
-            <a:pPr algn="ctr"/>
-            <a:r>
-              <a:rPr lang="en-US" sz="3200" dirty="0" err="1" smtClean="0"/>
-              <a:t>main_plot</a:t>
-            </a:r>
-            <a:endParaRPr lang="en-US" sz="3200" dirty="0" smtClean="0"/>
-          </a:p>
-          <a:p>
-            <a:pPr algn="ctr"/>
-            <a:r>
-              <a:rPr lang="en-US" sz="2400" dirty="0" smtClean="0"/>
-              <a:t>(Get data, get name, plot)</a:t>
-            </a:r>
-            <a:endParaRPr lang="en-US" sz="2400" dirty="0"/>
+          <a:bodyPr anchor="ctr"/>
+          <a:lstStyle/>
+          <a:p>
+            <a:pPr marL="0" indent="0">
+              <a:buNone/>
+            </a:pPr>
+            <a:r>
+              <a:rPr lang="en-US" sz="4000" dirty="0" smtClean="0"/>
+              <a:t>Imperative: b = 5</a:t>
+            </a:r>
+          </a:p>
+          <a:p>
+            <a:pPr marL="0" indent="0">
+              <a:buNone/>
+            </a:pPr>
+            <a:r>
+              <a:rPr lang="en-US" sz="4000" dirty="0" smtClean="0"/>
+              <a:t>Reactive: b = 9</a:t>
+            </a:r>
+            <a:endParaRPr lang="en-US" sz="4000" dirty="0"/>
           </a:p>
         </p:txBody>
       </p:sp>
     </p:spTree>
     <p:extLst>
       <p:ext uri="{BB962C8B-B14F-4D97-AF65-F5344CB8AC3E}">
-        <p14:creationId xmlns:p14="http://schemas.microsoft.com/office/powerpoint/2010/main" val="3443010595"/>
+        <p14:creationId xmlns:p14="http://schemas.microsoft.com/office/powerpoint/2010/main" val="413903457"/>
       </p:ext>
     </p:extLst>
   </p:cSld>
@@ -6195,9 +9523,115 @@
   <p:timing>
     <p:tnLst>
       <p:par>
-        <p:cTn id="1" dur="indefinite" restart="never" nodeType="tmRoot"/>
+        <p:cTn id="1" dur="indefinite" restart="never" nodeType="tmRoot">
+          <p:childTnLst>
+            <p:seq concurrent="1" nextAc="seek">
+              <p:cTn id="2" dur="indefinite" nodeType="mainSeq">
+                <p:childTnLst>
+                  <p:par>
+                    <p:cTn id="3" fill="hold">
+                      <p:stCondLst>
+                        <p:cond delay="indefinite"/>
+                      </p:stCondLst>
+                      <p:childTnLst>
+                        <p:par>
+                          <p:cTn id="4" fill="hold">
+                            <p:stCondLst>
+                              <p:cond delay="0"/>
+                            </p:stCondLst>
+                            <p:childTnLst>
+                              <p:par>
+                                <p:cTn id="5" presetID="1" presetClass="entr" presetSubtype="0" fill="hold" grpId="0" nodeType="clickEffect">
+                                  <p:stCondLst>
+                                    <p:cond delay="0"/>
+                                  </p:stCondLst>
+                                  <p:childTnLst>
+                                    <p:set>
+                                      <p:cBhvr>
+                                        <p:cTn id="6" dur="1" fill="hold">
+                                          <p:stCondLst>
+                                            <p:cond delay="0"/>
+                                          </p:stCondLst>
+                                        </p:cTn>
+                                        <p:tgtEl>
+                                          <p:spTgt spid="4">
+                                            <p:txEl>
+                                              <p:pRg st="0" end="0"/>
+                                            </p:txEl>
+                                          </p:spTgt>
+                                        </p:tgtEl>
+                                        <p:attrNameLst>
+                                          <p:attrName>style.visibility</p:attrName>
+                                        </p:attrNameLst>
+                                      </p:cBhvr>
+                                      <p:to>
+                                        <p:strVal val="visible"/>
+                                      </p:to>
+                                    </p:set>
+                                  </p:childTnLst>
+                                </p:cTn>
+                              </p:par>
+                              <p:par>
+                                <p:cTn id="7" presetID="1" presetClass="entr" presetSubtype="0" fill="hold" grpId="0" nodeType="withEffect">
+                                  <p:stCondLst>
+                                    <p:cond delay="0"/>
+                                  </p:stCondLst>
+                                  <p:childTnLst>
+                                    <p:set>
+                                      <p:cBhvr>
+                                        <p:cTn id="8" dur="1" fill="hold">
+                                          <p:stCondLst>
+                                            <p:cond delay="0"/>
+                                          </p:stCondLst>
+                                        </p:cTn>
+                                        <p:tgtEl>
+                                          <p:spTgt spid="4">
+                                            <p:txEl>
+                                              <p:pRg st="1" end="1"/>
+                                            </p:txEl>
+                                          </p:spTgt>
+                                        </p:tgtEl>
+                                        <p:attrNameLst>
+                                          <p:attrName>style.visibility</p:attrName>
+                                        </p:attrNameLst>
+                                      </p:cBhvr>
+                                      <p:to>
+                                        <p:strVal val="visible"/>
+                                      </p:to>
+                                    </p:set>
+                                  </p:childTnLst>
+                                </p:cTn>
+                              </p:par>
+                            </p:childTnLst>
+                          </p:cTn>
+                        </p:par>
+                      </p:childTnLst>
+                    </p:cTn>
+                  </p:par>
+                </p:childTnLst>
+              </p:cTn>
+              <p:prevCondLst>
+                <p:cond evt="onPrev" delay="0">
+                  <p:tgtEl>
+                    <p:sldTgt/>
+                  </p:tgtEl>
+                </p:cond>
+              </p:prevCondLst>
+              <p:nextCondLst>
+                <p:cond evt="onNext" delay="0">
+                  <p:tgtEl>
+                    <p:sldTgt/>
+                  </p:tgtEl>
+                </p:cond>
+              </p:nextCondLst>
+            </p:seq>
+          </p:childTnLst>
+        </p:cTn>
       </p:par>
     </p:tnLst>
+    <p:bldLst>
+      <p:bldP spid="4" grpId="0" uiExpand="1" build="p"/>
+    </p:bldLst>
   </p:timing>
 </p:sld>
 </file>
@@ -6221,24 +9655,105 @@
       </p:grpSpPr>
       <p:sp>
         <p:nvSpPr>
-          <p:cNvPr id="73" name="Rectangle 72"/>
-          <p:cNvSpPr/>
+          <p:cNvPr id="5" name="Title 4"/>
+          <p:cNvSpPr>
+            <a:spLocks noGrp="1"/>
+          </p:cNvSpPr>
+          <p:nvPr>
+            <p:ph type="title"/>
+          </p:nvPr>
+        </p:nvSpPr>
+        <p:spPr/>
+        <p:txBody>
+          <a:bodyPr/>
+          <a:lstStyle/>
+          <a:p>
+            <a:r>
+              <a:rPr lang="en-US" dirty="0" smtClean="0"/>
+              <a:t>Reactive Programming Example</a:t>
+            </a:r>
+            <a:endParaRPr lang="en-US" dirty="0"/>
+          </a:p>
+        </p:txBody>
+      </p:sp>
+      <p:pic>
+        <p:nvPicPr>
+          <p:cNvPr id="1026" name="Picture 2"/>
+          <p:cNvPicPr>
+            <a:picLocks noChangeAspect="1" noChangeArrowheads="1"/>
+          </p:cNvPicPr>
           <p:nvPr/>
-        </p:nvSpPr>
-        <p:spPr>
-          <a:xfrm>
-            <a:off x="6515100" y="3124200"/>
-            <a:ext cx="2476500" cy="2487385"/>
+        </p:nvPicPr>
+        <p:blipFill>
+          <a:blip r:embed="rId2">
+            <a:extLst>
+              <a:ext uri="{28A0092B-C50C-407E-A947-70E740481C1C}">
+                <a14:useLocalDpi xmlns:a14="http://schemas.microsoft.com/office/drawing/2010/main" val="0"/>
+              </a:ext>
+            </a:extLst>
+          </a:blip>
+          <a:srcRect/>
+          <a:stretch>
+            <a:fillRect/>
+          </a:stretch>
+        </p:blipFill>
+        <p:spPr bwMode="auto">
+          <a:xfrm>
+            <a:off x="1447800" y="1981200"/>
+            <a:ext cx="6477000" cy="4009572"/>
           </a:xfrm>
           <a:prstGeom prst="rect">
             <a:avLst/>
           </a:prstGeom>
           <a:noFill/>
           <a:ln>
-            <a:solidFill>
-              <a:schemeClr val="tx1"/>
-            </a:solidFill>
+            <a:noFill/>
           </a:ln>
+          <a:effectLst/>
+          <a:extLst>
+            <a:ext uri="{909E8E84-426E-40DD-AFC4-6F175D3DCCD1}">
+              <a14:hiddenFill xmlns:a14="http://schemas.microsoft.com/office/drawing/2010/main">
+                <a:solidFill>
+                  <a:schemeClr val="accent1"/>
+                </a:solidFill>
+              </a14:hiddenFill>
+            </a:ext>
+            <a:ext uri="{91240B29-F687-4F45-9708-019B960494DF}">
+              <a14:hiddenLine xmlns:a14="http://schemas.microsoft.com/office/drawing/2010/main" w="9525">
+                <a:solidFill>
+                  <a:schemeClr val="tx1"/>
+                </a:solidFill>
+                <a:miter lim="800000"/>
+                <a:headEnd/>
+                <a:tailEnd/>
+              </a14:hiddenLine>
+            </a:ext>
+            <a:ext uri="{AF507438-7753-43E0-B8FC-AC1667EBCBE1}">
+              <a14:hiddenEffects xmlns:a14="http://schemas.microsoft.com/office/drawing/2010/main">
+                <a:effectLst>
+                  <a:outerShdw dist="35921" dir="2700000" algn="ctr" rotWithShape="0">
+                    <a:schemeClr val="bg2"/>
+                  </a:outerShdw>
+                </a:effectLst>
+              </a14:hiddenEffects>
+            </a:ext>
+          </a:extLst>
+        </p:spPr>
+      </p:pic>
+      <p:sp>
+        <p:nvSpPr>
+          <p:cNvPr id="9" name="Curved Up Arrow 8"/>
+          <p:cNvSpPr/>
+          <p:nvPr/>
+        </p:nvSpPr>
+        <p:spPr>
+          <a:xfrm flipH="1">
+            <a:off x="3200400" y="4191000"/>
+            <a:ext cx="2438400" cy="990600"/>
+          </a:xfrm>
+          <a:prstGeom prst="curvedUpArrow">
+            <a:avLst/>
+          </a:prstGeom>
         </p:spPr>
         <p:style>
           <a:lnRef idx="2">
@@ -6257,19 +9772,11 @@
           </a:fontRef>
         </p:style>
         <p:txBody>
-          <a:bodyPr rtlCol="0" anchor="t"/>
+          <a:bodyPr rtlCol="0" anchor="ctr"/>
           <a:lstStyle/>
           <a:p>
             <a:pPr algn="ctr"/>
-            <a:r>
-              <a:rPr lang="en-US" sz="2800" dirty="0" smtClean="0">
-                <a:solidFill>
-                  <a:schemeClr val="tx1"/>
-                </a:solidFill>
-              </a:rPr>
-              <a:t>Key</a:t>
-            </a:r>
-            <a:endParaRPr lang="en-US" sz="2800" dirty="0">
+            <a:endParaRPr lang="en-US">
               <a:solidFill>
                 <a:schemeClr val="tx1"/>
               </a:solidFill>
@@ -6277,671 +9784,10 @@
           </a:p>
         </p:txBody>
       </p:sp>
-      <p:sp>
-        <p:nvSpPr>
-          <p:cNvPr id="2" name="Title 1"/>
-          <p:cNvSpPr>
-            <a:spLocks noGrp="1"/>
-          </p:cNvSpPr>
-          <p:nvPr>
-            <p:ph type="title"/>
-          </p:nvPr>
-        </p:nvSpPr>
-        <p:spPr/>
-        <p:txBody>
-          <a:bodyPr/>
-          <a:lstStyle/>
-          <a:p>
-            <a:r>
-              <a:rPr lang="en-US" dirty="0" smtClean="0">
-                <a:solidFill>
-                  <a:schemeClr val="tx1"/>
-                </a:solidFill>
-              </a:rPr>
-              <a:t>“Data Flow”– Naïve</a:t>
-            </a:r>
-            <a:endParaRPr lang="en-US" dirty="0">
-              <a:solidFill>
-                <a:schemeClr val="tx1"/>
-              </a:solidFill>
-            </a:endParaRPr>
-          </a:p>
-        </p:txBody>
-      </p:sp>
-      <p:sp>
-        <p:nvSpPr>
-          <p:cNvPr id="13" name="Rectangle 12"/>
-          <p:cNvSpPr/>
-          <p:nvPr/>
-        </p:nvSpPr>
-        <p:spPr>
-          <a:xfrm>
-            <a:off x="1143000" y="1828800"/>
-            <a:ext cx="2133600" cy="587830"/>
-          </a:xfrm>
-          <a:prstGeom prst="rect">
-            <a:avLst/>
-          </a:prstGeom>
-        </p:spPr>
-        <p:style>
-          <a:lnRef idx="2">
-            <a:schemeClr val="accent1">
-              <a:shade val="50000"/>
-            </a:schemeClr>
-          </a:lnRef>
-          <a:fillRef idx="1">
-            <a:schemeClr val="accent1"/>
-          </a:fillRef>
-          <a:effectRef idx="0">
-            <a:schemeClr val="accent1"/>
-          </a:effectRef>
-          <a:fontRef idx="minor">
-            <a:schemeClr val="lt1"/>
-          </a:fontRef>
-        </p:style>
-        <p:txBody>
-          <a:bodyPr rtlCol="0" anchor="ctr"/>
-          <a:lstStyle/>
-          <a:p>
-            <a:pPr algn="ctr"/>
-            <a:r>
-              <a:rPr lang="en-US" sz="3200" dirty="0" err="1" smtClean="0"/>
-              <a:t>shinyServer</a:t>
-            </a:r>
-            <a:endParaRPr lang="en-US" sz="3200" dirty="0"/>
-          </a:p>
-        </p:txBody>
-      </p:sp>
-      <p:cxnSp>
-        <p:nvCxnSpPr>
-          <p:cNvPr id="14" name="Straight Arrow Connector 13"/>
-          <p:cNvCxnSpPr>
-            <a:stCxn id="13" idx="2"/>
-            <a:endCxn id="4" idx="0"/>
-          </p:cNvCxnSpPr>
-          <p:nvPr/>
-        </p:nvCxnSpPr>
-        <p:spPr>
-          <a:xfrm>
-            <a:off x="2209800" y="2416630"/>
-            <a:ext cx="0" cy="326570"/>
-          </a:xfrm>
-          <a:prstGeom prst="straightConnector1">
-            <a:avLst/>
-          </a:prstGeom>
-          <a:ln w="57150">
-            <a:headEnd type="arrow" w="med" len="med"/>
-            <a:tailEnd type="none" w="med" len="med"/>
-          </a:ln>
-        </p:spPr>
-        <p:style>
-          <a:lnRef idx="1">
-            <a:schemeClr val="accent1"/>
-          </a:lnRef>
-          <a:fillRef idx="0">
-            <a:schemeClr val="accent1"/>
-          </a:fillRef>
-          <a:effectRef idx="0">
-            <a:schemeClr val="accent1"/>
-          </a:effectRef>
-          <a:fontRef idx="minor">
-            <a:schemeClr val="tx1"/>
-          </a:fontRef>
-        </p:style>
-      </p:cxnSp>
-      <p:cxnSp>
-        <p:nvCxnSpPr>
-          <p:cNvPr id="20" name="Straight Arrow Connector 19"/>
-          <p:cNvCxnSpPr>
-            <a:stCxn id="4" idx="3"/>
-            <a:endCxn id="23" idx="1"/>
-          </p:cNvCxnSpPr>
-          <p:nvPr/>
-        </p:nvCxnSpPr>
-        <p:spPr>
-          <a:xfrm>
-            <a:off x="3429000" y="3418115"/>
-            <a:ext cx="762000" cy="10885"/>
-          </a:xfrm>
-          <a:prstGeom prst="straightConnector1">
-            <a:avLst/>
-          </a:prstGeom>
-          <a:ln w="57150">
-            <a:headEnd type="arrow" w="med" len="med"/>
-            <a:tailEnd type="none" w="med" len="med"/>
-          </a:ln>
-        </p:spPr>
-        <p:style>
-          <a:lnRef idx="1">
-            <a:schemeClr val="accent1"/>
-          </a:lnRef>
-          <a:fillRef idx="0">
-            <a:schemeClr val="accent1"/>
-          </a:fillRef>
-          <a:effectRef idx="0">
-            <a:schemeClr val="accent1"/>
-          </a:effectRef>
-          <a:fontRef idx="minor">
-            <a:schemeClr val="tx1"/>
-          </a:fontRef>
-        </p:style>
-      </p:cxnSp>
-      <p:sp>
-        <p:nvSpPr>
-          <p:cNvPr id="23" name="Rectangle 22"/>
-          <p:cNvSpPr/>
-          <p:nvPr/>
-        </p:nvSpPr>
-        <p:spPr>
-          <a:xfrm>
-            <a:off x="4191000" y="3124200"/>
-            <a:ext cx="2133600" cy="609600"/>
-          </a:xfrm>
-          <a:prstGeom prst="rect">
-            <a:avLst/>
-          </a:prstGeom>
-        </p:spPr>
-        <p:style>
-          <a:lnRef idx="2">
-            <a:schemeClr val="accent2">
-              <a:shade val="50000"/>
-            </a:schemeClr>
-          </a:lnRef>
-          <a:fillRef idx="1">
-            <a:schemeClr val="accent2"/>
-          </a:fillRef>
-          <a:effectRef idx="0">
-            <a:schemeClr val="accent2"/>
-          </a:effectRef>
-          <a:fontRef idx="minor">
-            <a:schemeClr val="lt1"/>
-          </a:fontRef>
-        </p:style>
-        <p:txBody>
-          <a:bodyPr rtlCol="0" anchor="ctr"/>
-          <a:lstStyle/>
-          <a:p>
-            <a:pPr algn="ctr"/>
-            <a:r>
-              <a:rPr lang="en-US" sz="3200" dirty="0" smtClean="0"/>
-              <a:t>$dataset</a:t>
-            </a:r>
-            <a:endParaRPr lang="en-US" sz="3200" dirty="0"/>
-          </a:p>
-        </p:txBody>
-      </p:sp>
-      <p:cxnSp>
-        <p:nvCxnSpPr>
-          <p:cNvPr id="28" name="Straight Arrow Connector 27"/>
-          <p:cNvCxnSpPr/>
-          <p:nvPr/>
-        </p:nvCxnSpPr>
-        <p:spPr>
-          <a:xfrm>
-            <a:off x="3276600" y="4093030"/>
-            <a:ext cx="435429" cy="587829"/>
-          </a:xfrm>
-          <a:prstGeom prst="straightConnector1">
-            <a:avLst/>
-          </a:prstGeom>
-          <a:ln w="57150">
-            <a:headEnd type="arrow" w="med" len="med"/>
-            <a:tailEnd type="none" w="med" len="med"/>
-          </a:ln>
-        </p:spPr>
-        <p:style>
-          <a:lnRef idx="1">
-            <a:schemeClr val="accent1"/>
-          </a:lnRef>
-          <a:fillRef idx="0">
-            <a:schemeClr val="accent1"/>
-          </a:fillRef>
-          <a:effectRef idx="0">
-            <a:schemeClr val="accent1"/>
-          </a:effectRef>
-          <a:fontRef idx="minor">
-            <a:schemeClr val="tx1"/>
-          </a:fontRef>
-        </p:style>
-      </p:cxnSp>
-      <p:sp>
-        <p:nvSpPr>
-          <p:cNvPr id="29" name="Rectangle 28"/>
-          <p:cNvSpPr/>
-          <p:nvPr/>
-        </p:nvSpPr>
-        <p:spPr>
-          <a:xfrm>
-            <a:off x="3200400" y="4680859"/>
-            <a:ext cx="2133600" cy="1066800"/>
-          </a:xfrm>
-          <a:prstGeom prst="rect">
-            <a:avLst/>
-          </a:prstGeom>
-        </p:spPr>
-        <p:style>
-          <a:lnRef idx="2">
-            <a:schemeClr val="accent2">
-              <a:shade val="50000"/>
-            </a:schemeClr>
-          </a:lnRef>
-          <a:fillRef idx="1">
-            <a:schemeClr val="accent2"/>
-          </a:fillRef>
-          <a:effectRef idx="0">
-            <a:schemeClr val="accent2"/>
-          </a:effectRef>
-          <a:fontRef idx="minor">
-            <a:schemeClr val="lt1"/>
-          </a:fontRef>
-        </p:style>
-        <p:txBody>
-          <a:bodyPr rtlCol="0" anchor="ctr"/>
-          <a:lstStyle/>
-          <a:p>
-            <a:pPr algn="ctr"/>
-            <a:r>
-              <a:rPr lang="en-US" sz="3200" dirty="0" smtClean="0"/>
-              <a:t>$</a:t>
-            </a:r>
-            <a:r>
-              <a:rPr lang="en-US" sz="3200" dirty="0" err="1" smtClean="0"/>
-              <a:t>individual_obs</a:t>
-            </a:r>
-            <a:endParaRPr lang="en-US" sz="3200" dirty="0"/>
-          </a:p>
-        </p:txBody>
-      </p:sp>
-      <p:sp>
-        <p:nvSpPr>
-          <p:cNvPr id="34" name="Rectangle 33"/>
-          <p:cNvSpPr/>
-          <p:nvPr/>
-        </p:nvSpPr>
-        <p:spPr>
-          <a:xfrm>
-            <a:off x="381000" y="5998030"/>
-            <a:ext cx="2133600" cy="685800"/>
-          </a:xfrm>
-          <a:prstGeom prst="rect">
-            <a:avLst/>
-          </a:prstGeom>
-        </p:spPr>
-        <p:style>
-          <a:lnRef idx="2">
-            <a:schemeClr val="accent2">
-              <a:shade val="50000"/>
-            </a:schemeClr>
-          </a:lnRef>
-          <a:fillRef idx="1">
-            <a:schemeClr val="accent2"/>
-          </a:fillRef>
-          <a:effectRef idx="0">
-            <a:schemeClr val="accent2"/>
-          </a:effectRef>
-          <a:fontRef idx="minor">
-            <a:schemeClr val="lt1"/>
-          </a:fontRef>
-        </p:style>
-        <p:txBody>
-          <a:bodyPr rtlCol="0" anchor="ctr"/>
-          <a:lstStyle/>
-          <a:p>
-            <a:pPr algn="ctr"/>
-            <a:r>
-              <a:rPr lang="en-US" sz="3200" dirty="0" smtClean="0"/>
-              <a:t>$</a:t>
-            </a:r>
-            <a:r>
-              <a:rPr lang="en-US" sz="3200" dirty="0" err="1" smtClean="0"/>
-              <a:t>bw_adjust</a:t>
-            </a:r>
-            <a:endParaRPr lang="en-US" sz="3200" dirty="0"/>
-          </a:p>
-        </p:txBody>
-      </p:sp>
-      <p:cxnSp>
-        <p:nvCxnSpPr>
-          <p:cNvPr id="35" name="Straight Arrow Connector 34"/>
-          <p:cNvCxnSpPr>
-            <a:stCxn id="4" idx="2"/>
-          </p:cNvCxnSpPr>
-          <p:nvPr/>
-        </p:nvCxnSpPr>
-        <p:spPr>
-          <a:xfrm>
-            <a:off x="2209800" y="4093030"/>
-            <a:ext cx="0" cy="1905000"/>
-          </a:xfrm>
-          <a:prstGeom prst="straightConnector1">
-            <a:avLst/>
-          </a:prstGeom>
-          <a:ln w="57150">
-            <a:headEnd type="arrow" w="med" len="med"/>
-            <a:tailEnd type="none" w="med" len="med"/>
-          </a:ln>
-        </p:spPr>
-        <p:style>
-          <a:lnRef idx="1">
-            <a:schemeClr val="accent1"/>
-          </a:lnRef>
-          <a:fillRef idx="0">
-            <a:schemeClr val="accent1"/>
-          </a:fillRef>
-          <a:effectRef idx="0">
-            <a:schemeClr val="accent1"/>
-          </a:effectRef>
-          <a:fontRef idx="minor">
-            <a:schemeClr val="tx1"/>
-          </a:fontRef>
-        </p:style>
-      </p:cxnSp>
-      <p:sp>
-        <p:nvSpPr>
-          <p:cNvPr id="64" name="Rectangle 63"/>
-          <p:cNvSpPr/>
-          <p:nvPr/>
-        </p:nvSpPr>
-        <p:spPr>
-          <a:xfrm>
-            <a:off x="76200" y="4980215"/>
-            <a:ext cx="1905000" cy="685800"/>
-          </a:xfrm>
-          <a:prstGeom prst="rect">
-            <a:avLst/>
-          </a:prstGeom>
-        </p:spPr>
-        <p:style>
-          <a:lnRef idx="2">
-            <a:schemeClr val="accent2">
-              <a:shade val="50000"/>
-            </a:schemeClr>
-          </a:lnRef>
-          <a:fillRef idx="1">
-            <a:schemeClr val="accent2"/>
-          </a:fillRef>
-          <a:effectRef idx="0">
-            <a:schemeClr val="accent2"/>
-          </a:effectRef>
-          <a:fontRef idx="minor">
-            <a:schemeClr val="lt1"/>
-          </a:fontRef>
-        </p:style>
-        <p:txBody>
-          <a:bodyPr rtlCol="0" anchor="ctr"/>
-          <a:lstStyle/>
-          <a:p>
-            <a:pPr algn="ctr"/>
-            <a:r>
-              <a:rPr lang="en-US" sz="3200" dirty="0" smtClean="0"/>
-              <a:t>$</a:t>
-            </a:r>
-            <a:r>
-              <a:rPr lang="en-US" sz="3200" dirty="0" err="1" smtClean="0"/>
-              <a:t>n_breaks</a:t>
-            </a:r>
-            <a:endParaRPr lang="en-US" sz="3200" dirty="0"/>
-          </a:p>
-        </p:txBody>
-      </p:sp>
-      <p:cxnSp>
-        <p:nvCxnSpPr>
-          <p:cNvPr id="65" name="Straight Arrow Connector 64"/>
-          <p:cNvCxnSpPr>
-            <a:endCxn id="64" idx="0"/>
-          </p:cNvCxnSpPr>
-          <p:nvPr/>
-        </p:nvCxnSpPr>
-        <p:spPr>
-          <a:xfrm flipH="1">
-            <a:off x="1028700" y="4093030"/>
-            <a:ext cx="266700" cy="887185"/>
-          </a:xfrm>
-          <a:prstGeom prst="straightConnector1">
-            <a:avLst/>
-          </a:prstGeom>
-          <a:ln w="57150">
-            <a:headEnd type="arrow" w="med" len="med"/>
-            <a:tailEnd type="none" w="med" len="med"/>
-          </a:ln>
-        </p:spPr>
-        <p:style>
-          <a:lnRef idx="1">
-            <a:schemeClr val="accent1"/>
-          </a:lnRef>
-          <a:fillRef idx="0">
-            <a:schemeClr val="accent1"/>
-          </a:fillRef>
-          <a:effectRef idx="0">
-            <a:schemeClr val="accent1"/>
-          </a:effectRef>
-          <a:fontRef idx="minor">
-            <a:schemeClr val="tx1"/>
-          </a:fontRef>
-        </p:style>
-      </p:cxnSp>
-      <p:sp>
-        <p:nvSpPr>
-          <p:cNvPr id="71" name="Rectangle 70"/>
-          <p:cNvSpPr/>
-          <p:nvPr/>
-        </p:nvSpPr>
-        <p:spPr>
-          <a:xfrm>
-            <a:off x="6705600" y="3706585"/>
-            <a:ext cx="2133600" cy="1001485"/>
-          </a:xfrm>
-          <a:prstGeom prst="rect">
-            <a:avLst/>
-          </a:prstGeom>
-        </p:spPr>
-        <p:style>
-          <a:lnRef idx="2">
-            <a:schemeClr val="accent1">
-              <a:shade val="50000"/>
-            </a:schemeClr>
-          </a:lnRef>
-          <a:fillRef idx="1">
-            <a:schemeClr val="accent1"/>
-          </a:fillRef>
-          <a:effectRef idx="0">
-            <a:schemeClr val="accent1"/>
-          </a:effectRef>
-          <a:fontRef idx="minor">
-            <a:schemeClr val="lt1"/>
-          </a:fontRef>
-        </p:style>
-        <p:txBody>
-          <a:bodyPr rtlCol="0" anchor="ctr"/>
-          <a:lstStyle/>
-          <a:p>
-            <a:pPr algn="ctr"/>
-            <a:r>
-              <a:rPr lang="en-US" sz="3200" dirty="0" smtClean="0"/>
-              <a:t>Reactive Function</a:t>
-            </a:r>
-            <a:endParaRPr lang="en-US" sz="3200" dirty="0"/>
-          </a:p>
-        </p:txBody>
-      </p:sp>
-      <p:sp>
-        <p:nvSpPr>
-          <p:cNvPr id="72" name="Rectangle 71"/>
-          <p:cNvSpPr/>
-          <p:nvPr/>
-        </p:nvSpPr>
-        <p:spPr>
-          <a:xfrm>
-            <a:off x="6705600" y="4925785"/>
-            <a:ext cx="2133600" cy="609600"/>
-          </a:xfrm>
-          <a:prstGeom prst="rect">
-            <a:avLst/>
-          </a:prstGeom>
-        </p:spPr>
-        <p:style>
-          <a:lnRef idx="2">
-            <a:schemeClr val="accent2">
-              <a:shade val="50000"/>
-            </a:schemeClr>
-          </a:lnRef>
-          <a:fillRef idx="1">
-            <a:schemeClr val="accent2"/>
-          </a:fillRef>
-          <a:effectRef idx="0">
-            <a:schemeClr val="accent2"/>
-          </a:effectRef>
-          <a:fontRef idx="minor">
-            <a:schemeClr val="lt1"/>
-          </a:fontRef>
-        </p:style>
-        <p:txBody>
-          <a:bodyPr rtlCol="0" anchor="ctr"/>
-          <a:lstStyle/>
-          <a:p>
-            <a:pPr algn="ctr"/>
-            <a:r>
-              <a:rPr lang="en-US" sz="3200" dirty="0" smtClean="0"/>
-              <a:t>Input</a:t>
-            </a:r>
-            <a:endParaRPr lang="en-US" sz="3200" dirty="0"/>
-          </a:p>
-        </p:txBody>
-      </p:sp>
-      <p:sp>
-        <p:nvSpPr>
-          <p:cNvPr id="75" name="Rectangle 74"/>
-          <p:cNvSpPr/>
-          <p:nvPr/>
-        </p:nvSpPr>
-        <p:spPr>
-          <a:xfrm>
-            <a:off x="2743200" y="6019800"/>
-            <a:ext cx="1807029" cy="685800"/>
-          </a:xfrm>
-          <a:prstGeom prst="rect">
-            <a:avLst/>
-          </a:prstGeom>
-        </p:spPr>
-        <p:style>
-          <a:lnRef idx="2">
-            <a:schemeClr val="accent2">
-              <a:shade val="50000"/>
-            </a:schemeClr>
-          </a:lnRef>
-          <a:fillRef idx="1">
-            <a:schemeClr val="accent2"/>
-          </a:fillRef>
-          <a:effectRef idx="0">
-            <a:schemeClr val="accent2"/>
-          </a:effectRef>
-          <a:fontRef idx="minor">
-            <a:schemeClr val="lt1"/>
-          </a:fontRef>
-        </p:style>
-        <p:txBody>
-          <a:bodyPr rtlCol="0" anchor="ctr"/>
-          <a:lstStyle/>
-          <a:p>
-            <a:pPr algn="ctr"/>
-            <a:r>
-              <a:rPr lang="en-US" sz="3200" dirty="0" smtClean="0"/>
-              <a:t>$density</a:t>
-            </a:r>
-            <a:endParaRPr lang="en-US" sz="3200" dirty="0"/>
-          </a:p>
-        </p:txBody>
-      </p:sp>
-      <p:cxnSp>
-        <p:nvCxnSpPr>
-          <p:cNvPr id="76" name="Straight Arrow Connector 75"/>
-          <p:cNvCxnSpPr/>
-          <p:nvPr/>
-        </p:nvCxnSpPr>
-        <p:spPr>
-          <a:xfrm>
-            <a:off x="2819400" y="4093030"/>
-            <a:ext cx="0" cy="1926770"/>
-          </a:xfrm>
-          <a:prstGeom prst="straightConnector1">
-            <a:avLst/>
-          </a:prstGeom>
-          <a:ln w="57150">
-            <a:headEnd type="arrow" w="med" len="med"/>
-            <a:tailEnd type="none" w="med" len="med"/>
-          </a:ln>
-        </p:spPr>
-        <p:style>
-          <a:lnRef idx="1">
-            <a:schemeClr val="accent1"/>
-          </a:lnRef>
-          <a:fillRef idx="0">
-            <a:schemeClr val="accent1"/>
-          </a:fillRef>
-          <a:effectRef idx="0">
-            <a:schemeClr val="accent1"/>
-          </a:effectRef>
-          <a:fontRef idx="minor">
-            <a:schemeClr val="tx1"/>
-          </a:fontRef>
-        </p:style>
-      </p:cxnSp>
-      <p:sp>
-        <p:nvSpPr>
-          <p:cNvPr id="4" name="Rectangle 3"/>
-          <p:cNvSpPr/>
-          <p:nvPr/>
-        </p:nvSpPr>
-        <p:spPr>
-          <a:xfrm>
-            <a:off x="990600" y="2743200"/>
-            <a:ext cx="2438400" cy="1349830"/>
-          </a:xfrm>
-          <a:prstGeom prst="rect">
-            <a:avLst/>
-          </a:prstGeom>
-        </p:spPr>
-        <p:style>
-          <a:lnRef idx="2">
-            <a:schemeClr val="accent1">
-              <a:shade val="50000"/>
-            </a:schemeClr>
-          </a:lnRef>
-          <a:fillRef idx="1">
-            <a:schemeClr val="accent1"/>
-          </a:fillRef>
-          <a:effectRef idx="0">
-            <a:schemeClr val="accent1"/>
-          </a:effectRef>
-          <a:fontRef idx="minor">
-            <a:schemeClr val="lt1"/>
-          </a:fontRef>
-        </p:style>
-        <p:txBody>
-          <a:bodyPr rtlCol="0" anchor="ctr"/>
-          <a:lstStyle/>
-          <a:p>
-            <a:pPr algn="ctr"/>
-            <a:r>
-              <a:rPr lang="en-US" sz="3200" dirty="0" err="1" smtClean="0"/>
-              <a:t>main_plot</a:t>
-            </a:r>
-            <a:endParaRPr lang="en-US" sz="3200" dirty="0" smtClean="0"/>
-          </a:p>
-          <a:p>
-            <a:pPr algn="ctr"/>
-            <a:r>
-              <a:rPr lang="en-US" sz="2400" dirty="0" smtClean="0"/>
-              <a:t>(Get data, get name, plot)</a:t>
-            </a:r>
-            <a:endParaRPr lang="en-US" sz="2400" dirty="0"/>
-          </a:p>
-        </p:txBody>
-      </p:sp>
     </p:spTree>
     <p:extLst>
       <p:ext uri="{BB962C8B-B14F-4D97-AF65-F5344CB8AC3E}">
-        <p14:creationId xmlns:p14="http://schemas.microsoft.com/office/powerpoint/2010/main" val="1844133764"/>
+        <p14:creationId xmlns:p14="http://schemas.microsoft.com/office/powerpoint/2010/main" val="548061465"/>
       </p:ext>
     </p:extLst>
   </p:cSld>
@@ -6951,9 +9797,133 @@
   <p:timing>
     <p:tnLst>
       <p:par>
-        <p:cTn id="1" dur="indefinite" restart="never" nodeType="tmRoot"/>
+        <p:cTn id="1" dur="indefinite" restart="never" nodeType="tmRoot">
+          <p:childTnLst>
+            <p:seq concurrent="1" nextAc="seek">
+              <p:cTn id="2" dur="indefinite" nodeType="mainSeq">
+                <p:childTnLst>
+                  <p:par>
+                    <p:cTn id="3" fill="hold">
+                      <p:stCondLst>
+                        <p:cond delay="indefinite"/>
+                      </p:stCondLst>
+                      <p:childTnLst>
+                        <p:par>
+                          <p:cTn id="4" fill="hold">
+                            <p:stCondLst>
+                              <p:cond delay="0"/>
+                            </p:stCondLst>
+                            <p:childTnLst>
+                              <p:par>
+                                <p:cTn id="5" presetID="10" presetClass="entr" presetSubtype="0" fill="hold" nodeType="clickEffect">
+                                  <p:stCondLst>
+                                    <p:cond delay="0"/>
+                                  </p:stCondLst>
+                                  <p:childTnLst>
+                                    <p:set>
+                                      <p:cBhvr>
+                                        <p:cTn id="6" dur="1" fill="hold">
+                                          <p:stCondLst>
+                                            <p:cond delay="0"/>
+                                          </p:stCondLst>
+                                        </p:cTn>
+                                        <p:tgtEl>
+                                          <p:spTgt spid="1026"/>
+                                        </p:tgtEl>
+                                        <p:attrNameLst>
+                                          <p:attrName>style.visibility</p:attrName>
+                                        </p:attrNameLst>
+                                      </p:cBhvr>
+                                      <p:to>
+                                        <p:strVal val="visible"/>
+                                      </p:to>
+                                    </p:set>
+                                    <p:animEffect transition="in" filter="fade">
+                                      <p:cBhvr>
+                                        <p:cTn id="7" dur="500"/>
+                                        <p:tgtEl>
+                                          <p:spTgt spid="1026"/>
+                                        </p:tgtEl>
+                                      </p:cBhvr>
+                                    </p:animEffect>
+                                  </p:childTnLst>
+                                </p:cTn>
+                              </p:par>
+                            </p:childTnLst>
+                          </p:cTn>
+                        </p:par>
+                      </p:childTnLst>
+                    </p:cTn>
+                  </p:par>
+                  <p:par>
+                    <p:cTn id="8" fill="hold">
+                      <p:stCondLst>
+                        <p:cond delay="indefinite"/>
+                      </p:stCondLst>
+                      <p:childTnLst>
+                        <p:par>
+                          <p:cTn id="9" fill="hold">
+                            <p:stCondLst>
+                              <p:cond delay="0"/>
+                            </p:stCondLst>
+                            <p:childTnLst>
+                              <p:par>
+                                <p:cTn id="10" presetID="1" presetClass="entr" presetSubtype="0" fill="hold" grpId="0" nodeType="clickEffect">
+                                  <p:stCondLst>
+                                    <p:cond delay="0"/>
+                                  </p:stCondLst>
+                                  <p:childTnLst>
+                                    <p:set>
+                                      <p:cBhvr>
+                                        <p:cTn id="11" dur="1" fill="hold">
+                                          <p:stCondLst>
+                                            <p:cond delay="0"/>
+                                          </p:stCondLst>
+                                        </p:cTn>
+                                        <p:tgtEl>
+                                          <p:spTgt spid="9"/>
+                                        </p:tgtEl>
+                                        <p:attrNameLst>
+                                          <p:attrName>style.visibility</p:attrName>
+                                        </p:attrNameLst>
+                                      </p:cBhvr>
+                                      <p:to>
+                                        <p:strVal val="visible"/>
+                                      </p:to>
+                                    </p:set>
+                                  </p:childTnLst>
+                                </p:cTn>
+                              </p:par>
+                            </p:childTnLst>
+                          </p:cTn>
+                        </p:par>
+                      </p:childTnLst>
+                    </p:cTn>
+                  </p:par>
+                </p:childTnLst>
+              </p:cTn>
+              <p:prevCondLst>
+                <p:cond evt="onPrev" delay="0">
+                  <p:tgtEl>
+                    <p:sldTgt/>
+                  </p:tgtEl>
+                </p:cond>
+              </p:prevCondLst>
+              <p:nextCondLst>
+                <p:cond evt="onNext" delay="0">
+                  <p:tgtEl>
+                    <p:sldTgt/>
+                  </p:tgtEl>
+                </p:cond>
+              </p:nextCondLst>
+            </p:seq>
+          </p:childTnLst>
+        </p:cTn>
       </p:par>
     </p:tnLst>
+    <p:bldLst>
+      <p:bldP spid="9" grpId="0" animBg="1"/>
+    </p:bldLst>
   </p:timing>
 </p:sld>
 </file>
@@ -6977,909 +9947,54 @@
       </p:grpSpPr>
       <p:sp>
         <p:nvSpPr>
-          <p:cNvPr id="73" name="Rectangle 72"/>
-          <p:cNvSpPr/>
-          <p:nvPr/>
-        </p:nvSpPr>
-        <p:spPr>
-          <a:xfrm>
-            <a:off x="6515100" y="3581400"/>
-            <a:ext cx="2476500" cy="2487385"/>
-          </a:xfrm>
-          <a:prstGeom prst="rect">
-            <a:avLst/>
-          </a:prstGeom>
-          <a:noFill/>
-          <a:ln>
-            <a:solidFill>
-              <a:schemeClr val="tx1"/>
-            </a:solidFill>
-          </a:ln>
-        </p:spPr>
-        <p:style>
-          <a:lnRef idx="2">
-            <a:schemeClr val="accent1">
-              <a:shade val="50000"/>
-            </a:schemeClr>
-          </a:lnRef>
-          <a:fillRef idx="1">
-            <a:schemeClr val="accent1"/>
-          </a:fillRef>
-          <a:effectRef idx="0">
-            <a:schemeClr val="accent1"/>
-          </a:effectRef>
-          <a:fontRef idx="minor">
-            <a:schemeClr val="lt1"/>
-          </a:fontRef>
-        </p:style>
-        <p:txBody>
-          <a:bodyPr rtlCol="0" anchor="t"/>
-          <a:lstStyle/>
-          <a:p>
-            <a:pPr algn="ctr"/>
-            <a:r>
-              <a:rPr lang="en-US" sz="2800" dirty="0" smtClean="0">
-                <a:solidFill>
-                  <a:schemeClr val="tx1"/>
-                </a:solidFill>
-              </a:rPr>
-              <a:t>Key</a:t>
-            </a:r>
-            <a:endParaRPr lang="en-US" sz="2800" dirty="0">
-              <a:solidFill>
-                <a:schemeClr val="tx1"/>
-              </a:solidFill>
-            </a:endParaRPr>
-          </a:p>
-        </p:txBody>
-      </p:sp>
-      <p:sp>
-        <p:nvSpPr>
-          <p:cNvPr id="2" name="Title 1"/>
+          <p:cNvPr id="5" name="Text Placeholder 4"/>
           <p:cNvSpPr>
             <a:spLocks noGrp="1"/>
           </p:cNvSpPr>
           <p:nvPr>
+            <p:ph type="body" idx="1"/>
+          </p:nvPr>
+        </p:nvSpPr>
+        <p:spPr/>
+        <p:txBody>
+          <a:bodyPr/>
+          <a:lstStyle/>
+          <a:p>
+            <a:r>
+              <a:rPr lang="en-US" dirty="0" smtClean="0"/>
+              <a:t>Basic Shiny UI and Server</a:t>
+            </a:r>
+            <a:endParaRPr lang="en-US" dirty="0"/>
+          </a:p>
+        </p:txBody>
+      </p:sp>
+      <p:sp>
+        <p:nvSpPr>
+          <p:cNvPr id="4" name="Title 3"/>
+          <p:cNvSpPr>
+            <a:spLocks noGrp="1"/>
+          </p:cNvSpPr>
+          <p:nvPr>
             <p:ph type="title"/>
           </p:nvPr>
         </p:nvSpPr>
         <p:spPr/>
         <p:txBody>
-          <a:bodyPr>
-            <a:normAutofit/>
-          </a:bodyPr>
-          <a:lstStyle/>
-          <a:p>
-            <a:r>
-              <a:rPr lang="en-US" dirty="0" smtClean="0">
-                <a:solidFill>
-                  <a:schemeClr val="tx1"/>
-                </a:solidFill>
-              </a:rPr>
-              <a:t>Dependency Graph – Reactive</a:t>
-            </a:r>
-            <a:endParaRPr lang="en-US" dirty="0">
-              <a:solidFill>
-                <a:schemeClr val="tx1"/>
-              </a:solidFill>
-            </a:endParaRPr>
-          </a:p>
-        </p:txBody>
-      </p:sp>
-      <p:sp>
-        <p:nvSpPr>
-          <p:cNvPr id="5" name="Rectangle 4"/>
-          <p:cNvSpPr/>
-          <p:nvPr/>
-        </p:nvSpPr>
-        <p:spPr>
-          <a:xfrm>
-            <a:off x="4038600" y="2111831"/>
-            <a:ext cx="2133600" cy="587829"/>
-          </a:xfrm>
-          <a:prstGeom prst="rect">
-            <a:avLst/>
-          </a:prstGeom>
-        </p:spPr>
-        <p:style>
-          <a:lnRef idx="2">
-            <a:schemeClr val="accent1">
-              <a:shade val="50000"/>
-            </a:schemeClr>
-          </a:lnRef>
-          <a:fillRef idx="1">
-            <a:schemeClr val="accent1"/>
-          </a:fillRef>
-          <a:effectRef idx="0">
-            <a:schemeClr val="accent1"/>
-          </a:effectRef>
-          <a:fontRef idx="minor">
-            <a:schemeClr val="lt1"/>
-          </a:fontRef>
-        </p:style>
-        <p:txBody>
-          <a:bodyPr rtlCol="0" anchor="ctr"/>
-          <a:lstStyle/>
-          <a:p>
-            <a:pPr algn="ctr"/>
-            <a:r>
-              <a:rPr lang="en-US" sz="3200" dirty="0" err="1" smtClean="0"/>
-              <a:t>getData</a:t>
-            </a:r>
-            <a:endParaRPr lang="en-US" sz="3200" dirty="0"/>
-          </a:p>
-        </p:txBody>
-      </p:sp>
-      <p:sp>
-        <p:nvSpPr>
-          <p:cNvPr id="6" name="Rectangle 5"/>
-          <p:cNvSpPr/>
-          <p:nvPr/>
-        </p:nvSpPr>
-        <p:spPr>
-          <a:xfrm>
-            <a:off x="4038600" y="3156859"/>
-            <a:ext cx="2133600" cy="631371"/>
-          </a:xfrm>
-          <a:prstGeom prst="rect">
-            <a:avLst/>
-          </a:prstGeom>
-        </p:spPr>
-        <p:style>
-          <a:lnRef idx="2">
-            <a:schemeClr val="accent1">
-              <a:shade val="50000"/>
-            </a:schemeClr>
-          </a:lnRef>
-          <a:fillRef idx="1">
-            <a:schemeClr val="accent1"/>
-          </a:fillRef>
-          <a:effectRef idx="0">
-            <a:schemeClr val="accent1"/>
-          </a:effectRef>
-          <a:fontRef idx="minor">
-            <a:schemeClr val="lt1"/>
-          </a:fontRef>
-        </p:style>
-        <p:txBody>
-          <a:bodyPr rtlCol="0" anchor="ctr"/>
-          <a:lstStyle/>
-          <a:p>
-            <a:pPr algn="ctr"/>
-            <a:r>
-              <a:rPr lang="en-US" sz="3200" dirty="0" err="1" smtClean="0"/>
-              <a:t>dataName</a:t>
-            </a:r>
-            <a:endParaRPr lang="en-US" sz="3200" dirty="0"/>
-          </a:p>
-        </p:txBody>
-      </p:sp>
-      <p:cxnSp>
-        <p:nvCxnSpPr>
-          <p:cNvPr id="8" name="Straight Arrow Connector 7"/>
-          <p:cNvCxnSpPr>
-            <a:stCxn id="4" idx="3"/>
-            <a:endCxn id="5" idx="1"/>
-          </p:cNvCxnSpPr>
-          <p:nvPr/>
-        </p:nvCxnSpPr>
-        <p:spPr>
-          <a:xfrm flipV="1">
-            <a:off x="3276600" y="2405746"/>
-            <a:ext cx="762000" cy="903514"/>
-          </a:xfrm>
-          <a:prstGeom prst="straightConnector1">
-            <a:avLst/>
-          </a:prstGeom>
-          <a:ln w="57150">
-            <a:tailEnd type="arrow"/>
-          </a:ln>
-        </p:spPr>
-        <p:style>
-          <a:lnRef idx="1">
-            <a:schemeClr val="accent1"/>
-          </a:lnRef>
-          <a:fillRef idx="0">
-            <a:schemeClr val="accent1"/>
-          </a:fillRef>
-          <a:effectRef idx="0">
-            <a:schemeClr val="accent1"/>
-          </a:effectRef>
-          <a:fontRef idx="minor">
-            <a:schemeClr val="tx1"/>
-          </a:fontRef>
-        </p:style>
-      </p:cxnSp>
-      <p:cxnSp>
-        <p:nvCxnSpPr>
-          <p:cNvPr id="9" name="Straight Arrow Connector 8"/>
-          <p:cNvCxnSpPr>
-            <a:stCxn id="4" idx="3"/>
-            <a:endCxn id="6" idx="1"/>
-          </p:cNvCxnSpPr>
-          <p:nvPr/>
-        </p:nvCxnSpPr>
-        <p:spPr>
-          <a:xfrm>
-            <a:off x="3276600" y="3309260"/>
-            <a:ext cx="762000" cy="163285"/>
-          </a:xfrm>
-          <a:prstGeom prst="straightConnector1">
-            <a:avLst/>
-          </a:prstGeom>
-          <a:ln w="57150">
-            <a:tailEnd type="arrow"/>
-          </a:ln>
-        </p:spPr>
-        <p:style>
-          <a:lnRef idx="1">
-            <a:schemeClr val="accent1"/>
-          </a:lnRef>
-          <a:fillRef idx="0">
-            <a:schemeClr val="accent1"/>
-          </a:fillRef>
-          <a:effectRef idx="0">
-            <a:schemeClr val="accent1"/>
-          </a:effectRef>
-          <a:fontRef idx="minor">
-            <a:schemeClr val="tx1"/>
-          </a:fontRef>
-        </p:style>
-      </p:cxnSp>
-      <p:sp>
-        <p:nvSpPr>
-          <p:cNvPr id="13" name="Rectangle 12"/>
-          <p:cNvSpPr/>
-          <p:nvPr/>
-        </p:nvSpPr>
-        <p:spPr>
-          <a:xfrm>
-            <a:off x="1143000" y="1883230"/>
-            <a:ext cx="2133600" cy="587830"/>
-          </a:xfrm>
-          <a:prstGeom prst="rect">
-            <a:avLst/>
-          </a:prstGeom>
-        </p:spPr>
-        <p:style>
-          <a:lnRef idx="2">
-            <a:schemeClr val="accent1">
-              <a:shade val="50000"/>
-            </a:schemeClr>
-          </a:lnRef>
-          <a:fillRef idx="1">
-            <a:schemeClr val="accent1"/>
-          </a:fillRef>
-          <a:effectRef idx="0">
-            <a:schemeClr val="accent1"/>
-          </a:effectRef>
-          <a:fontRef idx="minor">
-            <a:schemeClr val="lt1"/>
-          </a:fontRef>
-        </p:style>
-        <p:txBody>
-          <a:bodyPr rtlCol="0" anchor="ctr"/>
-          <a:lstStyle/>
-          <a:p>
-            <a:pPr algn="ctr"/>
-            <a:r>
-              <a:rPr lang="en-US" sz="3200" dirty="0" err="1" smtClean="0"/>
-              <a:t>shinyServer</a:t>
-            </a:r>
-            <a:endParaRPr lang="en-US" sz="3200" dirty="0"/>
-          </a:p>
-        </p:txBody>
-      </p:sp>
-      <p:cxnSp>
-        <p:nvCxnSpPr>
-          <p:cNvPr id="14" name="Straight Arrow Connector 13"/>
-          <p:cNvCxnSpPr>
-            <a:stCxn id="13" idx="2"/>
-            <a:endCxn id="4" idx="0"/>
-          </p:cNvCxnSpPr>
-          <p:nvPr/>
-        </p:nvCxnSpPr>
-        <p:spPr>
-          <a:xfrm>
-            <a:off x="2209800" y="2471060"/>
-            <a:ext cx="0" cy="533400"/>
-          </a:xfrm>
-          <a:prstGeom prst="straightConnector1">
-            <a:avLst/>
-          </a:prstGeom>
-          <a:ln w="57150">
-            <a:tailEnd type="arrow"/>
-          </a:ln>
-        </p:spPr>
-        <p:style>
-          <a:lnRef idx="1">
-            <a:schemeClr val="accent1"/>
-          </a:lnRef>
-          <a:fillRef idx="0">
-            <a:schemeClr val="accent1"/>
-          </a:fillRef>
-          <a:effectRef idx="0">
-            <a:schemeClr val="accent1"/>
-          </a:effectRef>
-          <a:fontRef idx="minor">
-            <a:schemeClr val="tx1"/>
-          </a:fontRef>
-        </p:style>
-      </p:cxnSp>
-      <p:cxnSp>
-        <p:nvCxnSpPr>
-          <p:cNvPr id="20" name="Straight Arrow Connector 19"/>
-          <p:cNvCxnSpPr>
-            <a:stCxn id="5" idx="3"/>
-            <a:endCxn id="23" idx="1"/>
-          </p:cNvCxnSpPr>
-          <p:nvPr/>
-        </p:nvCxnSpPr>
-        <p:spPr>
-          <a:xfrm>
-            <a:off x="6172200" y="2405746"/>
-            <a:ext cx="685800" cy="522514"/>
-          </a:xfrm>
-          <a:prstGeom prst="straightConnector1">
-            <a:avLst/>
-          </a:prstGeom>
-          <a:ln w="57150">
-            <a:tailEnd type="arrow"/>
-          </a:ln>
-        </p:spPr>
-        <p:style>
-          <a:lnRef idx="1">
-            <a:schemeClr val="accent1"/>
-          </a:lnRef>
-          <a:fillRef idx="0">
-            <a:schemeClr val="accent1"/>
-          </a:fillRef>
-          <a:effectRef idx="0">
-            <a:schemeClr val="accent1"/>
-          </a:effectRef>
-          <a:fontRef idx="minor">
-            <a:schemeClr val="tx1"/>
-          </a:fontRef>
-        </p:style>
-      </p:cxnSp>
-      <p:sp>
-        <p:nvSpPr>
-          <p:cNvPr id="23" name="Rectangle 22"/>
-          <p:cNvSpPr/>
-          <p:nvPr/>
-        </p:nvSpPr>
-        <p:spPr>
-          <a:xfrm>
-            <a:off x="6858000" y="2623460"/>
-            <a:ext cx="2133600" cy="609600"/>
-          </a:xfrm>
-          <a:prstGeom prst="rect">
-            <a:avLst/>
-          </a:prstGeom>
-        </p:spPr>
-        <p:style>
-          <a:lnRef idx="2">
-            <a:schemeClr val="accent2">
-              <a:shade val="50000"/>
-            </a:schemeClr>
-          </a:lnRef>
-          <a:fillRef idx="1">
-            <a:schemeClr val="accent2"/>
-          </a:fillRef>
-          <a:effectRef idx="0">
-            <a:schemeClr val="accent2"/>
-          </a:effectRef>
-          <a:fontRef idx="minor">
-            <a:schemeClr val="lt1"/>
-          </a:fontRef>
-        </p:style>
-        <p:txBody>
-          <a:bodyPr rtlCol="0" anchor="ctr"/>
-          <a:lstStyle/>
-          <a:p>
-            <a:pPr algn="ctr"/>
-            <a:r>
-              <a:rPr lang="en-US" sz="3200" dirty="0" smtClean="0"/>
-              <a:t>$dataset</a:t>
-            </a:r>
-            <a:endParaRPr lang="en-US" sz="3200" dirty="0"/>
-          </a:p>
-        </p:txBody>
-      </p:sp>
-      <p:cxnSp>
-        <p:nvCxnSpPr>
-          <p:cNvPr id="25" name="Straight Arrow Connector 24"/>
-          <p:cNvCxnSpPr>
-            <a:stCxn id="6" idx="3"/>
-            <a:endCxn id="23" idx="1"/>
-          </p:cNvCxnSpPr>
-          <p:nvPr/>
-        </p:nvCxnSpPr>
-        <p:spPr>
-          <a:xfrm flipV="1">
-            <a:off x="6172200" y="2928260"/>
-            <a:ext cx="685800" cy="544285"/>
-          </a:xfrm>
-          <a:prstGeom prst="straightConnector1">
-            <a:avLst/>
-          </a:prstGeom>
-          <a:ln w="57150">
-            <a:tailEnd type="arrow"/>
-          </a:ln>
-        </p:spPr>
-        <p:style>
-          <a:lnRef idx="1">
-            <a:schemeClr val="accent1"/>
-          </a:lnRef>
-          <a:fillRef idx="0">
-            <a:schemeClr val="accent1"/>
-          </a:fillRef>
-          <a:effectRef idx="0">
-            <a:schemeClr val="accent1"/>
-          </a:effectRef>
-          <a:fontRef idx="minor">
-            <a:schemeClr val="tx1"/>
-          </a:fontRef>
-        </p:style>
-      </p:cxnSp>
-      <p:cxnSp>
-        <p:nvCxnSpPr>
-          <p:cNvPr id="28" name="Straight Arrow Connector 27"/>
-          <p:cNvCxnSpPr/>
-          <p:nvPr/>
-        </p:nvCxnSpPr>
-        <p:spPr>
-          <a:xfrm>
-            <a:off x="2971800" y="3390902"/>
-            <a:ext cx="740229" cy="985157"/>
-          </a:xfrm>
-          <a:prstGeom prst="straightConnector1">
-            <a:avLst/>
-          </a:prstGeom>
-          <a:ln w="57150">
-            <a:tailEnd type="arrow"/>
-          </a:ln>
-        </p:spPr>
-        <p:style>
-          <a:lnRef idx="1">
-            <a:schemeClr val="accent1"/>
-          </a:lnRef>
-          <a:fillRef idx="0">
-            <a:schemeClr val="accent1"/>
-          </a:fillRef>
-          <a:effectRef idx="0">
-            <a:schemeClr val="accent1"/>
-          </a:effectRef>
-          <a:fontRef idx="minor">
-            <a:schemeClr val="tx1"/>
-          </a:fontRef>
-        </p:style>
-      </p:cxnSp>
-      <p:sp>
-        <p:nvSpPr>
-          <p:cNvPr id="29" name="Rectangle 28"/>
-          <p:cNvSpPr/>
-          <p:nvPr/>
-        </p:nvSpPr>
-        <p:spPr>
-          <a:xfrm>
-            <a:off x="3200400" y="4376059"/>
-            <a:ext cx="2133600" cy="1066800"/>
-          </a:xfrm>
-          <a:prstGeom prst="rect">
-            <a:avLst/>
-          </a:prstGeom>
-        </p:spPr>
-        <p:style>
-          <a:lnRef idx="2">
-            <a:schemeClr val="accent2">
-              <a:shade val="50000"/>
-            </a:schemeClr>
-          </a:lnRef>
-          <a:fillRef idx="1">
-            <a:schemeClr val="accent2"/>
-          </a:fillRef>
-          <a:effectRef idx="0">
-            <a:schemeClr val="accent2"/>
-          </a:effectRef>
-          <a:fontRef idx="minor">
-            <a:schemeClr val="lt1"/>
-          </a:fontRef>
-        </p:style>
-        <p:txBody>
-          <a:bodyPr rtlCol="0" anchor="ctr"/>
-          <a:lstStyle/>
-          <a:p>
-            <a:pPr algn="ctr"/>
-            <a:r>
-              <a:rPr lang="en-US" sz="3200" dirty="0" smtClean="0"/>
-              <a:t>$</a:t>
-            </a:r>
-            <a:r>
-              <a:rPr lang="en-US" sz="3200" dirty="0" err="1" smtClean="0"/>
-              <a:t>individual_obs</a:t>
-            </a:r>
-            <a:endParaRPr lang="en-US" sz="3200" dirty="0"/>
-          </a:p>
-        </p:txBody>
-      </p:sp>
-      <p:sp>
-        <p:nvSpPr>
-          <p:cNvPr id="34" name="Rectangle 33"/>
-          <p:cNvSpPr/>
-          <p:nvPr/>
-        </p:nvSpPr>
-        <p:spPr>
-          <a:xfrm>
-            <a:off x="381000" y="5693230"/>
-            <a:ext cx="2133600" cy="685800"/>
-          </a:xfrm>
-          <a:prstGeom prst="rect">
-            <a:avLst/>
-          </a:prstGeom>
-        </p:spPr>
-        <p:style>
-          <a:lnRef idx="2">
-            <a:schemeClr val="accent2">
-              <a:shade val="50000"/>
-            </a:schemeClr>
-          </a:lnRef>
-          <a:fillRef idx="1">
-            <a:schemeClr val="accent2"/>
-          </a:fillRef>
-          <a:effectRef idx="0">
-            <a:schemeClr val="accent2"/>
-          </a:effectRef>
-          <a:fontRef idx="minor">
-            <a:schemeClr val="lt1"/>
-          </a:fontRef>
-        </p:style>
-        <p:txBody>
-          <a:bodyPr rtlCol="0" anchor="ctr"/>
-          <a:lstStyle/>
-          <a:p>
-            <a:pPr algn="ctr"/>
-            <a:r>
-              <a:rPr lang="en-US" sz="3200" dirty="0" smtClean="0"/>
-              <a:t>$</a:t>
-            </a:r>
-            <a:r>
-              <a:rPr lang="en-US" sz="3200" dirty="0" err="1" smtClean="0"/>
-              <a:t>bw_adjust</a:t>
-            </a:r>
-            <a:endParaRPr lang="en-US" sz="3200" dirty="0"/>
-          </a:p>
-        </p:txBody>
-      </p:sp>
-      <p:cxnSp>
-        <p:nvCxnSpPr>
-          <p:cNvPr id="35" name="Straight Arrow Connector 34"/>
-          <p:cNvCxnSpPr/>
-          <p:nvPr/>
-        </p:nvCxnSpPr>
-        <p:spPr>
-          <a:xfrm>
-            <a:off x="2209800" y="3472544"/>
-            <a:ext cx="0" cy="2220686"/>
-          </a:xfrm>
-          <a:prstGeom prst="straightConnector1">
-            <a:avLst/>
-          </a:prstGeom>
-          <a:ln w="57150">
-            <a:tailEnd type="arrow"/>
-          </a:ln>
-        </p:spPr>
-        <p:style>
-          <a:lnRef idx="1">
-            <a:schemeClr val="accent1"/>
-          </a:lnRef>
-          <a:fillRef idx="0">
-            <a:schemeClr val="accent1"/>
-          </a:fillRef>
-          <a:effectRef idx="0">
-            <a:schemeClr val="accent1"/>
-          </a:effectRef>
-          <a:fontRef idx="minor">
-            <a:schemeClr val="tx1"/>
-          </a:fontRef>
-        </p:style>
-      </p:cxnSp>
-      <p:sp>
-        <p:nvSpPr>
-          <p:cNvPr id="64" name="Rectangle 63"/>
-          <p:cNvSpPr/>
-          <p:nvPr/>
-        </p:nvSpPr>
-        <p:spPr>
-          <a:xfrm>
-            <a:off x="76200" y="4675415"/>
-            <a:ext cx="1905000" cy="685800"/>
-          </a:xfrm>
-          <a:prstGeom prst="rect">
-            <a:avLst/>
-          </a:prstGeom>
-        </p:spPr>
-        <p:style>
-          <a:lnRef idx="2">
-            <a:schemeClr val="accent2">
-              <a:shade val="50000"/>
-            </a:schemeClr>
-          </a:lnRef>
-          <a:fillRef idx="1">
-            <a:schemeClr val="accent2"/>
-          </a:fillRef>
-          <a:effectRef idx="0">
-            <a:schemeClr val="accent2"/>
-          </a:effectRef>
-          <a:fontRef idx="minor">
-            <a:schemeClr val="lt1"/>
-          </a:fontRef>
-        </p:style>
-        <p:txBody>
-          <a:bodyPr rtlCol="0" anchor="ctr"/>
-          <a:lstStyle/>
-          <a:p>
-            <a:pPr algn="ctr"/>
-            <a:r>
-              <a:rPr lang="en-US" sz="3200" dirty="0" smtClean="0"/>
-              <a:t>$</a:t>
-            </a:r>
-            <a:r>
-              <a:rPr lang="en-US" sz="3200" dirty="0" err="1" smtClean="0"/>
-              <a:t>n_breaks</a:t>
-            </a:r>
-            <a:endParaRPr lang="en-US" sz="3200" dirty="0"/>
-          </a:p>
-        </p:txBody>
-      </p:sp>
-      <p:cxnSp>
-        <p:nvCxnSpPr>
-          <p:cNvPr id="65" name="Straight Arrow Connector 64"/>
-          <p:cNvCxnSpPr>
-            <a:endCxn id="64" idx="0"/>
-          </p:cNvCxnSpPr>
-          <p:nvPr/>
-        </p:nvCxnSpPr>
-        <p:spPr>
-          <a:xfrm flipH="1">
-            <a:off x="1028700" y="3483430"/>
-            <a:ext cx="266700" cy="1191985"/>
-          </a:xfrm>
-          <a:prstGeom prst="straightConnector1">
-            <a:avLst/>
-          </a:prstGeom>
-          <a:ln w="57150">
-            <a:tailEnd type="arrow"/>
-          </a:ln>
-        </p:spPr>
-        <p:style>
-          <a:lnRef idx="1">
-            <a:schemeClr val="accent1"/>
-          </a:lnRef>
-          <a:fillRef idx="0">
-            <a:schemeClr val="accent1"/>
-          </a:fillRef>
-          <a:effectRef idx="0">
-            <a:schemeClr val="accent1"/>
-          </a:effectRef>
-          <a:fontRef idx="minor">
-            <a:schemeClr val="tx1"/>
-          </a:fontRef>
-        </p:style>
-      </p:cxnSp>
-      <p:sp>
-        <p:nvSpPr>
-          <p:cNvPr id="71" name="Rectangle 70"/>
-          <p:cNvSpPr/>
-          <p:nvPr/>
-        </p:nvSpPr>
-        <p:spPr>
-          <a:xfrm>
-            <a:off x="6705600" y="4163785"/>
-            <a:ext cx="2133600" cy="1001485"/>
-          </a:xfrm>
-          <a:prstGeom prst="rect">
-            <a:avLst/>
-          </a:prstGeom>
-        </p:spPr>
-        <p:style>
-          <a:lnRef idx="2">
-            <a:schemeClr val="accent1">
-              <a:shade val="50000"/>
-            </a:schemeClr>
-          </a:lnRef>
-          <a:fillRef idx="1">
-            <a:schemeClr val="accent1"/>
-          </a:fillRef>
-          <a:effectRef idx="0">
-            <a:schemeClr val="accent1"/>
-          </a:effectRef>
-          <a:fontRef idx="minor">
-            <a:schemeClr val="lt1"/>
-          </a:fontRef>
-        </p:style>
-        <p:txBody>
-          <a:bodyPr rtlCol="0" anchor="ctr"/>
-          <a:lstStyle/>
-          <a:p>
-            <a:pPr algn="ctr"/>
-            <a:r>
-              <a:rPr lang="en-US" sz="3200" dirty="0" smtClean="0"/>
-              <a:t>Reactive Function</a:t>
-            </a:r>
-            <a:endParaRPr lang="en-US" sz="3200" dirty="0"/>
-          </a:p>
-        </p:txBody>
-      </p:sp>
-      <p:sp>
-        <p:nvSpPr>
-          <p:cNvPr id="72" name="Rectangle 71"/>
-          <p:cNvSpPr/>
-          <p:nvPr/>
-        </p:nvSpPr>
-        <p:spPr>
-          <a:xfrm>
-            <a:off x="6705600" y="5382985"/>
-            <a:ext cx="2133600" cy="609600"/>
-          </a:xfrm>
-          <a:prstGeom prst="rect">
-            <a:avLst/>
-          </a:prstGeom>
-        </p:spPr>
-        <p:style>
-          <a:lnRef idx="2">
-            <a:schemeClr val="accent2">
-              <a:shade val="50000"/>
-            </a:schemeClr>
-          </a:lnRef>
-          <a:fillRef idx="1">
-            <a:schemeClr val="accent2"/>
-          </a:fillRef>
-          <a:effectRef idx="0">
-            <a:schemeClr val="accent2"/>
-          </a:effectRef>
-          <a:fontRef idx="minor">
-            <a:schemeClr val="lt1"/>
-          </a:fontRef>
-        </p:style>
-        <p:txBody>
-          <a:bodyPr rtlCol="0" anchor="ctr"/>
-          <a:lstStyle/>
-          <a:p>
-            <a:pPr algn="ctr"/>
-            <a:r>
-              <a:rPr lang="en-US" sz="3200" dirty="0" smtClean="0"/>
-              <a:t>Input</a:t>
-            </a:r>
-            <a:endParaRPr lang="en-US" sz="3200" dirty="0"/>
-          </a:p>
-        </p:txBody>
-      </p:sp>
-      <p:sp>
-        <p:nvSpPr>
-          <p:cNvPr id="75" name="Rectangle 74"/>
-          <p:cNvSpPr/>
-          <p:nvPr/>
-        </p:nvSpPr>
-        <p:spPr>
-          <a:xfrm>
-            <a:off x="2743200" y="5715000"/>
-            <a:ext cx="1807029" cy="685800"/>
-          </a:xfrm>
-          <a:prstGeom prst="rect">
-            <a:avLst/>
-          </a:prstGeom>
-        </p:spPr>
-        <p:style>
-          <a:lnRef idx="2">
-            <a:schemeClr val="accent2">
-              <a:shade val="50000"/>
-            </a:schemeClr>
-          </a:lnRef>
-          <a:fillRef idx="1">
-            <a:schemeClr val="accent2"/>
-          </a:fillRef>
-          <a:effectRef idx="0">
-            <a:schemeClr val="accent2"/>
-          </a:effectRef>
-          <a:fontRef idx="minor">
-            <a:schemeClr val="lt1"/>
-          </a:fontRef>
-        </p:style>
-        <p:txBody>
-          <a:bodyPr rtlCol="0" anchor="ctr"/>
-          <a:lstStyle/>
-          <a:p>
-            <a:pPr algn="ctr"/>
-            <a:r>
-              <a:rPr lang="en-US" sz="3200" dirty="0" smtClean="0"/>
-              <a:t>$density</a:t>
-            </a:r>
-            <a:endParaRPr lang="en-US" sz="3200" dirty="0"/>
-          </a:p>
-        </p:txBody>
-      </p:sp>
-      <p:cxnSp>
-        <p:nvCxnSpPr>
-          <p:cNvPr id="76" name="Straight Arrow Connector 75"/>
-          <p:cNvCxnSpPr/>
-          <p:nvPr/>
-        </p:nvCxnSpPr>
-        <p:spPr>
-          <a:xfrm>
-            <a:off x="2819400" y="3390902"/>
-            <a:ext cx="0" cy="2324098"/>
-          </a:xfrm>
-          <a:prstGeom prst="straightConnector1">
-            <a:avLst/>
-          </a:prstGeom>
-          <a:ln w="57150">
-            <a:tailEnd type="arrow"/>
-          </a:ln>
-        </p:spPr>
-        <p:style>
-          <a:lnRef idx="1">
-            <a:schemeClr val="accent1"/>
-          </a:lnRef>
-          <a:fillRef idx="0">
-            <a:schemeClr val="accent1"/>
-          </a:fillRef>
-          <a:effectRef idx="0">
-            <a:schemeClr val="accent1"/>
-          </a:effectRef>
-          <a:fontRef idx="minor">
-            <a:schemeClr val="tx1"/>
-          </a:fontRef>
-        </p:style>
-      </p:cxnSp>
-      <p:sp>
-        <p:nvSpPr>
-          <p:cNvPr id="4" name="Rectangle 3"/>
-          <p:cNvSpPr/>
-          <p:nvPr/>
-        </p:nvSpPr>
-        <p:spPr>
-          <a:xfrm>
-            <a:off x="1143000" y="3004460"/>
-            <a:ext cx="2133600" cy="609600"/>
-          </a:xfrm>
-          <a:prstGeom prst="rect">
-            <a:avLst/>
-          </a:prstGeom>
-        </p:spPr>
-        <p:style>
-          <a:lnRef idx="2">
-            <a:schemeClr val="accent1">
-              <a:shade val="50000"/>
-            </a:schemeClr>
-          </a:lnRef>
-          <a:fillRef idx="1">
-            <a:schemeClr val="accent1"/>
-          </a:fillRef>
-          <a:effectRef idx="0">
-            <a:schemeClr val="accent1"/>
-          </a:effectRef>
-          <a:fontRef idx="minor">
-            <a:schemeClr val="lt1"/>
-          </a:fontRef>
-        </p:style>
-        <p:txBody>
-          <a:bodyPr rtlCol="0" anchor="ctr"/>
-          <a:lstStyle/>
-          <a:p>
-            <a:pPr algn="ctr"/>
-            <a:r>
-              <a:rPr lang="en-US" sz="3200" dirty="0" err="1" smtClean="0"/>
-              <a:t>main_plot</a:t>
-            </a:r>
-            <a:endParaRPr lang="en-US" sz="3200" dirty="0"/>
+          <a:bodyPr/>
+          <a:lstStyle/>
+          <a:p>
+            <a:r>
+              <a:rPr lang="en-US" dirty="0" smtClean="0"/>
+              <a:t>Basic Shiny Example</a:t>
+            </a:r>
+            <a:endParaRPr lang="en-US" dirty="0"/>
           </a:p>
         </p:txBody>
       </p:sp>
     </p:spTree>
     <p:extLst>
       <p:ext uri="{BB962C8B-B14F-4D97-AF65-F5344CB8AC3E}">
-        <p14:creationId xmlns:p14="http://schemas.microsoft.com/office/powerpoint/2010/main" val="3880102440"/>
+        <p14:creationId xmlns:p14="http://schemas.microsoft.com/office/powerpoint/2010/main" val="3427784862"/>
       </p:ext>
     </p:extLst>
   </p:cSld>
@@ -7915,69 +10030,34 @@
       </p:grpSpPr>
       <p:sp>
         <p:nvSpPr>
-          <p:cNvPr id="73" name="Rectangle 72"/>
-          <p:cNvSpPr/>
-          <p:nvPr/>
-        </p:nvSpPr>
-        <p:spPr>
-          <a:xfrm>
-            <a:off x="6515100" y="3581400"/>
-            <a:ext cx="2476500" cy="2487385"/>
-          </a:xfrm>
-          <a:prstGeom prst="rect">
-            <a:avLst/>
-          </a:prstGeom>
-          <a:noFill/>
-          <a:ln>
-            <a:solidFill>
-              <a:schemeClr val="tx1"/>
-            </a:solidFill>
-          </a:ln>
-        </p:spPr>
-        <p:style>
-          <a:lnRef idx="2">
-            <a:schemeClr val="accent1">
-              <a:shade val="50000"/>
-            </a:schemeClr>
-          </a:lnRef>
-          <a:fillRef idx="1">
-            <a:schemeClr val="accent1"/>
-          </a:fillRef>
-          <a:effectRef idx="0">
-            <a:schemeClr val="accent1"/>
-          </a:effectRef>
-          <a:fontRef idx="minor">
-            <a:schemeClr val="lt1"/>
-          </a:fontRef>
-        </p:style>
-        <p:txBody>
-          <a:bodyPr rtlCol="0" anchor="t"/>
-          <a:lstStyle/>
-          <a:p>
-            <a:pPr algn="ctr"/>
-            <a:r>
-              <a:rPr lang="en-US" sz="2800" dirty="0" smtClean="0">
-                <a:solidFill>
-                  <a:schemeClr val="tx1"/>
-                </a:solidFill>
-              </a:rPr>
-              <a:t>Key</a:t>
-            </a:r>
-            <a:endParaRPr lang="en-US" sz="2800" dirty="0">
-              <a:solidFill>
-                <a:schemeClr val="tx1"/>
-              </a:solidFill>
-            </a:endParaRPr>
-          </a:p>
-        </p:txBody>
-      </p:sp>
-      <p:sp>
-        <p:nvSpPr>
-          <p:cNvPr id="2" name="Title 1"/>
+          <p:cNvPr id="2" name="Text Placeholder 1"/>
           <p:cNvSpPr>
             <a:spLocks noGrp="1"/>
           </p:cNvSpPr>
           <p:nvPr>
+            <p:ph type="body" idx="1"/>
+          </p:nvPr>
+        </p:nvSpPr>
+        <p:spPr/>
+        <p:txBody>
+          <a:bodyPr/>
+          <a:lstStyle/>
+          <a:p>
+            <a:r>
+              <a:rPr lang="en-US" dirty="0" smtClean="0"/>
+              <a:t>Additional UI Features</a:t>
+            </a:r>
+            <a:endParaRPr lang="en-US" dirty="0"/>
+          </a:p>
+        </p:txBody>
+      </p:sp>
+      <p:sp>
+        <p:nvSpPr>
+          <p:cNvPr id="3" name="Title 2"/>
+          <p:cNvSpPr>
+            <a:spLocks noGrp="1"/>
+          </p:cNvSpPr>
+          <p:nvPr>
             <p:ph type="title"/>
           </p:nvPr>
         </p:nvSpPr>
@@ -7987,845 +10067,17 @@
           <a:lstStyle/>
           <a:p>
             <a:r>
-              <a:rPr lang="en-US" dirty="0" smtClean="0">
-                <a:solidFill>
-                  <a:schemeClr val="tx1"/>
-                </a:solidFill>
-              </a:rPr>
-              <a:t>“Data Flow” – Reactive</a:t>
-            </a:r>
-            <a:endParaRPr lang="en-US" dirty="0">
-              <a:solidFill>
-                <a:schemeClr val="tx1"/>
-              </a:solidFill>
-            </a:endParaRPr>
-          </a:p>
-        </p:txBody>
-      </p:sp>
-      <p:sp>
-        <p:nvSpPr>
-          <p:cNvPr id="5" name="Rectangle 4"/>
-          <p:cNvSpPr/>
-          <p:nvPr/>
-        </p:nvSpPr>
-        <p:spPr>
-          <a:xfrm>
-            <a:off x="4038600" y="2111831"/>
-            <a:ext cx="2133600" cy="587829"/>
-          </a:xfrm>
-          <a:prstGeom prst="rect">
-            <a:avLst/>
-          </a:prstGeom>
-        </p:spPr>
-        <p:style>
-          <a:lnRef idx="2">
-            <a:schemeClr val="accent1">
-              <a:shade val="50000"/>
-            </a:schemeClr>
-          </a:lnRef>
-          <a:fillRef idx="1">
-            <a:schemeClr val="accent1"/>
-          </a:fillRef>
-          <a:effectRef idx="0">
-            <a:schemeClr val="accent1"/>
-          </a:effectRef>
-          <a:fontRef idx="minor">
-            <a:schemeClr val="lt1"/>
-          </a:fontRef>
-        </p:style>
-        <p:txBody>
-          <a:bodyPr rtlCol="0" anchor="ctr"/>
-          <a:lstStyle/>
-          <a:p>
-            <a:pPr algn="ctr"/>
-            <a:r>
-              <a:rPr lang="en-US" sz="3200" dirty="0" err="1" smtClean="0"/>
-              <a:t>getData</a:t>
-            </a:r>
-            <a:endParaRPr lang="en-US" sz="3200" dirty="0"/>
-          </a:p>
-        </p:txBody>
-      </p:sp>
-      <p:sp>
-        <p:nvSpPr>
-          <p:cNvPr id="6" name="Rectangle 5"/>
-          <p:cNvSpPr/>
-          <p:nvPr/>
-        </p:nvSpPr>
-        <p:spPr>
-          <a:xfrm>
-            <a:off x="4038600" y="3156859"/>
-            <a:ext cx="2133600" cy="631371"/>
-          </a:xfrm>
-          <a:prstGeom prst="rect">
-            <a:avLst/>
-          </a:prstGeom>
-        </p:spPr>
-        <p:style>
-          <a:lnRef idx="2">
-            <a:schemeClr val="accent1">
-              <a:shade val="50000"/>
-            </a:schemeClr>
-          </a:lnRef>
-          <a:fillRef idx="1">
-            <a:schemeClr val="accent1"/>
-          </a:fillRef>
-          <a:effectRef idx="0">
-            <a:schemeClr val="accent1"/>
-          </a:effectRef>
-          <a:fontRef idx="minor">
-            <a:schemeClr val="lt1"/>
-          </a:fontRef>
-        </p:style>
-        <p:txBody>
-          <a:bodyPr rtlCol="0" anchor="ctr"/>
-          <a:lstStyle/>
-          <a:p>
-            <a:pPr algn="ctr"/>
-            <a:r>
-              <a:rPr lang="en-US" sz="3200" dirty="0" err="1" smtClean="0"/>
-              <a:t>dataName</a:t>
-            </a:r>
-            <a:endParaRPr lang="en-US" sz="3200" dirty="0"/>
-          </a:p>
-        </p:txBody>
-      </p:sp>
-      <p:cxnSp>
-        <p:nvCxnSpPr>
-          <p:cNvPr id="8" name="Straight Arrow Connector 7"/>
-          <p:cNvCxnSpPr>
-            <a:stCxn id="4" idx="3"/>
-            <a:endCxn id="5" idx="1"/>
-          </p:cNvCxnSpPr>
-          <p:nvPr/>
-        </p:nvCxnSpPr>
-        <p:spPr>
-          <a:xfrm flipV="1">
-            <a:off x="3276600" y="2405746"/>
-            <a:ext cx="762000" cy="903514"/>
-          </a:xfrm>
-          <a:prstGeom prst="straightConnector1">
-            <a:avLst/>
-          </a:prstGeom>
-          <a:ln w="57150">
-            <a:headEnd type="arrow" w="med" len="med"/>
-            <a:tailEnd type="none" w="med" len="med"/>
-          </a:ln>
-        </p:spPr>
-        <p:style>
-          <a:lnRef idx="1">
-            <a:schemeClr val="accent1"/>
-          </a:lnRef>
-          <a:fillRef idx="0">
-            <a:schemeClr val="accent1"/>
-          </a:fillRef>
-          <a:effectRef idx="0">
-            <a:schemeClr val="accent1"/>
-          </a:effectRef>
-          <a:fontRef idx="minor">
-            <a:schemeClr val="tx1"/>
-          </a:fontRef>
-        </p:style>
-      </p:cxnSp>
-      <p:cxnSp>
-        <p:nvCxnSpPr>
-          <p:cNvPr id="9" name="Straight Arrow Connector 8"/>
-          <p:cNvCxnSpPr>
-            <a:endCxn id="6" idx="1"/>
-          </p:cNvCxnSpPr>
-          <p:nvPr/>
-        </p:nvCxnSpPr>
-        <p:spPr>
-          <a:xfrm>
-            <a:off x="3276600" y="3472544"/>
-            <a:ext cx="762000" cy="1"/>
-          </a:xfrm>
-          <a:prstGeom prst="straightConnector1">
-            <a:avLst/>
-          </a:prstGeom>
-          <a:ln w="57150">
-            <a:headEnd type="arrow" w="med" len="med"/>
-            <a:tailEnd type="none" w="med" len="med"/>
-          </a:ln>
-        </p:spPr>
-        <p:style>
-          <a:lnRef idx="1">
-            <a:schemeClr val="accent1"/>
-          </a:lnRef>
-          <a:fillRef idx="0">
-            <a:schemeClr val="accent1"/>
-          </a:fillRef>
-          <a:effectRef idx="0">
-            <a:schemeClr val="accent1"/>
-          </a:effectRef>
-          <a:fontRef idx="minor">
-            <a:schemeClr val="tx1"/>
-          </a:fontRef>
-        </p:style>
-      </p:cxnSp>
-      <p:sp>
-        <p:nvSpPr>
-          <p:cNvPr id="13" name="Rectangle 12"/>
-          <p:cNvSpPr/>
-          <p:nvPr/>
-        </p:nvSpPr>
-        <p:spPr>
-          <a:xfrm>
-            <a:off x="1143000" y="1883230"/>
-            <a:ext cx="2133600" cy="587830"/>
-          </a:xfrm>
-          <a:prstGeom prst="rect">
-            <a:avLst/>
-          </a:prstGeom>
-        </p:spPr>
-        <p:style>
-          <a:lnRef idx="2">
-            <a:schemeClr val="accent1">
-              <a:shade val="50000"/>
-            </a:schemeClr>
-          </a:lnRef>
-          <a:fillRef idx="1">
-            <a:schemeClr val="accent1"/>
-          </a:fillRef>
-          <a:effectRef idx="0">
-            <a:schemeClr val="accent1"/>
-          </a:effectRef>
-          <a:fontRef idx="minor">
-            <a:schemeClr val="lt1"/>
-          </a:fontRef>
-        </p:style>
-        <p:txBody>
-          <a:bodyPr rtlCol="0" anchor="ctr"/>
-          <a:lstStyle/>
-          <a:p>
-            <a:pPr algn="ctr"/>
-            <a:r>
-              <a:rPr lang="en-US" sz="3200" dirty="0" err="1" smtClean="0"/>
-              <a:t>shinyServer</a:t>
-            </a:r>
-            <a:endParaRPr lang="en-US" sz="3200" dirty="0"/>
-          </a:p>
-        </p:txBody>
-      </p:sp>
-      <p:cxnSp>
-        <p:nvCxnSpPr>
-          <p:cNvPr id="14" name="Straight Arrow Connector 13"/>
-          <p:cNvCxnSpPr>
-            <a:stCxn id="13" idx="2"/>
-            <a:endCxn id="4" idx="0"/>
-          </p:cNvCxnSpPr>
-          <p:nvPr/>
-        </p:nvCxnSpPr>
-        <p:spPr>
-          <a:xfrm>
-            <a:off x="2209800" y="2471060"/>
-            <a:ext cx="0" cy="533400"/>
-          </a:xfrm>
-          <a:prstGeom prst="straightConnector1">
-            <a:avLst/>
-          </a:prstGeom>
-          <a:ln w="57150">
-            <a:headEnd type="arrow" w="med" len="med"/>
-            <a:tailEnd type="none" w="med" len="med"/>
-          </a:ln>
-        </p:spPr>
-        <p:style>
-          <a:lnRef idx="1">
-            <a:schemeClr val="accent1"/>
-          </a:lnRef>
-          <a:fillRef idx="0">
-            <a:schemeClr val="accent1"/>
-          </a:fillRef>
-          <a:effectRef idx="0">
-            <a:schemeClr val="accent1"/>
-          </a:effectRef>
-          <a:fontRef idx="minor">
-            <a:schemeClr val="tx1"/>
-          </a:fontRef>
-        </p:style>
-      </p:cxnSp>
-      <p:cxnSp>
-        <p:nvCxnSpPr>
-          <p:cNvPr id="20" name="Straight Arrow Connector 19"/>
-          <p:cNvCxnSpPr>
-            <a:stCxn id="5" idx="3"/>
-            <a:endCxn id="23" idx="1"/>
-          </p:cNvCxnSpPr>
-          <p:nvPr/>
-        </p:nvCxnSpPr>
-        <p:spPr>
-          <a:xfrm>
-            <a:off x="6172200" y="2405746"/>
-            <a:ext cx="685800" cy="522514"/>
-          </a:xfrm>
-          <a:prstGeom prst="straightConnector1">
-            <a:avLst/>
-          </a:prstGeom>
-          <a:ln w="57150">
-            <a:headEnd type="arrow" w="med" len="med"/>
-            <a:tailEnd type="none" w="med" len="med"/>
-          </a:ln>
-        </p:spPr>
-        <p:style>
-          <a:lnRef idx="1">
-            <a:schemeClr val="accent1"/>
-          </a:lnRef>
-          <a:fillRef idx="0">
-            <a:schemeClr val="accent1"/>
-          </a:fillRef>
-          <a:effectRef idx="0">
-            <a:schemeClr val="accent1"/>
-          </a:effectRef>
-          <a:fontRef idx="minor">
-            <a:schemeClr val="tx1"/>
-          </a:fontRef>
-        </p:style>
-      </p:cxnSp>
-      <p:sp>
-        <p:nvSpPr>
-          <p:cNvPr id="23" name="Rectangle 22"/>
-          <p:cNvSpPr/>
-          <p:nvPr/>
-        </p:nvSpPr>
-        <p:spPr>
-          <a:xfrm>
-            <a:off x="6858000" y="2623460"/>
-            <a:ext cx="2133600" cy="609600"/>
-          </a:xfrm>
-          <a:prstGeom prst="rect">
-            <a:avLst/>
-          </a:prstGeom>
-        </p:spPr>
-        <p:style>
-          <a:lnRef idx="2">
-            <a:schemeClr val="accent2">
-              <a:shade val="50000"/>
-            </a:schemeClr>
-          </a:lnRef>
-          <a:fillRef idx="1">
-            <a:schemeClr val="accent2"/>
-          </a:fillRef>
-          <a:effectRef idx="0">
-            <a:schemeClr val="accent2"/>
-          </a:effectRef>
-          <a:fontRef idx="minor">
-            <a:schemeClr val="lt1"/>
-          </a:fontRef>
-        </p:style>
-        <p:txBody>
-          <a:bodyPr rtlCol="0" anchor="ctr"/>
-          <a:lstStyle/>
-          <a:p>
-            <a:pPr algn="ctr"/>
-            <a:r>
-              <a:rPr lang="en-US" sz="3200" dirty="0" smtClean="0"/>
-              <a:t>$dataset</a:t>
-            </a:r>
-            <a:endParaRPr lang="en-US" sz="3200" dirty="0"/>
-          </a:p>
-        </p:txBody>
-      </p:sp>
-      <p:cxnSp>
-        <p:nvCxnSpPr>
-          <p:cNvPr id="25" name="Straight Arrow Connector 24"/>
-          <p:cNvCxnSpPr>
-            <a:stCxn id="6" idx="3"/>
-            <a:endCxn id="23" idx="1"/>
-          </p:cNvCxnSpPr>
-          <p:nvPr/>
-        </p:nvCxnSpPr>
-        <p:spPr>
-          <a:xfrm flipV="1">
-            <a:off x="6172200" y="2928260"/>
-            <a:ext cx="685800" cy="544285"/>
-          </a:xfrm>
-          <a:prstGeom prst="straightConnector1">
-            <a:avLst/>
-          </a:prstGeom>
-          <a:ln w="57150">
-            <a:headEnd type="arrow" w="med" len="med"/>
-            <a:tailEnd type="none" w="med" len="med"/>
-          </a:ln>
-        </p:spPr>
-        <p:style>
-          <a:lnRef idx="1">
-            <a:schemeClr val="accent1"/>
-          </a:lnRef>
-          <a:fillRef idx="0">
-            <a:schemeClr val="accent1"/>
-          </a:fillRef>
-          <a:effectRef idx="0">
-            <a:schemeClr val="accent1"/>
-          </a:effectRef>
-          <a:fontRef idx="minor">
-            <a:schemeClr val="tx1"/>
-          </a:fontRef>
-        </p:style>
-      </p:cxnSp>
-      <p:cxnSp>
-        <p:nvCxnSpPr>
-          <p:cNvPr id="28" name="Straight Arrow Connector 27"/>
-          <p:cNvCxnSpPr/>
-          <p:nvPr/>
-        </p:nvCxnSpPr>
-        <p:spPr>
-          <a:xfrm>
-            <a:off x="3200400" y="3614060"/>
-            <a:ext cx="511629" cy="761999"/>
-          </a:xfrm>
-          <a:prstGeom prst="straightConnector1">
-            <a:avLst/>
-          </a:prstGeom>
-          <a:ln w="57150">
-            <a:headEnd type="arrow" w="med" len="med"/>
-            <a:tailEnd type="none" w="med" len="med"/>
-          </a:ln>
-        </p:spPr>
-        <p:style>
-          <a:lnRef idx="1">
-            <a:schemeClr val="accent1"/>
-          </a:lnRef>
-          <a:fillRef idx="0">
-            <a:schemeClr val="accent1"/>
-          </a:fillRef>
-          <a:effectRef idx="0">
-            <a:schemeClr val="accent1"/>
-          </a:effectRef>
-          <a:fontRef idx="minor">
-            <a:schemeClr val="tx1"/>
-          </a:fontRef>
-        </p:style>
-      </p:cxnSp>
-      <p:sp>
-        <p:nvSpPr>
-          <p:cNvPr id="29" name="Rectangle 28"/>
-          <p:cNvSpPr/>
-          <p:nvPr/>
-        </p:nvSpPr>
-        <p:spPr>
-          <a:xfrm>
-            <a:off x="3200400" y="4376059"/>
-            <a:ext cx="2133600" cy="1066800"/>
-          </a:xfrm>
-          <a:prstGeom prst="rect">
-            <a:avLst/>
-          </a:prstGeom>
-        </p:spPr>
-        <p:style>
-          <a:lnRef idx="2">
-            <a:schemeClr val="accent2">
-              <a:shade val="50000"/>
-            </a:schemeClr>
-          </a:lnRef>
-          <a:fillRef idx="1">
-            <a:schemeClr val="accent2"/>
-          </a:fillRef>
-          <a:effectRef idx="0">
-            <a:schemeClr val="accent2"/>
-          </a:effectRef>
-          <a:fontRef idx="minor">
-            <a:schemeClr val="lt1"/>
-          </a:fontRef>
-        </p:style>
-        <p:txBody>
-          <a:bodyPr rtlCol="0" anchor="ctr"/>
-          <a:lstStyle/>
-          <a:p>
-            <a:pPr algn="ctr"/>
-            <a:r>
-              <a:rPr lang="en-US" sz="3200" dirty="0" smtClean="0"/>
-              <a:t>$</a:t>
-            </a:r>
-            <a:r>
-              <a:rPr lang="en-US" sz="3200" dirty="0" err="1" smtClean="0"/>
-              <a:t>individual_obs</a:t>
-            </a:r>
-            <a:endParaRPr lang="en-US" sz="3200" dirty="0"/>
-          </a:p>
-        </p:txBody>
-      </p:sp>
-      <p:sp>
-        <p:nvSpPr>
-          <p:cNvPr id="34" name="Rectangle 33"/>
-          <p:cNvSpPr/>
-          <p:nvPr/>
-        </p:nvSpPr>
-        <p:spPr>
-          <a:xfrm>
-            <a:off x="381000" y="5693230"/>
-            <a:ext cx="2133600" cy="685800"/>
-          </a:xfrm>
-          <a:prstGeom prst="rect">
-            <a:avLst/>
-          </a:prstGeom>
-        </p:spPr>
-        <p:style>
-          <a:lnRef idx="2">
-            <a:schemeClr val="accent2">
-              <a:shade val="50000"/>
-            </a:schemeClr>
-          </a:lnRef>
-          <a:fillRef idx="1">
-            <a:schemeClr val="accent2"/>
-          </a:fillRef>
-          <a:effectRef idx="0">
-            <a:schemeClr val="accent2"/>
-          </a:effectRef>
-          <a:fontRef idx="minor">
-            <a:schemeClr val="lt1"/>
-          </a:fontRef>
-        </p:style>
-        <p:txBody>
-          <a:bodyPr rtlCol="0" anchor="ctr"/>
-          <a:lstStyle/>
-          <a:p>
-            <a:pPr algn="ctr"/>
-            <a:r>
-              <a:rPr lang="en-US" sz="3200" dirty="0" smtClean="0"/>
-              <a:t>$</a:t>
-            </a:r>
-            <a:r>
-              <a:rPr lang="en-US" sz="3200" dirty="0" err="1" smtClean="0"/>
-              <a:t>bw_adjust</a:t>
-            </a:r>
-            <a:endParaRPr lang="en-US" sz="3200" dirty="0"/>
-          </a:p>
-        </p:txBody>
-      </p:sp>
-      <p:cxnSp>
-        <p:nvCxnSpPr>
-          <p:cNvPr id="35" name="Straight Arrow Connector 34"/>
-          <p:cNvCxnSpPr>
-            <a:stCxn id="4" idx="2"/>
-          </p:cNvCxnSpPr>
-          <p:nvPr/>
-        </p:nvCxnSpPr>
-        <p:spPr>
-          <a:xfrm>
-            <a:off x="2209800" y="3614060"/>
-            <a:ext cx="0" cy="2079170"/>
-          </a:xfrm>
-          <a:prstGeom prst="straightConnector1">
-            <a:avLst/>
-          </a:prstGeom>
-          <a:ln w="57150">
-            <a:headEnd type="arrow" w="med" len="med"/>
-            <a:tailEnd type="none" w="med" len="med"/>
-          </a:ln>
-        </p:spPr>
-        <p:style>
-          <a:lnRef idx="1">
-            <a:schemeClr val="accent1"/>
-          </a:lnRef>
-          <a:fillRef idx="0">
-            <a:schemeClr val="accent1"/>
-          </a:fillRef>
-          <a:effectRef idx="0">
-            <a:schemeClr val="accent1"/>
-          </a:effectRef>
-          <a:fontRef idx="minor">
-            <a:schemeClr val="tx1"/>
-          </a:fontRef>
-        </p:style>
-      </p:cxnSp>
-      <p:sp>
-        <p:nvSpPr>
-          <p:cNvPr id="64" name="Rectangle 63"/>
-          <p:cNvSpPr/>
-          <p:nvPr/>
-        </p:nvSpPr>
-        <p:spPr>
-          <a:xfrm>
-            <a:off x="76200" y="4675415"/>
-            <a:ext cx="1905000" cy="685800"/>
-          </a:xfrm>
-          <a:prstGeom prst="rect">
-            <a:avLst/>
-          </a:prstGeom>
-        </p:spPr>
-        <p:style>
-          <a:lnRef idx="2">
-            <a:schemeClr val="accent2">
-              <a:shade val="50000"/>
-            </a:schemeClr>
-          </a:lnRef>
-          <a:fillRef idx="1">
-            <a:schemeClr val="accent2"/>
-          </a:fillRef>
-          <a:effectRef idx="0">
-            <a:schemeClr val="accent2"/>
-          </a:effectRef>
-          <a:fontRef idx="minor">
-            <a:schemeClr val="lt1"/>
-          </a:fontRef>
-        </p:style>
-        <p:txBody>
-          <a:bodyPr rtlCol="0" anchor="ctr"/>
-          <a:lstStyle/>
-          <a:p>
-            <a:pPr algn="ctr"/>
-            <a:r>
-              <a:rPr lang="en-US" sz="3200" dirty="0" smtClean="0"/>
-              <a:t>$</a:t>
-            </a:r>
-            <a:r>
-              <a:rPr lang="en-US" sz="3200" dirty="0" err="1" smtClean="0"/>
-              <a:t>n_breaks</a:t>
-            </a:r>
-            <a:endParaRPr lang="en-US" sz="3200" dirty="0"/>
-          </a:p>
-        </p:txBody>
-      </p:sp>
-      <p:cxnSp>
-        <p:nvCxnSpPr>
-          <p:cNvPr id="65" name="Straight Arrow Connector 64"/>
-          <p:cNvCxnSpPr>
-            <a:endCxn id="64" idx="0"/>
-          </p:cNvCxnSpPr>
-          <p:nvPr/>
-        </p:nvCxnSpPr>
-        <p:spPr>
-          <a:xfrm flipH="1">
-            <a:off x="1028700" y="3614060"/>
-            <a:ext cx="266700" cy="1061355"/>
-          </a:xfrm>
-          <a:prstGeom prst="straightConnector1">
-            <a:avLst/>
-          </a:prstGeom>
-          <a:ln w="57150">
-            <a:headEnd type="arrow" w="med" len="med"/>
-            <a:tailEnd type="none" w="med" len="med"/>
-          </a:ln>
-        </p:spPr>
-        <p:style>
-          <a:lnRef idx="1">
-            <a:schemeClr val="accent1"/>
-          </a:lnRef>
-          <a:fillRef idx="0">
-            <a:schemeClr val="accent1"/>
-          </a:fillRef>
-          <a:effectRef idx="0">
-            <a:schemeClr val="accent1"/>
-          </a:effectRef>
-          <a:fontRef idx="minor">
-            <a:schemeClr val="tx1"/>
-          </a:fontRef>
-        </p:style>
-      </p:cxnSp>
-      <p:sp>
-        <p:nvSpPr>
-          <p:cNvPr id="71" name="Rectangle 70"/>
-          <p:cNvSpPr/>
-          <p:nvPr/>
-        </p:nvSpPr>
-        <p:spPr>
-          <a:xfrm>
-            <a:off x="6705600" y="4163785"/>
-            <a:ext cx="2133600" cy="1001485"/>
-          </a:xfrm>
-          <a:prstGeom prst="rect">
-            <a:avLst/>
-          </a:prstGeom>
-        </p:spPr>
-        <p:style>
-          <a:lnRef idx="2">
-            <a:schemeClr val="accent1">
-              <a:shade val="50000"/>
-            </a:schemeClr>
-          </a:lnRef>
-          <a:fillRef idx="1">
-            <a:schemeClr val="accent1"/>
-          </a:fillRef>
-          <a:effectRef idx="0">
-            <a:schemeClr val="accent1"/>
-          </a:effectRef>
-          <a:fontRef idx="minor">
-            <a:schemeClr val="lt1"/>
-          </a:fontRef>
-        </p:style>
-        <p:txBody>
-          <a:bodyPr rtlCol="0" anchor="ctr"/>
-          <a:lstStyle/>
-          <a:p>
-            <a:pPr algn="ctr"/>
-            <a:r>
-              <a:rPr lang="en-US" sz="3200" dirty="0" smtClean="0"/>
-              <a:t>Reactive Function</a:t>
-            </a:r>
-            <a:endParaRPr lang="en-US" sz="3200" dirty="0"/>
-          </a:p>
-        </p:txBody>
-      </p:sp>
-      <p:sp>
-        <p:nvSpPr>
-          <p:cNvPr id="72" name="Rectangle 71"/>
-          <p:cNvSpPr/>
-          <p:nvPr/>
-        </p:nvSpPr>
-        <p:spPr>
-          <a:xfrm>
-            <a:off x="6705600" y="5382985"/>
-            <a:ext cx="2133600" cy="609600"/>
-          </a:xfrm>
-          <a:prstGeom prst="rect">
-            <a:avLst/>
-          </a:prstGeom>
-        </p:spPr>
-        <p:style>
-          <a:lnRef idx="2">
-            <a:schemeClr val="accent2">
-              <a:shade val="50000"/>
-            </a:schemeClr>
-          </a:lnRef>
-          <a:fillRef idx="1">
-            <a:schemeClr val="accent2"/>
-          </a:fillRef>
-          <a:effectRef idx="0">
-            <a:schemeClr val="accent2"/>
-          </a:effectRef>
-          <a:fontRef idx="minor">
-            <a:schemeClr val="lt1"/>
-          </a:fontRef>
-        </p:style>
-        <p:txBody>
-          <a:bodyPr rtlCol="0" anchor="ctr"/>
-          <a:lstStyle/>
-          <a:p>
-            <a:pPr algn="ctr"/>
-            <a:r>
-              <a:rPr lang="en-US" sz="3200" dirty="0" smtClean="0"/>
-              <a:t>Input</a:t>
-            </a:r>
-            <a:endParaRPr lang="en-US" sz="3200" dirty="0"/>
-          </a:p>
-        </p:txBody>
-      </p:sp>
-      <p:sp>
-        <p:nvSpPr>
-          <p:cNvPr id="75" name="Rectangle 74"/>
-          <p:cNvSpPr/>
-          <p:nvPr/>
-        </p:nvSpPr>
-        <p:spPr>
-          <a:xfrm>
-            <a:off x="2743200" y="5715000"/>
-            <a:ext cx="1807029" cy="685800"/>
-          </a:xfrm>
-          <a:prstGeom prst="rect">
-            <a:avLst/>
-          </a:prstGeom>
-        </p:spPr>
-        <p:style>
-          <a:lnRef idx="2">
-            <a:schemeClr val="accent2">
-              <a:shade val="50000"/>
-            </a:schemeClr>
-          </a:lnRef>
-          <a:fillRef idx="1">
-            <a:schemeClr val="accent2"/>
-          </a:fillRef>
-          <a:effectRef idx="0">
-            <a:schemeClr val="accent2"/>
-          </a:effectRef>
-          <a:fontRef idx="minor">
-            <a:schemeClr val="lt1"/>
-          </a:fontRef>
-        </p:style>
-        <p:txBody>
-          <a:bodyPr rtlCol="0" anchor="ctr"/>
-          <a:lstStyle/>
-          <a:p>
-            <a:pPr algn="ctr"/>
-            <a:r>
-              <a:rPr lang="en-US" sz="3200" dirty="0" smtClean="0"/>
-              <a:t>$density</a:t>
-            </a:r>
-            <a:endParaRPr lang="en-US" sz="3200" dirty="0"/>
-          </a:p>
-        </p:txBody>
-      </p:sp>
-      <p:cxnSp>
-        <p:nvCxnSpPr>
-          <p:cNvPr id="76" name="Straight Arrow Connector 75"/>
-          <p:cNvCxnSpPr/>
-          <p:nvPr/>
-        </p:nvCxnSpPr>
-        <p:spPr>
-          <a:xfrm>
-            <a:off x="2819400" y="3614060"/>
-            <a:ext cx="0" cy="2100940"/>
-          </a:xfrm>
-          <a:prstGeom prst="straightConnector1">
-            <a:avLst/>
-          </a:prstGeom>
-          <a:ln w="57150">
-            <a:headEnd type="arrow" w="med" len="med"/>
-            <a:tailEnd type="none" w="med" len="med"/>
-          </a:ln>
-        </p:spPr>
-        <p:style>
-          <a:lnRef idx="1">
-            <a:schemeClr val="accent1"/>
-          </a:lnRef>
-          <a:fillRef idx="0">
-            <a:schemeClr val="accent1"/>
-          </a:fillRef>
-          <a:effectRef idx="0">
-            <a:schemeClr val="accent1"/>
-          </a:effectRef>
-          <a:fontRef idx="minor">
-            <a:schemeClr val="tx1"/>
-          </a:fontRef>
-        </p:style>
-      </p:cxnSp>
-      <p:sp>
-        <p:nvSpPr>
-          <p:cNvPr id="4" name="Rectangle 3"/>
-          <p:cNvSpPr/>
-          <p:nvPr/>
-        </p:nvSpPr>
-        <p:spPr>
-          <a:xfrm>
-            <a:off x="1143000" y="3004460"/>
-            <a:ext cx="2133600" cy="609600"/>
-          </a:xfrm>
-          <a:prstGeom prst="rect">
-            <a:avLst/>
-          </a:prstGeom>
-        </p:spPr>
-        <p:style>
-          <a:lnRef idx="2">
-            <a:schemeClr val="accent1">
-              <a:shade val="50000"/>
-            </a:schemeClr>
-          </a:lnRef>
-          <a:fillRef idx="1">
-            <a:schemeClr val="accent1"/>
-          </a:fillRef>
-          <a:effectRef idx="0">
-            <a:schemeClr val="accent1"/>
-          </a:effectRef>
-          <a:fontRef idx="minor">
-            <a:schemeClr val="lt1"/>
-          </a:fontRef>
-        </p:style>
-        <p:txBody>
-          <a:bodyPr rtlCol="0" anchor="ctr"/>
-          <a:lstStyle/>
-          <a:p>
-            <a:pPr algn="ctr"/>
-            <a:r>
-              <a:rPr lang="en-US" sz="3200" dirty="0" err="1" smtClean="0"/>
-              <a:t>main_plot</a:t>
-            </a:r>
-            <a:endParaRPr lang="en-US" sz="3200" dirty="0"/>
+              <a:rPr lang="en-US" dirty="0" smtClean="0"/>
+              <a:t>Intermediate Shiny Example</a:t>
+            </a:r>
+            <a:endParaRPr lang="en-US" dirty="0"/>
           </a:p>
         </p:txBody>
       </p:sp>
     </p:spTree>
     <p:extLst>
       <p:ext uri="{BB962C8B-B14F-4D97-AF65-F5344CB8AC3E}">
-        <p14:creationId xmlns:p14="http://schemas.microsoft.com/office/powerpoint/2010/main" val="76375430"/>
+        <p14:creationId xmlns:p14="http://schemas.microsoft.com/office/powerpoint/2010/main" val="3428301371"/>
       </p:ext>
     </p:extLst>
   </p:cSld>

--- a/shiny_introduction.pptx
+++ b/shiny_introduction.pptx
@@ -5,24 +5,29 @@
     <p:sldMasterId id="2147483696" r:id="rId1"/>
   </p:sldMasterIdLst>
   <p:notesMasterIdLst>
-    <p:notesMasterId r:id="rId17"/>
+    <p:notesMasterId r:id="rId22"/>
   </p:notesMasterIdLst>
   <p:sldIdLst>
     <p:sldId id="256" r:id="rId2"/>
-    <p:sldId id="261" r:id="rId3"/>
-    <p:sldId id="262" r:id="rId4"/>
-    <p:sldId id="263" r:id="rId5"/>
-    <p:sldId id="264" r:id="rId6"/>
-    <p:sldId id="266" r:id="rId7"/>
-    <p:sldId id="267" r:id="rId8"/>
-    <p:sldId id="268" r:id="rId9"/>
-    <p:sldId id="269" r:id="rId10"/>
-    <p:sldId id="259" r:id="rId11"/>
-    <p:sldId id="260" r:id="rId12"/>
-    <p:sldId id="270" r:id="rId13"/>
-    <p:sldId id="257" r:id="rId14"/>
-    <p:sldId id="258" r:id="rId15"/>
-    <p:sldId id="265" r:id="rId16"/>
+    <p:sldId id="271" r:id="rId3"/>
+    <p:sldId id="261" r:id="rId4"/>
+    <p:sldId id="262" r:id="rId5"/>
+    <p:sldId id="263" r:id="rId6"/>
+    <p:sldId id="264" r:id="rId7"/>
+    <p:sldId id="266" r:id="rId8"/>
+    <p:sldId id="267" r:id="rId9"/>
+    <p:sldId id="268" r:id="rId10"/>
+    <p:sldId id="274" r:id="rId11"/>
+    <p:sldId id="275" r:id="rId12"/>
+    <p:sldId id="269" r:id="rId13"/>
+    <p:sldId id="259" r:id="rId14"/>
+    <p:sldId id="260" r:id="rId15"/>
+    <p:sldId id="270" r:id="rId16"/>
+    <p:sldId id="257" r:id="rId17"/>
+    <p:sldId id="258" r:id="rId18"/>
+    <p:sldId id="272" r:id="rId19"/>
+    <p:sldId id="273" r:id="rId20"/>
+    <p:sldId id="265" r:id="rId21"/>
   </p:sldIdLst>
   <p:sldSz cx="9144000" cy="6858000" type="screen4x3"/>
   <p:notesSz cx="6858000" cy="9144000"/>
@@ -206,7 +211,7 @@
           <a:p>
             <a:fld id="{A1177B5B-CE4B-47A5-AC61-C009C9626311}" type="datetimeFigureOut">
               <a:rPr lang="en-US" smtClean="0"/>
-              <a:t>2/7/2013</a:t>
+              <a:t>2/8/2013</a:t>
             </a:fld>
             <a:endParaRPr lang="en-US"/>
           </a:p>
@@ -584,7 +589,7 @@
           <a:p>
             <a:fld id="{6AFF73DF-0CB2-4BD6-AF9F-0FD25C17E598}" type="slidenum">
               <a:rPr lang="en-US" smtClean="0"/>
-              <a:t>3</a:t>
+              <a:t>4</a:t>
             </a:fld>
             <a:endParaRPr lang="en-US"/>
           </a:p>
@@ -755,7 +760,7 @@
           <a:p>
             <a:fld id="{6AFF73DF-0CB2-4BD6-AF9F-0FD25C17E598}" type="slidenum">
               <a:rPr lang="en-US" smtClean="0"/>
-              <a:t>4</a:t>
+              <a:t>5</a:t>
             </a:fld>
             <a:endParaRPr lang="en-US"/>
           </a:p>
@@ -820,28 +825,17 @@
           <a:p>
             <a:r>
               <a:rPr lang="en-US" dirty="0" smtClean="0"/>
-              <a:t>In imperative programming,</a:t>
+              <a:t>New inputs,</a:t>
             </a:r>
             <a:r>
               <a:rPr lang="en-US" baseline="0" dirty="0" smtClean="0"/>
-              <a:t> b = 5</a:t>
-            </a:r>
-          </a:p>
-          <a:p>
-            <a:r>
-              <a:rPr lang="en-US" baseline="0" dirty="0" smtClean="0"/>
-              <a:t>In reactive programming, b = 9</a:t>
-            </a:r>
-          </a:p>
-          <a:p>
-            <a:endParaRPr lang="en-US" baseline="0" dirty="0" smtClean="0"/>
-          </a:p>
-          <a:p>
-            <a:r>
-              <a:rPr lang="en-US" baseline="0" dirty="0" smtClean="0"/>
-              <a:t>R, like most languages, is imperative. Will always get b = 5</a:t>
-            </a:r>
-            <a:endParaRPr lang="en-US" dirty="0"/>
+              <a:t> outputs, and layouts via </a:t>
+            </a:r>
+            <a:r>
+              <a:rPr lang="en-US" baseline="0" smtClean="0"/>
+              <a:t>R packages.</a:t>
+            </a:r>
+            <a:endParaRPr lang="en-US"/>
           </a:p>
         </p:txBody>
       </p:sp>
@@ -871,7 +865,7 @@
     </p:spTree>
     <p:extLst>
       <p:ext uri="{BB962C8B-B14F-4D97-AF65-F5344CB8AC3E}">
-        <p14:creationId xmlns:p14="http://schemas.microsoft.com/office/powerpoint/2010/main" val="3320967549"/>
+        <p14:creationId xmlns:p14="http://schemas.microsoft.com/office/powerpoint/2010/main" val="758203329"/>
       </p:ext>
     </p:extLst>
   </p:cSld>
@@ -927,15 +921,26 @@
           <a:p>
             <a:r>
               <a:rPr lang="en-US" dirty="0" smtClean="0"/>
-              <a:t>Demo </a:t>
-            </a:r>
-            <a:r>
-              <a:rPr lang="en-US" dirty="0" err="1" smtClean="0"/>
-              <a:t>simpleGeyeser</a:t>
-            </a:r>
-            <a:r>
-              <a:rPr lang="en-US" dirty="0" smtClean="0"/>
-              <a:t> app</a:t>
+              <a:t>In imperative programming,</a:t>
+            </a:r>
+            <a:r>
+              <a:rPr lang="en-US" baseline="0" dirty="0" smtClean="0"/>
+              <a:t> b = 5</a:t>
+            </a:r>
+          </a:p>
+          <a:p>
+            <a:r>
+              <a:rPr lang="en-US" baseline="0" dirty="0" smtClean="0"/>
+              <a:t>In reactive programming, b = 9</a:t>
+            </a:r>
+          </a:p>
+          <a:p>
+            <a:endParaRPr lang="en-US" baseline="0" dirty="0" smtClean="0"/>
+          </a:p>
+          <a:p>
+            <a:r>
+              <a:rPr lang="en-US" baseline="0" dirty="0" smtClean="0"/>
+              <a:t>R, like most languages, is imperative. Will always get b = 5</a:t>
             </a:r>
             <a:endParaRPr lang="en-US" dirty="0"/>
           </a:p>
@@ -958,7 +963,7 @@
           <a:p>
             <a:fld id="{6AFF73DF-0CB2-4BD6-AF9F-0FD25C17E598}" type="slidenum">
               <a:rPr lang="en-US" smtClean="0"/>
-              <a:t>8</a:t>
+              <a:t>7</a:t>
             </a:fld>
             <a:endParaRPr lang="en-US"/>
           </a:p>
@@ -967,7 +972,7 @@
     </p:spTree>
     <p:extLst>
       <p:ext uri="{BB962C8B-B14F-4D97-AF65-F5344CB8AC3E}">
-        <p14:creationId xmlns:p14="http://schemas.microsoft.com/office/powerpoint/2010/main" val="3327642187"/>
+        <p14:creationId xmlns:p14="http://schemas.microsoft.com/office/powerpoint/2010/main" val="3320967549"/>
       </p:ext>
     </p:extLst>
   </p:cSld>
@@ -1027,10 +1032,10 @@
             </a:r>
             <a:r>
               <a:rPr lang="en-US" dirty="0" err="1" smtClean="0"/>
-              <a:t>naiveGeyser</a:t>
-            </a:r>
-            <a:r>
-              <a:rPr lang="en-US" baseline="0" dirty="0" smtClean="0"/>
+              <a:t>simpleGeyeser</a:t>
+            </a:r>
+            <a:r>
+              <a:rPr lang="en-US" dirty="0" smtClean="0"/>
               <a:t> app</a:t>
             </a:r>
             <a:endParaRPr lang="en-US" dirty="0"/>
@@ -1063,7 +1068,7 @@
     </p:spTree>
     <p:extLst>
       <p:ext uri="{BB962C8B-B14F-4D97-AF65-F5344CB8AC3E}">
-        <p14:creationId xmlns:p14="http://schemas.microsoft.com/office/powerpoint/2010/main" val="2357611467"/>
+        <p14:creationId xmlns:p14="http://schemas.microsoft.com/office/powerpoint/2010/main" val="3327642187"/>
       </p:ext>
     </p:extLst>
   </p:cSld>
@@ -1117,7 +1122,19 @@
           <a:bodyPr/>
           <a:lstStyle/>
           <a:p>
-            <a:endParaRPr lang="en-US"/>
+            <a:r>
+              <a:rPr lang="en-US" dirty="0" smtClean="0"/>
+              <a:t>Demo </a:t>
+            </a:r>
+            <a:r>
+              <a:rPr lang="en-US" dirty="0" err="1" smtClean="0"/>
+              <a:t>naiveGeyser</a:t>
+            </a:r>
+            <a:r>
+              <a:rPr lang="en-US" baseline="0" dirty="0" smtClean="0"/>
+              <a:t> app</a:t>
+            </a:r>
+            <a:endParaRPr lang="en-US" dirty="0"/>
           </a:p>
         </p:txBody>
       </p:sp>
@@ -1138,7 +1155,7 @@
           <a:p>
             <a:fld id="{6AFF73DF-0CB2-4BD6-AF9F-0FD25C17E598}" type="slidenum">
               <a:rPr lang="en-US" smtClean="0"/>
-              <a:t>10</a:t>
+              <a:t>12</a:t>
             </a:fld>
             <a:endParaRPr lang="en-US"/>
           </a:p>
@@ -1147,7 +1164,7 @@
     </p:spTree>
     <p:extLst>
       <p:ext uri="{BB962C8B-B14F-4D97-AF65-F5344CB8AC3E}">
-        <p14:creationId xmlns:p14="http://schemas.microsoft.com/office/powerpoint/2010/main" val="2195041220"/>
+        <p14:creationId xmlns:p14="http://schemas.microsoft.com/office/powerpoint/2010/main" val="2357611467"/>
       </p:ext>
     </p:extLst>
   </p:cSld>
@@ -1201,6 +1218,90 @@
           <a:bodyPr/>
           <a:lstStyle/>
           <a:p>
+            <a:endParaRPr lang="en-US"/>
+          </a:p>
+        </p:txBody>
+      </p:sp>
+      <p:sp>
+        <p:nvSpPr>
+          <p:cNvPr id="4" name="Slide Number Placeholder 3"/>
+          <p:cNvSpPr>
+            <a:spLocks noGrp="1"/>
+          </p:cNvSpPr>
+          <p:nvPr>
+            <p:ph type="sldNum" sz="quarter" idx="10"/>
+          </p:nvPr>
+        </p:nvSpPr>
+        <p:spPr/>
+        <p:txBody>
+          <a:bodyPr/>
+          <a:lstStyle/>
+          <a:p>
+            <a:fld id="{6AFF73DF-0CB2-4BD6-AF9F-0FD25C17E598}" type="slidenum">
+              <a:rPr lang="en-US" smtClean="0"/>
+              <a:t>13</a:t>
+            </a:fld>
+            <a:endParaRPr lang="en-US"/>
+          </a:p>
+        </p:txBody>
+      </p:sp>
+    </p:spTree>
+    <p:extLst>
+      <p:ext uri="{BB962C8B-B14F-4D97-AF65-F5344CB8AC3E}">
+        <p14:creationId xmlns:p14="http://schemas.microsoft.com/office/powerpoint/2010/main" val="2195041220"/>
+      </p:ext>
+    </p:extLst>
+  </p:cSld>
+  <p:clrMapOvr>
+    <a:masterClrMapping/>
+  </p:clrMapOvr>
+</p:notes>
+</file>
+
+<file path=ppt/notesSlides/notesSlide8.xml><?xml version="1.0" encoding="utf-8"?>
+<p:notes xmlns:a="http://schemas.openxmlformats.org/drawingml/2006/main" xmlns:r="http://schemas.openxmlformats.org/officeDocument/2006/relationships" xmlns:p="http://schemas.openxmlformats.org/presentationml/2006/main">
+  <p:cSld>
+    <p:spTree>
+      <p:nvGrpSpPr>
+        <p:cNvPr id="1" name=""/>
+        <p:cNvGrpSpPr/>
+        <p:nvPr/>
+      </p:nvGrpSpPr>
+      <p:grpSpPr>
+        <a:xfrm>
+          <a:off x="0" y="0"/>
+          <a:ext cx="0" cy="0"/>
+          <a:chOff x="0" y="0"/>
+          <a:chExt cx="0" cy="0"/>
+        </a:xfrm>
+      </p:grpSpPr>
+      <p:sp>
+        <p:nvSpPr>
+          <p:cNvPr id="2" name="Slide Image Placeholder 1"/>
+          <p:cNvSpPr>
+            <a:spLocks noGrp="1" noRot="1" noChangeAspect="1"/>
+          </p:cNvSpPr>
+          <p:nvPr>
+            <p:ph type="sldImg"/>
+          </p:nvPr>
+        </p:nvSpPr>
+        <p:spPr/>
+      </p:sp>
+      <p:sp>
+        <p:nvSpPr>
+          <p:cNvPr id="3" name="Notes Placeholder 2"/>
+          <p:cNvSpPr>
+            <a:spLocks noGrp="1"/>
+          </p:cNvSpPr>
+          <p:nvPr>
+            <p:ph type="body" idx="1"/>
+          </p:nvPr>
+        </p:nvSpPr>
+        <p:spPr/>
+        <p:txBody>
+          <a:bodyPr/>
+          <a:lstStyle/>
+          <a:p>
             <a:r>
               <a:rPr lang="en-US" dirty="0" smtClean="0"/>
               <a:t>Demo </a:t>
@@ -1230,7 +1331,7 @@
           <a:p>
             <a:fld id="{6AFF73DF-0CB2-4BD6-AF9F-0FD25C17E598}" type="slidenum">
               <a:rPr lang="en-US" smtClean="0"/>
-              <a:t>12</a:t>
+              <a:t>15</a:t>
             </a:fld>
             <a:endParaRPr lang="en-US"/>
           </a:p>
@@ -1543,7 +1644,7 @@
           <a:p>
             <a:fld id="{EDED7574-CA56-4775-AE52-7CA5FEAA3CA1}" type="datetimeFigureOut">
               <a:rPr lang="en-US" smtClean="0"/>
-              <a:t>2/7/2013</a:t>
+              <a:t>2/8/2013</a:t>
             </a:fld>
             <a:endParaRPr lang="en-US"/>
           </a:p>
@@ -1734,7 +1835,7 @@
           <a:p>
             <a:fld id="{EDED7574-CA56-4775-AE52-7CA5FEAA3CA1}" type="datetimeFigureOut">
               <a:rPr lang="en-US" smtClean="0"/>
-              <a:t>2/7/2013</a:t>
+              <a:t>2/8/2013</a:t>
             </a:fld>
             <a:endParaRPr lang="en-US"/>
           </a:p>
@@ -1914,7 +2015,7 @@
           <a:p>
             <a:fld id="{EDED7574-CA56-4775-AE52-7CA5FEAA3CA1}" type="datetimeFigureOut">
               <a:rPr lang="en-US" smtClean="0"/>
-              <a:t>2/7/2013</a:t>
+              <a:t>2/8/2013</a:t>
             </a:fld>
             <a:endParaRPr lang="en-US"/>
           </a:p>
@@ -2177,7 +2278,7 @@
           <a:p>
             <a:fld id="{EDED7574-CA56-4775-AE52-7CA5FEAA3CA1}" type="datetimeFigureOut">
               <a:rPr lang="en-US" smtClean="0"/>
-              <a:t>2/7/2013</a:t>
+              <a:t>2/8/2013</a:t>
             </a:fld>
             <a:endParaRPr lang="en-US"/>
           </a:p>
@@ -2588,7 +2689,7 @@
           <a:p>
             <a:fld id="{EDED7574-CA56-4775-AE52-7CA5FEAA3CA1}" type="datetimeFigureOut">
               <a:rPr lang="en-US" smtClean="0"/>
-              <a:t>2/7/2013</a:t>
+              <a:t>2/8/2013</a:t>
             </a:fld>
             <a:endParaRPr lang="en-US"/>
           </a:p>
@@ -2830,7 +2931,7 @@
           <a:p>
             <a:fld id="{EDED7574-CA56-4775-AE52-7CA5FEAA3CA1}" type="datetimeFigureOut">
               <a:rPr lang="en-US" smtClean="0"/>
-              <a:t>2/7/2013</a:t>
+              <a:t>2/8/2013</a:t>
             </a:fld>
             <a:endParaRPr lang="en-US"/>
           </a:p>
@@ -3066,7 +3167,7 @@
           <a:p>
             <a:fld id="{EDED7574-CA56-4775-AE52-7CA5FEAA3CA1}" type="datetimeFigureOut">
               <a:rPr lang="en-US" smtClean="0"/>
-              <a:t>2/7/2013</a:t>
+              <a:t>2/8/2013</a:t>
             </a:fld>
             <a:endParaRPr lang="en-US"/>
           </a:p>
@@ -3261,7 +3362,7 @@
           <a:p>
             <a:fld id="{EDED7574-CA56-4775-AE52-7CA5FEAA3CA1}" type="datetimeFigureOut">
               <a:rPr lang="en-US" smtClean="0"/>
-              <a:t>2/7/2013</a:t>
+              <a:t>2/8/2013</a:t>
             </a:fld>
             <a:endParaRPr lang="en-US"/>
           </a:p>
@@ -3359,7 +3460,7 @@
           <a:p>
             <a:fld id="{EDED7574-CA56-4775-AE52-7CA5FEAA3CA1}" type="datetimeFigureOut">
               <a:rPr lang="en-US" smtClean="0"/>
-              <a:t>2/7/2013</a:t>
+              <a:t>2/8/2013</a:t>
             </a:fld>
             <a:endParaRPr lang="en-US"/>
           </a:p>
@@ -3495,7 +3596,7 @@
           <a:p>
             <a:fld id="{EDED7574-CA56-4775-AE52-7CA5FEAA3CA1}" type="datetimeFigureOut">
               <a:rPr lang="en-US" smtClean="0"/>
-              <a:t>2/7/2013</a:t>
+              <a:t>2/8/2013</a:t>
             </a:fld>
             <a:endParaRPr lang="en-US"/>
           </a:p>
@@ -4008,7 +4109,7 @@
           <a:p>
             <a:fld id="{EDED7574-CA56-4775-AE52-7CA5FEAA3CA1}" type="datetimeFigureOut">
               <a:rPr lang="en-US" smtClean="0"/>
-              <a:t>2/7/2013</a:t>
+              <a:t>2/8/2013</a:t>
             </a:fld>
             <a:endParaRPr lang="en-US"/>
           </a:p>
@@ -4278,7 +4379,7 @@
           <a:p>
             <a:fld id="{EDED7574-CA56-4775-AE52-7CA5FEAA3CA1}" type="datetimeFigureOut">
               <a:rPr lang="en-US" smtClean="0"/>
-              <a:t>2/7/2013</a:t>
+              <a:t>2/8/2013</a:t>
             </a:fld>
             <a:endParaRPr lang="en-US"/>
           </a:p>
@@ -5122,719 +5223,470 @@
       </p:grpSpPr>
       <p:sp>
         <p:nvSpPr>
-          <p:cNvPr id="73" name="Rectangle 72"/>
-          <p:cNvSpPr/>
+          <p:cNvPr id="4" name="Title 3"/>
+          <p:cNvSpPr>
+            <a:spLocks noGrp="1"/>
+          </p:cNvSpPr>
+          <p:nvPr>
+            <p:ph type="title"/>
+          </p:nvPr>
+        </p:nvSpPr>
+        <p:spPr/>
+        <p:txBody>
+          <a:bodyPr/>
+          <a:lstStyle/>
+          <a:p>
+            <a:r>
+              <a:rPr lang="en-US" dirty="0" err="1" smtClean="0"/>
+              <a:t>ui.R</a:t>
+            </a:r>
+            <a:endParaRPr lang="en-US" dirty="0"/>
+          </a:p>
+        </p:txBody>
+      </p:sp>
+      <p:sp>
+        <p:nvSpPr>
+          <p:cNvPr id="5" name="Content Placeholder 4"/>
+          <p:cNvSpPr>
+            <a:spLocks noGrp="1"/>
+          </p:cNvSpPr>
+          <p:nvPr>
+            <p:ph sz="quarter" idx="1"/>
+          </p:nvPr>
+        </p:nvSpPr>
+        <p:spPr>
+          <a:xfrm>
+            <a:off x="228600" y="1589567"/>
+            <a:ext cx="6629400" cy="4572000"/>
+          </a:xfrm>
+        </p:spPr>
+        <p:txBody>
+          <a:bodyPr>
+            <a:normAutofit/>
+          </a:bodyPr>
+          <a:lstStyle/>
+          <a:p>
+            <a:pPr marL="0" indent="0">
+              <a:buNone/>
+            </a:pPr>
+            <a:r>
+              <a:rPr lang="en-US" sz="2400" dirty="0" err="1">
+                <a:latin typeface="Lucida Console" pitchFamily="49" charset="0"/>
+              </a:rPr>
+              <a:t>shinyUI</a:t>
+            </a:r>
+            <a:r>
+              <a:rPr lang="en-US" sz="2400" dirty="0">
+                <a:latin typeface="Lucida Console" pitchFamily="49" charset="0"/>
+              </a:rPr>
+              <a:t>(</a:t>
+            </a:r>
+            <a:r>
+              <a:rPr lang="en-US" sz="2400" dirty="0" err="1">
+                <a:latin typeface="Lucida Console" pitchFamily="49" charset="0"/>
+              </a:rPr>
+              <a:t>bootstrapPage</a:t>
+            </a:r>
+            <a:r>
+              <a:rPr lang="en-US" sz="2400" dirty="0" smtClean="0">
+                <a:latin typeface="Lucida Console" pitchFamily="49" charset="0"/>
+              </a:rPr>
+              <a:t>(</a:t>
+            </a:r>
+            <a:endParaRPr lang="en-US" sz="2400" dirty="0">
+              <a:latin typeface="Lucida Console" pitchFamily="49" charset="0"/>
+            </a:endParaRPr>
+          </a:p>
+          <a:p>
+            <a:pPr marL="0" indent="0">
+              <a:buNone/>
+            </a:pPr>
+            <a:r>
+              <a:rPr lang="en-US" sz="2400" dirty="0">
+                <a:latin typeface="Lucida Console" pitchFamily="49" charset="0"/>
+              </a:rPr>
+              <a:t>  </a:t>
+            </a:r>
+            <a:r>
+              <a:rPr lang="en-US" sz="2400" dirty="0" err="1">
+                <a:latin typeface="Lucida Console" pitchFamily="49" charset="0"/>
+              </a:rPr>
+              <a:t>selectInput</a:t>
+            </a:r>
+            <a:r>
+              <a:rPr lang="en-US" sz="2400" dirty="0">
+                <a:latin typeface="Lucida Console" pitchFamily="49" charset="0"/>
+              </a:rPr>
+              <a:t>(</a:t>
+            </a:r>
+            <a:r>
+              <a:rPr lang="en-US" sz="2400" dirty="0" err="1">
+                <a:latin typeface="Lucida Console" pitchFamily="49" charset="0"/>
+              </a:rPr>
+              <a:t>inputId</a:t>
+            </a:r>
+            <a:r>
+              <a:rPr lang="en-US" sz="2400" dirty="0">
+                <a:latin typeface="Lucida Console" pitchFamily="49" charset="0"/>
+              </a:rPr>
+              <a:t> = "</a:t>
+            </a:r>
+            <a:r>
+              <a:rPr lang="en-US" sz="2400" dirty="0" err="1">
+                <a:solidFill>
+                  <a:schemeClr val="accent2"/>
+                </a:solidFill>
+                <a:latin typeface="Lucida Console" pitchFamily="49" charset="0"/>
+              </a:rPr>
+              <a:t>n_breaks</a:t>
+            </a:r>
+            <a:r>
+              <a:rPr lang="en-US" sz="2400" dirty="0">
+                <a:latin typeface="Lucida Console" pitchFamily="49" charset="0"/>
+              </a:rPr>
+              <a:t>",</a:t>
+            </a:r>
+          </a:p>
+          <a:p>
+            <a:pPr marL="0" indent="0">
+              <a:buNone/>
+            </a:pPr>
+            <a:r>
+              <a:rPr lang="en-US" sz="2400" dirty="0">
+                <a:latin typeface="Lucida Console" pitchFamily="49" charset="0"/>
+              </a:rPr>
+              <a:t>    </a:t>
+            </a:r>
+            <a:r>
+              <a:rPr lang="en-US" sz="2400" dirty="0" smtClean="0">
+                <a:latin typeface="Lucida Console" pitchFamily="49" charset="0"/>
+              </a:rPr>
+              <a:t>label </a:t>
+            </a:r>
+            <a:r>
+              <a:rPr lang="en-US" sz="2400" dirty="0">
+                <a:latin typeface="Lucida Console" pitchFamily="49" charset="0"/>
+              </a:rPr>
+              <a:t>= "</a:t>
+            </a:r>
+            <a:r>
+              <a:rPr lang="en-US" sz="2400" dirty="0">
+                <a:solidFill>
+                  <a:schemeClr val="accent2"/>
+                </a:solidFill>
+                <a:latin typeface="Lucida Console" pitchFamily="49" charset="0"/>
+              </a:rPr>
+              <a:t>Number of bins in histogram (approximate):</a:t>
+            </a:r>
+            <a:r>
+              <a:rPr lang="en-US" sz="2400" dirty="0">
+                <a:latin typeface="Lucida Console" pitchFamily="49" charset="0"/>
+              </a:rPr>
+              <a:t>",</a:t>
+            </a:r>
+          </a:p>
+          <a:p>
+            <a:pPr marL="0" indent="0">
+              <a:buNone/>
+            </a:pPr>
+            <a:r>
+              <a:rPr lang="en-US" sz="2400" dirty="0">
+                <a:latin typeface="Lucida Console" pitchFamily="49" charset="0"/>
+              </a:rPr>
+              <a:t>    </a:t>
+            </a:r>
+            <a:r>
+              <a:rPr lang="en-US" sz="2400" dirty="0" smtClean="0">
+                <a:latin typeface="Lucida Console" pitchFamily="49" charset="0"/>
+              </a:rPr>
+              <a:t>choices </a:t>
+            </a:r>
+            <a:r>
+              <a:rPr lang="en-US" sz="2400" dirty="0">
+                <a:latin typeface="Lucida Console" pitchFamily="49" charset="0"/>
+              </a:rPr>
+              <a:t>= c(</a:t>
+            </a:r>
+            <a:r>
+              <a:rPr lang="en-US" sz="2400" dirty="0">
+                <a:solidFill>
+                  <a:srgbClr val="00B0F0"/>
+                </a:solidFill>
+                <a:latin typeface="Lucida Console" pitchFamily="49" charset="0"/>
+              </a:rPr>
+              <a:t>10</a:t>
+            </a:r>
+            <a:r>
+              <a:rPr lang="en-US" sz="2400" dirty="0">
+                <a:latin typeface="Lucida Console" pitchFamily="49" charset="0"/>
+              </a:rPr>
+              <a:t>, </a:t>
+            </a:r>
+            <a:r>
+              <a:rPr lang="en-US" sz="2400" dirty="0">
+                <a:solidFill>
+                  <a:srgbClr val="00B0F0"/>
+                </a:solidFill>
+                <a:latin typeface="Lucida Console" pitchFamily="49" charset="0"/>
+              </a:rPr>
+              <a:t>20</a:t>
+            </a:r>
+            <a:r>
+              <a:rPr lang="en-US" sz="2400" dirty="0">
+                <a:latin typeface="Lucida Console" pitchFamily="49" charset="0"/>
+              </a:rPr>
+              <a:t>, </a:t>
+            </a:r>
+            <a:r>
+              <a:rPr lang="en-US" sz="2400" dirty="0">
+                <a:solidFill>
+                  <a:srgbClr val="00B0F0"/>
+                </a:solidFill>
+                <a:latin typeface="Lucida Console" pitchFamily="49" charset="0"/>
+              </a:rPr>
+              <a:t>35</a:t>
+            </a:r>
+            <a:r>
+              <a:rPr lang="en-US" sz="2400" dirty="0">
+                <a:latin typeface="Lucida Console" pitchFamily="49" charset="0"/>
+              </a:rPr>
+              <a:t>, </a:t>
+            </a:r>
+            <a:r>
+              <a:rPr lang="en-US" sz="2400" dirty="0">
+                <a:solidFill>
+                  <a:srgbClr val="00B0F0"/>
+                </a:solidFill>
+                <a:latin typeface="Lucida Console" pitchFamily="49" charset="0"/>
+              </a:rPr>
+              <a:t>50</a:t>
+            </a:r>
+            <a:r>
+              <a:rPr lang="en-US" sz="2400" dirty="0">
+                <a:latin typeface="Lucida Console" pitchFamily="49" charset="0"/>
+              </a:rPr>
+              <a:t>),</a:t>
+            </a:r>
+          </a:p>
+          <a:p>
+            <a:pPr marL="0" indent="0">
+              <a:buNone/>
+            </a:pPr>
+            <a:r>
+              <a:rPr lang="en-US" sz="2400" dirty="0">
+                <a:latin typeface="Lucida Console" pitchFamily="49" charset="0"/>
+              </a:rPr>
+              <a:t>    </a:t>
+            </a:r>
+            <a:r>
+              <a:rPr lang="en-US" sz="2400" dirty="0" smtClean="0">
+                <a:latin typeface="Lucida Console" pitchFamily="49" charset="0"/>
+              </a:rPr>
+              <a:t>selected </a:t>
+            </a:r>
+            <a:r>
+              <a:rPr lang="en-US" sz="2400" dirty="0">
+                <a:latin typeface="Lucida Console" pitchFamily="49" charset="0"/>
+              </a:rPr>
+              <a:t>= </a:t>
+            </a:r>
+            <a:r>
+              <a:rPr lang="en-US" sz="2400" dirty="0">
+                <a:solidFill>
+                  <a:srgbClr val="00B0F0"/>
+                </a:solidFill>
+                <a:latin typeface="Lucida Console" pitchFamily="49" charset="0"/>
+              </a:rPr>
+              <a:t>20</a:t>
+            </a:r>
+            <a:r>
+              <a:rPr lang="en-US" sz="2400" dirty="0" smtClean="0">
+                <a:latin typeface="Lucida Console" pitchFamily="49" charset="0"/>
+              </a:rPr>
+              <a:t>),</a:t>
+            </a:r>
+            <a:endParaRPr lang="en-US" sz="2400" dirty="0">
+              <a:latin typeface="Lucida Console" pitchFamily="49" charset="0"/>
+            </a:endParaRPr>
+          </a:p>
+          <a:p>
+            <a:pPr marL="0" indent="0">
+              <a:buNone/>
+            </a:pPr>
+            <a:r>
+              <a:rPr lang="en-US" sz="2400" dirty="0">
+                <a:latin typeface="Lucida Console" pitchFamily="49" charset="0"/>
+              </a:rPr>
+              <a:t>  </a:t>
+            </a:r>
+            <a:endParaRPr lang="en-US" sz="2400" dirty="0" smtClean="0">
+              <a:latin typeface="Lucida Console" pitchFamily="49" charset="0"/>
+            </a:endParaRPr>
+          </a:p>
+          <a:p>
+            <a:pPr marL="0" indent="0">
+              <a:buNone/>
+            </a:pPr>
+            <a:r>
+              <a:rPr lang="en-US" sz="2400" dirty="0">
+                <a:latin typeface="Lucida Console" pitchFamily="49" charset="0"/>
+              </a:rPr>
+              <a:t> </a:t>
+            </a:r>
+            <a:r>
+              <a:rPr lang="en-US" sz="2400" dirty="0" smtClean="0">
+                <a:latin typeface="Lucida Console" pitchFamily="49" charset="0"/>
+              </a:rPr>
+              <a:t>   </a:t>
+            </a:r>
+            <a:r>
+              <a:rPr lang="en-US" sz="2400" dirty="0" err="1" smtClean="0">
+                <a:latin typeface="Lucida Console" pitchFamily="49" charset="0"/>
+              </a:rPr>
+              <a:t>plotOutput</a:t>
+            </a:r>
+            <a:r>
+              <a:rPr lang="en-US" sz="2400" dirty="0" smtClean="0">
+                <a:latin typeface="Lucida Console" pitchFamily="49" charset="0"/>
+              </a:rPr>
+              <a:t>(</a:t>
+            </a:r>
+            <a:r>
+              <a:rPr lang="en-US" sz="2400" dirty="0" err="1" smtClean="0">
+                <a:latin typeface="Lucida Console" pitchFamily="49" charset="0"/>
+              </a:rPr>
+              <a:t>outputId</a:t>
+            </a:r>
+            <a:r>
+              <a:rPr lang="en-US" sz="2400" dirty="0" smtClean="0">
+                <a:latin typeface="Lucida Console" pitchFamily="49" charset="0"/>
+              </a:rPr>
+              <a:t> </a:t>
+            </a:r>
+            <a:r>
+              <a:rPr lang="en-US" sz="2400" dirty="0">
+                <a:latin typeface="Lucida Console" pitchFamily="49" charset="0"/>
+              </a:rPr>
+              <a:t>= "</a:t>
+            </a:r>
+            <a:r>
+              <a:rPr lang="en-US" sz="2400" dirty="0" err="1">
+                <a:solidFill>
+                  <a:schemeClr val="accent2"/>
+                </a:solidFill>
+                <a:latin typeface="Lucida Console" pitchFamily="49" charset="0"/>
+              </a:rPr>
+              <a:t>main_plot</a:t>
+            </a:r>
+            <a:r>
+              <a:rPr lang="en-US" sz="2400" dirty="0">
+                <a:latin typeface="Lucida Console" pitchFamily="49" charset="0"/>
+              </a:rPr>
+              <a:t>", height = "</a:t>
+            </a:r>
+            <a:r>
+              <a:rPr lang="en-US" sz="2400" dirty="0">
+                <a:solidFill>
+                  <a:schemeClr val="accent2"/>
+                </a:solidFill>
+                <a:latin typeface="Lucida Console" pitchFamily="49" charset="0"/>
+              </a:rPr>
+              <a:t>300px</a:t>
+            </a:r>
+            <a:r>
+              <a:rPr lang="en-US" sz="2400" dirty="0" smtClean="0">
+                <a:latin typeface="Lucida Console" pitchFamily="49" charset="0"/>
+              </a:rPr>
+              <a:t>")</a:t>
+            </a:r>
+            <a:endParaRPr lang="en-US" sz="2400" dirty="0">
+              <a:latin typeface="Lucida Console" pitchFamily="49" charset="0"/>
+            </a:endParaRPr>
+          </a:p>
+          <a:p>
+            <a:pPr marL="0" indent="0">
+              <a:buNone/>
+            </a:pPr>
+            <a:r>
+              <a:rPr lang="en-US" sz="2400" dirty="0">
+                <a:latin typeface="Lucida Console" pitchFamily="49" charset="0"/>
+              </a:rPr>
+              <a:t>))</a:t>
+            </a:r>
+          </a:p>
+          <a:p>
+            <a:endParaRPr lang="en-US" sz="2400" dirty="0"/>
+          </a:p>
+        </p:txBody>
+      </p:sp>
+      <p:pic>
+        <p:nvPicPr>
+          <p:cNvPr id="1027" name="Picture 3"/>
+          <p:cNvPicPr>
+            <a:picLocks noChangeAspect="1" noChangeArrowheads="1"/>
+          </p:cNvPicPr>
           <p:nvPr/>
-        </p:nvSpPr>
-        <p:spPr>
-          <a:xfrm>
-            <a:off x="6515100" y="3124200"/>
-            <a:ext cx="2476500" cy="2487385"/>
+        </p:nvPicPr>
+        <p:blipFill>
+          <a:blip r:embed="rId2">
+            <a:extLst>
+              <a:ext uri="{28A0092B-C50C-407E-A947-70E740481C1C}">
+                <a14:useLocalDpi xmlns:a14="http://schemas.microsoft.com/office/drawing/2010/main" val="0"/>
+              </a:ext>
+            </a:extLst>
+          </a:blip>
+          <a:srcRect/>
+          <a:stretch>
+            <a:fillRect/>
+          </a:stretch>
+        </p:blipFill>
+        <p:spPr bwMode="auto">
+          <a:xfrm>
+            <a:off x="6248400" y="2590800"/>
+            <a:ext cx="2667000" cy="3200400"/>
           </a:xfrm>
           <a:prstGeom prst="rect">
             <a:avLst/>
           </a:prstGeom>
           <a:noFill/>
           <a:ln>
-            <a:solidFill>
-              <a:schemeClr val="tx1"/>
-            </a:solidFill>
+            <a:noFill/>
           </a:ln>
-        </p:spPr>
-        <p:style>
-          <a:lnRef idx="2">
-            <a:schemeClr val="accent1">
-              <a:shade val="50000"/>
-            </a:schemeClr>
-          </a:lnRef>
-          <a:fillRef idx="1">
-            <a:schemeClr val="accent1"/>
-          </a:fillRef>
-          <a:effectRef idx="0">
-            <a:schemeClr val="accent1"/>
-          </a:effectRef>
-          <a:fontRef idx="minor">
-            <a:schemeClr val="lt1"/>
-          </a:fontRef>
-        </p:style>
-        <p:txBody>
-          <a:bodyPr rtlCol="0" anchor="t"/>
-          <a:lstStyle/>
-          <a:p>
-            <a:pPr algn="ctr"/>
-            <a:r>
-              <a:rPr lang="en-US" sz="2800" dirty="0" smtClean="0">
+          <a:effectLst/>
+          <a:extLst>
+            <a:ext uri="{909E8E84-426E-40DD-AFC4-6F175D3DCCD1}">
+              <a14:hiddenFill xmlns:a14="http://schemas.microsoft.com/office/drawing/2010/main">
+                <a:solidFill>
+                  <a:schemeClr val="accent1"/>
+                </a:solidFill>
+              </a14:hiddenFill>
+            </a:ext>
+            <a:ext uri="{91240B29-F687-4F45-9708-019B960494DF}">
+              <a14:hiddenLine xmlns:a14="http://schemas.microsoft.com/office/drawing/2010/main" w="9525">
                 <a:solidFill>
                   <a:schemeClr val="tx1"/>
                 </a:solidFill>
-              </a:rPr>
-              <a:t>Key</a:t>
-            </a:r>
-            <a:endParaRPr lang="en-US" sz="2800" dirty="0">
-              <a:solidFill>
-                <a:schemeClr val="tx1"/>
-              </a:solidFill>
-            </a:endParaRPr>
-          </a:p>
-        </p:txBody>
-      </p:sp>
-      <p:sp>
-        <p:nvSpPr>
-          <p:cNvPr id="2" name="Title 1"/>
-          <p:cNvSpPr>
-            <a:spLocks noGrp="1"/>
-          </p:cNvSpPr>
-          <p:nvPr>
-            <p:ph type="title"/>
-          </p:nvPr>
-        </p:nvSpPr>
-        <p:spPr/>
-        <p:txBody>
-          <a:bodyPr/>
-          <a:lstStyle/>
-          <a:p>
-            <a:r>
-              <a:rPr lang="en-US" dirty="0" smtClean="0">
-                <a:solidFill>
-                  <a:schemeClr val="tx1"/>
-                </a:solidFill>
-              </a:rPr>
-              <a:t>Dependency Graph – Naïve</a:t>
-            </a:r>
-            <a:endParaRPr lang="en-US" dirty="0">
-              <a:solidFill>
-                <a:schemeClr val="tx1"/>
-              </a:solidFill>
-            </a:endParaRPr>
-          </a:p>
-        </p:txBody>
-      </p:sp>
-      <p:sp>
-        <p:nvSpPr>
-          <p:cNvPr id="13" name="Rectangle 12"/>
-          <p:cNvSpPr/>
-          <p:nvPr/>
-        </p:nvSpPr>
-        <p:spPr>
-          <a:xfrm>
-            <a:off x="1143000" y="1828800"/>
-            <a:ext cx="2133600" cy="587830"/>
-          </a:xfrm>
-          <a:prstGeom prst="rect">
-            <a:avLst/>
-          </a:prstGeom>
-        </p:spPr>
-        <p:style>
-          <a:lnRef idx="2">
-            <a:schemeClr val="accent1">
-              <a:shade val="50000"/>
-            </a:schemeClr>
-          </a:lnRef>
-          <a:fillRef idx="1">
-            <a:schemeClr val="accent1"/>
-          </a:fillRef>
-          <a:effectRef idx="0">
-            <a:schemeClr val="accent1"/>
-          </a:effectRef>
-          <a:fontRef idx="minor">
-            <a:schemeClr val="lt1"/>
-          </a:fontRef>
-        </p:style>
-        <p:txBody>
-          <a:bodyPr rtlCol="0" anchor="ctr"/>
-          <a:lstStyle/>
-          <a:p>
-            <a:pPr algn="ctr"/>
-            <a:r>
-              <a:rPr lang="en-US" sz="3200" dirty="0" err="1" smtClean="0"/>
-              <a:t>shinyServer</a:t>
-            </a:r>
-            <a:endParaRPr lang="en-US" sz="3200" dirty="0"/>
-          </a:p>
-        </p:txBody>
-      </p:sp>
-      <p:cxnSp>
-        <p:nvCxnSpPr>
-          <p:cNvPr id="14" name="Straight Arrow Connector 13"/>
-          <p:cNvCxnSpPr>
-            <a:stCxn id="13" idx="2"/>
-            <a:endCxn id="4" idx="0"/>
-          </p:cNvCxnSpPr>
-          <p:nvPr/>
-        </p:nvCxnSpPr>
-        <p:spPr>
-          <a:xfrm>
-            <a:off x="2209800" y="2416630"/>
-            <a:ext cx="0" cy="326570"/>
-          </a:xfrm>
-          <a:prstGeom prst="straightConnector1">
-            <a:avLst/>
-          </a:prstGeom>
-          <a:ln w="57150">
-            <a:tailEnd type="arrow"/>
-          </a:ln>
-        </p:spPr>
-        <p:style>
-          <a:lnRef idx="1">
-            <a:schemeClr val="accent1"/>
-          </a:lnRef>
-          <a:fillRef idx="0">
-            <a:schemeClr val="accent1"/>
-          </a:fillRef>
-          <a:effectRef idx="0">
-            <a:schemeClr val="accent1"/>
-          </a:effectRef>
-          <a:fontRef idx="minor">
-            <a:schemeClr val="tx1"/>
-          </a:fontRef>
-        </p:style>
-      </p:cxnSp>
-      <p:cxnSp>
-        <p:nvCxnSpPr>
-          <p:cNvPr id="20" name="Straight Arrow Connector 19"/>
-          <p:cNvCxnSpPr>
-            <a:stCxn id="4" idx="3"/>
-            <a:endCxn id="23" idx="1"/>
-          </p:cNvCxnSpPr>
-          <p:nvPr/>
-        </p:nvCxnSpPr>
-        <p:spPr>
-          <a:xfrm>
-            <a:off x="3429000" y="3418115"/>
-            <a:ext cx="762000" cy="10885"/>
-          </a:xfrm>
-          <a:prstGeom prst="straightConnector1">
-            <a:avLst/>
-          </a:prstGeom>
-          <a:ln w="57150">
-            <a:tailEnd type="arrow"/>
-          </a:ln>
-        </p:spPr>
-        <p:style>
-          <a:lnRef idx="1">
-            <a:schemeClr val="accent1"/>
-          </a:lnRef>
-          <a:fillRef idx="0">
-            <a:schemeClr val="accent1"/>
-          </a:fillRef>
-          <a:effectRef idx="0">
-            <a:schemeClr val="accent1"/>
-          </a:effectRef>
-          <a:fontRef idx="minor">
-            <a:schemeClr val="tx1"/>
-          </a:fontRef>
-        </p:style>
-      </p:cxnSp>
-      <p:sp>
-        <p:nvSpPr>
-          <p:cNvPr id="23" name="Rectangle 22"/>
-          <p:cNvSpPr/>
-          <p:nvPr/>
-        </p:nvSpPr>
-        <p:spPr>
-          <a:xfrm>
-            <a:off x="4191000" y="3124200"/>
-            <a:ext cx="2133600" cy="609600"/>
-          </a:xfrm>
-          <a:prstGeom prst="rect">
-            <a:avLst/>
-          </a:prstGeom>
-        </p:spPr>
-        <p:style>
-          <a:lnRef idx="2">
-            <a:schemeClr val="accent2">
-              <a:shade val="50000"/>
-            </a:schemeClr>
-          </a:lnRef>
-          <a:fillRef idx="1">
-            <a:schemeClr val="accent2"/>
-          </a:fillRef>
-          <a:effectRef idx="0">
-            <a:schemeClr val="accent2"/>
-          </a:effectRef>
-          <a:fontRef idx="minor">
-            <a:schemeClr val="lt1"/>
-          </a:fontRef>
-        </p:style>
-        <p:txBody>
-          <a:bodyPr rtlCol="0" anchor="ctr"/>
-          <a:lstStyle/>
-          <a:p>
-            <a:pPr algn="ctr"/>
-            <a:r>
-              <a:rPr lang="en-US" sz="3200" dirty="0" smtClean="0"/>
-              <a:t>$dataset</a:t>
-            </a:r>
-            <a:endParaRPr lang="en-US" sz="3200" dirty="0"/>
-          </a:p>
-        </p:txBody>
-      </p:sp>
-      <p:cxnSp>
-        <p:nvCxnSpPr>
-          <p:cNvPr id="28" name="Straight Arrow Connector 27"/>
-          <p:cNvCxnSpPr/>
-          <p:nvPr/>
-        </p:nvCxnSpPr>
-        <p:spPr>
-          <a:xfrm>
-            <a:off x="2971800" y="3695702"/>
-            <a:ext cx="740229" cy="985157"/>
-          </a:xfrm>
-          <a:prstGeom prst="straightConnector1">
-            <a:avLst/>
-          </a:prstGeom>
-          <a:ln w="57150">
-            <a:tailEnd type="arrow"/>
-          </a:ln>
-        </p:spPr>
-        <p:style>
-          <a:lnRef idx="1">
-            <a:schemeClr val="accent1"/>
-          </a:lnRef>
-          <a:fillRef idx="0">
-            <a:schemeClr val="accent1"/>
-          </a:fillRef>
-          <a:effectRef idx="0">
-            <a:schemeClr val="accent1"/>
-          </a:effectRef>
-          <a:fontRef idx="minor">
-            <a:schemeClr val="tx1"/>
-          </a:fontRef>
-        </p:style>
-      </p:cxnSp>
-      <p:sp>
-        <p:nvSpPr>
-          <p:cNvPr id="29" name="Rectangle 28"/>
-          <p:cNvSpPr/>
-          <p:nvPr/>
-        </p:nvSpPr>
-        <p:spPr>
-          <a:xfrm>
-            <a:off x="3200400" y="4680859"/>
-            <a:ext cx="2133600" cy="1066800"/>
-          </a:xfrm>
-          <a:prstGeom prst="rect">
-            <a:avLst/>
-          </a:prstGeom>
-        </p:spPr>
-        <p:style>
-          <a:lnRef idx="2">
-            <a:schemeClr val="accent2">
-              <a:shade val="50000"/>
-            </a:schemeClr>
-          </a:lnRef>
-          <a:fillRef idx="1">
-            <a:schemeClr val="accent2"/>
-          </a:fillRef>
-          <a:effectRef idx="0">
-            <a:schemeClr val="accent2"/>
-          </a:effectRef>
-          <a:fontRef idx="minor">
-            <a:schemeClr val="lt1"/>
-          </a:fontRef>
-        </p:style>
-        <p:txBody>
-          <a:bodyPr rtlCol="0" anchor="ctr"/>
-          <a:lstStyle/>
-          <a:p>
-            <a:pPr algn="ctr"/>
-            <a:r>
-              <a:rPr lang="en-US" sz="3200" dirty="0" smtClean="0"/>
-              <a:t>$</a:t>
-            </a:r>
-            <a:r>
-              <a:rPr lang="en-US" sz="3200" dirty="0" err="1" smtClean="0"/>
-              <a:t>individual_obs</a:t>
-            </a:r>
-            <a:endParaRPr lang="en-US" sz="3200" dirty="0"/>
-          </a:p>
-        </p:txBody>
-      </p:sp>
-      <p:sp>
-        <p:nvSpPr>
-          <p:cNvPr id="34" name="Rectangle 33"/>
-          <p:cNvSpPr/>
-          <p:nvPr/>
-        </p:nvSpPr>
-        <p:spPr>
-          <a:xfrm>
-            <a:off x="381000" y="5998030"/>
-            <a:ext cx="2133600" cy="685800"/>
-          </a:xfrm>
-          <a:prstGeom prst="rect">
-            <a:avLst/>
-          </a:prstGeom>
-        </p:spPr>
-        <p:style>
-          <a:lnRef idx="2">
-            <a:schemeClr val="accent2">
-              <a:shade val="50000"/>
-            </a:schemeClr>
-          </a:lnRef>
-          <a:fillRef idx="1">
-            <a:schemeClr val="accent2"/>
-          </a:fillRef>
-          <a:effectRef idx="0">
-            <a:schemeClr val="accent2"/>
-          </a:effectRef>
-          <a:fontRef idx="minor">
-            <a:schemeClr val="lt1"/>
-          </a:fontRef>
-        </p:style>
-        <p:txBody>
-          <a:bodyPr rtlCol="0" anchor="ctr"/>
-          <a:lstStyle/>
-          <a:p>
-            <a:pPr algn="ctr"/>
-            <a:r>
-              <a:rPr lang="en-US" sz="3200" dirty="0" smtClean="0"/>
-              <a:t>$</a:t>
-            </a:r>
-            <a:r>
-              <a:rPr lang="en-US" sz="3200" dirty="0" err="1" smtClean="0"/>
-              <a:t>bw_adjust</a:t>
-            </a:r>
-            <a:endParaRPr lang="en-US" sz="3200" dirty="0"/>
-          </a:p>
-        </p:txBody>
-      </p:sp>
-      <p:cxnSp>
-        <p:nvCxnSpPr>
-          <p:cNvPr id="35" name="Straight Arrow Connector 34"/>
-          <p:cNvCxnSpPr/>
-          <p:nvPr/>
-        </p:nvCxnSpPr>
-        <p:spPr>
-          <a:xfrm>
-            <a:off x="2209800" y="3777344"/>
-            <a:ext cx="0" cy="2220686"/>
-          </a:xfrm>
-          <a:prstGeom prst="straightConnector1">
-            <a:avLst/>
-          </a:prstGeom>
-          <a:ln w="57150">
-            <a:tailEnd type="arrow"/>
-          </a:ln>
-        </p:spPr>
-        <p:style>
-          <a:lnRef idx="1">
-            <a:schemeClr val="accent1"/>
-          </a:lnRef>
-          <a:fillRef idx="0">
-            <a:schemeClr val="accent1"/>
-          </a:fillRef>
-          <a:effectRef idx="0">
-            <a:schemeClr val="accent1"/>
-          </a:effectRef>
-          <a:fontRef idx="minor">
-            <a:schemeClr val="tx1"/>
-          </a:fontRef>
-        </p:style>
-      </p:cxnSp>
-      <p:sp>
-        <p:nvSpPr>
-          <p:cNvPr id="64" name="Rectangle 63"/>
-          <p:cNvSpPr/>
-          <p:nvPr/>
-        </p:nvSpPr>
-        <p:spPr>
-          <a:xfrm>
-            <a:off x="76200" y="4980215"/>
-            <a:ext cx="1905000" cy="685800"/>
-          </a:xfrm>
-          <a:prstGeom prst="rect">
-            <a:avLst/>
-          </a:prstGeom>
-        </p:spPr>
-        <p:style>
-          <a:lnRef idx="2">
-            <a:schemeClr val="accent2">
-              <a:shade val="50000"/>
-            </a:schemeClr>
-          </a:lnRef>
-          <a:fillRef idx="1">
-            <a:schemeClr val="accent2"/>
-          </a:fillRef>
-          <a:effectRef idx="0">
-            <a:schemeClr val="accent2"/>
-          </a:effectRef>
-          <a:fontRef idx="minor">
-            <a:schemeClr val="lt1"/>
-          </a:fontRef>
-        </p:style>
-        <p:txBody>
-          <a:bodyPr rtlCol="0" anchor="ctr"/>
-          <a:lstStyle/>
-          <a:p>
-            <a:pPr algn="ctr"/>
-            <a:r>
-              <a:rPr lang="en-US" sz="3200" dirty="0" smtClean="0"/>
-              <a:t>$</a:t>
-            </a:r>
-            <a:r>
-              <a:rPr lang="en-US" sz="3200" dirty="0" err="1" smtClean="0"/>
-              <a:t>n_breaks</a:t>
-            </a:r>
-            <a:endParaRPr lang="en-US" sz="3200" dirty="0"/>
-          </a:p>
-        </p:txBody>
-      </p:sp>
-      <p:cxnSp>
-        <p:nvCxnSpPr>
-          <p:cNvPr id="65" name="Straight Arrow Connector 64"/>
-          <p:cNvCxnSpPr>
-            <a:endCxn id="64" idx="0"/>
-          </p:cNvCxnSpPr>
-          <p:nvPr/>
-        </p:nvCxnSpPr>
-        <p:spPr>
-          <a:xfrm flipH="1">
-            <a:off x="1028700" y="3788230"/>
-            <a:ext cx="266700" cy="1191985"/>
-          </a:xfrm>
-          <a:prstGeom prst="straightConnector1">
-            <a:avLst/>
-          </a:prstGeom>
-          <a:ln w="57150">
-            <a:tailEnd type="arrow"/>
-          </a:ln>
-        </p:spPr>
-        <p:style>
-          <a:lnRef idx="1">
-            <a:schemeClr val="accent1"/>
-          </a:lnRef>
-          <a:fillRef idx="0">
-            <a:schemeClr val="accent1"/>
-          </a:fillRef>
-          <a:effectRef idx="0">
-            <a:schemeClr val="accent1"/>
-          </a:effectRef>
-          <a:fontRef idx="minor">
-            <a:schemeClr val="tx1"/>
-          </a:fontRef>
-        </p:style>
-      </p:cxnSp>
-      <p:sp>
-        <p:nvSpPr>
-          <p:cNvPr id="71" name="Rectangle 70"/>
-          <p:cNvSpPr/>
-          <p:nvPr/>
-        </p:nvSpPr>
-        <p:spPr>
-          <a:xfrm>
-            <a:off x="6705600" y="3706585"/>
-            <a:ext cx="2133600" cy="1001485"/>
-          </a:xfrm>
-          <a:prstGeom prst="rect">
-            <a:avLst/>
-          </a:prstGeom>
-        </p:spPr>
-        <p:style>
-          <a:lnRef idx="2">
-            <a:schemeClr val="accent1">
-              <a:shade val="50000"/>
-            </a:schemeClr>
-          </a:lnRef>
-          <a:fillRef idx="1">
-            <a:schemeClr val="accent1"/>
-          </a:fillRef>
-          <a:effectRef idx="0">
-            <a:schemeClr val="accent1"/>
-          </a:effectRef>
-          <a:fontRef idx="minor">
-            <a:schemeClr val="lt1"/>
-          </a:fontRef>
-        </p:style>
-        <p:txBody>
-          <a:bodyPr rtlCol="0" anchor="ctr"/>
-          <a:lstStyle/>
-          <a:p>
-            <a:pPr algn="ctr"/>
-            <a:r>
-              <a:rPr lang="en-US" sz="3200" dirty="0" smtClean="0"/>
-              <a:t>Reactive Function</a:t>
-            </a:r>
-            <a:endParaRPr lang="en-US" sz="3200" dirty="0"/>
-          </a:p>
-        </p:txBody>
-      </p:sp>
-      <p:sp>
-        <p:nvSpPr>
-          <p:cNvPr id="72" name="Rectangle 71"/>
-          <p:cNvSpPr/>
-          <p:nvPr/>
-        </p:nvSpPr>
-        <p:spPr>
-          <a:xfrm>
-            <a:off x="6705600" y="4925785"/>
-            <a:ext cx="2133600" cy="609600"/>
-          </a:xfrm>
-          <a:prstGeom prst="rect">
-            <a:avLst/>
-          </a:prstGeom>
-        </p:spPr>
-        <p:style>
-          <a:lnRef idx="2">
-            <a:schemeClr val="accent2">
-              <a:shade val="50000"/>
-            </a:schemeClr>
-          </a:lnRef>
-          <a:fillRef idx="1">
-            <a:schemeClr val="accent2"/>
-          </a:fillRef>
-          <a:effectRef idx="0">
-            <a:schemeClr val="accent2"/>
-          </a:effectRef>
-          <a:fontRef idx="minor">
-            <a:schemeClr val="lt1"/>
-          </a:fontRef>
-        </p:style>
-        <p:txBody>
-          <a:bodyPr rtlCol="0" anchor="ctr"/>
-          <a:lstStyle/>
-          <a:p>
-            <a:pPr algn="ctr"/>
-            <a:r>
-              <a:rPr lang="en-US" sz="3200" dirty="0" smtClean="0"/>
-              <a:t>Input</a:t>
-            </a:r>
-            <a:endParaRPr lang="en-US" sz="3200" dirty="0"/>
-          </a:p>
-        </p:txBody>
-      </p:sp>
-      <p:sp>
-        <p:nvSpPr>
-          <p:cNvPr id="75" name="Rectangle 74"/>
-          <p:cNvSpPr/>
-          <p:nvPr/>
-        </p:nvSpPr>
-        <p:spPr>
-          <a:xfrm>
-            <a:off x="2743200" y="6019800"/>
-            <a:ext cx="1807029" cy="685800"/>
-          </a:xfrm>
-          <a:prstGeom prst="rect">
-            <a:avLst/>
-          </a:prstGeom>
-        </p:spPr>
-        <p:style>
-          <a:lnRef idx="2">
-            <a:schemeClr val="accent2">
-              <a:shade val="50000"/>
-            </a:schemeClr>
-          </a:lnRef>
-          <a:fillRef idx="1">
-            <a:schemeClr val="accent2"/>
-          </a:fillRef>
-          <a:effectRef idx="0">
-            <a:schemeClr val="accent2"/>
-          </a:effectRef>
-          <a:fontRef idx="minor">
-            <a:schemeClr val="lt1"/>
-          </a:fontRef>
-        </p:style>
-        <p:txBody>
-          <a:bodyPr rtlCol="0" anchor="ctr"/>
-          <a:lstStyle/>
-          <a:p>
-            <a:pPr algn="ctr"/>
-            <a:r>
-              <a:rPr lang="en-US" sz="3200" dirty="0" smtClean="0"/>
-              <a:t>$density</a:t>
-            </a:r>
-            <a:endParaRPr lang="en-US" sz="3200" dirty="0"/>
-          </a:p>
-        </p:txBody>
-      </p:sp>
-      <p:cxnSp>
-        <p:nvCxnSpPr>
-          <p:cNvPr id="76" name="Straight Arrow Connector 75"/>
-          <p:cNvCxnSpPr/>
-          <p:nvPr/>
-        </p:nvCxnSpPr>
-        <p:spPr>
-          <a:xfrm>
-            <a:off x="2819400" y="3695702"/>
-            <a:ext cx="0" cy="2324098"/>
-          </a:xfrm>
-          <a:prstGeom prst="straightConnector1">
-            <a:avLst/>
-          </a:prstGeom>
-          <a:ln w="57150">
-            <a:tailEnd type="arrow"/>
-          </a:ln>
-        </p:spPr>
-        <p:style>
-          <a:lnRef idx="1">
-            <a:schemeClr val="accent1"/>
-          </a:lnRef>
-          <a:fillRef idx="0">
-            <a:schemeClr val="accent1"/>
-          </a:fillRef>
-          <a:effectRef idx="0">
-            <a:schemeClr val="accent1"/>
-          </a:effectRef>
-          <a:fontRef idx="minor">
-            <a:schemeClr val="tx1"/>
-          </a:fontRef>
-        </p:style>
-      </p:cxnSp>
-      <p:sp>
-        <p:nvSpPr>
-          <p:cNvPr id="4" name="Rectangle 3"/>
-          <p:cNvSpPr/>
-          <p:nvPr/>
-        </p:nvSpPr>
-        <p:spPr>
-          <a:xfrm>
-            <a:off x="990600" y="2743200"/>
-            <a:ext cx="2438400" cy="1349830"/>
-          </a:xfrm>
-          <a:prstGeom prst="rect">
-            <a:avLst/>
-          </a:prstGeom>
-        </p:spPr>
-        <p:style>
-          <a:lnRef idx="2">
-            <a:schemeClr val="accent1">
-              <a:shade val="50000"/>
-            </a:schemeClr>
-          </a:lnRef>
-          <a:fillRef idx="1">
-            <a:schemeClr val="accent1"/>
-          </a:fillRef>
-          <a:effectRef idx="0">
-            <a:schemeClr val="accent1"/>
-          </a:effectRef>
-          <a:fontRef idx="minor">
-            <a:schemeClr val="lt1"/>
-          </a:fontRef>
-        </p:style>
-        <p:txBody>
-          <a:bodyPr rtlCol="0" anchor="ctr"/>
-          <a:lstStyle/>
-          <a:p>
-            <a:pPr algn="ctr"/>
-            <a:r>
-              <a:rPr lang="en-US" sz="3200" dirty="0" err="1" smtClean="0"/>
-              <a:t>main_plot</a:t>
-            </a:r>
-            <a:endParaRPr lang="en-US" sz="3200" dirty="0" smtClean="0"/>
-          </a:p>
-          <a:p>
-            <a:pPr algn="ctr"/>
-            <a:r>
-              <a:rPr lang="en-US" sz="2400" dirty="0" smtClean="0"/>
-              <a:t>(Get data, get name, plot)</a:t>
-            </a:r>
-            <a:endParaRPr lang="en-US" sz="2400" dirty="0"/>
-          </a:p>
-        </p:txBody>
-      </p:sp>
+                <a:miter lim="800000"/>
+                <a:headEnd/>
+                <a:tailEnd/>
+              </a14:hiddenLine>
+            </a:ext>
+            <a:ext uri="{AF507438-7753-43E0-B8FC-AC1667EBCBE1}">
+              <a14:hiddenEffects xmlns:a14="http://schemas.microsoft.com/office/drawing/2010/main">
+                <a:effectLst>
+                  <a:outerShdw dist="35921" dir="2700000" algn="ctr" rotWithShape="0">
+                    <a:schemeClr val="bg2"/>
+                  </a:outerShdw>
+                </a:effectLst>
+              </a14:hiddenEffects>
+            </a:ext>
+          </a:extLst>
+        </p:spPr>
+      </p:pic>
     </p:spTree>
     <p:extLst>
       <p:ext uri="{BB962C8B-B14F-4D97-AF65-F5344CB8AC3E}">
-        <p14:creationId xmlns:p14="http://schemas.microsoft.com/office/powerpoint/2010/main" val="3443010595"/>
+        <p14:creationId xmlns:p14="http://schemas.microsoft.com/office/powerpoint/2010/main" val="1364585906"/>
       </p:ext>
     </p:extLst>
   </p:cSld>
@@ -5870,727 +5722,398 @@
       </p:grpSpPr>
       <p:sp>
         <p:nvSpPr>
-          <p:cNvPr id="73" name="Rectangle 72"/>
-          <p:cNvSpPr/>
-          <p:nvPr/>
-        </p:nvSpPr>
-        <p:spPr>
-          <a:xfrm>
-            <a:off x="6515100" y="3124200"/>
-            <a:ext cx="2476500" cy="2487385"/>
-          </a:xfrm>
-          <a:prstGeom prst="rect">
-            <a:avLst/>
-          </a:prstGeom>
-          <a:noFill/>
-          <a:ln>
-            <a:solidFill>
-              <a:schemeClr val="tx1"/>
-            </a:solidFill>
-          </a:ln>
-        </p:spPr>
-        <p:style>
-          <a:lnRef idx="2">
-            <a:schemeClr val="accent1">
-              <a:shade val="50000"/>
-            </a:schemeClr>
-          </a:lnRef>
-          <a:fillRef idx="1">
-            <a:schemeClr val="accent1"/>
-          </a:fillRef>
-          <a:effectRef idx="0">
-            <a:schemeClr val="accent1"/>
-          </a:effectRef>
-          <a:fontRef idx="minor">
-            <a:schemeClr val="lt1"/>
-          </a:fontRef>
-        </p:style>
-        <p:txBody>
-          <a:bodyPr rtlCol="0" anchor="t"/>
-          <a:lstStyle/>
-          <a:p>
-            <a:pPr algn="ctr"/>
-            <a:r>
-              <a:rPr lang="en-US" sz="2800" dirty="0" smtClean="0">
+          <p:cNvPr id="2" name="Title 1"/>
+          <p:cNvSpPr>
+            <a:spLocks noGrp="1"/>
+          </p:cNvSpPr>
+          <p:nvPr>
+            <p:ph type="title"/>
+          </p:nvPr>
+        </p:nvSpPr>
+        <p:spPr/>
+        <p:txBody>
+          <a:bodyPr/>
+          <a:lstStyle/>
+          <a:p>
+            <a:r>
+              <a:rPr lang="en-US" dirty="0" err="1" smtClean="0"/>
+              <a:t>server.R</a:t>
+            </a:r>
+            <a:endParaRPr lang="en-US" dirty="0"/>
+          </a:p>
+        </p:txBody>
+      </p:sp>
+      <p:sp>
+        <p:nvSpPr>
+          <p:cNvPr id="3" name="Content Placeholder 2"/>
+          <p:cNvSpPr>
+            <a:spLocks noGrp="1"/>
+          </p:cNvSpPr>
+          <p:nvPr>
+            <p:ph sz="quarter" idx="1"/>
+          </p:nvPr>
+        </p:nvSpPr>
+        <p:spPr>
+          <a:xfrm>
+            <a:off x="228600" y="1600200"/>
+            <a:ext cx="8915400" cy="4495800"/>
+          </a:xfrm>
+        </p:spPr>
+        <p:txBody>
+          <a:bodyPr>
+            <a:normAutofit fontScale="85000" lnSpcReduction="10000"/>
+          </a:bodyPr>
+          <a:lstStyle/>
+          <a:p>
+            <a:pPr marL="0" indent="0">
+              <a:buNone/>
+            </a:pPr>
+            <a:r>
+              <a:rPr lang="en-US" dirty="0" err="1">
+                <a:latin typeface="Lucida Console" pitchFamily="49" charset="0"/>
+              </a:rPr>
+              <a:t>shinyServer</a:t>
+            </a:r>
+            <a:r>
+              <a:rPr lang="en-US" dirty="0">
+                <a:latin typeface="Lucida Console" pitchFamily="49" charset="0"/>
+              </a:rPr>
+              <a:t>(</a:t>
+            </a:r>
+            <a:r>
+              <a:rPr lang="en-US" dirty="0">
                 <a:solidFill>
-                  <a:schemeClr val="tx1"/>
+                  <a:srgbClr val="00B0F0"/>
                 </a:solidFill>
+                <a:latin typeface="Lucida Console" pitchFamily="49" charset="0"/>
               </a:rPr>
-              <a:t>Key</a:t>
-            </a:r>
-            <a:endParaRPr lang="en-US" sz="2800" dirty="0">
-              <a:solidFill>
-                <a:schemeClr val="tx1"/>
-              </a:solidFill>
+              <a:t>function</a:t>
+            </a:r>
+            <a:r>
+              <a:rPr lang="en-US" dirty="0">
+                <a:latin typeface="Lucida Console" pitchFamily="49" charset="0"/>
+              </a:rPr>
+              <a:t>(input, output) </a:t>
+            </a:r>
+            <a:r>
+              <a:rPr lang="en-US" dirty="0" smtClean="0">
+                <a:latin typeface="Lucida Console" pitchFamily="49" charset="0"/>
+              </a:rPr>
+              <a:t>{</a:t>
+            </a:r>
+            <a:endParaRPr lang="en-US" dirty="0">
+              <a:latin typeface="Lucida Console" pitchFamily="49" charset="0"/>
             </a:endParaRPr>
           </a:p>
-        </p:txBody>
-      </p:sp>
-      <p:sp>
-        <p:nvSpPr>
-          <p:cNvPr id="2" name="Title 1"/>
-          <p:cNvSpPr>
-            <a:spLocks noGrp="1"/>
-          </p:cNvSpPr>
-          <p:nvPr>
-            <p:ph type="title"/>
-          </p:nvPr>
-        </p:nvSpPr>
-        <p:spPr/>
-        <p:txBody>
-          <a:bodyPr/>
-          <a:lstStyle/>
-          <a:p>
+          <a:p>
+            <a:pPr marL="0" indent="0">
+              <a:buNone/>
+            </a:pPr>
+            <a:r>
+              <a:rPr lang="en-US" dirty="0">
+                <a:latin typeface="Lucida Console" pitchFamily="49" charset="0"/>
+              </a:rPr>
+              <a:t> </a:t>
+            </a:r>
+            <a:r>
+              <a:rPr lang="en-US" dirty="0" err="1" smtClean="0">
+                <a:latin typeface="Lucida Console" pitchFamily="49" charset="0"/>
+              </a:rPr>
+              <a:t>output$main_plot</a:t>
+            </a:r>
+            <a:r>
+              <a:rPr lang="en-US" dirty="0" smtClean="0">
+                <a:latin typeface="Lucida Console" pitchFamily="49" charset="0"/>
+              </a:rPr>
+              <a:t> </a:t>
+            </a:r>
+            <a:r>
+              <a:rPr lang="en-US" dirty="0">
+                <a:latin typeface="Lucida Console" pitchFamily="49" charset="0"/>
+              </a:rPr>
+              <a:t>&lt;- </a:t>
+            </a:r>
+            <a:r>
+              <a:rPr lang="en-US" dirty="0" err="1">
+                <a:latin typeface="Lucida Console" pitchFamily="49" charset="0"/>
+              </a:rPr>
+              <a:t>reactivePlot</a:t>
+            </a:r>
+            <a:r>
+              <a:rPr lang="en-US" dirty="0" smtClean="0">
+                <a:latin typeface="Lucida Console" pitchFamily="49" charset="0"/>
+              </a:rPr>
+              <a:t>(</a:t>
+            </a:r>
+          </a:p>
+          <a:p>
+            <a:pPr marL="0" indent="0">
+              <a:buNone/>
+            </a:pPr>
             <a:r>
               <a:rPr lang="en-US" dirty="0" smtClean="0">
                 <a:solidFill>
-                  <a:schemeClr val="tx1"/>
+                  <a:srgbClr val="00B0F0"/>
                 </a:solidFill>
+                <a:latin typeface="Lucida Console" pitchFamily="49" charset="0"/>
               </a:rPr>
-              <a:t>“Data Flow”– Naïve</a:t>
+              <a:t>  function</a:t>
+            </a:r>
+            <a:r>
+              <a:rPr lang="en-US" dirty="0" smtClean="0">
+                <a:latin typeface="Lucida Console" pitchFamily="49" charset="0"/>
+              </a:rPr>
+              <a:t>(){</a:t>
             </a:r>
             <a:endParaRPr lang="en-US" dirty="0">
-              <a:solidFill>
-                <a:schemeClr val="tx1"/>
-              </a:solidFill>
+              <a:latin typeface="Lucida Console" pitchFamily="49" charset="0"/>
             </a:endParaRPr>
           </a:p>
-        </p:txBody>
-      </p:sp>
-      <p:sp>
-        <p:nvSpPr>
-          <p:cNvPr id="13" name="Rectangle 12"/>
-          <p:cNvSpPr/>
-          <p:nvPr/>
-        </p:nvSpPr>
-        <p:spPr>
-          <a:xfrm>
-            <a:off x="1143000" y="1828800"/>
-            <a:ext cx="2133600" cy="587830"/>
-          </a:xfrm>
-          <a:prstGeom prst="rect">
-            <a:avLst/>
-          </a:prstGeom>
-        </p:spPr>
-        <p:style>
-          <a:lnRef idx="2">
-            <a:schemeClr val="accent1">
-              <a:shade val="50000"/>
-            </a:schemeClr>
-          </a:lnRef>
-          <a:fillRef idx="1">
-            <a:schemeClr val="accent1"/>
-          </a:fillRef>
-          <a:effectRef idx="0">
-            <a:schemeClr val="accent1"/>
-          </a:effectRef>
-          <a:fontRef idx="minor">
-            <a:schemeClr val="lt1"/>
-          </a:fontRef>
-        </p:style>
-        <p:txBody>
-          <a:bodyPr rtlCol="0" anchor="ctr"/>
-          <a:lstStyle/>
-          <a:p>
-            <a:pPr algn="ctr"/>
-            <a:r>
-              <a:rPr lang="en-US" sz="3200" dirty="0" err="1" smtClean="0"/>
-              <a:t>shinyServer</a:t>
-            </a:r>
-            <a:endParaRPr lang="en-US" sz="3200" dirty="0"/>
-          </a:p>
-        </p:txBody>
-      </p:sp>
-      <p:cxnSp>
-        <p:nvCxnSpPr>
-          <p:cNvPr id="14" name="Straight Arrow Connector 13"/>
-          <p:cNvCxnSpPr>
-            <a:stCxn id="13" idx="2"/>
-            <a:endCxn id="4" idx="0"/>
-          </p:cNvCxnSpPr>
-          <p:nvPr/>
-        </p:nvCxnSpPr>
-        <p:spPr>
-          <a:xfrm>
-            <a:off x="2209800" y="2416630"/>
-            <a:ext cx="0" cy="326570"/>
-          </a:xfrm>
-          <a:prstGeom prst="straightConnector1">
-            <a:avLst/>
-          </a:prstGeom>
-          <a:ln w="57150">
-            <a:headEnd type="arrow" w="med" len="med"/>
-            <a:tailEnd type="none" w="med" len="med"/>
-          </a:ln>
-        </p:spPr>
-        <p:style>
-          <a:lnRef idx="1">
-            <a:schemeClr val="accent1"/>
-          </a:lnRef>
-          <a:fillRef idx="0">
-            <a:schemeClr val="accent1"/>
-          </a:fillRef>
-          <a:effectRef idx="0">
-            <a:schemeClr val="accent1"/>
-          </a:effectRef>
-          <a:fontRef idx="minor">
-            <a:schemeClr val="tx1"/>
-          </a:fontRef>
-        </p:style>
-      </p:cxnSp>
-      <p:cxnSp>
-        <p:nvCxnSpPr>
-          <p:cNvPr id="20" name="Straight Arrow Connector 19"/>
-          <p:cNvCxnSpPr>
-            <a:stCxn id="4" idx="3"/>
-            <a:endCxn id="23" idx="1"/>
-          </p:cNvCxnSpPr>
-          <p:nvPr/>
-        </p:nvCxnSpPr>
-        <p:spPr>
-          <a:xfrm>
-            <a:off x="3429000" y="3418115"/>
-            <a:ext cx="762000" cy="10885"/>
-          </a:xfrm>
-          <a:prstGeom prst="straightConnector1">
-            <a:avLst/>
-          </a:prstGeom>
-          <a:ln w="57150">
-            <a:headEnd type="arrow" w="med" len="med"/>
-            <a:tailEnd type="none" w="med" len="med"/>
-          </a:ln>
-        </p:spPr>
-        <p:style>
-          <a:lnRef idx="1">
-            <a:schemeClr val="accent1"/>
-          </a:lnRef>
-          <a:fillRef idx="0">
-            <a:schemeClr val="accent1"/>
-          </a:fillRef>
-          <a:effectRef idx="0">
-            <a:schemeClr val="accent1"/>
-          </a:effectRef>
-          <a:fontRef idx="minor">
-            <a:schemeClr val="tx1"/>
-          </a:fontRef>
-        </p:style>
-      </p:cxnSp>
-      <p:sp>
-        <p:nvSpPr>
-          <p:cNvPr id="23" name="Rectangle 22"/>
-          <p:cNvSpPr/>
-          <p:nvPr/>
-        </p:nvSpPr>
-        <p:spPr>
-          <a:xfrm>
-            <a:off x="4191000" y="3124200"/>
-            <a:ext cx="2133600" cy="609600"/>
-          </a:xfrm>
-          <a:prstGeom prst="rect">
-            <a:avLst/>
-          </a:prstGeom>
-        </p:spPr>
-        <p:style>
-          <a:lnRef idx="2">
-            <a:schemeClr val="accent2">
-              <a:shade val="50000"/>
-            </a:schemeClr>
-          </a:lnRef>
-          <a:fillRef idx="1">
-            <a:schemeClr val="accent2"/>
-          </a:fillRef>
-          <a:effectRef idx="0">
-            <a:schemeClr val="accent2"/>
-          </a:effectRef>
-          <a:fontRef idx="minor">
-            <a:schemeClr val="lt1"/>
-          </a:fontRef>
-        </p:style>
-        <p:txBody>
-          <a:bodyPr rtlCol="0" anchor="ctr"/>
-          <a:lstStyle/>
-          <a:p>
-            <a:pPr algn="ctr"/>
-            <a:r>
-              <a:rPr lang="en-US" sz="3200" dirty="0" smtClean="0"/>
-              <a:t>$dataset</a:t>
-            </a:r>
-            <a:endParaRPr lang="en-US" sz="3200" dirty="0"/>
-          </a:p>
-        </p:txBody>
-      </p:sp>
-      <p:cxnSp>
-        <p:nvCxnSpPr>
-          <p:cNvPr id="28" name="Straight Arrow Connector 27"/>
-          <p:cNvCxnSpPr/>
-          <p:nvPr/>
-        </p:nvCxnSpPr>
-        <p:spPr>
-          <a:xfrm>
-            <a:off x="3276600" y="4093030"/>
-            <a:ext cx="435429" cy="587829"/>
-          </a:xfrm>
-          <a:prstGeom prst="straightConnector1">
-            <a:avLst/>
-          </a:prstGeom>
-          <a:ln w="57150">
-            <a:headEnd type="arrow" w="med" len="med"/>
-            <a:tailEnd type="none" w="med" len="med"/>
-          </a:ln>
-        </p:spPr>
-        <p:style>
-          <a:lnRef idx="1">
-            <a:schemeClr val="accent1"/>
-          </a:lnRef>
-          <a:fillRef idx="0">
-            <a:schemeClr val="accent1"/>
-          </a:fillRef>
-          <a:effectRef idx="0">
-            <a:schemeClr val="accent1"/>
-          </a:effectRef>
-          <a:fontRef idx="minor">
-            <a:schemeClr val="tx1"/>
-          </a:fontRef>
-        </p:style>
-      </p:cxnSp>
-      <p:sp>
-        <p:nvSpPr>
-          <p:cNvPr id="29" name="Rectangle 28"/>
-          <p:cNvSpPr/>
-          <p:nvPr/>
-        </p:nvSpPr>
-        <p:spPr>
-          <a:xfrm>
-            <a:off x="3200400" y="4680859"/>
-            <a:ext cx="2133600" cy="1066800"/>
-          </a:xfrm>
-          <a:prstGeom prst="rect">
-            <a:avLst/>
-          </a:prstGeom>
-        </p:spPr>
-        <p:style>
-          <a:lnRef idx="2">
-            <a:schemeClr val="accent2">
-              <a:shade val="50000"/>
-            </a:schemeClr>
-          </a:lnRef>
-          <a:fillRef idx="1">
-            <a:schemeClr val="accent2"/>
-          </a:fillRef>
-          <a:effectRef idx="0">
-            <a:schemeClr val="accent2"/>
-          </a:effectRef>
-          <a:fontRef idx="minor">
-            <a:schemeClr val="lt1"/>
-          </a:fontRef>
-        </p:style>
-        <p:txBody>
-          <a:bodyPr rtlCol="0" anchor="ctr"/>
-          <a:lstStyle/>
-          <a:p>
-            <a:pPr algn="ctr"/>
-            <a:r>
-              <a:rPr lang="en-US" sz="3200" dirty="0" smtClean="0"/>
-              <a:t>$</a:t>
-            </a:r>
-            <a:r>
-              <a:rPr lang="en-US" sz="3200" dirty="0" err="1" smtClean="0"/>
-              <a:t>individual_obs</a:t>
-            </a:r>
-            <a:endParaRPr lang="en-US" sz="3200" dirty="0"/>
-          </a:p>
-        </p:txBody>
-      </p:sp>
-      <p:sp>
-        <p:nvSpPr>
-          <p:cNvPr id="34" name="Rectangle 33"/>
-          <p:cNvSpPr/>
-          <p:nvPr/>
-        </p:nvSpPr>
-        <p:spPr>
-          <a:xfrm>
-            <a:off x="381000" y="5998030"/>
-            <a:ext cx="2133600" cy="685800"/>
-          </a:xfrm>
-          <a:prstGeom prst="rect">
-            <a:avLst/>
-          </a:prstGeom>
-        </p:spPr>
-        <p:style>
-          <a:lnRef idx="2">
-            <a:schemeClr val="accent2">
-              <a:shade val="50000"/>
-            </a:schemeClr>
-          </a:lnRef>
-          <a:fillRef idx="1">
-            <a:schemeClr val="accent2"/>
-          </a:fillRef>
-          <a:effectRef idx="0">
-            <a:schemeClr val="accent2"/>
-          </a:effectRef>
-          <a:fontRef idx="minor">
-            <a:schemeClr val="lt1"/>
-          </a:fontRef>
-        </p:style>
-        <p:txBody>
-          <a:bodyPr rtlCol="0" anchor="ctr"/>
-          <a:lstStyle/>
-          <a:p>
-            <a:pPr algn="ctr"/>
-            <a:r>
-              <a:rPr lang="en-US" sz="3200" dirty="0" smtClean="0"/>
-              <a:t>$</a:t>
-            </a:r>
-            <a:r>
-              <a:rPr lang="en-US" sz="3200" dirty="0" err="1" smtClean="0"/>
-              <a:t>bw_adjust</a:t>
-            </a:r>
-            <a:endParaRPr lang="en-US" sz="3200" dirty="0"/>
-          </a:p>
-        </p:txBody>
-      </p:sp>
-      <p:cxnSp>
-        <p:nvCxnSpPr>
-          <p:cNvPr id="35" name="Straight Arrow Connector 34"/>
-          <p:cNvCxnSpPr>
-            <a:stCxn id="4" idx="2"/>
-          </p:cNvCxnSpPr>
-          <p:nvPr/>
-        </p:nvCxnSpPr>
-        <p:spPr>
-          <a:xfrm>
-            <a:off x="2209800" y="4093030"/>
-            <a:ext cx="0" cy="1905000"/>
-          </a:xfrm>
-          <a:prstGeom prst="straightConnector1">
-            <a:avLst/>
-          </a:prstGeom>
-          <a:ln w="57150">
-            <a:headEnd type="arrow" w="med" len="med"/>
-            <a:tailEnd type="none" w="med" len="med"/>
-          </a:ln>
-        </p:spPr>
-        <p:style>
-          <a:lnRef idx="1">
-            <a:schemeClr val="accent1"/>
-          </a:lnRef>
-          <a:fillRef idx="0">
-            <a:schemeClr val="accent1"/>
-          </a:fillRef>
-          <a:effectRef idx="0">
-            <a:schemeClr val="accent1"/>
-          </a:effectRef>
-          <a:fontRef idx="minor">
-            <a:schemeClr val="tx1"/>
-          </a:fontRef>
-        </p:style>
-      </p:cxnSp>
-      <p:sp>
-        <p:nvSpPr>
-          <p:cNvPr id="64" name="Rectangle 63"/>
-          <p:cNvSpPr/>
-          <p:nvPr/>
-        </p:nvSpPr>
-        <p:spPr>
-          <a:xfrm>
-            <a:off x="76200" y="4980215"/>
-            <a:ext cx="1905000" cy="685800"/>
-          </a:xfrm>
-          <a:prstGeom prst="rect">
-            <a:avLst/>
-          </a:prstGeom>
-        </p:spPr>
-        <p:style>
-          <a:lnRef idx="2">
-            <a:schemeClr val="accent2">
-              <a:shade val="50000"/>
-            </a:schemeClr>
-          </a:lnRef>
-          <a:fillRef idx="1">
-            <a:schemeClr val="accent2"/>
-          </a:fillRef>
-          <a:effectRef idx="0">
-            <a:schemeClr val="accent2"/>
-          </a:effectRef>
-          <a:fontRef idx="minor">
-            <a:schemeClr val="lt1"/>
-          </a:fontRef>
-        </p:style>
-        <p:txBody>
-          <a:bodyPr rtlCol="0" anchor="ctr"/>
-          <a:lstStyle/>
-          <a:p>
-            <a:pPr algn="ctr"/>
-            <a:r>
-              <a:rPr lang="en-US" sz="3200" dirty="0" smtClean="0"/>
-              <a:t>$</a:t>
-            </a:r>
-            <a:r>
-              <a:rPr lang="en-US" sz="3200" dirty="0" err="1" smtClean="0"/>
-              <a:t>n_breaks</a:t>
-            </a:r>
-            <a:endParaRPr lang="en-US" sz="3200" dirty="0"/>
-          </a:p>
-        </p:txBody>
-      </p:sp>
-      <p:cxnSp>
-        <p:nvCxnSpPr>
-          <p:cNvPr id="65" name="Straight Arrow Connector 64"/>
-          <p:cNvCxnSpPr>
-            <a:endCxn id="64" idx="0"/>
-          </p:cNvCxnSpPr>
-          <p:nvPr/>
-        </p:nvCxnSpPr>
-        <p:spPr>
-          <a:xfrm flipH="1">
-            <a:off x="1028700" y="4093030"/>
-            <a:ext cx="266700" cy="887185"/>
-          </a:xfrm>
-          <a:prstGeom prst="straightConnector1">
-            <a:avLst/>
-          </a:prstGeom>
-          <a:ln w="57150">
-            <a:headEnd type="arrow" w="med" len="med"/>
-            <a:tailEnd type="none" w="med" len="med"/>
-          </a:ln>
-        </p:spPr>
-        <p:style>
-          <a:lnRef idx="1">
-            <a:schemeClr val="accent1"/>
-          </a:lnRef>
-          <a:fillRef idx="0">
-            <a:schemeClr val="accent1"/>
-          </a:fillRef>
-          <a:effectRef idx="0">
-            <a:schemeClr val="accent1"/>
-          </a:effectRef>
-          <a:fontRef idx="minor">
-            <a:schemeClr val="tx1"/>
-          </a:fontRef>
-        </p:style>
-      </p:cxnSp>
-      <p:sp>
-        <p:nvSpPr>
-          <p:cNvPr id="71" name="Rectangle 70"/>
-          <p:cNvSpPr/>
-          <p:nvPr/>
-        </p:nvSpPr>
-        <p:spPr>
-          <a:xfrm>
-            <a:off x="6705600" y="3706585"/>
-            <a:ext cx="2133600" cy="1001485"/>
-          </a:xfrm>
-          <a:prstGeom prst="rect">
-            <a:avLst/>
-          </a:prstGeom>
-        </p:spPr>
-        <p:style>
-          <a:lnRef idx="2">
-            <a:schemeClr val="accent1">
-              <a:shade val="50000"/>
-            </a:schemeClr>
-          </a:lnRef>
-          <a:fillRef idx="1">
-            <a:schemeClr val="accent1"/>
-          </a:fillRef>
-          <a:effectRef idx="0">
-            <a:schemeClr val="accent1"/>
-          </a:effectRef>
-          <a:fontRef idx="minor">
-            <a:schemeClr val="lt1"/>
-          </a:fontRef>
-        </p:style>
-        <p:txBody>
-          <a:bodyPr rtlCol="0" anchor="ctr"/>
-          <a:lstStyle/>
-          <a:p>
-            <a:pPr algn="ctr"/>
-            <a:r>
-              <a:rPr lang="en-US" sz="3200" dirty="0" smtClean="0"/>
-              <a:t>Reactive Function</a:t>
-            </a:r>
-            <a:endParaRPr lang="en-US" sz="3200" dirty="0"/>
-          </a:p>
-        </p:txBody>
-      </p:sp>
-      <p:sp>
-        <p:nvSpPr>
-          <p:cNvPr id="72" name="Rectangle 71"/>
-          <p:cNvSpPr/>
-          <p:nvPr/>
-        </p:nvSpPr>
-        <p:spPr>
-          <a:xfrm>
-            <a:off x="6705600" y="4925785"/>
-            <a:ext cx="2133600" cy="609600"/>
-          </a:xfrm>
-          <a:prstGeom prst="rect">
-            <a:avLst/>
-          </a:prstGeom>
-        </p:spPr>
-        <p:style>
-          <a:lnRef idx="2">
-            <a:schemeClr val="accent2">
-              <a:shade val="50000"/>
-            </a:schemeClr>
-          </a:lnRef>
-          <a:fillRef idx="1">
-            <a:schemeClr val="accent2"/>
-          </a:fillRef>
-          <a:effectRef idx="0">
-            <a:schemeClr val="accent2"/>
-          </a:effectRef>
-          <a:fontRef idx="minor">
-            <a:schemeClr val="lt1"/>
-          </a:fontRef>
-        </p:style>
-        <p:txBody>
-          <a:bodyPr rtlCol="0" anchor="ctr"/>
-          <a:lstStyle/>
-          <a:p>
-            <a:pPr algn="ctr"/>
-            <a:r>
-              <a:rPr lang="en-US" sz="3200" dirty="0" smtClean="0"/>
-              <a:t>Input</a:t>
-            </a:r>
-            <a:endParaRPr lang="en-US" sz="3200" dirty="0"/>
-          </a:p>
-        </p:txBody>
-      </p:sp>
-      <p:sp>
-        <p:nvSpPr>
-          <p:cNvPr id="75" name="Rectangle 74"/>
-          <p:cNvSpPr/>
-          <p:nvPr/>
-        </p:nvSpPr>
-        <p:spPr>
-          <a:xfrm>
-            <a:off x="2743200" y="6019800"/>
-            <a:ext cx="1807029" cy="685800"/>
-          </a:xfrm>
-          <a:prstGeom prst="rect">
-            <a:avLst/>
-          </a:prstGeom>
-        </p:spPr>
-        <p:style>
-          <a:lnRef idx="2">
-            <a:schemeClr val="accent2">
-              <a:shade val="50000"/>
-            </a:schemeClr>
-          </a:lnRef>
-          <a:fillRef idx="1">
-            <a:schemeClr val="accent2"/>
-          </a:fillRef>
-          <a:effectRef idx="0">
-            <a:schemeClr val="accent2"/>
-          </a:effectRef>
-          <a:fontRef idx="minor">
-            <a:schemeClr val="lt1"/>
-          </a:fontRef>
-        </p:style>
-        <p:txBody>
-          <a:bodyPr rtlCol="0" anchor="ctr"/>
-          <a:lstStyle/>
-          <a:p>
-            <a:pPr algn="ctr"/>
-            <a:r>
-              <a:rPr lang="en-US" sz="3200" dirty="0" smtClean="0"/>
-              <a:t>$density</a:t>
-            </a:r>
-            <a:endParaRPr lang="en-US" sz="3200" dirty="0"/>
-          </a:p>
-        </p:txBody>
-      </p:sp>
-      <p:cxnSp>
-        <p:nvCxnSpPr>
-          <p:cNvPr id="76" name="Straight Arrow Connector 75"/>
-          <p:cNvCxnSpPr/>
-          <p:nvPr/>
-        </p:nvCxnSpPr>
-        <p:spPr>
-          <a:xfrm>
-            <a:off x="2819400" y="4093030"/>
-            <a:ext cx="0" cy="1926770"/>
-          </a:xfrm>
-          <a:prstGeom prst="straightConnector1">
-            <a:avLst/>
-          </a:prstGeom>
-          <a:ln w="57150">
-            <a:headEnd type="arrow" w="med" len="med"/>
-            <a:tailEnd type="none" w="med" len="med"/>
-          </a:ln>
-        </p:spPr>
-        <p:style>
-          <a:lnRef idx="1">
-            <a:schemeClr val="accent1"/>
-          </a:lnRef>
-          <a:fillRef idx="0">
-            <a:schemeClr val="accent1"/>
-          </a:fillRef>
-          <a:effectRef idx="0">
-            <a:schemeClr val="accent1"/>
-          </a:effectRef>
-          <a:fontRef idx="minor">
-            <a:schemeClr val="tx1"/>
-          </a:fontRef>
-        </p:style>
-      </p:cxnSp>
-      <p:sp>
-        <p:nvSpPr>
-          <p:cNvPr id="4" name="Rectangle 3"/>
-          <p:cNvSpPr/>
-          <p:nvPr/>
-        </p:nvSpPr>
-        <p:spPr>
-          <a:xfrm>
-            <a:off x="990600" y="2743200"/>
-            <a:ext cx="2438400" cy="1349830"/>
-          </a:xfrm>
-          <a:prstGeom prst="rect">
-            <a:avLst/>
-          </a:prstGeom>
-        </p:spPr>
-        <p:style>
-          <a:lnRef idx="2">
-            <a:schemeClr val="accent1">
-              <a:shade val="50000"/>
-            </a:schemeClr>
-          </a:lnRef>
-          <a:fillRef idx="1">
-            <a:schemeClr val="accent1"/>
-          </a:fillRef>
-          <a:effectRef idx="0">
-            <a:schemeClr val="accent1"/>
-          </a:effectRef>
-          <a:fontRef idx="minor">
-            <a:schemeClr val="lt1"/>
-          </a:fontRef>
-        </p:style>
-        <p:txBody>
-          <a:bodyPr rtlCol="0" anchor="ctr"/>
-          <a:lstStyle/>
-          <a:p>
-            <a:pPr algn="ctr"/>
-            <a:r>
-              <a:rPr lang="en-US" sz="3200" dirty="0" err="1" smtClean="0"/>
-              <a:t>main_plot</a:t>
-            </a:r>
-            <a:endParaRPr lang="en-US" sz="3200" dirty="0" smtClean="0"/>
-          </a:p>
-          <a:p>
-            <a:pPr algn="ctr"/>
-            <a:r>
-              <a:rPr lang="en-US" sz="2400" dirty="0" smtClean="0"/>
-              <a:t>(Get data, get name, plot)</a:t>
-            </a:r>
-            <a:endParaRPr lang="en-US" sz="2400" dirty="0"/>
+          <a:p>
+            <a:pPr marL="0" indent="0">
+              <a:buNone/>
+            </a:pPr>
+            <a:r>
+              <a:rPr lang="en-US" dirty="0">
+                <a:latin typeface="Lucida Console" pitchFamily="49" charset="0"/>
+              </a:rPr>
+              <a:t>  </a:t>
+            </a:r>
+            <a:r>
+              <a:rPr lang="en-US" dirty="0" smtClean="0">
+                <a:latin typeface="Lucida Console" pitchFamily="49" charset="0"/>
+              </a:rPr>
+              <a:t>   </a:t>
+            </a:r>
+            <a:r>
+              <a:rPr lang="en-US" dirty="0" err="1" smtClean="0">
+                <a:latin typeface="Lucida Console" pitchFamily="49" charset="0"/>
+              </a:rPr>
+              <a:t>hist</a:t>
+            </a:r>
+            <a:r>
+              <a:rPr lang="en-US" dirty="0" smtClean="0">
+                <a:latin typeface="Lucida Console" pitchFamily="49" charset="0"/>
+              </a:rPr>
+              <a:t>(</a:t>
+            </a:r>
+            <a:r>
+              <a:rPr lang="en-US" dirty="0" err="1" smtClean="0">
+                <a:latin typeface="Lucida Console" pitchFamily="49" charset="0"/>
+              </a:rPr>
+              <a:t>faithful$eruptions</a:t>
+            </a:r>
+            <a:r>
+              <a:rPr lang="en-US" dirty="0">
+                <a:latin typeface="Lucida Console" pitchFamily="49" charset="0"/>
+              </a:rPr>
+              <a:t>,</a:t>
+            </a:r>
+          </a:p>
+          <a:p>
+            <a:pPr marL="0" indent="0">
+              <a:buNone/>
+            </a:pPr>
+            <a:r>
+              <a:rPr lang="en-US" dirty="0">
+                <a:latin typeface="Lucida Console" pitchFamily="49" charset="0"/>
+              </a:rPr>
+              <a:t>    </a:t>
+            </a:r>
+            <a:r>
+              <a:rPr lang="en-US" dirty="0" smtClean="0">
+                <a:latin typeface="Lucida Console" pitchFamily="49" charset="0"/>
+              </a:rPr>
+              <a:t>   probability </a:t>
+            </a:r>
+            <a:r>
+              <a:rPr lang="en-US" dirty="0">
+                <a:latin typeface="Lucida Console" pitchFamily="49" charset="0"/>
+              </a:rPr>
+              <a:t>= </a:t>
+            </a:r>
+            <a:r>
+              <a:rPr lang="en-US" dirty="0">
+                <a:solidFill>
+                  <a:srgbClr val="00B0F0"/>
+                </a:solidFill>
+                <a:latin typeface="Lucida Console" pitchFamily="49" charset="0"/>
+              </a:rPr>
+              <a:t>TRUE</a:t>
+            </a:r>
+            <a:r>
+              <a:rPr lang="en-US" dirty="0">
+                <a:latin typeface="Lucida Console" pitchFamily="49" charset="0"/>
+              </a:rPr>
+              <a:t>,</a:t>
+            </a:r>
+          </a:p>
+          <a:p>
+            <a:pPr marL="0" indent="0">
+              <a:buNone/>
+            </a:pPr>
+            <a:r>
+              <a:rPr lang="en-US" dirty="0">
+                <a:latin typeface="Lucida Console" pitchFamily="49" charset="0"/>
+              </a:rPr>
+              <a:t>    </a:t>
+            </a:r>
+            <a:r>
+              <a:rPr lang="en-US" dirty="0" smtClean="0">
+                <a:latin typeface="Lucida Console" pitchFamily="49" charset="0"/>
+              </a:rPr>
+              <a:t>   breaks </a:t>
+            </a:r>
+            <a:r>
+              <a:rPr lang="en-US" dirty="0">
+                <a:latin typeface="Lucida Console" pitchFamily="49" charset="0"/>
+              </a:rPr>
+              <a:t>= </a:t>
+            </a:r>
+            <a:r>
+              <a:rPr lang="en-US" dirty="0" err="1">
+                <a:latin typeface="Lucida Console" pitchFamily="49" charset="0"/>
+              </a:rPr>
+              <a:t>as.numeric</a:t>
+            </a:r>
+            <a:r>
+              <a:rPr lang="en-US" dirty="0">
+                <a:latin typeface="Lucida Console" pitchFamily="49" charset="0"/>
+              </a:rPr>
+              <a:t>(</a:t>
+            </a:r>
+            <a:r>
+              <a:rPr lang="en-US" dirty="0" err="1">
+                <a:latin typeface="Lucida Console" pitchFamily="49" charset="0"/>
+              </a:rPr>
+              <a:t>input$n_breaks</a:t>
+            </a:r>
+            <a:r>
+              <a:rPr lang="en-US" dirty="0">
+                <a:latin typeface="Lucida Console" pitchFamily="49" charset="0"/>
+              </a:rPr>
+              <a:t>),</a:t>
+            </a:r>
+          </a:p>
+          <a:p>
+            <a:pPr marL="0" indent="0">
+              <a:buNone/>
+            </a:pPr>
+            <a:r>
+              <a:rPr lang="en-US" dirty="0">
+                <a:latin typeface="Lucida Console" pitchFamily="49" charset="0"/>
+              </a:rPr>
+              <a:t>    </a:t>
+            </a:r>
+            <a:r>
+              <a:rPr lang="en-US" dirty="0" smtClean="0">
+                <a:latin typeface="Lucida Console" pitchFamily="49" charset="0"/>
+              </a:rPr>
+              <a:t>   </a:t>
+            </a:r>
+            <a:r>
+              <a:rPr lang="en-US" dirty="0" err="1" smtClean="0">
+                <a:latin typeface="Lucida Console" pitchFamily="49" charset="0"/>
+              </a:rPr>
+              <a:t>xlab</a:t>
+            </a:r>
+            <a:r>
+              <a:rPr lang="en-US" dirty="0" smtClean="0">
+                <a:latin typeface="Lucida Console" pitchFamily="49" charset="0"/>
+              </a:rPr>
+              <a:t> </a:t>
+            </a:r>
+            <a:r>
+              <a:rPr lang="en-US" dirty="0">
+                <a:latin typeface="Lucida Console" pitchFamily="49" charset="0"/>
+              </a:rPr>
+              <a:t>= "</a:t>
+            </a:r>
+            <a:r>
+              <a:rPr lang="en-US" dirty="0">
+                <a:solidFill>
+                  <a:schemeClr val="accent2"/>
+                </a:solidFill>
+                <a:latin typeface="Lucida Console" pitchFamily="49" charset="0"/>
+              </a:rPr>
+              <a:t>Duration (minutes)</a:t>
+            </a:r>
+            <a:r>
+              <a:rPr lang="en-US" dirty="0">
+                <a:latin typeface="Lucida Console" pitchFamily="49" charset="0"/>
+              </a:rPr>
+              <a:t>",</a:t>
+            </a:r>
+          </a:p>
+          <a:p>
+            <a:pPr marL="0" indent="0">
+              <a:buNone/>
+            </a:pPr>
+            <a:r>
+              <a:rPr lang="en-US" dirty="0">
+                <a:latin typeface="Lucida Console" pitchFamily="49" charset="0"/>
+              </a:rPr>
+              <a:t>    </a:t>
+            </a:r>
+            <a:r>
+              <a:rPr lang="en-US" dirty="0" smtClean="0">
+                <a:latin typeface="Lucida Console" pitchFamily="49" charset="0"/>
+              </a:rPr>
+              <a:t>   main </a:t>
+            </a:r>
+            <a:r>
+              <a:rPr lang="en-US" dirty="0">
+                <a:latin typeface="Lucida Console" pitchFamily="49" charset="0"/>
+              </a:rPr>
+              <a:t>= "</a:t>
+            </a:r>
+            <a:r>
+              <a:rPr lang="en-US" dirty="0">
+                <a:solidFill>
+                  <a:schemeClr val="accent2"/>
+                </a:solidFill>
+                <a:latin typeface="Lucida Console" pitchFamily="49" charset="0"/>
+              </a:rPr>
+              <a:t>Geyser eruption duration</a:t>
+            </a:r>
+            <a:r>
+              <a:rPr lang="en-US" dirty="0" smtClean="0">
+                <a:latin typeface="Lucida Console" pitchFamily="49" charset="0"/>
+              </a:rPr>
+              <a:t>")</a:t>
+            </a:r>
+            <a:endParaRPr lang="en-US" dirty="0">
+              <a:latin typeface="Lucida Console" pitchFamily="49" charset="0"/>
+            </a:endParaRPr>
+          </a:p>
+          <a:p>
+            <a:pPr marL="0" indent="0">
+              <a:buNone/>
+            </a:pPr>
+            <a:r>
+              <a:rPr lang="en-US" dirty="0">
+                <a:latin typeface="Lucida Console" pitchFamily="49" charset="0"/>
+              </a:rPr>
+              <a:t>  })</a:t>
+            </a:r>
+          </a:p>
+          <a:p>
+            <a:pPr marL="0" indent="0">
+              <a:buNone/>
+            </a:pPr>
+            <a:r>
+              <a:rPr lang="en-US" dirty="0">
+                <a:latin typeface="Lucida Console" pitchFamily="49" charset="0"/>
+              </a:rPr>
+              <a:t>})</a:t>
+            </a:r>
           </a:p>
         </p:txBody>
       </p:sp>
     </p:spTree>
     <p:extLst>
       <p:ext uri="{BB962C8B-B14F-4D97-AF65-F5344CB8AC3E}">
-        <p14:creationId xmlns:p14="http://schemas.microsoft.com/office/powerpoint/2010/main" val="1844133764"/>
+        <p14:creationId xmlns:p14="http://schemas.microsoft.com/office/powerpoint/2010/main" val="2700195471"/>
       </p:ext>
     </p:extLst>
   </p:cSld>
@@ -6626,7 +6149,7 @@
       </p:grpSpPr>
       <p:sp>
         <p:nvSpPr>
-          <p:cNvPr id="5" name="Text Placeholder 4"/>
+          <p:cNvPr id="2" name="Text Placeholder 1"/>
           <p:cNvSpPr>
             <a:spLocks noGrp="1"/>
           </p:cNvSpPr>
@@ -6641,19 +6164,15 @@
           <a:p>
             <a:r>
               <a:rPr lang="en-US" dirty="0" smtClean="0"/>
-              <a:t>Optimized </a:t>
-            </a:r>
-            <a:r>
-              <a:rPr lang="en-US" smtClean="0"/>
-              <a:t>Reactive Server</a:t>
-            </a:r>
-            <a:endParaRPr lang="en-US"/>
-          </a:p>
-        </p:txBody>
-      </p:sp>
-      <p:sp>
-        <p:nvSpPr>
-          <p:cNvPr id="4" name="Title 3"/>
+              <a:t>Additional UI Features</a:t>
+            </a:r>
+            <a:endParaRPr lang="en-US" dirty="0"/>
+          </a:p>
+        </p:txBody>
+      </p:sp>
+      <p:sp>
+        <p:nvSpPr>
+          <p:cNvPr id="3" name="Title 2"/>
           <p:cNvSpPr>
             <a:spLocks noGrp="1"/>
           </p:cNvSpPr>
@@ -6668,7 +6187,7 @@
           <a:p>
             <a:r>
               <a:rPr lang="en-US" dirty="0" smtClean="0"/>
-              <a:t>Reactive Shiny Example</a:t>
+              <a:t>Intermediate Shiny Example</a:t>
             </a:r>
             <a:endParaRPr lang="en-US" dirty="0"/>
           </a:p>
@@ -6677,7 +6196,7 @@
     </p:spTree>
     <p:extLst>
       <p:ext uri="{BB962C8B-B14F-4D97-AF65-F5344CB8AC3E}">
-        <p14:creationId xmlns:p14="http://schemas.microsoft.com/office/powerpoint/2010/main" val="474294274"/>
+        <p14:creationId xmlns:p14="http://schemas.microsoft.com/office/powerpoint/2010/main" val="3428301371"/>
       </p:ext>
     </p:extLst>
   </p:cSld>
@@ -6719,7 +6238,7 @@
         </p:nvSpPr>
         <p:spPr>
           <a:xfrm>
-            <a:off x="6515100" y="3581400"/>
+            <a:off x="6515100" y="3124200"/>
             <a:ext cx="2476500" cy="2487385"/>
           </a:xfrm>
           <a:prstGeom prst="rect">
@@ -6781,9 +6300,7 @@
         </p:nvSpPr>
         <p:spPr/>
         <p:txBody>
-          <a:bodyPr>
-            <a:normAutofit/>
-          </a:bodyPr>
+          <a:bodyPr/>
           <a:lstStyle/>
           <a:p>
             <a:r>
@@ -6792,7 +6309,7 @@
                   <a:schemeClr val="tx1"/>
                 </a:solidFill>
               </a:rPr>
-              <a:t>Dependency Graph – Reactive</a:t>
+              <a:t>Dependency Graph – Naïve</a:t>
             </a:r>
             <a:endParaRPr lang="en-US" dirty="0">
               <a:solidFill>
@@ -6804,173 +6321,13 @@
       </p:sp>
       <p:sp>
         <p:nvSpPr>
-          <p:cNvPr id="5" name="Rectangle 4"/>
-          <p:cNvSpPr/>
-          <p:nvPr/>
-        </p:nvSpPr>
-        <p:spPr>
-          <a:xfrm>
-            <a:off x="4038600" y="2111831"/>
-            <a:ext cx="2133600" cy="587829"/>
-          </a:xfrm>
-          <a:prstGeom prst="rect">
-            <a:avLst/>
-          </a:prstGeom>
-        </p:spPr>
-        <p:style>
-          <a:lnRef idx="2">
-            <a:schemeClr val="accent1">
-              <a:shade val="50000"/>
-            </a:schemeClr>
-          </a:lnRef>
-          <a:fillRef idx="1">
-            <a:schemeClr val="accent1"/>
-          </a:fillRef>
-          <a:effectRef idx="0">
-            <a:schemeClr val="accent1"/>
-          </a:effectRef>
-          <a:fontRef idx="minor">
-            <a:schemeClr val="lt1"/>
-          </a:fontRef>
-        </p:style>
-        <p:txBody>
-          <a:bodyPr rtlCol="0" anchor="ctr"/>
-          <a:lstStyle/>
-          <a:p>
-            <a:pPr algn="ctr"/>
-            <a:r>
-              <a:rPr lang="en-US" sz="3200" dirty="0" err="1" smtClean="0"/>
-              <a:t>getData</a:t>
-            </a:r>
-            <a:endParaRPr lang="en-US" sz="3200" dirty="0"/>
-          </a:p>
-        </p:txBody>
-      </p:sp>
-      <p:sp>
-        <p:nvSpPr>
-          <p:cNvPr id="6" name="Rectangle 5"/>
-          <p:cNvSpPr/>
-          <p:nvPr/>
-        </p:nvSpPr>
-        <p:spPr>
-          <a:xfrm>
-            <a:off x="4038600" y="3156859"/>
-            <a:ext cx="2133600" cy="631371"/>
-          </a:xfrm>
-          <a:prstGeom prst="rect">
-            <a:avLst/>
-          </a:prstGeom>
-        </p:spPr>
-        <p:style>
-          <a:lnRef idx="2">
-            <a:schemeClr val="accent1">
-              <a:shade val="50000"/>
-            </a:schemeClr>
-          </a:lnRef>
-          <a:fillRef idx="1">
-            <a:schemeClr val="accent1"/>
-          </a:fillRef>
-          <a:effectRef idx="0">
-            <a:schemeClr val="accent1"/>
-          </a:effectRef>
-          <a:fontRef idx="minor">
-            <a:schemeClr val="lt1"/>
-          </a:fontRef>
-        </p:style>
-        <p:txBody>
-          <a:bodyPr rtlCol="0" anchor="ctr"/>
-          <a:lstStyle/>
-          <a:p>
-            <a:pPr algn="ctr"/>
-            <a:r>
-              <a:rPr lang="en-US" sz="3200" dirty="0" err="1" smtClean="0"/>
-              <a:t>dataName</a:t>
-            </a:r>
-            <a:endParaRPr lang="en-US" sz="3200" dirty="0"/>
-          </a:p>
-        </p:txBody>
-      </p:sp>
-      <p:cxnSp>
-        <p:nvCxnSpPr>
-          <p:cNvPr id="8" name="Straight Arrow Connector 7"/>
-          <p:cNvCxnSpPr>
-            <a:stCxn id="4" idx="3"/>
-            <a:endCxn id="5" idx="1"/>
-          </p:cNvCxnSpPr>
-          <p:nvPr/>
-        </p:nvCxnSpPr>
-        <p:spPr>
-          <a:xfrm flipV="1">
-            <a:off x="3276600" y="2405746"/>
-            <a:ext cx="762000" cy="903514"/>
-          </a:xfrm>
-          <a:prstGeom prst="straightConnector1">
-            <a:avLst/>
-          </a:prstGeom>
-          <a:ln w="57150">
-            <a:tailEnd type="arrow"/>
-          </a:ln>
-        </p:spPr>
-        <p:style>
-          <a:lnRef idx="1">
-            <a:schemeClr val="accent1"/>
-          </a:lnRef>
-          <a:fillRef idx="0">
-            <a:schemeClr val="accent1"/>
-          </a:fillRef>
-          <a:effectRef idx="0">
-            <a:schemeClr val="accent1"/>
-          </a:effectRef>
-          <a:fontRef idx="minor">
-            <a:schemeClr val="tx1"/>
-          </a:fontRef>
-        </p:style>
-      </p:cxnSp>
-      <p:cxnSp>
-        <p:nvCxnSpPr>
-          <p:cNvPr id="9" name="Straight Arrow Connector 8"/>
-          <p:cNvCxnSpPr>
-            <a:stCxn id="4" idx="3"/>
-            <a:endCxn id="6" idx="1"/>
-          </p:cNvCxnSpPr>
-          <p:nvPr/>
-        </p:nvCxnSpPr>
-        <p:spPr>
-          <a:xfrm>
-            <a:off x="3276600" y="3309260"/>
-            <a:ext cx="762000" cy="163285"/>
-          </a:xfrm>
-          <a:prstGeom prst="straightConnector1">
-            <a:avLst/>
-          </a:prstGeom>
-          <a:ln w="57150">
-            <a:tailEnd type="arrow"/>
-          </a:ln>
-        </p:spPr>
-        <p:style>
-          <a:lnRef idx="1">
-            <a:schemeClr val="accent1"/>
-          </a:lnRef>
-          <a:fillRef idx="0">
-            <a:schemeClr val="accent1"/>
-          </a:fillRef>
-          <a:effectRef idx="0">
-            <a:schemeClr val="accent1"/>
-          </a:effectRef>
-          <a:fontRef idx="minor">
-            <a:schemeClr val="tx1"/>
-          </a:fontRef>
-        </p:style>
-      </p:cxnSp>
-      <p:sp>
-        <p:nvSpPr>
           <p:cNvPr id="13" name="Rectangle 12"/>
           <p:cNvSpPr/>
           <p:nvPr/>
         </p:nvSpPr>
         <p:spPr>
           <a:xfrm>
-            <a:off x="1143000" y="1883230"/>
+            <a:off x="1143000" y="1828800"/>
             <a:ext cx="2133600" cy="587830"/>
           </a:xfrm>
           <a:prstGeom prst="rect">
@@ -7017,8 +6374,8 @@
         </p:nvCxnSpPr>
         <p:spPr>
           <a:xfrm>
-            <a:off x="2209800" y="2471060"/>
-            <a:ext cx="0" cy="533400"/>
+            <a:off x="2209800" y="2416630"/>
+            <a:ext cx="0" cy="326570"/>
           </a:xfrm>
           <a:prstGeom prst="straightConnector1">
             <a:avLst/>
@@ -7046,15 +6403,15 @@
         <p:nvCxnSpPr>
           <p:cNvPr id="20" name="Straight Arrow Connector 19"/>
           <p:cNvCxnSpPr>
-            <a:stCxn id="5" idx="3"/>
+            <a:stCxn id="4" idx="3"/>
             <a:endCxn id="23" idx="1"/>
           </p:cNvCxnSpPr>
           <p:nvPr/>
         </p:nvCxnSpPr>
         <p:spPr>
           <a:xfrm>
-            <a:off x="6172200" y="2405746"/>
-            <a:ext cx="685800" cy="522514"/>
+            <a:off x="3429000" y="3418115"/>
+            <a:ext cx="762000" cy="10885"/>
           </a:xfrm>
           <a:prstGeom prst="straightConnector1">
             <a:avLst/>
@@ -7086,7 +6443,7 @@
         </p:nvSpPr>
         <p:spPr>
           <a:xfrm>
-            <a:off x="6858000" y="2623460"/>
+            <a:off x="4191000" y="3124200"/>
             <a:ext cx="2133600" cy="609600"/>
           </a:xfrm>
           <a:prstGeom prst="rect">
@@ -7124,17 +6481,14 @@
       </p:sp>
       <p:cxnSp>
         <p:nvCxnSpPr>
-          <p:cNvPr id="25" name="Straight Arrow Connector 24"/>
-          <p:cNvCxnSpPr>
-            <a:stCxn id="6" idx="3"/>
-            <a:endCxn id="23" idx="1"/>
-          </p:cNvCxnSpPr>
+          <p:cNvPr id="28" name="Straight Arrow Connector 27"/>
+          <p:cNvCxnSpPr/>
           <p:nvPr/>
         </p:nvCxnSpPr>
         <p:spPr>
-          <a:xfrm flipV="1">
-            <a:off x="6172200" y="2928260"/>
-            <a:ext cx="685800" cy="544285"/>
+          <a:xfrm>
+            <a:off x="2971800" y="3695702"/>
+            <a:ext cx="740229" cy="985157"/>
           </a:xfrm>
           <a:prstGeom prst="straightConnector1">
             <a:avLst/>
@@ -7158,39 +6512,6 @@
           </a:fontRef>
         </p:style>
       </p:cxnSp>
-      <p:cxnSp>
-        <p:nvCxnSpPr>
-          <p:cNvPr id="28" name="Straight Arrow Connector 27"/>
-          <p:cNvCxnSpPr/>
-          <p:nvPr/>
-        </p:nvCxnSpPr>
-        <p:spPr>
-          <a:xfrm>
-            <a:off x="2971800" y="3390902"/>
-            <a:ext cx="740229" cy="985157"/>
-          </a:xfrm>
-          <a:prstGeom prst="straightConnector1">
-            <a:avLst/>
-          </a:prstGeom>
-          <a:ln w="57150">
-            <a:tailEnd type="arrow"/>
-          </a:ln>
-        </p:spPr>
-        <p:style>
-          <a:lnRef idx="1">
-            <a:schemeClr val="accent1"/>
-          </a:lnRef>
-          <a:fillRef idx="0">
-            <a:schemeClr val="accent1"/>
-          </a:fillRef>
-          <a:effectRef idx="0">
-            <a:schemeClr val="accent1"/>
-          </a:effectRef>
-          <a:fontRef idx="minor">
-            <a:schemeClr val="tx1"/>
-          </a:fontRef>
-        </p:style>
-      </p:cxnSp>
       <p:sp>
         <p:nvSpPr>
           <p:cNvPr id="29" name="Rectangle 28"/>
@@ -7199,7 +6520,7 @@
         </p:nvSpPr>
         <p:spPr>
           <a:xfrm>
-            <a:off x="3200400" y="4376059"/>
+            <a:off x="3200400" y="4680859"/>
             <a:ext cx="2133600" cy="1066800"/>
           </a:xfrm>
           <a:prstGeom prst="rect">
@@ -7247,7 +6568,7 @@
         </p:nvSpPr>
         <p:spPr>
           <a:xfrm>
-            <a:off x="381000" y="5693230"/>
+            <a:off x="381000" y="5998030"/>
             <a:ext cx="2133600" cy="685800"/>
           </a:xfrm>
           <a:prstGeom prst="rect">
@@ -7295,7 +6616,7 @@
         </p:nvCxnSpPr>
         <p:spPr>
           <a:xfrm>
-            <a:off x="2209800" y="3472544"/>
+            <a:off x="2209800" y="3777344"/>
             <a:ext cx="0" cy="2220686"/>
           </a:xfrm>
           <a:prstGeom prst="straightConnector1">
@@ -7328,7 +6649,7 @@
         </p:nvSpPr>
         <p:spPr>
           <a:xfrm>
-            <a:off x="76200" y="4675415"/>
+            <a:off x="76200" y="4980215"/>
             <a:ext cx="1905000" cy="685800"/>
           </a:xfrm>
           <a:prstGeom prst="rect">
@@ -7378,7 +6699,7 @@
         </p:nvCxnSpPr>
         <p:spPr>
           <a:xfrm flipH="1">
-            <a:off x="1028700" y="3483430"/>
+            <a:off x="1028700" y="3788230"/>
             <a:ext cx="266700" cy="1191985"/>
           </a:xfrm>
           <a:prstGeom prst="straightConnector1">
@@ -7411,7 +6732,7 @@
         </p:nvSpPr>
         <p:spPr>
           <a:xfrm>
-            <a:off x="6705600" y="4163785"/>
+            <a:off x="6705600" y="3706585"/>
             <a:ext cx="2133600" cy="1001485"/>
           </a:xfrm>
           <a:prstGeom prst="rect">
@@ -7455,7 +6776,7 @@
         </p:nvSpPr>
         <p:spPr>
           <a:xfrm>
-            <a:off x="6705600" y="5382985"/>
+            <a:off x="6705600" y="4925785"/>
             <a:ext cx="2133600" cy="609600"/>
           </a:xfrm>
           <a:prstGeom prst="rect">
@@ -7499,7 +6820,7 @@
         </p:nvSpPr>
         <p:spPr>
           <a:xfrm>
-            <a:off x="2743200" y="5715000"/>
+            <a:off x="2743200" y="6019800"/>
             <a:ext cx="1807029" cy="685800"/>
           </a:xfrm>
           <a:prstGeom prst="rect">
@@ -7543,7 +6864,7 @@
         </p:nvCxnSpPr>
         <p:spPr>
           <a:xfrm>
-            <a:off x="2819400" y="3390902"/>
+            <a:off x="2819400" y="3695702"/>
             <a:ext cx="0" cy="2324098"/>
           </a:xfrm>
           <a:prstGeom prst="straightConnector1">
@@ -7576,8 +6897,8 @@
         </p:nvSpPr>
         <p:spPr>
           <a:xfrm>
-            <a:off x="1143000" y="3004460"/>
-            <a:ext cx="2133600" cy="609600"/>
+            <a:off x="990600" y="2743200"/>
+            <a:ext cx="2438400" cy="1349830"/>
           </a:xfrm>
           <a:prstGeom prst="rect">
             <a:avLst/>
@@ -7608,14 +6929,22 @@
               <a:rPr lang="en-US" sz="3200" dirty="0" err="1" smtClean="0"/>
               <a:t>main_plot</a:t>
             </a:r>
-            <a:endParaRPr lang="en-US" sz="3200" dirty="0"/>
+            <a:endParaRPr lang="en-US" sz="3200" dirty="0" smtClean="0"/>
+          </a:p>
+          <a:p>
+            <a:pPr algn="ctr"/>
+            <a:r>
+              <a:rPr lang="en-US" sz="2400" dirty="0" smtClean="0"/>
+              <a:t>(Get data, get name, plot)</a:t>
+            </a:r>
+            <a:endParaRPr lang="en-US" sz="2400" dirty="0"/>
           </a:p>
         </p:txBody>
       </p:sp>
     </p:spTree>
     <p:extLst>
       <p:ext uri="{BB962C8B-B14F-4D97-AF65-F5344CB8AC3E}">
-        <p14:creationId xmlns:p14="http://schemas.microsoft.com/office/powerpoint/2010/main" val="3880102440"/>
+        <p14:creationId xmlns:p14="http://schemas.microsoft.com/office/powerpoint/2010/main" val="3443010595"/>
       </p:ext>
     </p:extLst>
   </p:cSld>
@@ -7657,7 +6986,7 @@
         </p:nvSpPr>
         <p:spPr>
           <a:xfrm>
-            <a:off x="6515100" y="3581400"/>
+            <a:off x="6515100" y="3124200"/>
             <a:ext cx="2476500" cy="2487385"/>
           </a:xfrm>
           <a:prstGeom prst="rect">
@@ -7728,7 +7057,7 @@
                   <a:schemeClr val="tx1"/>
                 </a:solidFill>
               </a:rPr>
-              <a:t>“Data Flow” – Reactive</a:t>
+              <a:t>“Data Flow”– Naïve</a:t>
             </a:r>
             <a:endParaRPr lang="en-US" dirty="0">
               <a:solidFill>
@@ -7740,174 +7069,13 @@
       </p:sp>
       <p:sp>
         <p:nvSpPr>
-          <p:cNvPr id="5" name="Rectangle 4"/>
-          <p:cNvSpPr/>
-          <p:nvPr/>
-        </p:nvSpPr>
-        <p:spPr>
-          <a:xfrm>
-            <a:off x="4038600" y="2111831"/>
-            <a:ext cx="2133600" cy="587829"/>
-          </a:xfrm>
-          <a:prstGeom prst="rect">
-            <a:avLst/>
-          </a:prstGeom>
-        </p:spPr>
-        <p:style>
-          <a:lnRef idx="2">
-            <a:schemeClr val="accent1">
-              <a:shade val="50000"/>
-            </a:schemeClr>
-          </a:lnRef>
-          <a:fillRef idx="1">
-            <a:schemeClr val="accent1"/>
-          </a:fillRef>
-          <a:effectRef idx="0">
-            <a:schemeClr val="accent1"/>
-          </a:effectRef>
-          <a:fontRef idx="minor">
-            <a:schemeClr val="lt1"/>
-          </a:fontRef>
-        </p:style>
-        <p:txBody>
-          <a:bodyPr rtlCol="0" anchor="ctr"/>
-          <a:lstStyle/>
-          <a:p>
-            <a:pPr algn="ctr"/>
-            <a:r>
-              <a:rPr lang="en-US" sz="3200" dirty="0" err="1" smtClean="0"/>
-              <a:t>getData</a:t>
-            </a:r>
-            <a:endParaRPr lang="en-US" sz="3200" dirty="0"/>
-          </a:p>
-        </p:txBody>
-      </p:sp>
-      <p:sp>
-        <p:nvSpPr>
-          <p:cNvPr id="6" name="Rectangle 5"/>
-          <p:cNvSpPr/>
-          <p:nvPr/>
-        </p:nvSpPr>
-        <p:spPr>
-          <a:xfrm>
-            <a:off x="4038600" y="3156859"/>
-            <a:ext cx="2133600" cy="631371"/>
-          </a:xfrm>
-          <a:prstGeom prst="rect">
-            <a:avLst/>
-          </a:prstGeom>
-        </p:spPr>
-        <p:style>
-          <a:lnRef idx="2">
-            <a:schemeClr val="accent1">
-              <a:shade val="50000"/>
-            </a:schemeClr>
-          </a:lnRef>
-          <a:fillRef idx="1">
-            <a:schemeClr val="accent1"/>
-          </a:fillRef>
-          <a:effectRef idx="0">
-            <a:schemeClr val="accent1"/>
-          </a:effectRef>
-          <a:fontRef idx="minor">
-            <a:schemeClr val="lt1"/>
-          </a:fontRef>
-        </p:style>
-        <p:txBody>
-          <a:bodyPr rtlCol="0" anchor="ctr"/>
-          <a:lstStyle/>
-          <a:p>
-            <a:pPr algn="ctr"/>
-            <a:r>
-              <a:rPr lang="en-US" sz="3200" dirty="0" err="1" smtClean="0"/>
-              <a:t>dataName</a:t>
-            </a:r>
-            <a:endParaRPr lang="en-US" sz="3200" dirty="0"/>
-          </a:p>
-        </p:txBody>
-      </p:sp>
-      <p:cxnSp>
-        <p:nvCxnSpPr>
-          <p:cNvPr id="8" name="Straight Arrow Connector 7"/>
-          <p:cNvCxnSpPr>
-            <a:stCxn id="4" idx="3"/>
-            <a:endCxn id="5" idx="1"/>
-          </p:cNvCxnSpPr>
-          <p:nvPr/>
-        </p:nvCxnSpPr>
-        <p:spPr>
-          <a:xfrm flipV="1">
-            <a:off x="3276600" y="2405746"/>
-            <a:ext cx="762000" cy="903514"/>
-          </a:xfrm>
-          <a:prstGeom prst="straightConnector1">
-            <a:avLst/>
-          </a:prstGeom>
-          <a:ln w="57150">
-            <a:headEnd type="arrow" w="med" len="med"/>
-            <a:tailEnd type="none" w="med" len="med"/>
-          </a:ln>
-        </p:spPr>
-        <p:style>
-          <a:lnRef idx="1">
-            <a:schemeClr val="accent1"/>
-          </a:lnRef>
-          <a:fillRef idx="0">
-            <a:schemeClr val="accent1"/>
-          </a:fillRef>
-          <a:effectRef idx="0">
-            <a:schemeClr val="accent1"/>
-          </a:effectRef>
-          <a:fontRef idx="minor">
-            <a:schemeClr val="tx1"/>
-          </a:fontRef>
-        </p:style>
-      </p:cxnSp>
-      <p:cxnSp>
-        <p:nvCxnSpPr>
-          <p:cNvPr id="9" name="Straight Arrow Connector 8"/>
-          <p:cNvCxnSpPr>
-            <a:endCxn id="6" idx="1"/>
-          </p:cNvCxnSpPr>
-          <p:nvPr/>
-        </p:nvCxnSpPr>
-        <p:spPr>
-          <a:xfrm>
-            <a:off x="3276600" y="3472544"/>
-            <a:ext cx="762000" cy="1"/>
-          </a:xfrm>
-          <a:prstGeom prst="straightConnector1">
-            <a:avLst/>
-          </a:prstGeom>
-          <a:ln w="57150">
-            <a:headEnd type="arrow" w="med" len="med"/>
-            <a:tailEnd type="none" w="med" len="med"/>
-          </a:ln>
-        </p:spPr>
-        <p:style>
-          <a:lnRef idx="1">
-            <a:schemeClr val="accent1"/>
-          </a:lnRef>
-          <a:fillRef idx="0">
-            <a:schemeClr val="accent1"/>
-          </a:fillRef>
-          <a:effectRef idx="0">
-            <a:schemeClr val="accent1"/>
-          </a:effectRef>
-          <a:fontRef idx="minor">
-            <a:schemeClr val="tx1"/>
-          </a:fontRef>
-        </p:style>
-      </p:cxnSp>
-      <p:sp>
-        <p:nvSpPr>
           <p:cNvPr id="13" name="Rectangle 12"/>
           <p:cNvSpPr/>
           <p:nvPr/>
         </p:nvSpPr>
         <p:spPr>
           <a:xfrm>
-            <a:off x="1143000" y="1883230"/>
+            <a:off x="1143000" y="1828800"/>
             <a:ext cx="2133600" cy="587830"/>
           </a:xfrm>
           <a:prstGeom prst="rect">
@@ -7954,8 +7122,8 @@
         </p:nvCxnSpPr>
         <p:spPr>
           <a:xfrm>
-            <a:off x="2209800" y="2471060"/>
-            <a:ext cx="0" cy="533400"/>
+            <a:off x="2209800" y="2416630"/>
+            <a:ext cx="0" cy="326570"/>
           </a:xfrm>
           <a:prstGeom prst="straightConnector1">
             <a:avLst/>
@@ -7984,15 +7152,15 @@
         <p:nvCxnSpPr>
           <p:cNvPr id="20" name="Straight Arrow Connector 19"/>
           <p:cNvCxnSpPr>
-            <a:stCxn id="5" idx="3"/>
+            <a:stCxn id="4" idx="3"/>
             <a:endCxn id="23" idx="1"/>
           </p:cNvCxnSpPr>
           <p:nvPr/>
         </p:nvCxnSpPr>
         <p:spPr>
           <a:xfrm>
-            <a:off x="6172200" y="2405746"/>
-            <a:ext cx="685800" cy="522514"/>
+            <a:off x="3429000" y="3418115"/>
+            <a:ext cx="762000" cy="10885"/>
           </a:xfrm>
           <a:prstGeom prst="straightConnector1">
             <a:avLst/>
@@ -8025,7 +7193,7 @@
         </p:nvSpPr>
         <p:spPr>
           <a:xfrm>
-            <a:off x="6858000" y="2623460"/>
+            <a:off x="4191000" y="3124200"/>
             <a:ext cx="2133600" cy="609600"/>
           </a:xfrm>
           <a:prstGeom prst="rect">
@@ -8063,17 +7231,14 @@
       </p:sp>
       <p:cxnSp>
         <p:nvCxnSpPr>
-          <p:cNvPr id="25" name="Straight Arrow Connector 24"/>
-          <p:cNvCxnSpPr>
-            <a:stCxn id="6" idx="3"/>
-            <a:endCxn id="23" idx="1"/>
-          </p:cNvCxnSpPr>
+          <p:cNvPr id="28" name="Straight Arrow Connector 27"/>
+          <p:cNvCxnSpPr/>
           <p:nvPr/>
         </p:nvCxnSpPr>
         <p:spPr>
-          <a:xfrm flipV="1">
-            <a:off x="6172200" y="2928260"/>
-            <a:ext cx="685800" cy="544285"/>
+          <a:xfrm>
+            <a:off x="3276600" y="4093030"/>
+            <a:ext cx="435429" cy="587829"/>
           </a:xfrm>
           <a:prstGeom prst="straightConnector1">
             <a:avLst/>
@@ -8098,40 +7263,6 @@
           </a:fontRef>
         </p:style>
       </p:cxnSp>
-      <p:cxnSp>
-        <p:nvCxnSpPr>
-          <p:cNvPr id="28" name="Straight Arrow Connector 27"/>
-          <p:cNvCxnSpPr/>
-          <p:nvPr/>
-        </p:nvCxnSpPr>
-        <p:spPr>
-          <a:xfrm>
-            <a:off x="3200400" y="3614060"/>
-            <a:ext cx="511629" cy="761999"/>
-          </a:xfrm>
-          <a:prstGeom prst="straightConnector1">
-            <a:avLst/>
-          </a:prstGeom>
-          <a:ln w="57150">
-            <a:headEnd type="arrow" w="med" len="med"/>
-            <a:tailEnd type="none" w="med" len="med"/>
-          </a:ln>
-        </p:spPr>
-        <p:style>
-          <a:lnRef idx="1">
-            <a:schemeClr val="accent1"/>
-          </a:lnRef>
-          <a:fillRef idx="0">
-            <a:schemeClr val="accent1"/>
-          </a:fillRef>
-          <a:effectRef idx="0">
-            <a:schemeClr val="accent1"/>
-          </a:effectRef>
-          <a:fontRef idx="minor">
-            <a:schemeClr val="tx1"/>
-          </a:fontRef>
-        </p:style>
-      </p:cxnSp>
       <p:sp>
         <p:nvSpPr>
           <p:cNvPr id="29" name="Rectangle 28"/>
@@ -8140,7 +7271,7 @@
         </p:nvSpPr>
         <p:spPr>
           <a:xfrm>
-            <a:off x="3200400" y="4376059"/>
+            <a:off x="3200400" y="4680859"/>
             <a:ext cx="2133600" cy="1066800"/>
           </a:xfrm>
           <a:prstGeom prst="rect">
@@ -8188,7 +7319,7 @@
         </p:nvSpPr>
         <p:spPr>
           <a:xfrm>
-            <a:off x="381000" y="5693230"/>
+            <a:off x="381000" y="5998030"/>
             <a:ext cx="2133600" cy="685800"/>
           </a:xfrm>
           <a:prstGeom prst="rect">
@@ -8238,8 +7369,8 @@
         </p:nvCxnSpPr>
         <p:spPr>
           <a:xfrm>
-            <a:off x="2209800" y="3614060"/>
-            <a:ext cx="0" cy="2079170"/>
+            <a:off x="2209800" y="4093030"/>
+            <a:ext cx="0" cy="1905000"/>
           </a:xfrm>
           <a:prstGeom prst="straightConnector1">
             <a:avLst/>
@@ -8272,7 +7403,7 @@
         </p:nvSpPr>
         <p:spPr>
           <a:xfrm>
-            <a:off x="76200" y="4675415"/>
+            <a:off x="76200" y="4980215"/>
             <a:ext cx="1905000" cy="685800"/>
           </a:xfrm>
           <a:prstGeom prst="rect">
@@ -8322,8 +7453,8 @@
         </p:nvCxnSpPr>
         <p:spPr>
           <a:xfrm flipH="1">
-            <a:off x="1028700" y="3614060"/>
-            <a:ext cx="266700" cy="1061355"/>
+            <a:off x="1028700" y="4093030"/>
+            <a:ext cx="266700" cy="887185"/>
           </a:xfrm>
           <a:prstGeom prst="straightConnector1">
             <a:avLst/>
@@ -8356,7 +7487,7 @@
         </p:nvSpPr>
         <p:spPr>
           <a:xfrm>
-            <a:off x="6705600" y="4163785"/>
+            <a:off x="6705600" y="3706585"/>
             <a:ext cx="2133600" cy="1001485"/>
           </a:xfrm>
           <a:prstGeom prst="rect">
@@ -8400,7 +7531,7 @@
         </p:nvSpPr>
         <p:spPr>
           <a:xfrm>
-            <a:off x="6705600" y="5382985"/>
+            <a:off x="6705600" y="4925785"/>
             <a:ext cx="2133600" cy="609600"/>
           </a:xfrm>
           <a:prstGeom prst="rect">
@@ -8444,7 +7575,7 @@
         </p:nvSpPr>
         <p:spPr>
           <a:xfrm>
-            <a:off x="2743200" y="5715000"/>
+            <a:off x="2743200" y="6019800"/>
             <a:ext cx="1807029" cy="685800"/>
           </a:xfrm>
           <a:prstGeom prst="rect">
@@ -8488,8 +7619,8 @@
         </p:nvCxnSpPr>
         <p:spPr>
           <a:xfrm>
-            <a:off x="2819400" y="3614060"/>
-            <a:ext cx="0" cy="2100940"/>
+            <a:off x="2819400" y="4093030"/>
+            <a:ext cx="0" cy="1926770"/>
           </a:xfrm>
           <a:prstGeom prst="straightConnector1">
             <a:avLst/>
@@ -8522,8 +7653,8 @@
         </p:nvSpPr>
         <p:spPr>
           <a:xfrm>
-            <a:off x="1143000" y="3004460"/>
-            <a:ext cx="2133600" cy="609600"/>
+            <a:off x="990600" y="2743200"/>
+            <a:ext cx="2438400" cy="1349830"/>
           </a:xfrm>
           <a:prstGeom prst="rect">
             <a:avLst/>
@@ -8554,14 +7685,22 @@
               <a:rPr lang="en-US" sz="3200" dirty="0" err="1" smtClean="0"/>
               <a:t>main_plot</a:t>
             </a:r>
-            <a:endParaRPr lang="en-US" sz="3200" dirty="0"/>
+            <a:endParaRPr lang="en-US" sz="3200" dirty="0" smtClean="0"/>
+          </a:p>
+          <a:p>
+            <a:pPr algn="ctr"/>
+            <a:r>
+              <a:rPr lang="en-US" sz="2400" dirty="0" smtClean="0"/>
+              <a:t>(Get data, get name, plot)</a:t>
+            </a:r>
+            <a:endParaRPr lang="en-US" sz="2400" dirty="0"/>
           </a:p>
         </p:txBody>
       </p:sp>
     </p:spTree>
     <p:extLst>
       <p:ext uri="{BB962C8B-B14F-4D97-AF65-F5344CB8AC3E}">
-        <p14:creationId xmlns:p14="http://schemas.microsoft.com/office/powerpoint/2010/main" val="76375430"/>
+        <p14:creationId xmlns:p14="http://schemas.microsoft.com/office/powerpoint/2010/main" val="1844133764"/>
       </p:ext>
     </p:extLst>
   </p:cSld>
@@ -8597,11 +7736,34 @@
       </p:grpSpPr>
       <p:sp>
         <p:nvSpPr>
-          <p:cNvPr id="2" name="Title 1"/>
+          <p:cNvPr id="5" name="Text Placeholder 4"/>
           <p:cNvSpPr>
             <a:spLocks noGrp="1"/>
           </p:cNvSpPr>
           <p:nvPr>
+            <p:ph type="body" idx="1"/>
+          </p:nvPr>
+        </p:nvSpPr>
+        <p:spPr/>
+        <p:txBody>
+          <a:bodyPr/>
+          <a:lstStyle/>
+          <a:p>
+            <a:r>
+              <a:rPr lang="en-US" dirty="0" smtClean="0"/>
+              <a:t>Optimized Reactive Server</a:t>
+            </a:r>
+            <a:endParaRPr lang="en-US" dirty="0"/>
+          </a:p>
+        </p:txBody>
+      </p:sp>
+      <p:sp>
+        <p:nvSpPr>
+          <p:cNvPr id="4" name="Title 3"/>
+          <p:cNvSpPr>
+            <a:spLocks noGrp="1"/>
+          </p:cNvSpPr>
+          <p:nvPr>
             <p:ph type="title"/>
           </p:nvPr>
         </p:nvSpPr>
@@ -8612,101 +7774,8 @@
           <a:p>
             <a:r>
               <a:rPr lang="en-US" dirty="0" smtClean="0"/>
-              <a:t>Hosting</a:t>
-            </a:r>
-            <a:endParaRPr lang="en-US" dirty="0"/>
-          </a:p>
-        </p:txBody>
-      </p:sp>
-      <p:sp>
-        <p:nvSpPr>
-          <p:cNvPr id="3" name="Content Placeholder 2"/>
-          <p:cNvSpPr>
-            <a:spLocks noGrp="1"/>
-          </p:cNvSpPr>
-          <p:nvPr>
-            <p:ph sz="quarter" idx="1"/>
-          </p:nvPr>
-        </p:nvSpPr>
-        <p:spPr/>
-        <p:txBody>
-          <a:bodyPr/>
-          <a:lstStyle/>
-          <a:p>
-            <a:r>
-              <a:rPr lang="en-US" dirty="0" err="1" smtClean="0"/>
-              <a:t>RStudio</a:t>
-            </a:r>
-            <a:r>
-              <a:rPr lang="en-US" dirty="0" smtClean="0"/>
-              <a:t> offers “Glimmer”</a:t>
-            </a:r>
-          </a:p>
-          <a:p>
-            <a:pPr lvl="1"/>
-            <a:r>
-              <a:rPr lang="en-US" dirty="0" smtClean="0"/>
-              <a:t>Free (for now) managed hosting platform for Shiny</a:t>
-            </a:r>
-          </a:p>
-          <a:p>
-            <a:r>
-              <a:rPr lang="en-US" dirty="0" err="1" smtClean="0"/>
-              <a:t>RStudio‘s</a:t>
-            </a:r>
-            <a:r>
-              <a:rPr lang="en-US" dirty="0" smtClean="0"/>
-              <a:t> Shiny-Server</a:t>
-            </a:r>
-          </a:p>
-          <a:p>
-            <a:pPr lvl="1"/>
-            <a:r>
-              <a:rPr lang="en-US" dirty="0"/>
-              <a:t>Open sourced </a:t>
-            </a:r>
-            <a:r>
-              <a:rPr lang="en-US" dirty="0" smtClean="0"/>
-              <a:t>1/22/2013</a:t>
-            </a:r>
-            <a:endParaRPr lang="en-US" dirty="0"/>
-          </a:p>
-          <a:p>
-            <a:pPr lvl="1"/>
-            <a:r>
-              <a:rPr lang="en-US" dirty="0" smtClean="0"/>
-              <a:t>Written in Node.js</a:t>
-            </a:r>
-          </a:p>
-          <a:p>
-            <a:pPr lvl="1"/>
-            <a:r>
-              <a:rPr lang="en-US" dirty="0" smtClean="0"/>
-              <a:t>Same software that powers Glimmer</a:t>
-            </a:r>
-          </a:p>
-          <a:p>
-            <a:pPr lvl="1"/>
-            <a:r>
-              <a:rPr lang="en-US" dirty="0" smtClean="0"/>
-              <a:t>“Some assembly required”</a:t>
-            </a:r>
-          </a:p>
-          <a:p>
-            <a:pPr lvl="1"/>
-            <a:r>
-              <a:rPr lang="en-US" dirty="0" smtClean="0"/>
-              <a:t>Hacks to support older IEs</a:t>
-            </a:r>
-          </a:p>
-          <a:p>
-            <a:r>
-              <a:rPr lang="en-US" dirty="0" smtClean="0"/>
-              <a:t>Amazon Machine Image on EC2</a:t>
-            </a:r>
-          </a:p>
-          <a:p>
-            <a:pPr lvl="1"/>
+              <a:t>Reactive Shiny Example</a:t>
+            </a:r>
             <a:endParaRPr lang="en-US" dirty="0"/>
           </a:p>
         </p:txBody>
@@ -8714,7 +7783,2061 @@
     </p:spTree>
     <p:extLst>
       <p:ext uri="{BB962C8B-B14F-4D97-AF65-F5344CB8AC3E}">
-        <p14:creationId xmlns:p14="http://schemas.microsoft.com/office/powerpoint/2010/main" val="3063863817"/>
+        <p14:creationId xmlns:p14="http://schemas.microsoft.com/office/powerpoint/2010/main" val="474294274"/>
+      </p:ext>
+    </p:extLst>
+  </p:cSld>
+  <p:clrMapOvr>
+    <a:masterClrMapping/>
+  </p:clrMapOvr>
+  <p:timing>
+    <p:tnLst>
+      <p:par>
+        <p:cTn id="1" dur="indefinite" restart="never" nodeType="tmRoot"/>
+      </p:par>
+    </p:tnLst>
+  </p:timing>
+</p:sld>
+</file>
+
+<file path=ppt/slides/slide16.xml><?xml version="1.0" encoding="utf-8"?>
+<p:sld xmlns:a="http://schemas.openxmlformats.org/drawingml/2006/main" xmlns:r="http://schemas.openxmlformats.org/officeDocument/2006/relationships" xmlns:p="http://schemas.openxmlformats.org/presentationml/2006/main">
+  <p:cSld>
+    <p:spTree>
+      <p:nvGrpSpPr>
+        <p:cNvPr id="1" name=""/>
+        <p:cNvGrpSpPr/>
+        <p:nvPr/>
+      </p:nvGrpSpPr>
+      <p:grpSpPr>
+        <a:xfrm>
+          <a:off x="0" y="0"/>
+          <a:ext cx="0" cy="0"/>
+          <a:chOff x="0" y="0"/>
+          <a:chExt cx="0" cy="0"/>
+        </a:xfrm>
+      </p:grpSpPr>
+      <p:sp>
+        <p:nvSpPr>
+          <p:cNvPr id="73" name="Rectangle 72"/>
+          <p:cNvSpPr/>
+          <p:nvPr/>
+        </p:nvSpPr>
+        <p:spPr>
+          <a:xfrm>
+            <a:off x="6515100" y="3581400"/>
+            <a:ext cx="2476500" cy="2487385"/>
+          </a:xfrm>
+          <a:prstGeom prst="rect">
+            <a:avLst/>
+          </a:prstGeom>
+          <a:noFill/>
+          <a:ln>
+            <a:solidFill>
+              <a:schemeClr val="tx1"/>
+            </a:solidFill>
+          </a:ln>
+        </p:spPr>
+        <p:style>
+          <a:lnRef idx="2">
+            <a:schemeClr val="accent1">
+              <a:shade val="50000"/>
+            </a:schemeClr>
+          </a:lnRef>
+          <a:fillRef idx="1">
+            <a:schemeClr val="accent1"/>
+          </a:fillRef>
+          <a:effectRef idx="0">
+            <a:schemeClr val="accent1"/>
+          </a:effectRef>
+          <a:fontRef idx="minor">
+            <a:schemeClr val="lt1"/>
+          </a:fontRef>
+        </p:style>
+        <p:txBody>
+          <a:bodyPr rtlCol="0" anchor="t"/>
+          <a:lstStyle/>
+          <a:p>
+            <a:pPr algn="ctr"/>
+            <a:r>
+              <a:rPr lang="en-US" sz="2800" dirty="0" smtClean="0">
+                <a:solidFill>
+                  <a:schemeClr val="tx1"/>
+                </a:solidFill>
+              </a:rPr>
+              <a:t>Key</a:t>
+            </a:r>
+            <a:endParaRPr lang="en-US" sz="2800" dirty="0">
+              <a:solidFill>
+                <a:schemeClr val="tx1"/>
+              </a:solidFill>
+            </a:endParaRPr>
+          </a:p>
+        </p:txBody>
+      </p:sp>
+      <p:sp>
+        <p:nvSpPr>
+          <p:cNvPr id="2" name="Title 1"/>
+          <p:cNvSpPr>
+            <a:spLocks noGrp="1"/>
+          </p:cNvSpPr>
+          <p:nvPr>
+            <p:ph type="title"/>
+          </p:nvPr>
+        </p:nvSpPr>
+        <p:spPr/>
+        <p:txBody>
+          <a:bodyPr>
+            <a:normAutofit/>
+          </a:bodyPr>
+          <a:lstStyle/>
+          <a:p>
+            <a:r>
+              <a:rPr lang="en-US" dirty="0" smtClean="0">
+                <a:solidFill>
+                  <a:schemeClr val="tx1"/>
+                </a:solidFill>
+              </a:rPr>
+              <a:t>Dependency Graph – Reactive</a:t>
+            </a:r>
+            <a:endParaRPr lang="en-US" dirty="0">
+              <a:solidFill>
+                <a:schemeClr val="tx1"/>
+              </a:solidFill>
+            </a:endParaRPr>
+          </a:p>
+        </p:txBody>
+      </p:sp>
+      <p:sp>
+        <p:nvSpPr>
+          <p:cNvPr id="5" name="Rectangle 4"/>
+          <p:cNvSpPr/>
+          <p:nvPr/>
+        </p:nvSpPr>
+        <p:spPr>
+          <a:xfrm>
+            <a:off x="4038600" y="2111831"/>
+            <a:ext cx="2133600" cy="587829"/>
+          </a:xfrm>
+          <a:prstGeom prst="rect">
+            <a:avLst/>
+          </a:prstGeom>
+        </p:spPr>
+        <p:style>
+          <a:lnRef idx="2">
+            <a:schemeClr val="accent1">
+              <a:shade val="50000"/>
+            </a:schemeClr>
+          </a:lnRef>
+          <a:fillRef idx="1">
+            <a:schemeClr val="accent1"/>
+          </a:fillRef>
+          <a:effectRef idx="0">
+            <a:schemeClr val="accent1"/>
+          </a:effectRef>
+          <a:fontRef idx="minor">
+            <a:schemeClr val="lt1"/>
+          </a:fontRef>
+        </p:style>
+        <p:txBody>
+          <a:bodyPr rtlCol="0" anchor="ctr"/>
+          <a:lstStyle/>
+          <a:p>
+            <a:pPr algn="ctr"/>
+            <a:r>
+              <a:rPr lang="en-US" sz="3200" dirty="0" err="1" smtClean="0"/>
+              <a:t>getData</a:t>
+            </a:r>
+            <a:endParaRPr lang="en-US" sz="3200" dirty="0"/>
+          </a:p>
+        </p:txBody>
+      </p:sp>
+      <p:sp>
+        <p:nvSpPr>
+          <p:cNvPr id="6" name="Rectangle 5"/>
+          <p:cNvSpPr/>
+          <p:nvPr/>
+        </p:nvSpPr>
+        <p:spPr>
+          <a:xfrm>
+            <a:off x="4038600" y="3156859"/>
+            <a:ext cx="2133600" cy="631371"/>
+          </a:xfrm>
+          <a:prstGeom prst="rect">
+            <a:avLst/>
+          </a:prstGeom>
+        </p:spPr>
+        <p:style>
+          <a:lnRef idx="2">
+            <a:schemeClr val="accent1">
+              <a:shade val="50000"/>
+            </a:schemeClr>
+          </a:lnRef>
+          <a:fillRef idx="1">
+            <a:schemeClr val="accent1"/>
+          </a:fillRef>
+          <a:effectRef idx="0">
+            <a:schemeClr val="accent1"/>
+          </a:effectRef>
+          <a:fontRef idx="minor">
+            <a:schemeClr val="lt1"/>
+          </a:fontRef>
+        </p:style>
+        <p:txBody>
+          <a:bodyPr rtlCol="0" anchor="ctr"/>
+          <a:lstStyle/>
+          <a:p>
+            <a:pPr algn="ctr"/>
+            <a:r>
+              <a:rPr lang="en-US" sz="3200" dirty="0" err="1" smtClean="0"/>
+              <a:t>dataName</a:t>
+            </a:r>
+            <a:endParaRPr lang="en-US" sz="3200" dirty="0"/>
+          </a:p>
+        </p:txBody>
+      </p:sp>
+      <p:cxnSp>
+        <p:nvCxnSpPr>
+          <p:cNvPr id="8" name="Straight Arrow Connector 7"/>
+          <p:cNvCxnSpPr>
+            <a:stCxn id="4" idx="3"/>
+            <a:endCxn id="5" idx="1"/>
+          </p:cNvCxnSpPr>
+          <p:nvPr/>
+        </p:nvCxnSpPr>
+        <p:spPr>
+          <a:xfrm flipV="1">
+            <a:off x="3276600" y="2405746"/>
+            <a:ext cx="762000" cy="903514"/>
+          </a:xfrm>
+          <a:prstGeom prst="straightConnector1">
+            <a:avLst/>
+          </a:prstGeom>
+          <a:ln w="57150">
+            <a:tailEnd type="arrow"/>
+          </a:ln>
+        </p:spPr>
+        <p:style>
+          <a:lnRef idx="1">
+            <a:schemeClr val="accent1"/>
+          </a:lnRef>
+          <a:fillRef idx="0">
+            <a:schemeClr val="accent1"/>
+          </a:fillRef>
+          <a:effectRef idx="0">
+            <a:schemeClr val="accent1"/>
+          </a:effectRef>
+          <a:fontRef idx="minor">
+            <a:schemeClr val="tx1"/>
+          </a:fontRef>
+        </p:style>
+      </p:cxnSp>
+      <p:cxnSp>
+        <p:nvCxnSpPr>
+          <p:cNvPr id="9" name="Straight Arrow Connector 8"/>
+          <p:cNvCxnSpPr>
+            <a:stCxn id="4" idx="3"/>
+            <a:endCxn id="6" idx="1"/>
+          </p:cNvCxnSpPr>
+          <p:nvPr/>
+        </p:nvCxnSpPr>
+        <p:spPr>
+          <a:xfrm>
+            <a:off x="3276600" y="3309260"/>
+            <a:ext cx="762000" cy="163285"/>
+          </a:xfrm>
+          <a:prstGeom prst="straightConnector1">
+            <a:avLst/>
+          </a:prstGeom>
+          <a:ln w="57150">
+            <a:tailEnd type="arrow"/>
+          </a:ln>
+        </p:spPr>
+        <p:style>
+          <a:lnRef idx="1">
+            <a:schemeClr val="accent1"/>
+          </a:lnRef>
+          <a:fillRef idx="0">
+            <a:schemeClr val="accent1"/>
+          </a:fillRef>
+          <a:effectRef idx="0">
+            <a:schemeClr val="accent1"/>
+          </a:effectRef>
+          <a:fontRef idx="minor">
+            <a:schemeClr val="tx1"/>
+          </a:fontRef>
+        </p:style>
+      </p:cxnSp>
+      <p:sp>
+        <p:nvSpPr>
+          <p:cNvPr id="13" name="Rectangle 12"/>
+          <p:cNvSpPr/>
+          <p:nvPr/>
+        </p:nvSpPr>
+        <p:spPr>
+          <a:xfrm>
+            <a:off x="1143000" y="1883230"/>
+            <a:ext cx="2133600" cy="587830"/>
+          </a:xfrm>
+          <a:prstGeom prst="rect">
+            <a:avLst/>
+          </a:prstGeom>
+        </p:spPr>
+        <p:style>
+          <a:lnRef idx="2">
+            <a:schemeClr val="accent1">
+              <a:shade val="50000"/>
+            </a:schemeClr>
+          </a:lnRef>
+          <a:fillRef idx="1">
+            <a:schemeClr val="accent1"/>
+          </a:fillRef>
+          <a:effectRef idx="0">
+            <a:schemeClr val="accent1"/>
+          </a:effectRef>
+          <a:fontRef idx="minor">
+            <a:schemeClr val="lt1"/>
+          </a:fontRef>
+        </p:style>
+        <p:txBody>
+          <a:bodyPr rtlCol="0" anchor="ctr"/>
+          <a:lstStyle/>
+          <a:p>
+            <a:pPr algn="ctr"/>
+            <a:r>
+              <a:rPr lang="en-US" sz="3200" dirty="0" err="1" smtClean="0"/>
+              <a:t>shinyServer</a:t>
+            </a:r>
+            <a:endParaRPr lang="en-US" sz="3200" dirty="0"/>
+          </a:p>
+        </p:txBody>
+      </p:sp>
+      <p:cxnSp>
+        <p:nvCxnSpPr>
+          <p:cNvPr id="14" name="Straight Arrow Connector 13"/>
+          <p:cNvCxnSpPr>
+            <a:stCxn id="13" idx="2"/>
+            <a:endCxn id="4" idx="0"/>
+          </p:cNvCxnSpPr>
+          <p:nvPr/>
+        </p:nvCxnSpPr>
+        <p:spPr>
+          <a:xfrm>
+            <a:off x="2209800" y="2471060"/>
+            <a:ext cx="0" cy="533400"/>
+          </a:xfrm>
+          <a:prstGeom prst="straightConnector1">
+            <a:avLst/>
+          </a:prstGeom>
+          <a:ln w="57150">
+            <a:tailEnd type="arrow"/>
+          </a:ln>
+        </p:spPr>
+        <p:style>
+          <a:lnRef idx="1">
+            <a:schemeClr val="accent1"/>
+          </a:lnRef>
+          <a:fillRef idx="0">
+            <a:schemeClr val="accent1"/>
+          </a:fillRef>
+          <a:effectRef idx="0">
+            <a:schemeClr val="accent1"/>
+          </a:effectRef>
+          <a:fontRef idx="minor">
+            <a:schemeClr val="tx1"/>
+          </a:fontRef>
+        </p:style>
+      </p:cxnSp>
+      <p:cxnSp>
+        <p:nvCxnSpPr>
+          <p:cNvPr id="20" name="Straight Arrow Connector 19"/>
+          <p:cNvCxnSpPr>
+            <a:stCxn id="5" idx="3"/>
+            <a:endCxn id="23" idx="1"/>
+          </p:cNvCxnSpPr>
+          <p:nvPr/>
+        </p:nvCxnSpPr>
+        <p:spPr>
+          <a:xfrm>
+            <a:off x="6172200" y="2405746"/>
+            <a:ext cx="685800" cy="522514"/>
+          </a:xfrm>
+          <a:prstGeom prst="straightConnector1">
+            <a:avLst/>
+          </a:prstGeom>
+          <a:ln w="57150">
+            <a:tailEnd type="arrow"/>
+          </a:ln>
+        </p:spPr>
+        <p:style>
+          <a:lnRef idx="1">
+            <a:schemeClr val="accent1"/>
+          </a:lnRef>
+          <a:fillRef idx="0">
+            <a:schemeClr val="accent1"/>
+          </a:fillRef>
+          <a:effectRef idx="0">
+            <a:schemeClr val="accent1"/>
+          </a:effectRef>
+          <a:fontRef idx="minor">
+            <a:schemeClr val="tx1"/>
+          </a:fontRef>
+        </p:style>
+      </p:cxnSp>
+      <p:sp>
+        <p:nvSpPr>
+          <p:cNvPr id="23" name="Rectangle 22"/>
+          <p:cNvSpPr/>
+          <p:nvPr/>
+        </p:nvSpPr>
+        <p:spPr>
+          <a:xfrm>
+            <a:off x="6858000" y="2623460"/>
+            <a:ext cx="2133600" cy="609600"/>
+          </a:xfrm>
+          <a:prstGeom prst="rect">
+            <a:avLst/>
+          </a:prstGeom>
+        </p:spPr>
+        <p:style>
+          <a:lnRef idx="2">
+            <a:schemeClr val="accent2">
+              <a:shade val="50000"/>
+            </a:schemeClr>
+          </a:lnRef>
+          <a:fillRef idx="1">
+            <a:schemeClr val="accent2"/>
+          </a:fillRef>
+          <a:effectRef idx="0">
+            <a:schemeClr val="accent2"/>
+          </a:effectRef>
+          <a:fontRef idx="minor">
+            <a:schemeClr val="lt1"/>
+          </a:fontRef>
+        </p:style>
+        <p:txBody>
+          <a:bodyPr rtlCol="0" anchor="ctr"/>
+          <a:lstStyle/>
+          <a:p>
+            <a:pPr algn="ctr"/>
+            <a:r>
+              <a:rPr lang="en-US" sz="3200" dirty="0" smtClean="0"/>
+              <a:t>$dataset</a:t>
+            </a:r>
+            <a:endParaRPr lang="en-US" sz="3200" dirty="0"/>
+          </a:p>
+        </p:txBody>
+      </p:sp>
+      <p:cxnSp>
+        <p:nvCxnSpPr>
+          <p:cNvPr id="25" name="Straight Arrow Connector 24"/>
+          <p:cNvCxnSpPr>
+            <a:stCxn id="6" idx="3"/>
+            <a:endCxn id="23" idx="1"/>
+          </p:cNvCxnSpPr>
+          <p:nvPr/>
+        </p:nvCxnSpPr>
+        <p:spPr>
+          <a:xfrm flipV="1">
+            <a:off x="6172200" y="2928260"/>
+            <a:ext cx="685800" cy="544285"/>
+          </a:xfrm>
+          <a:prstGeom prst="straightConnector1">
+            <a:avLst/>
+          </a:prstGeom>
+          <a:ln w="57150">
+            <a:tailEnd type="arrow"/>
+          </a:ln>
+        </p:spPr>
+        <p:style>
+          <a:lnRef idx="1">
+            <a:schemeClr val="accent1"/>
+          </a:lnRef>
+          <a:fillRef idx="0">
+            <a:schemeClr val="accent1"/>
+          </a:fillRef>
+          <a:effectRef idx="0">
+            <a:schemeClr val="accent1"/>
+          </a:effectRef>
+          <a:fontRef idx="minor">
+            <a:schemeClr val="tx1"/>
+          </a:fontRef>
+        </p:style>
+      </p:cxnSp>
+      <p:cxnSp>
+        <p:nvCxnSpPr>
+          <p:cNvPr id="28" name="Straight Arrow Connector 27"/>
+          <p:cNvCxnSpPr/>
+          <p:nvPr/>
+        </p:nvCxnSpPr>
+        <p:spPr>
+          <a:xfrm>
+            <a:off x="2971800" y="3390902"/>
+            <a:ext cx="740229" cy="985157"/>
+          </a:xfrm>
+          <a:prstGeom prst="straightConnector1">
+            <a:avLst/>
+          </a:prstGeom>
+          <a:ln w="57150">
+            <a:tailEnd type="arrow"/>
+          </a:ln>
+        </p:spPr>
+        <p:style>
+          <a:lnRef idx="1">
+            <a:schemeClr val="accent1"/>
+          </a:lnRef>
+          <a:fillRef idx="0">
+            <a:schemeClr val="accent1"/>
+          </a:fillRef>
+          <a:effectRef idx="0">
+            <a:schemeClr val="accent1"/>
+          </a:effectRef>
+          <a:fontRef idx="minor">
+            <a:schemeClr val="tx1"/>
+          </a:fontRef>
+        </p:style>
+      </p:cxnSp>
+      <p:sp>
+        <p:nvSpPr>
+          <p:cNvPr id="29" name="Rectangle 28"/>
+          <p:cNvSpPr/>
+          <p:nvPr/>
+        </p:nvSpPr>
+        <p:spPr>
+          <a:xfrm>
+            <a:off x="3200400" y="4376059"/>
+            <a:ext cx="2133600" cy="1066800"/>
+          </a:xfrm>
+          <a:prstGeom prst="rect">
+            <a:avLst/>
+          </a:prstGeom>
+        </p:spPr>
+        <p:style>
+          <a:lnRef idx="2">
+            <a:schemeClr val="accent2">
+              <a:shade val="50000"/>
+            </a:schemeClr>
+          </a:lnRef>
+          <a:fillRef idx="1">
+            <a:schemeClr val="accent2"/>
+          </a:fillRef>
+          <a:effectRef idx="0">
+            <a:schemeClr val="accent2"/>
+          </a:effectRef>
+          <a:fontRef idx="minor">
+            <a:schemeClr val="lt1"/>
+          </a:fontRef>
+        </p:style>
+        <p:txBody>
+          <a:bodyPr rtlCol="0" anchor="ctr"/>
+          <a:lstStyle/>
+          <a:p>
+            <a:pPr algn="ctr"/>
+            <a:r>
+              <a:rPr lang="en-US" sz="3200" dirty="0" smtClean="0"/>
+              <a:t>$</a:t>
+            </a:r>
+            <a:r>
+              <a:rPr lang="en-US" sz="3200" dirty="0" err="1" smtClean="0"/>
+              <a:t>individual_obs</a:t>
+            </a:r>
+            <a:endParaRPr lang="en-US" sz="3200" dirty="0"/>
+          </a:p>
+        </p:txBody>
+      </p:sp>
+      <p:sp>
+        <p:nvSpPr>
+          <p:cNvPr id="34" name="Rectangle 33"/>
+          <p:cNvSpPr/>
+          <p:nvPr/>
+        </p:nvSpPr>
+        <p:spPr>
+          <a:xfrm>
+            <a:off x="381000" y="5693230"/>
+            <a:ext cx="2133600" cy="685800"/>
+          </a:xfrm>
+          <a:prstGeom prst="rect">
+            <a:avLst/>
+          </a:prstGeom>
+        </p:spPr>
+        <p:style>
+          <a:lnRef idx="2">
+            <a:schemeClr val="accent2">
+              <a:shade val="50000"/>
+            </a:schemeClr>
+          </a:lnRef>
+          <a:fillRef idx="1">
+            <a:schemeClr val="accent2"/>
+          </a:fillRef>
+          <a:effectRef idx="0">
+            <a:schemeClr val="accent2"/>
+          </a:effectRef>
+          <a:fontRef idx="minor">
+            <a:schemeClr val="lt1"/>
+          </a:fontRef>
+        </p:style>
+        <p:txBody>
+          <a:bodyPr rtlCol="0" anchor="ctr"/>
+          <a:lstStyle/>
+          <a:p>
+            <a:pPr algn="ctr"/>
+            <a:r>
+              <a:rPr lang="en-US" sz="3200" dirty="0" smtClean="0"/>
+              <a:t>$</a:t>
+            </a:r>
+            <a:r>
+              <a:rPr lang="en-US" sz="3200" dirty="0" err="1" smtClean="0"/>
+              <a:t>bw_adjust</a:t>
+            </a:r>
+            <a:endParaRPr lang="en-US" sz="3200" dirty="0"/>
+          </a:p>
+        </p:txBody>
+      </p:sp>
+      <p:cxnSp>
+        <p:nvCxnSpPr>
+          <p:cNvPr id="35" name="Straight Arrow Connector 34"/>
+          <p:cNvCxnSpPr/>
+          <p:nvPr/>
+        </p:nvCxnSpPr>
+        <p:spPr>
+          <a:xfrm>
+            <a:off x="2209800" y="3472544"/>
+            <a:ext cx="0" cy="2220686"/>
+          </a:xfrm>
+          <a:prstGeom prst="straightConnector1">
+            <a:avLst/>
+          </a:prstGeom>
+          <a:ln w="57150">
+            <a:tailEnd type="arrow"/>
+          </a:ln>
+        </p:spPr>
+        <p:style>
+          <a:lnRef idx="1">
+            <a:schemeClr val="accent1"/>
+          </a:lnRef>
+          <a:fillRef idx="0">
+            <a:schemeClr val="accent1"/>
+          </a:fillRef>
+          <a:effectRef idx="0">
+            <a:schemeClr val="accent1"/>
+          </a:effectRef>
+          <a:fontRef idx="minor">
+            <a:schemeClr val="tx1"/>
+          </a:fontRef>
+        </p:style>
+      </p:cxnSp>
+      <p:sp>
+        <p:nvSpPr>
+          <p:cNvPr id="64" name="Rectangle 63"/>
+          <p:cNvSpPr/>
+          <p:nvPr/>
+        </p:nvSpPr>
+        <p:spPr>
+          <a:xfrm>
+            <a:off x="76200" y="4675415"/>
+            <a:ext cx="1905000" cy="685800"/>
+          </a:xfrm>
+          <a:prstGeom prst="rect">
+            <a:avLst/>
+          </a:prstGeom>
+        </p:spPr>
+        <p:style>
+          <a:lnRef idx="2">
+            <a:schemeClr val="accent2">
+              <a:shade val="50000"/>
+            </a:schemeClr>
+          </a:lnRef>
+          <a:fillRef idx="1">
+            <a:schemeClr val="accent2"/>
+          </a:fillRef>
+          <a:effectRef idx="0">
+            <a:schemeClr val="accent2"/>
+          </a:effectRef>
+          <a:fontRef idx="minor">
+            <a:schemeClr val="lt1"/>
+          </a:fontRef>
+        </p:style>
+        <p:txBody>
+          <a:bodyPr rtlCol="0" anchor="ctr"/>
+          <a:lstStyle/>
+          <a:p>
+            <a:pPr algn="ctr"/>
+            <a:r>
+              <a:rPr lang="en-US" sz="3200" dirty="0" smtClean="0"/>
+              <a:t>$</a:t>
+            </a:r>
+            <a:r>
+              <a:rPr lang="en-US" sz="3200" dirty="0" err="1" smtClean="0"/>
+              <a:t>n_breaks</a:t>
+            </a:r>
+            <a:endParaRPr lang="en-US" sz="3200" dirty="0"/>
+          </a:p>
+        </p:txBody>
+      </p:sp>
+      <p:cxnSp>
+        <p:nvCxnSpPr>
+          <p:cNvPr id="65" name="Straight Arrow Connector 64"/>
+          <p:cNvCxnSpPr>
+            <a:endCxn id="64" idx="0"/>
+          </p:cNvCxnSpPr>
+          <p:nvPr/>
+        </p:nvCxnSpPr>
+        <p:spPr>
+          <a:xfrm flipH="1">
+            <a:off x="1028700" y="3483430"/>
+            <a:ext cx="266700" cy="1191985"/>
+          </a:xfrm>
+          <a:prstGeom prst="straightConnector1">
+            <a:avLst/>
+          </a:prstGeom>
+          <a:ln w="57150">
+            <a:tailEnd type="arrow"/>
+          </a:ln>
+        </p:spPr>
+        <p:style>
+          <a:lnRef idx="1">
+            <a:schemeClr val="accent1"/>
+          </a:lnRef>
+          <a:fillRef idx="0">
+            <a:schemeClr val="accent1"/>
+          </a:fillRef>
+          <a:effectRef idx="0">
+            <a:schemeClr val="accent1"/>
+          </a:effectRef>
+          <a:fontRef idx="minor">
+            <a:schemeClr val="tx1"/>
+          </a:fontRef>
+        </p:style>
+      </p:cxnSp>
+      <p:sp>
+        <p:nvSpPr>
+          <p:cNvPr id="71" name="Rectangle 70"/>
+          <p:cNvSpPr/>
+          <p:nvPr/>
+        </p:nvSpPr>
+        <p:spPr>
+          <a:xfrm>
+            <a:off x="6705600" y="4163785"/>
+            <a:ext cx="2133600" cy="1001485"/>
+          </a:xfrm>
+          <a:prstGeom prst="rect">
+            <a:avLst/>
+          </a:prstGeom>
+        </p:spPr>
+        <p:style>
+          <a:lnRef idx="2">
+            <a:schemeClr val="accent1">
+              <a:shade val="50000"/>
+            </a:schemeClr>
+          </a:lnRef>
+          <a:fillRef idx="1">
+            <a:schemeClr val="accent1"/>
+          </a:fillRef>
+          <a:effectRef idx="0">
+            <a:schemeClr val="accent1"/>
+          </a:effectRef>
+          <a:fontRef idx="minor">
+            <a:schemeClr val="lt1"/>
+          </a:fontRef>
+        </p:style>
+        <p:txBody>
+          <a:bodyPr rtlCol="0" anchor="ctr"/>
+          <a:lstStyle/>
+          <a:p>
+            <a:pPr algn="ctr"/>
+            <a:r>
+              <a:rPr lang="en-US" sz="3200" dirty="0" smtClean="0"/>
+              <a:t>Reactive Function</a:t>
+            </a:r>
+            <a:endParaRPr lang="en-US" sz="3200" dirty="0"/>
+          </a:p>
+        </p:txBody>
+      </p:sp>
+      <p:sp>
+        <p:nvSpPr>
+          <p:cNvPr id="72" name="Rectangle 71"/>
+          <p:cNvSpPr/>
+          <p:nvPr/>
+        </p:nvSpPr>
+        <p:spPr>
+          <a:xfrm>
+            <a:off x="6705600" y="5382985"/>
+            <a:ext cx="2133600" cy="609600"/>
+          </a:xfrm>
+          <a:prstGeom prst="rect">
+            <a:avLst/>
+          </a:prstGeom>
+        </p:spPr>
+        <p:style>
+          <a:lnRef idx="2">
+            <a:schemeClr val="accent2">
+              <a:shade val="50000"/>
+            </a:schemeClr>
+          </a:lnRef>
+          <a:fillRef idx="1">
+            <a:schemeClr val="accent2"/>
+          </a:fillRef>
+          <a:effectRef idx="0">
+            <a:schemeClr val="accent2"/>
+          </a:effectRef>
+          <a:fontRef idx="minor">
+            <a:schemeClr val="lt1"/>
+          </a:fontRef>
+        </p:style>
+        <p:txBody>
+          <a:bodyPr rtlCol="0" anchor="ctr"/>
+          <a:lstStyle/>
+          <a:p>
+            <a:pPr algn="ctr"/>
+            <a:r>
+              <a:rPr lang="en-US" sz="3200" dirty="0" smtClean="0"/>
+              <a:t>Input</a:t>
+            </a:r>
+            <a:endParaRPr lang="en-US" sz="3200" dirty="0"/>
+          </a:p>
+        </p:txBody>
+      </p:sp>
+      <p:sp>
+        <p:nvSpPr>
+          <p:cNvPr id="75" name="Rectangle 74"/>
+          <p:cNvSpPr/>
+          <p:nvPr/>
+        </p:nvSpPr>
+        <p:spPr>
+          <a:xfrm>
+            <a:off x="2743200" y="5715000"/>
+            <a:ext cx="1807029" cy="685800"/>
+          </a:xfrm>
+          <a:prstGeom prst="rect">
+            <a:avLst/>
+          </a:prstGeom>
+        </p:spPr>
+        <p:style>
+          <a:lnRef idx="2">
+            <a:schemeClr val="accent2">
+              <a:shade val="50000"/>
+            </a:schemeClr>
+          </a:lnRef>
+          <a:fillRef idx="1">
+            <a:schemeClr val="accent2"/>
+          </a:fillRef>
+          <a:effectRef idx="0">
+            <a:schemeClr val="accent2"/>
+          </a:effectRef>
+          <a:fontRef idx="minor">
+            <a:schemeClr val="lt1"/>
+          </a:fontRef>
+        </p:style>
+        <p:txBody>
+          <a:bodyPr rtlCol="0" anchor="ctr"/>
+          <a:lstStyle/>
+          <a:p>
+            <a:pPr algn="ctr"/>
+            <a:r>
+              <a:rPr lang="en-US" sz="3200" dirty="0" smtClean="0"/>
+              <a:t>$density</a:t>
+            </a:r>
+            <a:endParaRPr lang="en-US" sz="3200" dirty="0"/>
+          </a:p>
+        </p:txBody>
+      </p:sp>
+      <p:cxnSp>
+        <p:nvCxnSpPr>
+          <p:cNvPr id="76" name="Straight Arrow Connector 75"/>
+          <p:cNvCxnSpPr/>
+          <p:nvPr/>
+        </p:nvCxnSpPr>
+        <p:spPr>
+          <a:xfrm>
+            <a:off x="2819400" y="3390902"/>
+            <a:ext cx="0" cy="2324098"/>
+          </a:xfrm>
+          <a:prstGeom prst="straightConnector1">
+            <a:avLst/>
+          </a:prstGeom>
+          <a:ln w="57150">
+            <a:tailEnd type="arrow"/>
+          </a:ln>
+        </p:spPr>
+        <p:style>
+          <a:lnRef idx="1">
+            <a:schemeClr val="accent1"/>
+          </a:lnRef>
+          <a:fillRef idx="0">
+            <a:schemeClr val="accent1"/>
+          </a:fillRef>
+          <a:effectRef idx="0">
+            <a:schemeClr val="accent1"/>
+          </a:effectRef>
+          <a:fontRef idx="minor">
+            <a:schemeClr val="tx1"/>
+          </a:fontRef>
+        </p:style>
+      </p:cxnSp>
+      <p:sp>
+        <p:nvSpPr>
+          <p:cNvPr id="4" name="Rectangle 3"/>
+          <p:cNvSpPr/>
+          <p:nvPr/>
+        </p:nvSpPr>
+        <p:spPr>
+          <a:xfrm>
+            <a:off x="1143000" y="3004460"/>
+            <a:ext cx="2133600" cy="609600"/>
+          </a:xfrm>
+          <a:prstGeom prst="rect">
+            <a:avLst/>
+          </a:prstGeom>
+        </p:spPr>
+        <p:style>
+          <a:lnRef idx="2">
+            <a:schemeClr val="accent1">
+              <a:shade val="50000"/>
+            </a:schemeClr>
+          </a:lnRef>
+          <a:fillRef idx="1">
+            <a:schemeClr val="accent1"/>
+          </a:fillRef>
+          <a:effectRef idx="0">
+            <a:schemeClr val="accent1"/>
+          </a:effectRef>
+          <a:fontRef idx="minor">
+            <a:schemeClr val="lt1"/>
+          </a:fontRef>
+        </p:style>
+        <p:txBody>
+          <a:bodyPr rtlCol="0" anchor="ctr"/>
+          <a:lstStyle/>
+          <a:p>
+            <a:pPr algn="ctr"/>
+            <a:r>
+              <a:rPr lang="en-US" sz="3200" dirty="0" err="1" smtClean="0"/>
+              <a:t>main_plot</a:t>
+            </a:r>
+            <a:endParaRPr lang="en-US" sz="3200" dirty="0"/>
+          </a:p>
+        </p:txBody>
+      </p:sp>
+    </p:spTree>
+    <p:extLst>
+      <p:ext uri="{BB962C8B-B14F-4D97-AF65-F5344CB8AC3E}">
+        <p14:creationId xmlns:p14="http://schemas.microsoft.com/office/powerpoint/2010/main" val="3880102440"/>
+      </p:ext>
+    </p:extLst>
+  </p:cSld>
+  <p:clrMapOvr>
+    <a:masterClrMapping/>
+  </p:clrMapOvr>
+  <p:timing>
+    <p:tnLst>
+      <p:par>
+        <p:cTn id="1" dur="indefinite" restart="never" nodeType="tmRoot"/>
+      </p:par>
+    </p:tnLst>
+  </p:timing>
+</p:sld>
+</file>
+
+<file path=ppt/slides/slide17.xml><?xml version="1.0" encoding="utf-8"?>
+<p:sld xmlns:a="http://schemas.openxmlformats.org/drawingml/2006/main" xmlns:r="http://schemas.openxmlformats.org/officeDocument/2006/relationships" xmlns:p="http://schemas.openxmlformats.org/presentationml/2006/main">
+  <p:cSld>
+    <p:spTree>
+      <p:nvGrpSpPr>
+        <p:cNvPr id="1" name=""/>
+        <p:cNvGrpSpPr/>
+        <p:nvPr/>
+      </p:nvGrpSpPr>
+      <p:grpSpPr>
+        <a:xfrm>
+          <a:off x="0" y="0"/>
+          <a:ext cx="0" cy="0"/>
+          <a:chOff x="0" y="0"/>
+          <a:chExt cx="0" cy="0"/>
+        </a:xfrm>
+      </p:grpSpPr>
+      <p:sp>
+        <p:nvSpPr>
+          <p:cNvPr id="73" name="Rectangle 72"/>
+          <p:cNvSpPr/>
+          <p:nvPr/>
+        </p:nvSpPr>
+        <p:spPr>
+          <a:xfrm>
+            <a:off x="6515100" y="3581400"/>
+            <a:ext cx="2476500" cy="2487385"/>
+          </a:xfrm>
+          <a:prstGeom prst="rect">
+            <a:avLst/>
+          </a:prstGeom>
+          <a:noFill/>
+          <a:ln>
+            <a:solidFill>
+              <a:schemeClr val="tx1"/>
+            </a:solidFill>
+          </a:ln>
+        </p:spPr>
+        <p:style>
+          <a:lnRef idx="2">
+            <a:schemeClr val="accent1">
+              <a:shade val="50000"/>
+            </a:schemeClr>
+          </a:lnRef>
+          <a:fillRef idx="1">
+            <a:schemeClr val="accent1"/>
+          </a:fillRef>
+          <a:effectRef idx="0">
+            <a:schemeClr val="accent1"/>
+          </a:effectRef>
+          <a:fontRef idx="minor">
+            <a:schemeClr val="lt1"/>
+          </a:fontRef>
+        </p:style>
+        <p:txBody>
+          <a:bodyPr rtlCol="0" anchor="t"/>
+          <a:lstStyle/>
+          <a:p>
+            <a:pPr algn="ctr"/>
+            <a:r>
+              <a:rPr lang="en-US" sz="2800" dirty="0" smtClean="0">
+                <a:solidFill>
+                  <a:schemeClr val="tx1"/>
+                </a:solidFill>
+              </a:rPr>
+              <a:t>Key</a:t>
+            </a:r>
+            <a:endParaRPr lang="en-US" sz="2800" dirty="0">
+              <a:solidFill>
+                <a:schemeClr val="tx1"/>
+              </a:solidFill>
+            </a:endParaRPr>
+          </a:p>
+        </p:txBody>
+      </p:sp>
+      <p:sp>
+        <p:nvSpPr>
+          <p:cNvPr id="2" name="Title 1"/>
+          <p:cNvSpPr>
+            <a:spLocks noGrp="1"/>
+          </p:cNvSpPr>
+          <p:nvPr>
+            <p:ph type="title"/>
+          </p:nvPr>
+        </p:nvSpPr>
+        <p:spPr/>
+        <p:txBody>
+          <a:bodyPr/>
+          <a:lstStyle/>
+          <a:p>
+            <a:r>
+              <a:rPr lang="en-US" dirty="0" smtClean="0">
+                <a:solidFill>
+                  <a:schemeClr val="tx1"/>
+                </a:solidFill>
+              </a:rPr>
+              <a:t>“Data Flow” – Reactive</a:t>
+            </a:r>
+            <a:endParaRPr lang="en-US" dirty="0">
+              <a:solidFill>
+                <a:schemeClr val="tx1"/>
+              </a:solidFill>
+            </a:endParaRPr>
+          </a:p>
+        </p:txBody>
+      </p:sp>
+      <p:sp>
+        <p:nvSpPr>
+          <p:cNvPr id="5" name="Rectangle 4"/>
+          <p:cNvSpPr/>
+          <p:nvPr/>
+        </p:nvSpPr>
+        <p:spPr>
+          <a:xfrm>
+            <a:off x="4038600" y="2111831"/>
+            <a:ext cx="2133600" cy="587829"/>
+          </a:xfrm>
+          <a:prstGeom prst="rect">
+            <a:avLst/>
+          </a:prstGeom>
+        </p:spPr>
+        <p:style>
+          <a:lnRef idx="2">
+            <a:schemeClr val="accent1">
+              <a:shade val="50000"/>
+            </a:schemeClr>
+          </a:lnRef>
+          <a:fillRef idx="1">
+            <a:schemeClr val="accent1"/>
+          </a:fillRef>
+          <a:effectRef idx="0">
+            <a:schemeClr val="accent1"/>
+          </a:effectRef>
+          <a:fontRef idx="minor">
+            <a:schemeClr val="lt1"/>
+          </a:fontRef>
+        </p:style>
+        <p:txBody>
+          <a:bodyPr rtlCol="0" anchor="ctr"/>
+          <a:lstStyle/>
+          <a:p>
+            <a:pPr algn="ctr"/>
+            <a:r>
+              <a:rPr lang="en-US" sz="3200" dirty="0" err="1" smtClean="0"/>
+              <a:t>getData</a:t>
+            </a:r>
+            <a:endParaRPr lang="en-US" sz="3200" dirty="0"/>
+          </a:p>
+        </p:txBody>
+      </p:sp>
+      <p:sp>
+        <p:nvSpPr>
+          <p:cNvPr id="6" name="Rectangle 5"/>
+          <p:cNvSpPr/>
+          <p:nvPr/>
+        </p:nvSpPr>
+        <p:spPr>
+          <a:xfrm>
+            <a:off x="4038600" y="3156859"/>
+            <a:ext cx="2133600" cy="631371"/>
+          </a:xfrm>
+          <a:prstGeom prst="rect">
+            <a:avLst/>
+          </a:prstGeom>
+        </p:spPr>
+        <p:style>
+          <a:lnRef idx="2">
+            <a:schemeClr val="accent1">
+              <a:shade val="50000"/>
+            </a:schemeClr>
+          </a:lnRef>
+          <a:fillRef idx="1">
+            <a:schemeClr val="accent1"/>
+          </a:fillRef>
+          <a:effectRef idx="0">
+            <a:schemeClr val="accent1"/>
+          </a:effectRef>
+          <a:fontRef idx="minor">
+            <a:schemeClr val="lt1"/>
+          </a:fontRef>
+        </p:style>
+        <p:txBody>
+          <a:bodyPr rtlCol="0" anchor="ctr"/>
+          <a:lstStyle/>
+          <a:p>
+            <a:pPr algn="ctr"/>
+            <a:r>
+              <a:rPr lang="en-US" sz="3200" dirty="0" err="1" smtClean="0"/>
+              <a:t>dataName</a:t>
+            </a:r>
+            <a:endParaRPr lang="en-US" sz="3200" dirty="0"/>
+          </a:p>
+        </p:txBody>
+      </p:sp>
+      <p:cxnSp>
+        <p:nvCxnSpPr>
+          <p:cNvPr id="8" name="Straight Arrow Connector 7"/>
+          <p:cNvCxnSpPr>
+            <a:stCxn id="4" idx="3"/>
+            <a:endCxn id="5" idx="1"/>
+          </p:cNvCxnSpPr>
+          <p:nvPr/>
+        </p:nvCxnSpPr>
+        <p:spPr>
+          <a:xfrm flipV="1">
+            <a:off x="3276600" y="2405746"/>
+            <a:ext cx="762000" cy="903514"/>
+          </a:xfrm>
+          <a:prstGeom prst="straightConnector1">
+            <a:avLst/>
+          </a:prstGeom>
+          <a:ln w="57150">
+            <a:headEnd type="arrow" w="med" len="med"/>
+            <a:tailEnd type="none" w="med" len="med"/>
+          </a:ln>
+        </p:spPr>
+        <p:style>
+          <a:lnRef idx="1">
+            <a:schemeClr val="accent1"/>
+          </a:lnRef>
+          <a:fillRef idx="0">
+            <a:schemeClr val="accent1"/>
+          </a:fillRef>
+          <a:effectRef idx="0">
+            <a:schemeClr val="accent1"/>
+          </a:effectRef>
+          <a:fontRef idx="minor">
+            <a:schemeClr val="tx1"/>
+          </a:fontRef>
+        </p:style>
+      </p:cxnSp>
+      <p:cxnSp>
+        <p:nvCxnSpPr>
+          <p:cNvPr id="9" name="Straight Arrow Connector 8"/>
+          <p:cNvCxnSpPr>
+            <a:endCxn id="6" idx="1"/>
+          </p:cNvCxnSpPr>
+          <p:nvPr/>
+        </p:nvCxnSpPr>
+        <p:spPr>
+          <a:xfrm>
+            <a:off x="3276600" y="3472544"/>
+            <a:ext cx="762000" cy="1"/>
+          </a:xfrm>
+          <a:prstGeom prst="straightConnector1">
+            <a:avLst/>
+          </a:prstGeom>
+          <a:ln w="57150">
+            <a:headEnd type="arrow" w="med" len="med"/>
+            <a:tailEnd type="none" w="med" len="med"/>
+          </a:ln>
+        </p:spPr>
+        <p:style>
+          <a:lnRef idx="1">
+            <a:schemeClr val="accent1"/>
+          </a:lnRef>
+          <a:fillRef idx="0">
+            <a:schemeClr val="accent1"/>
+          </a:fillRef>
+          <a:effectRef idx="0">
+            <a:schemeClr val="accent1"/>
+          </a:effectRef>
+          <a:fontRef idx="minor">
+            <a:schemeClr val="tx1"/>
+          </a:fontRef>
+        </p:style>
+      </p:cxnSp>
+      <p:sp>
+        <p:nvSpPr>
+          <p:cNvPr id="13" name="Rectangle 12"/>
+          <p:cNvSpPr/>
+          <p:nvPr/>
+        </p:nvSpPr>
+        <p:spPr>
+          <a:xfrm>
+            <a:off x="1143000" y="1883230"/>
+            <a:ext cx="2133600" cy="587830"/>
+          </a:xfrm>
+          <a:prstGeom prst="rect">
+            <a:avLst/>
+          </a:prstGeom>
+        </p:spPr>
+        <p:style>
+          <a:lnRef idx="2">
+            <a:schemeClr val="accent1">
+              <a:shade val="50000"/>
+            </a:schemeClr>
+          </a:lnRef>
+          <a:fillRef idx="1">
+            <a:schemeClr val="accent1"/>
+          </a:fillRef>
+          <a:effectRef idx="0">
+            <a:schemeClr val="accent1"/>
+          </a:effectRef>
+          <a:fontRef idx="minor">
+            <a:schemeClr val="lt1"/>
+          </a:fontRef>
+        </p:style>
+        <p:txBody>
+          <a:bodyPr rtlCol="0" anchor="ctr"/>
+          <a:lstStyle/>
+          <a:p>
+            <a:pPr algn="ctr"/>
+            <a:r>
+              <a:rPr lang="en-US" sz="3200" dirty="0" err="1" smtClean="0"/>
+              <a:t>shinyServer</a:t>
+            </a:r>
+            <a:endParaRPr lang="en-US" sz="3200" dirty="0"/>
+          </a:p>
+        </p:txBody>
+      </p:sp>
+      <p:cxnSp>
+        <p:nvCxnSpPr>
+          <p:cNvPr id="14" name="Straight Arrow Connector 13"/>
+          <p:cNvCxnSpPr>
+            <a:stCxn id="13" idx="2"/>
+            <a:endCxn id="4" idx="0"/>
+          </p:cNvCxnSpPr>
+          <p:nvPr/>
+        </p:nvCxnSpPr>
+        <p:spPr>
+          <a:xfrm>
+            <a:off x="2209800" y="2471060"/>
+            <a:ext cx="0" cy="533400"/>
+          </a:xfrm>
+          <a:prstGeom prst="straightConnector1">
+            <a:avLst/>
+          </a:prstGeom>
+          <a:ln w="57150">
+            <a:headEnd type="arrow" w="med" len="med"/>
+            <a:tailEnd type="none" w="med" len="med"/>
+          </a:ln>
+        </p:spPr>
+        <p:style>
+          <a:lnRef idx="1">
+            <a:schemeClr val="accent1"/>
+          </a:lnRef>
+          <a:fillRef idx="0">
+            <a:schemeClr val="accent1"/>
+          </a:fillRef>
+          <a:effectRef idx="0">
+            <a:schemeClr val="accent1"/>
+          </a:effectRef>
+          <a:fontRef idx="minor">
+            <a:schemeClr val="tx1"/>
+          </a:fontRef>
+        </p:style>
+      </p:cxnSp>
+      <p:cxnSp>
+        <p:nvCxnSpPr>
+          <p:cNvPr id="20" name="Straight Arrow Connector 19"/>
+          <p:cNvCxnSpPr>
+            <a:stCxn id="5" idx="3"/>
+            <a:endCxn id="23" idx="1"/>
+          </p:cNvCxnSpPr>
+          <p:nvPr/>
+        </p:nvCxnSpPr>
+        <p:spPr>
+          <a:xfrm>
+            <a:off x="6172200" y="2405746"/>
+            <a:ext cx="685800" cy="522514"/>
+          </a:xfrm>
+          <a:prstGeom prst="straightConnector1">
+            <a:avLst/>
+          </a:prstGeom>
+          <a:ln w="57150">
+            <a:headEnd type="arrow" w="med" len="med"/>
+            <a:tailEnd type="none" w="med" len="med"/>
+          </a:ln>
+        </p:spPr>
+        <p:style>
+          <a:lnRef idx="1">
+            <a:schemeClr val="accent1"/>
+          </a:lnRef>
+          <a:fillRef idx="0">
+            <a:schemeClr val="accent1"/>
+          </a:fillRef>
+          <a:effectRef idx="0">
+            <a:schemeClr val="accent1"/>
+          </a:effectRef>
+          <a:fontRef idx="minor">
+            <a:schemeClr val="tx1"/>
+          </a:fontRef>
+        </p:style>
+      </p:cxnSp>
+      <p:sp>
+        <p:nvSpPr>
+          <p:cNvPr id="23" name="Rectangle 22"/>
+          <p:cNvSpPr/>
+          <p:nvPr/>
+        </p:nvSpPr>
+        <p:spPr>
+          <a:xfrm>
+            <a:off x="6858000" y="2623460"/>
+            <a:ext cx="2133600" cy="609600"/>
+          </a:xfrm>
+          <a:prstGeom prst="rect">
+            <a:avLst/>
+          </a:prstGeom>
+        </p:spPr>
+        <p:style>
+          <a:lnRef idx="2">
+            <a:schemeClr val="accent2">
+              <a:shade val="50000"/>
+            </a:schemeClr>
+          </a:lnRef>
+          <a:fillRef idx="1">
+            <a:schemeClr val="accent2"/>
+          </a:fillRef>
+          <a:effectRef idx="0">
+            <a:schemeClr val="accent2"/>
+          </a:effectRef>
+          <a:fontRef idx="minor">
+            <a:schemeClr val="lt1"/>
+          </a:fontRef>
+        </p:style>
+        <p:txBody>
+          <a:bodyPr rtlCol="0" anchor="ctr"/>
+          <a:lstStyle/>
+          <a:p>
+            <a:pPr algn="ctr"/>
+            <a:r>
+              <a:rPr lang="en-US" sz="3200" dirty="0" smtClean="0"/>
+              <a:t>$dataset</a:t>
+            </a:r>
+            <a:endParaRPr lang="en-US" sz="3200" dirty="0"/>
+          </a:p>
+        </p:txBody>
+      </p:sp>
+      <p:cxnSp>
+        <p:nvCxnSpPr>
+          <p:cNvPr id="25" name="Straight Arrow Connector 24"/>
+          <p:cNvCxnSpPr>
+            <a:stCxn id="6" idx="3"/>
+            <a:endCxn id="23" idx="1"/>
+          </p:cNvCxnSpPr>
+          <p:nvPr/>
+        </p:nvCxnSpPr>
+        <p:spPr>
+          <a:xfrm flipV="1">
+            <a:off x="6172200" y="2928260"/>
+            <a:ext cx="685800" cy="544285"/>
+          </a:xfrm>
+          <a:prstGeom prst="straightConnector1">
+            <a:avLst/>
+          </a:prstGeom>
+          <a:ln w="57150">
+            <a:headEnd type="arrow" w="med" len="med"/>
+            <a:tailEnd type="none" w="med" len="med"/>
+          </a:ln>
+        </p:spPr>
+        <p:style>
+          <a:lnRef idx="1">
+            <a:schemeClr val="accent1"/>
+          </a:lnRef>
+          <a:fillRef idx="0">
+            <a:schemeClr val="accent1"/>
+          </a:fillRef>
+          <a:effectRef idx="0">
+            <a:schemeClr val="accent1"/>
+          </a:effectRef>
+          <a:fontRef idx="minor">
+            <a:schemeClr val="tx1"/>
+          </a:fontRef>
+        </p:style>
+      </p:cxnSp>
+      <p:cxnSp>
+        <p:nvCxnSpPr>
+          <p:cNvPr id="28" name="Straight Arrow Connector 27"/>
+          <p:cNvCxnSpPr/>
+          <p:nvPr/>
+        </p:nvCxnSpPr>
+        <p:spPr>
+          <a:xfrm>
+            <a:off x="3200400" y="3614060"/>
+            <a:ext cx="511629" cy="761999"/>
+          </a:xfrm>
+          <a:prstGeom prst="straightConnector1">
+            <a:avLst/>
+          </a:prstGeom>
+          <a:ln w="57150">
+            <a:headEnd type="arrow" w="med" len="med"/>
+            <a:tailEnd type="none" w="med" len="med"/>
+          </a:ln>
+        </p:spPr>
+        <p:style>
+          <a:lnRef idx="1">
+            <a:schemeClr val="accent1"/>
+          </a:lnRef>
+          <a:fillRef idx="0">
+            <a:schemeClr val="accent1"/>
+          </a:fillRef>
+          <a:effectRef idx="0">
+            <a:schemeClr val="accent1"/>
+          </a:effectRef>
+          <a:fontRef idx="minor">
+            <a:schemeClr val="tx1"/>
+          </a:fontRef>
+        </p:style>
+      </p:cxnSp>
+      <p:sp>
+        <p:nvSpPr>
+          <p:cNvPr id="29" name="Rectangle 28"/>
+          <p:cNvSpPr/>
+          <p:nvPr/>
+        </p:nvSpPr>
+        <p:spPr>
+          <a:xfrm>
+            <a:off x="3200400" y="4376059"/>
+            <a:ext cx="2133600" cy="1066800"/>
+          </a:xfrm>
+          <a:prstGeom prst="rect">
+            <a:avLst/>
+          </a:prstGeom>
+        </p:spPr>
+        <p:style>
+          <a:lnRef idx="2">
+            <a:schemeClr val="accent2">
+              <a:shade val="50000"/>
+            </a:schemeClr>
+          </a:lnRef>
+          <a:fillRef idx="1">
+            <a:schemeClr val="accent2"/>
+          </a:fillRef>
+          <a:effectRef idx="0">
+            <a:schemeClr val="accent2"/>
+          </a:effectRef>
+          <a:fontRef idx="minor">
+            <a:schemeClr val="lt1"/>
+          </a:fontRef>
+        </p:style>
+        <p:txBody>
+          <a:bodyPr rtlCol="0" anchor="ctr"/>
+          <a:lstStyle/>
+          <a:p>
+            <a:pPr algn="ctr"/>
+            <a:r>
+              <a:rPr lang="en-US" sz="3200" dirty="0" smtClean="0"/>
+              <a:t>$</a:t>
+            </a:r>
+            <a:r>
+              <a:rPr lang="en-US" sz="3200" dirty="0" err="1" smtClean="0"/>
+              <a:t>individual_obs</a:t>
+            </a:r>
+            <a:endParaRPr lang="en-US" sz="3200" dirty="0"/>
+          </a:p>
+        </p:txBody>
+      </p:sp>
+      <p:sp>
+        <p:nvSpPr>
+          <p:cNvPr id="34" name="Rectangle 33"/>
+          <p:cNvSpPr/>
+          <p:nvPr/>
+        </p:nvSpPr>
+        <p:spPr>
+          <a:xfrm>
+            <a:off x="381000" y="5693230"/>
+            <a:ext cx="2133600" cy="685800"/>
+          </a:xfrm>
+          <a:prstGeom prst="rect">
+            <a:avLst/>
+          </a:prstGeom>
+        </p:spPr>
+        <p:style>
+          <a:lnRef idx="2">
+            <a:schemeClr val="accent2">
+              <a:shade val="50000"/>
+            </a:schemeClr>
+          </a:lnRef>
+          <a:fillRef idx="1">
+            <a:schemeClr val="accent2"/>
+          </a:fillRef>
+          <a:effectRef idx="0">
+            <a:schemeClr val="accent2"/>
+          </a:effectRef>
+          <a:fontRef idx="minor">
+            <a:schemeClr val="lt1"/>
+          </a:fontRef>
+        </p:style>
+        <p:txBody>
+          <a:bodyPr rtlCol="0" anchor="ctr"/>
+          <a:lstStyle/>
+          <a:p>
+            <a:pPr algn="ctr"/>
+            <a:r>
+              <a:rPr lang="en-US" sz="3200" dirty="0" smtClean="0"/>
+              <a:t>$</a:t>
+            </a:r>
+            <a:r>
+              <a:rPr lang="en-US" sz="3200" dirty="0" err="1" smtClean="0"/>
+              <a:t>bw_adjust</a:t>
+            </a:r>
+            <a:endParaRPr lang="en-US" sz="3200" dirty="0"/>
+          </a:p>
+        </p:txBody>
+      </p:sp>
+      <p:cxnSp>
+        <p:nvCxnSpPr>
+          <p:cNvPr id="35" name="Straight Arrow Connector 34"/>
+          <p:cNvCxnSpPr>
+            <a:stCxn id="4" idx="2"/>
+          </p:cNvCxnSpPr>
+          <p:nvPr/>
+        </p:nvCxnSpPr>
+        <p:spPr>
+          <a:xfrm>
+            <a:off x="2209800" y="3614060"/>
+            <a:ext cx="0" cy="2079170"/>
+          </a:xfrm>
+          <a:prstGeom prst="straightConnector1">
+            <a:avLst/>
+          </a:prstGeom>
+          <a:ln w="57150">
+            <a:headEnd type="arrow" w="med" len="med"/>
+            <a:tailEnd type="none" w="med" len="med"/>
+          </a:ln>
+        </p:spPr>
+        <p:style>
+          <a:lnRef idx="1">
+            <a:schemeClr val="accent1"/>
+          </a:lnRef>
+          <a:fillRef idx="0">
+            <a:schemeClr val="accent1"/>
+          </a:fillRef>
+          <a:effectRef idx="0">
+            <a:schemeClr val="accent1"/>
+          </a:effectRef>
+          <a:fontRef idx="minor">
+            <a:schemeClr val="tx1"/>
+          </a:fontRef>
+        </p:style>
+      </p:cxnSp>
+      <p:sp>
+        <p:nvSpPr>
+          <p:cNvPr id="64" name="Rectangle 63"/>
+          <p:cNvSpPr/>
+          <p:nvPr/>
+        </p:nvSpPr>
+        <p:spPr>
+          <a:xfrm>
+            <a:off x="76200" y="4675415"/>
+            <a:ext cx="1905000" cy="685800"/>
+          </a:xfrm>
+          <a:prstGeom prst="rect">
+            <a:avLst/>
+          </a:prstGeom>
+        </p:spPr>
+        <p:style>
+          <a:lnRef idx="2">
+            <a:schemeClr val="accent2">
+              <a:shade val="50000"/>
+            </a:schemeClr>
+          </a:lnRef>
+          <a:fillRef idx="1">
+            <a:schemeClr val="accent2"/>
+          </a:fillRef>
+          <a:effectRef idx="0">
+            <a:schemeClr val="accent2"/>
+          </a:effectRef>
+          <a:fontRef idx="minor">
+            <a:schemeClr val="lt1"/>
+          </a:fontRef>
+        </p:style>
+        <p:txBody>
+          <a:bodyPr rtlCol="0" anchor="ctr"/>
+          <a:lstStyle/>
+          <a:p>
+            <a:pPr algn="ctr"/>
+            <a:r>
+              <a:rPr lang="en-US" sz="3200" dirty="0" smtClean="0"/>
+              <a:t>$</a:t>
+            </a:r>
+            <a:r>
+              <a:rPr lang="en-US" sz="3200" dirty="0" err="1" smtClean="0"/>
+              <a:t>n_breaks</a:t>
+            </a:r>
+            <a:endParaRPr lang="en-US" sz="3200" dirty="0"/>
+          </a:p>
+        </p:txBody>
+      </p:sp>
+      <p:cxnSp>
+        <p:nvCxnSpPr>
+          <p:cNvPr id="65" name="Straight Arrow Connector 64"/>
+          <p:cNvCxnSpPr>
+            <a:endCxn id="64" idx="0"/>
+          </p:cNvCxnSpPr>
+          <p:nvPr/>
+        </p:nvCxnSpPr>
+        <p:spPr>
+          <a:xfrm flipH="1">
+            <a:off x="1028700" y="3614060"/>
+            <a:ext cx="266700" cy="1061355"/>
+          </a:xfrm>
+          <a:prstGeom prst="straightConnector1">
+            <a:avLst/>
+          </a:prstGeom>
+          <a:ln w="57150">
+            <a:headEnd type="arrow" w="med" len="med"/>
+            <a:tailEnd type="none" w="med" len="med"/>
+          </a:ln>
+        </p:spPr>
+        <p:style>
+          <a:lnRef idx="1">
+            <a:schemeClr val="accent1"/>
+          </a:lnRef>
+          <a:fillRef idx="0">
+            <a:schemeClr val="accent1"/>
+          </a:fillRef>
+          <a:effectRef idx="0">
+            <a:schemeClr val="accent1"/>
+          </a:effectRef>
+          <a:fontRef idx="minor">
+            <a:schemeClr val="tx1"/>
+          </a:fontRef>
+        </p:style>
+      </p:cxnSp>
+      <p:sp>
+        <p:nvSpPr>
+          <p:cNvPr id="71" name="Rectangle 70"/>
+          <p:cNvSpPr/>
+          <p:nvPr/>
+        </p:nvSpPr>
+        <p:spPr>
+          <a:xfrm>
+            <a:off x="6705600" y="4163785"/>
+            <a:ext cx="2133600" cy="1001485"/>
+          </a:xfrm>
+          <a:prstGeom prst="rect">
+            <a:avLst/>
+          </a:prstGeom>
+        </p:spPr>
+        <p:style>
+          <a:lnRef idx="2">
+            <a:schemeClr val="accent1">
+              <a:shade val="50000"/>
+            </a:schemeClr>
+          </a:lnRef>
+          <a:fillRef idx="1">
+            <a:schemeClr val="accent1"/>
+          </a:fillRef>
+          <a:effectRef idx="0">
+            <a:schemeClr val="accent1"/>
+          </a:effectRef>
+          <a:fontRef idx="minor">
+            <a:schemeClr val="lt1"/>
+          </a:fontRef>
+        </p:style>
+        <p:txBody>
+          <a:bodyPr rtlCol="0" anchor="ctr"/>
+          <a:lstStyle/>
+          <a:p>
+            <a:pPr algn="ctr"/>
+            <a:r>
+              <a:rPr lang="en-US" sz="3200" dirty="0" smtClean="0"/>
+              <a:t>Reactive Function</a:t>
+            </a:r>
+            <a:endParaRPr lang="en-US" sz="3200" dirty="0"/>
+          </a:p>
+        </p:txBody>
+      </p:sp>
+      <p:sp>
+        <p:nvSpPr>
+          <p:cNvPr id="72" name="Rectangle 71"/>
+          <p:cNvSpPr/>
+          <p:nvPr/>
+        </p:nvSpPr>
+        <p:spPr>
+          <a:xfrm>
+            <a:off x="6705600" y="5382985"/>
+            <a:ext cx="2133600" cy="609600"/>
+          </a:xfrm>
+          <a:prstGeom prst="rect">
+            <a:avLst/>
+          </a:prstGeom>
+        </p:spPr>
+        <p:style>
+          <a:lnRef idx="2">
+            <a:schemeClr val="accent2">
+              <a:shade val="50000"/>
+            </a:schemeClr>
+          </a:lnRef>
+          <a:fillRef idx="1">
+            <a:schemeClr val="accent2"/>
+          </a:fillRef>
+          <a:effectRef idx="0">
+            <a:schemeClr val="accent2"/>
+          </a:effectRef>
+          <a:fontRef idx="minor">
+            <a:schemeClr val="lt1"/>
+          </a:fontRef>
+        </p:style>
+        <p:txBody>
+          <a:bodyPr rtlCol="0" anchor="ctr"/>
+          <a:lstStyle/>
+          <a:p>
+            <a:pPr algn="ctr"/>
+            <a:r>
+              <a:rPr lang="en-US" sz="3200" dirty="0" smtClean="0"/>
+              <a:t>Input</a:t>
+            </a:r>
+            <a:endParaRPr lang="en-US" sz="3200" dirty="0"/>
+          </a:p>
+        </p:txBody>
+      </p:sp>
+      <p:sp>
+        <p:nvSpPr>
+          <p:cNvPr id="75" name="Rectangle 74"/>
+          <p:cNvSpPr/>
+          <p:nvPr/>
+        </p:nvSpPr>
+        <p:spPr>
+          <a:xfrm>
+            <a:off x="2743200" y="5715000"/>
+            <a:ext cx="1807029" cy="685800"/>
+          </a:xfrm>
+          <a:prstGeom prst="rect">
+            <a:avLst/>
+          </a:prstGeom>
+        </p:spPr>
+        <p:style>
+          <a:lnRef idx="2">
+            <a:schemeClr val="accent2">
+              <a:shade val="50000"/>
+            </a:schemeClr>
+          </a:lnRef>
+          <a:fillRef idx="1">
+            <a:schemeClr val="accent2"/>
+          </a:fillRef>
+          <a:effectRef idx="0">
+            <a:schemeClr val="accent2"/>
+          </a:effectRef>
+          <a:fontRef idx="minor">
+            <a:schemeClr val="lt1"/>
+          </a:fontRef>
+        </p:style>
+        <p:txBody>
+          <a:bodyPr rtlCol="0" anchor="ctr"/>
+          <a:lstStyle/>
+          <a:p>
+            <a:pPr algn="ctr"/>
+            <a:r>
+              <a:rPr lang="en-US" sz="3200" dirty="0" smtClean="0"/>
+              <a:t>$density</a:t>
+            </a:r>
+            <a:endParaRPr lang="en-US" sz="3200" dirty="0"/>
+          </a:p>
+        </p:txBody>
+      </p:sp>
+      <p:cxnSp>
+        <p:nvCxnSpPr>
+          <p:cNvPr id="76" name="Straight Arrow Connector 75"/>
+          <p:cNvCxnSpPr/>
+          <p:nvPr/>
+        </p:nvCxnSpPr>
+        <p:spPr>
+          <a:xfrm>
+            <a:off x="2819400" y="3614060"/>
+            <a:ext cx="0" cy="2100940"/>
+          </a:xfrm>
+          <a:prstGeom prst="straightConnector1">
+            <a:avLst/>
+          </a:prstGeom>
+          <a:ln w="57150">
+            <a:headEnd type="arrow" w="med" len="med"/>
+            <a:tailEnd type="none" w="med" len="med"/>
+          </a:ln>
+        </p:spPr>
+        <p:style>
+          <a:lnRef idx="1">
+            <a:schemeClr val="accent1"/>
+          </a:lnRef>
+          <a:fillRef idx="0">
+            <a:schemeClr val="accent1"/>
+          </a:fillRef>
+          <a:effectRef idx="0">
+            <a:schemeClr val="accent1"/>
+          </a:effectRef>
+          <a:fontRef idx="minor">
+            <a:schemeClr val="tx1"/>
+          </a:fontRef>
+        </p:style>
+      </p:cxnSp>
+      <p:sp>
+        <p:nvSpPr>
+          <p:cNvPr id="4" name="Rectangle 3"/>
+          <p:cNvSpPr/>
+          <p:nvPr/>
+        </p:nvSpPr>
+        <p:spPr>
+          <a:xfrm>
+            <a:off x="1143000" y="3004460"/>
+            <a:ext cx="2133600" cy="609600"/>
+          </a:xfrm>
+          <a:prstGeom prst="rect">
+            <a:avLst/>
+          </a:prstGeom>
+        </p:spPr>
+        <p:style>
+          <a:lnRef idx="2">
+            <a:schemeClr val="accent1">
+              <a:shade val="50000"/>
+            </a:schemeClr>
+          </a:lnRef>
+          <a:fillRef idx="1">
+            <a:schemeClr val="accent1"/>
+          </a:fillRef>
+          <a:effectRef idx="0">
+            <a:schemeClr val="accent1"/>
+          </a:effectRef>
+          <a:fontRef idx="minor">
+            <a:schemeClr val="lt1"/>
+          </a:fontRef>
+        </p:style>
+        <p:txBody>
+          <a:bodyPr rtlCol="0" anchor="ctr"/>
+          <a:lstStyle/>
+          <a:p>
+            <a:pPr algn="ctr"/>
+            <a:r>
+              <a:rPr lang="en-US" sz="3200" dirty="0" err="1" smtClean="0"/>
+              <a:t>main_plot</a:t>
+            </a:r>
+            <a:endParaRPr lang="en-US" sz="3200" dirty="0"/>
+          </a:p>
+        </p:txBody>
+      </p:sp>
+    </p:spTree>
+    <p:extLst>
+      <p:ext uri="{BB962C8B-B14F-4D97-AF65-F5344CB8AC3E}">
+        <p14:creationId xmlns:p14="http://schemas.microsoft.com/office/powerpoint/2010/main" val="76375430"/>
+      </p:ext>
+    </p:extLst>
+  </p:cSld>
+  <p:clrMapOvr>
+    <a:masterClrMapping/>
+  </p:clrMapOvr>
+  <p:timing>
+    <p:tnLst>
+      <p:par>
+        <p:cTn id="1" dur="indefinite" restart="never" nodeType="tmRoot"/>
+      </p:par>
+    </p:tnLst>
+  </p:timing>
+</p:sld>
+</file>
+
+<file path=ppt/slides/slide18.xml><?xml version="1.0" encoding="utf-8"?>
+<p:sld xmlns:a="http://schemas.openxmlformats.org/drawingml/2006/main" xmlns:r="http://schemas.openxmlformats.org/officeDocument/2006/relationships" xmlns:p="http://schemas.openxmlformats.org/presentationml/2006/main">
+  <p:cSld>
+    <p:spTree>
+      <p:nvGrpSpPr>
+        <p:cNvPr id="1" name=""/>
+        <p:cNvGrpSpPr/>
+        <p:nvPr/>
+      </p:nvGrpSpPr>
+      <p:grpSpPr>
+        <a:xfrm>
+          <a:off x="0" y="0"/>
+          <a:ext cx="0" cy="0"/>
+          <a:chOff x="0" y="0"/>
+          <a:chExt cx="0" cy="0"/>
+        </a:xfrm>
+      </p:grpSpPr>
+      <p:sp>
+        <p:nvSpPr>
+          <p:cNvPr id="2" name="Text Placeholder 1"/>
+          <p:cNvSpPr>
+            <a:spLocks noGrp="1"/>
+          </p:cNvSpPr>
+          <p:nvPr>
+            <p:ph type="body" idx="1"/>
+          </p:nvPr>
+        </p:nvSpPr>
+        <p:spPr/>
+        <p:txBody>
+          <a:bodyPr/>
+          <a:lstStyle/>
+          <a:p>
+            <a:r>
+              <a:rPr lang="en-US" dirty="0"/>
+              <a:t>http://</a:t>
+            </a:r>
+            <a:r>
+              <a:rPr lang="en-US" dirty="0" smtClean="0"/>
+              <a:t>trestletechnology.net:3838/grn/</a:t>
+            </a:r>
+            <a:endParaRPr lang="en-US" dirty="0"/>
+          </a:p>
+        </p:txBody>
+      </p:sp>
+      <p:sp>
+        <p:nvSpPr>
+          <p:cNvPr id="3" name="Title 2"/>
+          <p:cNvSpPr>
+            <a:spLocks noGrp="1"/>
+          </p:cNvSpPr>
+          <p:nvPr>
+            <p:ph type="title"/>
+          </p:nvPr>
+        </p:nvSpPr>
+        <p:spPr/>
+        <p:txBody>
+          <a:bodyPr/>
+          <a:lstStyle/>
+          <a:p>
+            <a:r>
+              <a:rPr lang="en-US" dirty="0" smtClean="0"/>
+              <a:t>D3.JS Shiny Example</a:t>
+            </a:r>
+            <a:endParaRPr lang="en-US" dirty="0"/>
+          </a:p>
+        </p:txBody>
+      </p:sp>
+    </p:spTree>
+    <p:extLst>
+      <p:ext uri="{BB962C8B-B14F-4D97-AF65-F5344CB8AC3E}">
+        <p14:creationId xmlns:p14="http://schemas.microsoft.com/office/powerpoint/2010/main" val="3453456578"/>
+      </p:ext>
+    </p:extLst>
+  </p:cSld>
+  <p:clrMapOvr>
+    <a:masterClrMapping/>
+  </p:clrMapOvr>
+  <p:timing>
+    <p:tnLst>
+      <p:par>
+        <p:cTn id="1" dur="indefinite" restart="never" nodeType="tmRoot"/>
+      </p:par>
+    </p:tnLst>
+  </p:timing>
+</p:sld>
+</file>
+
+<file path=ppt/slides/slide19.xml><?xml version="1.0" encoding="utf-8"?>
+<p:sld xmlns:a="http://schemas.openxmlformats.org/drawingml/2006/main" xmlns:r="http://schemas.openxmlformats.org/officeDocument/2006/relationships" xmlns:p="http://schemas.openxmlformats.org/presentationml/2006/main">
+  <p:cSld>
+    <p:spTree>
+      <p:nvGrpSpPr>
+        <p:cNvPr id="1" name=""/>
+        <p:cNvGrpSpPr/>
+        <p:nvPr/>
+      </p:nvGrpSpPr>
+      <p:grpSpPr>
+        <a:xfrm>
+          <a:off x="0" y="0"/>
+          <a:ext cx="0" cy="0"/>
+          <a:chOff x="0" y="0"/>
+          <a:chExt cx="0" cy="0"/>
+        </a:xfrm>
+      </p:grpSpPr>
+      <p:sp>
+        <p:nvSpPr>
+          <p:cNvPr id="2" name="Text Placeholder 1"/>
+          <p:cNvSpPr>
+            <a:spLocks noGrp="1"/>
+          </p:cNvSpPr>
+          <p:nvPr>
+            <p:ph type="body" idx="1"/>
+          </p:nvPr>
+        </p:nvSpPr>
+        <p:spPr/>
+        <p:txBody>
+          <a:bodyPr/>
+          <a:lstStyle/>
+          <a:p>
+            <a:r>
+              <a:rPr lang="en-US" dirty="0" smtClean="0"/>
+              <a:t>http://trestletechnology.net:3838/rgl/</a:t>
+            </a:r>
+            <a:endParaRPr lang="en-US" dirty="0"/>
+          </a:p>
+        </p:txBody>
+      </p:sp>
+      <p:sp>
+        <p:nvSpPr>
+          <p:cNvPr id="3" name="Title 2"/>
+          <p:cNvSpPr>
+            <a:spLocks noGrp="1"/>
+          </p:cNvSpPr>
+          <p:nvPr>
+            <p:ph type="title"/>
+          </p:nvPr>
+        </p:nvSpPr>
+        <p:spPr/>
+        <p:txBody>
+          <a:bodyPr/>
+          <a:lstStyle/>
+          <a:p>
+            <a:r>
+              <a:rPr lang="en-US" dirty="0" smtClean="0"/>
+              <a:t>RGL Shiny Example</a:t>
+            </a:r>
+            <a:endParaRPr lang="en-US" dirty="0"/>
+          </a:p>
+        </p:txBody>
+      </p:sp>
+    </p:spTree>
+    <p:extLst>
+      <p:ext uri="{BB962C8B-B14F-4D97-AF65-F5344CB8AC3E}">
+        <p14:creationId xmlns:p14="http://schemas.microsoft.com/office/powerpoint/2010/main" val="1618658150"/>
       </p:ext>
     </p:extLst>
   </p:cSld>
@@ -8765,6 +9888,1012 @@
           <a:p>
             <a:r>
               <a:rPr lang="en-US" dirty="0" smtClean="0"/>
+              <a:t>About Me</a:t>
+            </a:r>
+            <a:endParaRPr lang="en-US" dirty="0"/>
+          </a:p>
+        </p:txBody>
+      </p:sp>
+      <p:sp>
+        <p:nvSpPr>
+          <p:cNvPr id="3" name="Content Placeholder 2"/>
+          <p:cNvSpPr>
+            <a:spLocks noGrp="1"/>
+          </p:cNvSpPr>
+          <p:nvPr>
+            <p:ph sz="quarter" idx="1"/>
+          </p:nvPr>
+        </p:nvSpPr>
+        <p:spPr>
+          <a:xfrm>
+            <a:off x="609600" y="2247900"/>
+            <a:ext cx="3886200" cy="3913666"/>
+          </a:xfrm>
+        </p:spPr>
+        <p:txBody>
+          <a:bodyPr>
+            <a:normAutofit/>
+          </a:bodyPr>
+          <a:lstStyle/>
+          <a:p>
+            <a:r>
+              <a:rPr lang="en-US" dirty="0" smtClean="0"/>
+              <a:t>By day…</a:t>
+            </a:r>
+          </a:p>
+          <a:p>
+            <a:pPr marL="466725" lvl="1" indent="-273050"/>
+            <a:r>
+              <a:rPr lang="en-US" sz="2800" dirty="0" smtClean="0"/>
+              <a:t>Computational Biologist at UT Southwestern</a:t>
+            </a:r>
+          </a:p>
+          <a:p>
+            <a:pPr marL="566738" lvl="2"/>
+            <a:r>
+              <a:rPr lang="en-US" sz="2400" dirty="0" smtClean="0"/>
+              <a:t>Use R to analyze biomedical data</a:t>
+            </a:r>
+          </a:p>
+          <a:p>
+            <a:pPr marL="566738" lvl="2"/>
+            <a:r>
+              <a:rPr lang="en-US" sz="2400" dirty="0" smtClean="0"/>
+              <a:t>Develop Java-based web application</a:t>
+            </a:r>
+          </a:p>
+          <a:p>
+            <a:endParaRPr lang="en-US" sz="3200" dirty="0" smtClean="0"/>
+          </a:p>
+          <a:p>
+            <a:endParaRPr lang="en-US" sz="3200" dirty="0" smtClean="0"/>
+          </a:p>
+          <a:p>
+            <a:endParaRPr lang="en-US" sz="3200" dirty="0"/>
+          </a:p>
+        </p:txBody>
+      </p:sp>
+      <p:sp>
+        <p:nvSpPr>
+          <p:cNvPr id="4" name="Content Placeholder 3"/>
+          <p:cNvSpPr>
+            <a:spLocks noGrp="1"/>
+          </p:cNvSpPr>
+          <p:nvPr>
+            <p:ph sz="quarter" idx="2"/>
+          </p:nvPr>
+        </p:nvSpPr>
+        <p:spPr>
+          <a:xfrm>
+            <a:off x="4844901" y="2247900"/>
+            <a:ext cx="3886200" cy="3913666"/>
+          </a:xfrm>
+        </p:spPr>
+        <p:txBody>
+          <a:bodyPr>
+            <a:normAutofit/>
+          </a:bodyPr>
+          <a:lstStyle/>
+          <a:p>
+            <a:r>
+              <a:rPr lang="en-US" sz="3200" dirty="0"/>
+              <a:t>By night…</a:t>
+            </a:r>
+          </a:p>
+          <a:p>
+            <a:pPr marL="466725" lvl="1" indent="-273050"/>
+            <a:r>
+              <a:rPr lang="en-US" sz="2800" dirty="0"/>
+              <a:t>Freelance consultant as Trestle Technology</a:t>
+            </a:r>
+          </a:p>
+          <a:p>
+            <a:pPr marL="682625" lvl="2"/>
+            <a:r>
+              <a:rPr lang="en-US" sz="2400" dirty="0"/>
+              <a:t>Web development</a:t>
+            </a:r>
+          </a:p>
+          <a:p>
+            <a:pPr marL="682625" lvl="2"/>
+            <a:r>
+              <a:rPr lang="en-US" sz="2400" dirty="0"/>
+              <a:t>Data analysis</a:t>
+            </a:r>
+          </a:p>
+          <a:p>
+            <a:pPr marL="682625" lvl="2"/>
+            <a:r>
+              <a:rPr lang="en-US" sz="2400" dirty="0"/>
+              <a:t>IT consulting</a:t>
+            </a:r>
+          </a:p>
+          <a:p>
+            <a:endParaRPr lang="en-US" sz="3200" dirty="0"/>
+          </a:p>
+        </p:txBody>
+      </p:sp>
+      <p:sp>
+        <p:nvSpPr>
+          <p:cNvPr id="5" name="TextBox 4"/>
+          <p:cNvSpPr txBox="1"/>
+          <p:nvPr/>
+        </p:nvSpPr>
+        <p:spPr>
+          <a:xfrm>
+            <a:off x="533400" y="1676400"/>
+            <a:ext cx="8153400" cy="369332"/>
+          </a:xfrm>
+          <a:prstGeom prst="rect">
+            <a:avLst/>
+          </a:prstGeom>
+          <a:noFill/>
+        </p:spPr>
+        <p:txBody>
+          <a:bodyPr wrap="square" rtlCol="0">
+            <a:spAutoFit/>
+          </a:bodyPr>
+          <a:lstStyle/>
+          <a:p>
+            <a:endParaRPr lang="en-US" dirty="0"/>
+          </a:p>
+        </p:txBody>
+      </p:sp>
+      <p:sp>
+        <p:nvSpPr>
+          <p:cNvPr id="6" name="Content Placeholder 2"/>
+          <p:cNvSpPr txBox="1">
+            <a:spLocks/>
+          </p:cNvSpPr>
+          <p:nvPr/>
+        </p:nvSpPr>
+        <p:spPr>
+          <a:xfrm>
+            <a:off x="609600" y="1676400"/>
+            <a:ext cx="8077200" cy="1143000"/>
+          </a:xfrm>
+          <a:prstGeom prst="rect">
+            <a:avLst/>
+          </a:prstGeom>
+        </p:spPr>
+        <p:txBody>
+          <a:bodyPr vert="horz">
+            <a:normAutofit/>
+          </a:bodyPr>
+          <a:lstStyle>
+            <a:lvl1pPr marL="320040" indent="-320040" algn="l" rtl="0" eaLnBrk="1" latinLnBrk="0" hangingPunct="1">
+              <a:spcBef>
+                <a:spcPts val="700"/>
+              </a:spcBef>
+              <a:buClr>
+                <a:schemeClr val="accent2"/>
+              </a:buClr>
+              <a:buSzPct val="60000"/>
+              <a:buFont typeface="Wingdings"/>
+              <a:buChar char=""/>
+              <a:defRPr kumimoji="0" sz="2900" kern="1200">
+                <a:solidFill>
+                  <a:schemeClr val="tx1"/>
+                </a:solidFill>
+                <a:latin typeface="+mn-lt"/>
+                <a:ea typeface="+mn-ea"/>
+                <a:cs typeface="+mn-cs"/>
+              </a:defRPr>
+            </a:lvl1pPr>
+            <a:lvl2pPr marL="640080" indent="-274320" algn="l" rtl="0" eaLnBrk="1" latinLnBrk="0" hangingPunct="1">
+              <a:spcBef>
+                <a:spcPts val="550"/>
+              </a:spcBef>
+              <a:buClr>
+                <a:schemeClr val="accent1"/>
+              </a:buClr>
+              <a:buSzPct val="70000"/>
+              <a:buFont typeface="Wingdings 2"/>
+              <a:buChar char=""/>
+              <a:defRPr kumimoji="0" sz="2600" kern="1200">
+                <a:solidFill>
+                  <a:schemeClr val="tx1"/>
+                </a:solidFill>
+                <a:latin typeface="+mn-lt"/>
+                <a:ea typeface="+mn-ea"/>
+                <a:cs typeface="+mn-cs"/>
+              </a:defRPr>
+            </a:lvl2pPr>
+            <a:lvl3pPr marL="914400" indent="-228600" algn="l" rtl="0" eaLnBrk="1" latinLnBrk="0" hangingPunct="1">
+              <a:spcBef>
+                <a:spcPts val="500"/>
+              </a:spcBef>
+              <a:buClr>
+                <a:schemeClr val="accent2"/>
+              </a:buClr>
+              <a:buSzPct val="75000"/>
+              <a:buFont typeface="Wingdings"/>
+              <a:buChar char=""/>
+              <a:defRPr kumimoji="0" sz="2300" kern="1200">
+                <a:solidFill>
+                  <a:schemeClr val="tx1"/>
+                </a:solidFill>
+                <a:latin typeface="+mn-lt"/>
+                <a:ea typeface="+mn-ea"/>
+                <a:cs typeface="+mn-cs"/>
+              </a:defRPr>
+            </a:lvl3pPr>
+            <a:lvl4pPr marL="1371600" indent="-228600" algn="l" rtl="0" eaLnBrk="1" latinLnBrk="0" hangingPunct="1">
+              <a:spcBef>
+                <a:spcPts val="400"/>
+              </a:spcBef>
+              <a:buClr>
+                <a:schemeClr val="accent3"/>
+              </a:buClr>
+              <a:buSzPct val="75000"/>
+              <a:buFont typeface="Wingdings"/>
+              <a:buChar char=""/>
+              <a:defRPr kumimoji="0" sz="2000" kern="1200">
+                <a:solidFill>
+                  <a:schemeClr val="tx1"/>
+                </a:solidFill>
+                <a:latin typeface="+mn-lt"/>
+                <a:ea typeface="+mn-ea"/>
+                <a:cs typeface="+mn-cs"/>
+              </a:defRPr>
+            </a:lvl4pPr>
+            <a:lvl5pPr marL="1828800" indent="-228600" algn="l" rtl="0" eaLnBrk="1" latinLnBrk="0" hangingPunct="1">
+              <a:spcBef>
+                <a:spcPts val="400"/>
+              </a:spcBef>
+              <a:buClr>
+                <a:schemeClr val="accent4"/>
+              </a:buClr>
+              <a:buSzPct val="65000"/>
+              <a:buFont typeface="Wingdings"/>
+              <a:buChar char=""/>
+              <a:defRPr kumimoji="0" sz="2000" kern="1200">
+                <a:solidFill>
+                  <a:schemeClr val="tx1"/>
+                </a:solidFill>
+                <a:latin typeface="+mn-lt"/>
+                <a:ea typeface="+mn-ea"/>
+                <a:cs typeface="+mn-cs"/>
+              </a:defRPr>
+            </a:lvl5pPr>
+            <a:lvl6pPr marL="2103120" indent="-228600" algn="l" rtl="0" eaLnBrk="1" latinLnBrk="0" hangingPunct="1">
+              <a:spcBef>
+                <a:spcPct val="20000"/>
+              </a:spcBef>
+              <a:buClr>
+                <a:schemeClr val="accent1"/>
+              </a:buClr>
+              <a:buFont typeface="Wingdings"/>
+              <a:buChar char="§"/>
+              <a:defRPr kumimoji="0" sz="1800" kern="1200" baseline="0">
+                <a:solidFill>
+                  <a:schemeClr val="tx1"/>
+                </a:solidFill>
+                <a:latin typeface="+mn-lt"/>
+                <a:ea typeface="+mn-ea"/>
+                <a:cs typeface="+mn-cs"/>
+              </a:defRPr>
+            </a:lvl6pPr>
+            <a:lvl7pPr marL="2377440" indent="-228600" algn="l" rtl="0" eaLnBrk="1" latinLnBrk="0" hangingPunct="1">
+              <a:spcBef>
+                <a:spcPct val="20000"/>
+              </a:spcBef>
+              <a:buClr>
+                <a:schemeClr val="accent2"/>
+              </a:buClr>
+              <a:buFont typeface="Wingdings"/>
+              <a:buChar char="§"/>
+              <a:defRPr kumimoji="0" sz="1800" kern="1200" baseline="0">
+                <a:solidFill>
+                  <a:schemeClr val="tx1"/>
+                </a:solidFill>
+                <a:latin typeface="+mn-lt"/>
+                <a:ea typeface="+mn-ea"/>
+                <a:cs typeface="+mn-cs"/>
+              </a:defRPr>
+            </a:lvl7pPr>
+            <a:lvl8pPr marL="2651760" indent="-228600" algn="l" rtl="0" eaLnBrk="1" latinLnBrk="0" hangingPunct="1">
+              <a:spcBef>
+                <a:spcPct val="20000"/>
+              </a:spcBef>
+              <a:buClr>
+                <a:schemeClr val="accent3"/>
+              </a:buClr>
+              <a:buFont typeface="Wingdings"/>
+              <a:buChar char="§"/>
+              <a:defRPr kumimoji="0" sz="1800" kern="1200" baseline="0">
+                <a:solidFill>
+                  <a:schemeClr val="tx1"/>
+                </a:solidFill>
+                <a:latin typeface="+mn-lt"/>
+                <a:ea typeface="+mn-ea"/>
+                <a:cs typeface="+mn-cs"/>
+              </a:defRPr>
+            </a:lvl8pPr>
+            <a:lvl9pPr marL="2926080" indent="-228600" algn="l" rtl="0" eaLnBrk="1" latinLnBrk="0" hangingPunct="1">
+              <a:spcBef>
+                <a:spcPct val="20000"/>
+              </a:spcBef>
+              <a:buClr>
+                <a:schemeClr val="accent4"/>
+              </a:buClr>
+              <a:buFont typeface="Wingdings"/>
+              <a:buChar char="§"/>
+              <a:defRPr kumimoji="0" sz="1800" kern="1200" baseline="0">
+                <a:solidFill>
+                  <a:schemeClr val="tx1"/>
+                </a:solidFill>
+                <a:latin typeface="+mn-lt"/>
+                <a:ea typeface="+mn-ea"/>
+                <a:cs typeface="+mn-cs"/>
+              </a:defRPr>
+            </a:lvl9pPr>
+          </a:lstStyle>
+          <a:p>
+            <a:r>
+              <a:rPr lang="en-US" sz="3200" dirty="0"/>
+              <a:t>MS Computer Science, SMU</a:t>
+            </a:r>
+          </a:p>
+        </p:txBody>
+      </p:sp>
+    </p:spTree>
+    <p:extLst>
+      <p:ext uri="{BB962C8B-B14F-4D97-AF65-F5344CB8AC3E}">
+        <p14:creationId xmlns:p14="http://schemas.microsoft.com/office/powerpoint/2010/main" val="4018692492"/>
+      </p:ext>
+    </p:extLst>
+  </p:cSld>
+  <p:clrMapOvr>
+    <a:masterClrMapping/>
+  </p:clrMapOvr>
+  <p:timing>
+    <p:tnLst>
+      <p:par>
+        <p:cTn id="1" dur="indefinite" restart="never" nodeType="tmRoot">
+          <p:childTnLst>
+            <p:seq concurrent="1" nextAc="seek">
+              <p:cTn id="2" dur="indefinite" nodeType="mainSeq">
+                <p:childTnLst>
+                  <p:par>
+                    <p:cTn id="3" fill="hold">
+                      <p:stCondLst>
+                        <p:cond delay="indefinite"/>
+                      </p:stCondLst>
+                      <p:childTnLst>
+                        <p:par>
+                          <p:cTn id="4" fill="hold">
+                            <p:stCondLst>
+                              <p:cond delay="0"/>
+                            </p:stCondLst>
+                            <p:childTnLst>
+                              <p:par>
+                                <p:cTn id="5" presetID="10" presetClass="entr" presetSubtype="0" fill="hold" grpId="0" nodeType="clickEffect">
+                                  <p:stCondLst>
+                                    <p:cond delay="0"/>
+                                  </p:stCondLst>
+                                  <p:childTnLst>
+                                    <p:set>
+                                      <p:cBhvr>
+                                        <p:cTn id="6" dur="1" fill="hold">
+                                          <p:stCondLst>
+                                            <p:cond delay="0"/>
+                                          </p:stCondLst>
+                                        </p:cTn>
+                                        <p:tgtEl>
+                                          <p:spTgt spid="3">
+                                            <p:txEl>
+                                              <p:pRg st="0" end="0"/>
+                                            </p:txEl>
+                                          </p:spTgt>
+                                        </p:tgtEl>
+                                        <p:attrNameLst>
+                                          <p:attrName>style.visibility</p:attrName>
+                                        </p:attrNameLst>
+                                      </p:cBhvr>
+                                      <p:to>
+                                        <p:strVal val="visible"/>
+                                      </p:to>
+                                    </p:set>
+                                    <p:animEffect transition="in" filter="fade">
+                                      <p:cBhvr>
+                                        <p:cTn id="7" dur="500"/>
+                                        <p:tgtEl>
+                                          <p:spTgt spid="3">
+                                            <p:txEl>
+                                              <p:pRg st="0" end="0"/>
+                                            </p:txEl>
+                                          </p:spTgt>
+                                        </p:tgtEl>
+                                      </p:cBhvr>
+                                    </p:animEffect>
+                                  </p:childTnLst>
+                                </p:cTn>
+                              </p:par>
+                              <p:par>
+                                <p:cTn id="8" presetID="10" presetClass="entr" presetSubtype="0" fill="hold" grpId="0" nodeType="withEffect">
+                                  <p:stCondLst>
+                                    <p:cond delay="0"/>
+                                  </p:stCondLst>
+                                  <p:childTnLst>
+                                    <p:set>
+                                      <p:cBhvr>
+                                        <p:cTn id="9" dur="1" fill="hold">
+                                          <p:stCondLst>
+                                            <p:cond delay="0"/>
+                                          </p:stCondLst>
+                                        </p:cTn>
+                                        <p:tgtEl>
+                                          <p:spTgt spid="3">
+                                            <p:txEl>
+                                              <p:pRg st="1" end="1"/>
+                                            </p:txEl>
+                                          </p:spTgt>
+                                        </p:tgtEl>
+                                        <p:attrNameLst>
+                                          <p:attrName>style.visibility</p:attrName>
+                                        </p:attrNameLst>
+                                      </p:cBhvr>
+                                      <p:to>
+                                        <p:strVal val="visible"/>
+                                      </p:to>
+                                    </p:set>
+                                    <p:animEffect transition="in" filter="fade">
+                                      <p:cBhvr>
+                                        <p:cTn id="10" dur="500"/>
+                                        <p:tgtEl>
+                                          <p:spTgt spid="3">
+                                            <p:txEl>
+                                              <p:pRg st="1" end="1"/>
+                                            </p:txEl>
+                                          </p:spTgt>
+                                        </p:tgtEl>
+                                      </p:cBhvr>
+                                    </p:animEffect>
+                                  </p:childTnLst>
+                                </p:cTn>
+                              </p:par>
+                              <p:par>
+                                <p:cTn id="11" presetID="10" presetClass="entr" presetSubtype="0" fill="hold" grpId="0" nodeType="withEffect">
+                                  <p:stCondLst>
+                                    <p:cond delay="0"/>
+                                  </p:stCondLst>
+                                  <p:childTnLst>
+                                    <p:set>
+                                      <p:cBhvr>
+                                        <p:cTn id="12" dur="1" fill="hold">
+                                          <p:stCondLst>
+                                            <p:cond delay="0"/>
+                                          </p:stCondLst>
+                                        </p:cTn>
+                                        <p:tgtEl>
+                                          <p:spTgt spid="3">
+                                            <p:txEl>
+                                              <p:pRg st="2" end="2"/>
+                                            </p:txEl>
+                                          </p:spTgt>
+                                        </p:tgtEl>
+                                        <p:attrNameLst>
+                                          <p:attrName>style.visibility</p:attrName>
+                                        </p:attrNameLst>
+                                      </p:cBhvr>
+                                      <p:to>
+                                        <p:strVal val="visible"/>
+                                      </p:to>
+                                    </p:set>
+                                    <p:animEffect transition="in" filter="fade">
+                                      <p:cBhvr>
+                                        <p:cTn id="13" dur="500"/>
+                                        <p:tgtEl>
+                                          <p:spTgt spid="3">
+                                            <p:txEl>
+                                              <p:pRg st="2" end="2"/>
+                                            </p:txEl>
+                                          </p:spTgt>
+                                        </p:tgtEl>
+                                      </p:cBhvr>
+                                    </p:animEffect>
+                                  </p:childTnLst>
+                                </p:cTn>
+                              </p:par>
+                              <p:par>
+                                <p:cTn id="14" presetID="10" presetClass="entr" presetSubtype="0" fill="hold" grpId="0" nodeType="withEffect">
+                                  <p:stCondLst>
+                                    <p:cond delay="0"/>
+                                  </p:stCondLst>
+                                  <p:childTnLst>
+                                    <p:set>
+                                      <p:cBhvr>
+                                        <p:cTn id="15" dur="1" fill="hold">
+                                          <p:stCondLst>
+                                            <p:cond delay="0"/>
+                                          </p:stCondLst>
+                                        </p:cTn>
+                                        <p:tgtEl>
+                                          <p:spTgt spid="3">
+                                            <p:txEl>
+                                              <p:pRg st="3" end="3"/>
+                                            </p:txEl>
+                                          </p:spTgt>
+                                        </p:tgtEl>
+                                        <p:attrNameLst>
+                                          <p:attrName>style.visibility</p:attrName>
+                                        </p:attrNameLst>
+                                      </p:cBhvr>
+                                      <p:to>
+                                        <p:strVal val="visible"/>
+                                      </p:to>
+                                    </p:set>
+                                    <p:animEffect transition="in" filter="fade">
+                                      <p:cBhvr>
+                                        <p:cTn id="16" dur="500"/>
+                                        <p:tgtEl>
+                                          <p:spTgt spid="3">
+                                            <p:txEl>
+                                              <p:pRg st="3" end="3"/>
+                                            </p:txEl>
+                                          </p:spTgt>
+                                        </p:tgtEl>
+                                      </p:cBhvr>
+                                    </p:animEffect>
+                                  </p:childTnLst>
+                                </p:cTn>
+                              </p:par>
+                            </p:childTnLst>
+                          </p:cTn>
+                        </p:par>
+                      </p:childTnLst>
+                    </p:cTn>
+                  </p:par>
+                  <p:par>
+                    <p:cTn id="17" fill="hold">
+                      <p:stCondLst>
+                        <p:cond delay="indefinite"/>
+                      </p:stCondLst>
+                      <p:childTnLst>
+                        <p:par>
+                          <p:cTn id="18" fill="hold">
+                            <p:stCondLst>
+                              <p:cond delay="0"/>
+                            </p:stCondLst>
+                            <p:childTnLst>
+                              <p:par>
+                                <p:cTn id="19" presetID="10" presetClass="entr" presetSubtype="0" fill="hold" grpId="0" nodeType="clickEffect">
+                                  <p:stCondLst>
+                                    <p:cond delay="0"/>
+                                  </p:stCondLst>
+                                  <p:childTnLst>
+                                    <p:set>
+                                      <p:cBhvr>
+                                        <p:cTn id="20" dur="1" fill="hold">
+                                          <p:stCondLst>
+                                            <p:cond delay="0"/>
+                                          </p:stCondLst>
+                                        </p:cTn>
+                                        <p:tgtEl>
+                                          <p:spTgt spid="4">
+                                            <p:txEl>
+                                              <p:pRg st="0" end="0"/>
+                                            </p:txEl>
+                                          </p:spTgt>
+                                        </p:tgtEl>
+                                        <p:attrNameLst>
+                                          <p:attrName>style.visibility</p:attrName>
+                                        </p:attrNameLst>
+                                      </p:cBhvr>
+                                      <p:to>
+                                        <p:strVal val="visible"/>
+                                      </p:to>
+                                    </p:set>
+                                    <p:animEffect transition="in" filter="fade">
+                                      <p:cBhvr>
+                                        <p:cTn id="21" dur="500"/>
+                                        <p:tgtEl>
+                                          <p:spTgt spid="4">
+                                            <p:txEl>
+                                              <p:pRg st="0" end="0"/>
+                                            </p:txEl>
+                                          </p:spTgt>
+                                        </p:tgtEl>
+                                      </p:cBhvr>
+                                    </p:animEffect>
+                                  </p:childTnLst>
+                                </p:cTn>
+                              </p:par>
+                              <p:par>
+                                <p:cTn id="22" presetID="10" presetClass="entr" presetSubtype="0" fill="hold" grpId="0" nodeType="withEffect">
+                                  <p:stCondLst>
+                                    <p:cond delay="0"/>
+                                  </p:stCondLst>
+                                  <p:childTnLst>
+                                    <p:set>
+                                      <p:cBhvr>
+                                        <p:cTn id="23" dur="1" fill="hold">
+                                          <p:stCondLst>
+                                            <p:cond delay="0"/>
+                                          </p:stCondLst>
+                                        </p:cTn>
+                                        <p:tgtEl>
+                                          <p:spTgt spid="4">
+                                            <p:txEl>
+                                              <p:pRg st="1" end="1"/>
+                                            </p:txEl>
+                                          </p:spTgt>
+                                        </p:tgtEl>
+                                        <p:attrNameLst>
+                                          <p:attrName>style.visibility</p:attrName>
+                                        </p:attrNameLst>
+                                      </p:cBhvr>
+                                      <p:to>
+                                        <p:strVal val="visible"/>
+                                      </p:to>
+                                    </p:set>
+                                    <p:animEffect transition="in" filter="fade">
+                                      <p:cBhvr>
+                                        <p:cTn id="24" dur="500"/>
+                                        <p:tgtEl>
+                                          <p:spTgt spid="4">
+                                            <p:txEl>
+                                              <p:pRg st="1" end="1"/>
+                                            </p:txEl>
+                                          </p:spTgt>
+                                        </p:tgtEl>
+                                      </p:cBhvr>
+                                    </p:animEffect>
+                                  </p:childTnLst>
+                                </p:cTn>
+                              </p:par>
+                              <p:par>
+                                <p:cTn id="25" presetID="10" presetClass="entr" presetSubtype="0" fill="hold" grpId="0" nodeType="withEffect">
+                                  <p:stCondLst>
+                                    <p:cond delay="0"/>
+                                  </p:stCondLst>
+                                  <p:childTnLst>
+                                    <p:set>
+                                      <p:cBhvr>
+                                        <p:cTn id="26" dur="1" fill="hold">
+                                          <p:stCondLst>
+                                            <p:cond delay="0"/>
+                                          </p:stCondLst>
+                                        </p:cTn>
+                                        <p:tgtEl>
+                                          <p:spTgt spid="4">
+                                            <p:txEl>
+                                              <p:pRg st="2" end="2"/>
+                                            </p:txEl>
+                                          </p:spTgt>
+                                        </p:tgtEl>
+                                        <p:attrNameLst>
+                                          <p:attrName>style.visibility</p:attrName>
+                                        </p:attrNameLst>
+                                      </p:cBhvr>
+                                      <p:to>
+                                        <p:strVal val="visible"/>
+                                      </p:to>
+                                    </p:set>
+                                    <p:animEffect transition="in" filter="fade">
+                                      <p:cBhvr>
+                                        <p:cTn id="27" dur="500"/>
+                                        <p:tgtEl>
+                                          <p:spTgt spid="4">
+                                            <p:txEl>
+                                              <p:pRg st="2" end="2"/>
+                                            </p:txEl>
+                                          </p:spTgt>
+                                        </p:tgtEl>
+                                      </p:cBhvr>
+                                    </p:animEffect>
+                                  </p:childTnLst>
+                                </p:cTn>
+                              </p:par>
+                              <p:par>
+                                <p:cTn id="28" presetID="10" presetClass="entr" presetSubtype="0" fill="hold" grpId="0" nodeType="withEffect">
+                                  <p:stCondLst>
+                                    <p:cond delay="0"/>
+                                  </p:stCondLst>
+                                  <p:childTnLst>
+                                    <p:set>
+                                      <p:cBhvr>
+                                        <p:cTn id="29" dur="1" fill="hold">
+                                          <p:stCondLst>
+                                            <p:cond delay="0"/>
+                                          </p:stCondLst>
+                                        </p:cTn>
+                                        <p:tgtEl>
+                                          <p:spTgt spid="4">
+                                            <p:txEl>
+                                              <p:pRg st="3" end="3"/>
+                                            </p:txEl>
+                                          </p:spTgt>
+                                        </p:tgtEl>
+                                        <p:attrNameLst>
+                                          <p:attrName>style.visibility</p:attrName>
+                                        </p:attrNameLst>
+                                      </p:cBhvr>
+                                      <p:to>
+                                        <p:strVal val="visible"/>
+                                      </p:to>
+                                    </p:set>
+                                    <p:animEffect transition="in" filter="fade">
+                                      <p:cBhvr>
+                                        <p:cTn id="30" dur="500"/>
+                                        <p:tgtEl>
+                                          <p:spTgt spid="4">
+                                            <p:txEl>
+                                              <p:pRg st="3" end="3"/>
+                                            </p:txEl>
+                                          </p:spTgt>
+                                        </p:tgtEl>
+                                      </p:cBhvr>
+                                    </p:animEffect>
+                                  </p:childTnLst>
+                                </p:cTn>
+                              </p:par>
+                              <p:par>
+                                <p:cTn id="31" presetID="10" presetClass="entr" presetSubtype="0" fill="hold" grpId="0" nodeType="withEffect">
+                                  <p:stCondLst>
+                                    <p:cond delay="0"/>
+                                  </p:stCondLst>
+                                  <p:childTnLst>
+                                    <p:set>
+                                      <p:cBhvr>
+                                        <p:cTn id="32" dur="1" fill="hold">
+                                          <p:stCondLst>
+                                            <p:cond delay="0"/>
+                                          </p:stCondLst>
+                                        </p:cTn>
+                                        <p:tgtEl>
+                                          <p:spTgt spid="4">
+                                            <p:txEl>
+                                              <p:pRg st="4" end="4"/>
+                                            </p:txEl>
+                                          </p:spTgt>
+                                        </p:tgtEl>
+                                        <p:attrNameLst>
+                                          <p:attrName>style.visibility</p:attrName>
+                                        </p:attrNameLst>
+                                      </p:cBhvr>
+                                      <p:to>
+                                        <p:strVal val="visible"/>
+                                      </p:to>
+                                    </p:set>
+                                    <p:animEffect transition="in" filter="fade">
+                                      <p:cBhvr>
+                                        <p:cTn id="33" dur="500"/>
+                                        <p:tgtEl>
+                                          <p:spTgt spid="4">
+                                            <p:txEl>
+                                              <p:pRg st="4" end="4"/>
+                                            </p:txEl>
+                                          </p:spTgt>
+                                        </p:tgtEl>
+                                      </p:cBhvr>
+                                    </p:animEffect>
+                                  </p:childTnLst>
+                                </p:cTn>
+                              </p:par>
+                            </p:childTnLst>
+                          </p:cTn>
+                        </p:par>
+                      </p:childTnLst>
+                    </p:cTn>
+                  </p:par>
+                </p:childTnLst>
+              </p:cTn>
+              <p:prevCondLst>
+                <p:cond evt="onPrev" delay="0">
+                  <p:tgtEl>
+                    <p:sldTgt/>
+                  </p:tgtEl>
+                </p:cond>
+              </p:prevCondLst>
+              <p:nextCondLst>
+                <p:cond evt="onNext" delay="0">
+                  <p:tgtEl>
+                    <p:sldTgt/>
+                  </p:tgtEl>
+                </p:cond>
+              </p:nextCondLst>
+            </p:seq>
+          </p:childTnLst>
+        </p:cTn>
+      </p:par>
+    </p:tnLst>
+    <p:bldLst>
+      <p:bldP spid="3" grpId="0" build="p"/>
+      <p:bldP spid="4" grpId="0" build="p"/>
+    </p:bldLst>
+  </p:timing>
+</p:sld>
+</file>
+
+<file path=ppt/slides/slide20.xml><?xml version="1.0" encoding="utf-8"?>
+<p:sld xmlns:a="http://schemas.openxmlformats.org/drawingml/2006/main" xmlns:r="http://schemas.openxmlformats.org/officeDocument/2006/relationships" xmlns:p="http://schemas.openxmlformats.org/presentationml/2006/main">
+  <p:cSld>
+    <p:spTree>
+      <p:nvGrpSpPr>
+        <p:cNvPr id="1" name=""/>
+        <p:cNvGrpSpPr/>
+        <p:nvPr/>
+      </p:nvGrpSpPr>
+      <p:grpSpPr>
+        <a:xfrm>
+          <a:off x="0" y="0"/>
+          <a:ext cx="0" cy="0"/>
+          <a:chOff x="0" y="0"/>
+          <a:chExt cx="0" cy="0"/>
+        </a:xfrm>
+      </p:grpSpPr>
+      <p:sp>
+        <p:nvSpPr>
+          <p:cNvPr id="2" name="Title 1"/>
+          <p:cNvSpPr>
+            <a:spLocks noGrp="1"/>
+          </p:cNvSpPr>
+          <p:nvPr>
+            <p:ph type="title"/>
+          </p:nvPr>
+        </p:nvSpPr>
+        <p:spPr/>
+        <p:txBody>
+          <a:bodyPr/>
+          <a:lstStyle/>
+          <a:p>
+            <a:r>
+              <a:rPr lang="en-US" dirty="0" smtClean="0"/>
+              <a:t>Hosting</a:t>
+            </a:r>
+            <a:endParaRPr lang="en-US" dirty="0"/>
+          </a:p>
+        </p:txBody>
+      </p:sp>
+      <p:sp>
+        <p:nvSpPr>
+          <p:cNvPr id="3" name="Content Placeholder 2"/>
+          <p:cNvSpPr>
+            <a:spLocks noGrp="1"/>
+          </p:cNvSpPr>
+          <p:nvPr>
+            <p:ph sz="quarter" idx="1"/>
+          </p:nvPr>
+        </p:nvSpPr>
+        <p:spPr/>
+        <p:txBody>
+          <a:bodyPr/>
+          <a:lstStyle/>
+          <a:p>
+            <a:r>
+              <a:rPr lang="en-US" dirty="0" err="1" smtClean="0"/>
+              <a:t>RStudio</a:t>
+            </a:r>
+            <a:r>
+              <a:rPr lang="en-US" dirty="0" smtClean="0"/>
+              <a:t> offers “Glimmer”</a:t>
+            </a:r>
+          </a:p>
+          <a:p>
+            <a:pPr lvl="1"/>
+            <a:r>
+              <a:rPr lang="en-US" dirty="0" smtClean="0"/>
+              <a:t>Free (for now) managed hosting platform for Shiny</a:t>
+            </a:r>
+          </a:p>
+          <a:p>
+            <a:r>
+              <a:rPr lang="en-US" dirty="0" err="1" smtClean="0"/>
+              <a:t>RStudio‘s</a:t>
+            </a:r>
+            <a:r>
+              <a:rPr lang="en-US" dirty="0" smtClean="0"/>
+              <a:t> Shiny-Server</a:t>
+            </a:r>
+          </a:p>
+          <a:p>
+            <a:pPr lvl="1"/>
+            <a:r>
+              <a:rPr lang="en-US" dirty="0"/>
+              <a:t>Open sourced </a:t>
+            </a:r>
+            <a:r>
+              <a:rPr lang="en-US" dirty="0" smtClean="0"/>
+              <a:t>1/22/2013</a:t>
+            </a:r>
+            <a:endParaRPr lang="en-US" dirty="0"/>
+          </a:p>
+          <a:p>
+            <a:pPr lvl="1"/>
+            <a:r>
+              <a:rPr lang="en-US" dirty="0" smtClean="0"/>
+              <a:t>Written in Node.js</a:t>
+            </a:r>
+          </a:p>
+          <a:p>
+            <a:pPr lvl="1"/>
+            <a:r>
+              <a:rPr lang="en-US" dirty="0" smtClean="0"/>
+              <a:t>Same software that powers Glimmer</a:t>
+            </a:r>
+          </a:p>
+          <a:p>
+            <a:pPr lvl="1"/>
+            <a:r>
+              <a:rPr lang="en-US" dirty="0" smtClean="0"/>
+              <a:t>“Some assembly required”</a:t>
+            </a:r>
+          </a:p>
+          <a:p>
+            <a:pPr lvl="1"/>
+            <a:r>
+              <a:rPr lang="en-US" dirty="0" smtClean="0"/>
+              <a:t>Hacks to support older IEs</a:t>
+            </a:r>
+          </a:p>
+          <a:p>
+            <a:r>
+              <a:rPr lang="en-US" dirty="0" smtClean="0"/>
+              <a:t>Amazon Machine Image on EC2</a:t>
+            </a:r>
+          </a:p>
+          <a:p>
+            <a:pPr lvl="1"/>
+            <a:endParaRPr lang="en-US" dirty="0"/>
+          </a:p>
+        </p:txBody>
+      </p:sp>
+    </p:spTree>
+    <p:extLst>
+      <p:ext uri="{BB962C8B-B14F-4D97-AF65-F5344CB8AC3E}">
+        <p14:creationId xmlns:p14="http://schemas.microsoft.com/office/powerpoint/2010/main" val="3063863817"/>
+      </p:ext>
+    </p:extLst>
+  </p:cSld>
+  <p:clrMapOvr>
+    <a:masterClrMapping/>
+  </p:clrMapOvr>
+  <p:timing>
+    <p:tnLst>
+      <p:par>
+        <p:cTn id="1" dur="indefinite" restart="never" nodeType="tmRoot"/>
+      </p:par>
+    </p:tnLst>
+  </p:timing>
+</p:sld>
+</file>
+
+<file path=ppt/slides/slide3.xml><?xml version="1.0" encoding="utf-8"?>
+<p:sld xmlns:a="http://schemas.openxmlformats.org/drawingml/2006/main" xmlns:r="http://schemas.openxmlformats.org/officeDocument/2006/relationships" xmlns:p="http://schemas.openxmlformats.org/presentationml/2006/main">
+  <p:cSld>
+    <p:spTree>
+      <p:nvGrpSpPr>
+        <p:cNvPr id="1" name=""/>
+        <p:cNvGrpSpPr/>
+        <p:nvPr/>
+      </p:nvGrpSpPr>
+      <p:grpSpPr>
+        <a:xfrm>
+          <a:off x="0" y="0"/>
+          <a:ext cx="0" cy="0"/>
+          <a:chOff x="0" y="0"/>
+          <a:chExt cx="0" cy="0"/>
+        </a:xfrm>
+      </p:grpSpPr>
+      <p:sp>
+        <p:nvSpPr>
+          <p:cNvPr id="2" name="Title 1"/>
+          <p:cNvSpPr>
+            <a:spLocks noGrp="1"/>
+          </p:cNvSpPr>
+          <p:nvPr>
+            <p:ph type="title"/>
+          </p:nvPr>
+        </p:nvSpPr>
+        <p:spPr/>
+        <p:txBody>
+          <a:bodyPr/>
+          <a:lstStyle/>
+          <a:p>
+            <a:r>
+              <a:rPr lang="en-US" dirty="0" smtClean="0"/>
               <a:t>Overview</a:t>
             </a:r>
             <a:endParaRPr lang="en-US" dirty="0"/>
@@ -8868,7 +10997,7 @@
 </p:sld>
 </file>
 
-<file path=ppt/slides/slide3.xml><?xml version="1.0" encoding="utf-8"?>
+<file path=ppt/slides/slide4.xml><?xml version="1.0" encoding="utf-8"?>
 <p:sld xmlns:a="http://schemas.openxmlformats.org/drawingml/2006/main" xmlns:r="http://schemas.openxmlformats.org/officeDocument/2006/relationships" xmlns:p="http://schemas.openxmlformats.org/presentationml/2006/main">
   <p:cSld>
     <p:spTree>
@@ -9105,7 +11234,7 @@
 </p:sld>
 </file>
 
-<file path=ppt/slides/slide4.xml><?xml version="1.0" encoding="utf-8"?>
+<file path=ppt/slides/slide5.xml><?xml version="1.0" encoding="utf-8"?>
 <p:sld xmlns:a="http://schemas.openxmlformats.org/drawingml/2006/main" xmlns:r="http://schemas.openxmlformats.org/officeDocument/2006/relationships" xmlns:p="http://schemas.openxmlformats.org/presentationml/2006/main">
   <p:cSld>
     <p:spTree>
@@ -9234,7 +11363,7 @@
 </p:sld>
 </file>
 
-<file path=ppt/slides/slide5.xml><?xml version="1.0" encoding="utf-8"?>
+<file path=ppt/slides/slide6.xml><?xml version="1.0" encoding="utf-8"?>
 <p:sld xmlns:a="http://schemas.openxmlformats.org/drawingml/2006/main" xmlns:r="http://schemas.openxmlformats.org/officeDocument/2006/relationships" xmlns:p="http://schemas.openxmlformats.org/presentationml/2006/main">
   <p:cSld>
     <p:spTree>
@@ -9330,8 +11459,26 @@
           <a:p>
             <a:r>
               <a:rPr lang="en-US" dirty="0" smtClean="0"/>
-              <a:t>Built on a “Reactive Programming” model</a:t>
-            </a:r>
+              <a:t>Built on a “Reactive Programming” </a:t>
+            </a:r>
+            <a:r>
+              <a:rPr lang="en-US" dirty="0" smtClean="0"/>
+              <a:t>model</a:t>
+            </a:r>
+          </a:p>
+          <a:p>
+            <a:r>
+              <a:rPr lang="en-US" dirty="0" smtClean="0"/>
+              <a:t>Entirely extensible</a:t>
+            </a:r>
+          </a:p>
+          <a:p>
+            <a:pPr lvl="1"/>
+            <a:r>
+              <a:rPr lang="en-US" dirty="0" smtClean="0"/>
+              <a:t>Custom inputs and outputs</a:t>
+            </a:r>
+            <a:endParaRPr lang="en-US" dirty="0" smtClean="0"/>
           </a:p>
           <a:p>
             <a:endParaRPr lang="en-US" dirty="0"/>
@@ -9358,7 +11505,7 @@
 </p:sld>
 </file>
 
-<file path=ppt/slides/slide6.xml><?xml version="1.0" encoding="utf-8"?>
+<file path=ppt/slides/slide7.xml><?xml version="1.0" encoding="utf-8"?>
 <p:sld xmlns:a="http://schemas.openxmlformats.org/drawingml/2006/main" xmlns:r="http://schemas.openxmlformats.org/officeDocument/2006/relationships" xmlns:p="http://schemas.openxmlformats.org/presentationml/2006/main">
   <p:cSld>
     <p:spTree>
@@ -9636,7 +11783,7 @@
 </p:sld>
 </file>
 
-<file path=ppt/slides/slide7.xml><?xml version="1.0" encoding="utf-8"?>
+<file path=ppt/slides/slide8.xml><?xml version="1.0" encoding="utf-8"?>
 <p:sld xmlns:a="http://schemas.openxmlformats.org/drawingml/2006/main" xmlns:r="http://schemas.openxmlformats.org/officeDocument/2006/relationships" xmlns:p="http://schemas.openxmlformats.org/presentationml/2006/main">
   <p:cSld>
     <p:spTree>
@@ -9928,89 +12075,6 @@
 </p:sld>
 </file>
 
-<file path=ppt/slides/slide8.xml><?xml version="1.0" encoding="utf-8"?>
-<p:sld xmlns:a="http://schemas.openxmlformats.org/drawingml/2006/main" xmlns:r="http://schemas.openxmlformats.org/officeDocument/2006/relationships" xmlns:p="http://schemas.openxmlformats.org/presentationml/2006/main">
-  <p:cSld>
-    <p:spTree>
-      <p:nvGrpSpPr>
-        <p:cNvPr id="1" name=""/>
-        <p:cNvGrpSpPr/>
-        <p:nvPr/>
-      </p:nvGrpSpPr>
-      <p:grpSpPr>
-        <a:xfrm>
-          <a:off x="0" y="0"/>
-          <a:ext cx="0" cy="0"/>
-          <a:chOff x="0" y="0"/>
-          <a:chExt cx="0" cy="0"/>
-        </a:xfrm>
-      </p:grpSpPr>
-      <p:sp>
-        <p:nvSpPr>
-          <p:cNvPr id="5" name="Text Placeholder 4"/>
-          <p:cNvSpPr>
-            <a:spLocks noGrp="1"/>
-          </p:cNvSpPr>
-          <p:nvPr>
-            <p:ph type="body" idx="1"/>
-          </p:nvPr>
-        </p:nvSpPr>
-        <p:spPr/>
-        <p:txBody>
-          <a:bodyPr/>
-          <a:lstStyle/>
-          <a:p>
-            <a:r>
-              <a:rPr lang="en-US" dirty="0" smtClean="0"/>
-              <a:t>Basic Shiny UI and Server</a:t>
-            </a:r>
-            <a:endParaRPr lang="en-US" dirty="0"/>
-          </a:p>
-        </p:txBody>
-      </p:sp>
-      <p:sp>
-        <p:nvSpPr>
-          <p:cNvPr id="4" name="Title 3"/>
-          <p:cNvSpPr>
-            <a:spLocks noGrp="1"/>
-          </p:cNvSpPr>
-          <p:nvPr>
-            <p:ph type="title"/>
-          </p:nvPr>
-        </p:nvSpPr>
-        <p:spPr/>
-        <p:txBody>
-          <a:bodyPr/>
-          <a:lstStyle/>
-          <a:p>
-            <a:r>
-              <a:rPr lang="en-US" dirty="0" smtClean="0"/>
-              <a:t>Basic Shiny Example</a:t>
-            </a:r>
-            <a:endParaRPr lang="en-US" dirty="0"/>
-          </a:p>
-        </p:txBody>
-      </p:sp>
-    </p:spTree>
-    <p:extLst>
-      <p:ext uri="{BB962C8B-B14F-4D97-AF65-F5344CB8AC3E}">
-        <p14:creationId xmlns:p14="http://schemas.microsoft.com/office/powerpoint/2010/main" val="3427784862"/>
-      </p:ext>
-    </p:extLst>
-  </p:cSld>
-  <p:clrMapOvr>
-    <a:masterClrMapping/>
-  </p:clrMapOvr>
-  <p:timing>
-    <p:tnLst>
-      <p:par>
-        <p:cTn id="1" dur="indefinite" restart="never" nodeType="tmRoot"/>
-      </p:par>
-    </p:tnLst>
-  </p:timing>
-</p:sld>
-</file>
-
 <file path=ppt/slides/slide9.xml><?xml version="1.0" encoding="utf-8"?>
 <p:sld xmlns:a="http://schemas.openxmlformats.org/drawingml/2006/main" xmlns:r="http://schemas.openxmlformats.org/officeDocument/2006/relationships" xmlns:p="http://schemas.openxmlformats.org/presentationml/2006/main">
   <p:cSld>
@@ -10030,7 +12094,7 @@
       </p:grpSpPr>
       <p:sp>
         <p:nvSpPr>
-          <p:cNvPr id="2" name="Text Placeholder 1"/>
+          <p:cNvPr id="5" name="Text Placeholder 4"/>
           <p:cNvSpPr>
             <a:spLocks noGrp="1"/>
           </p:cNvSpPr>
@@ -10045,7 +12109,7 @@
           <a:p>
             <a:r>
               <a:rPr lang="en-US" dirty="0" smtClean="0"/>
-              <a:t>Additional UI Features</a:t>
+              <a:t>Basic Shiny UI and Server</a:t>
             </a:r>
             <a:endParaRPr lang="en-US" dirty="0"/>
           </a:p>
@@ -10053,7 +12117,7 @@
       </p:sp>
       <p:sp>
         <p:nvSpPr>
-          <p:cNvPr id="3" name="Title 2"/>
+          <p:cNvPr id="4" name="Title 3"/>
           <p:cNvSpPr>
             <a:spLocks noGrp="1"/>
           </p:cNvSpPr>
@@ -10068,7 +12132,7 @@
           <a:p>
             <a:r>
               <a:rPr lang="en-US" dirty="0" smtClean="0"/>
-              <a:t>Intermediate Shiny Example</a:t>
+              <a:t>Basic Shiny Example</a:t>
             </a:r>
             <a:endParaRPr lang="en-US" dirty="0"/>
           </a:p>
@@ -10077,7 +12141,7 @@
     </p:spTree>
     <p:extLst>
       <p:ext uri="{BB962C8B-B14F-4D97-AF65-F5344CB8AC3E}">
-        <p14:creationId xmlns:p14="http://schemas.microsoft.com/office/powerpoint/2010/main" val="3428301371"/>
+        <p14:creationId xmlns:p14="http://schemas.microsoft.com/office/powerpoint/2010/main" val="3427784862"/>
       </p:ext>
     </p:extLst>
   </p:cSld>
